--- a/revised-ppts/Day 4 PPT.pptx
+++ b/revised-ppts/Day 4 PPT.pptx
@@ -469,59 +469,6 @@
           <pc:docMk/>
           <pc:sldMk cId="1287501265" sldId="264"/>
         </pc:sldMkLst>
-      </pc:sldChg>
-    </pc:docChg>
-  </pc:docChgLst>
-  <pc:docChgLst>
-    <pc:chgData name="Cynthia Enciso" userId="7915927f-c5cf-4e1f-876d-e79882ad52fa" providerId="ADAL" clId="{089F6BBA-018F-4F16-B1B3-4E6530E625EF}"/>
-    <pc:docChg chg="custSel delSld modSld sldOrd">
-      <pc:chgData name="Cynthia Enciso" userId="7915927f-c5cf-4e1f-876d-e79882ad52fa" providerId="ADAL" clId="{089F6BBA-018F-4F16-B1B3-4E6530E625EF}" dt="2021-05-27T22:15:31.095" v="68" actId="478"/>
-      <pc:docMkLst>
-        <pc:docMk/>
-      </pc:docMkLst>
-      <pc:sldChg chg="ord">
-        <pc:chgData name="Cynthia Enciso" userId="7915927f-c5cf-4e1f-876d-e79882ad52fa" providerId="ADAL" clId="{089F6BBA-018F-4F16-B1B3-4E6530E625EF}" dt="2021-05-27T20:59:44.500" v="66"/>
-        <pc:sldMkLst>
-          <pc:docMk/>
-          <pc:sldMk cId="4104249248" sldId="260"/>
-        </pc:sldMkLst>
-      </pc:sldChg>
-      <pc:sldChg chg="del">
-        <pc:chgData name="Cynthia Enciso" userId="7915927f-c5cf-4e1f-876d-e79882ad52fa" providerId="ADAL" clId="{089F6BBA-018F-4F16-B1B3-4E6530E625EF}" dt="2021-05-27T20:22:56.093" v="2" actId="47"/>
-        <pc:sldMkLst>
-          <pc:docMk/>
-          <pc:sldMk cId="1793348218" sldId="263"/>
-        </pc:sldMkLst>
-      </pc:sldChg>
-      <pc:sldChg chg="addSp delSp modSp mod">
-        <pc:chgData name="Cynthia Enciso" userId="7915927f-c5cf-4e1f-876d-e79882ad52fa" providerId="ADAL" clId="{089F6BBA-018F-4F16-B1B3-4E6530E625EF}" dt="2021-05-27T22:15:31.095" v="68" actId="478"/>
-        <pc:sldMkLst>
-          <pc:docMk/>
-          <pc:sldMk cId="3645312431" sldId="268"/>
-        </pc:sldMkLst>
-        <pc:spChg chg="add del mod">
-          <ac:chgData name="Cynthia Enciso" userId="7915927f-c5cf-4e1f-876d-e79882ad52fa" providerId="ADAL" clId="{089F6BBA-018F-4F16-B1B3-4E6530E625EF}" dt="2021-05-27T22:15:31.095" v="68" actId="478"/>
-          <ac:spMkLst>
-            <pc:docMk/>
-            <pc:sldMk cId="3645312431" sldId="268"/>
-            <ac:spMk id="5" creationId="{23C5B85B-0F50-4610-9AC8-4D956242CC80}"/>
-          </ac:spMkLst>
-        </pc:spChg>
-      </pc:sldChg>
-      <pc:sldChg chg="addSp delSp modSp mod">
-        <pc:chgData name="Cynthia Enciso" userId="7915927f-c5cf-4e1f-876d-e79882ad52fa" providerId="ADAL" clId="{089F6BBA-018F-4F16-B1B3-4E6530E625EF}" dt="2021-05-27T22:15:22.444" v="67" actId="478"/>
-        <pc:sldMkLst>
-          <pc:docMk/>
-          <pc:sldMk cId="4149792305" sldId="314"/>
-        </pc:sldMkLst>
-        <pc:spChg chg="add del mod">
-          <ac:chgData name="Cynthia Enciso" userId="7915927f-c5cf-4e1f-876d-e79882ad52fa" providerId="ADAL" clId="{089F6BBA-018F-4F16-B1B3-4E6530E625EF}" dt="2021-05-27T22:15:22.444" v="67" actId="478"/>
-          <ac:spMkLst>
-            <pc:docMk/>
-            <pc:sldMk cId="4149792305" sldId="314"/>
-            <ac:spMk id="5" creationId="{E24669E0-FE7A-4C61-A646-95CD26AB28E4}"/>
-          </ac:spMkLst>
-        </pc:spChg>
       </pc:sldChg>
     </pc:docChg>
   </pc:docChgLst>
@@ -1657,6 +1604,59 @@
       </pc:sldChg>
     </pc:docChg>
   </pc:docChgLst>
+  <pc:docChgLst>
+    <pc:chgData name="Cynthia Enciso" userId="7915927f-c5cf-4e1f-876d-e79882ad52fa" providerId="ADAL" clId="{089F6BBA-018F-4F16-B1B3-4E6530E625EF}"/>
+    <pc:docChg chg="custSel delSld modSld sldOrd">
+      <pc:chgData name="Cynthia Enciso" userId="7915927f-c5cf-4e1f-876d-e79882ad52fa" providerId="ADAL" clId="{089F6BBA-018F-4F16-B1B3-4E6530E625EF}" dt="2021-05-27T22:15:31.095" v="68" actId="478"/>
+      <pc:docMkLst>
+        <pc:docMk/>
+      </pc:docMkLst>
+      <pc:sldChg chg="ord">
+        <pc:chgData name="Cynthia Enciso" userId="7915927f-c5cf-4e1f-876d-e79882ad52fa" providerId="ADAL" clId="{089F6BBA-018F-4F16-B1B3-4E6530E625EF}" dt="2021-05-27T20:59:44.500" v="66"/>
+        <pc:sldMkLst>
+          <pc:docMk/>
+          <pc:sldMk cId="4104249248" sldId="260"/>
+        </pc:sldMkLst>
+      </pc:sldChg>
+      <pc:sldChg chg="del">
+        <pc:chgData name="Cynthia Enciso" userId="7915927f-c5cf-4e1f-876d-e79882ad52fa" providerId="ADAL" clId="{089F6BBA-018F-4F16-B1B3-4E6530E625EF}" dt="2021-05-27T20:22:56.093" v="2" actId="47"/>
+        <pc:sldMkLst>
+          <pc:docMk/>
+          <pc:sldMk cId="1793348218" sldId="263"/>
+        </pc:sldMkLst>
+      </pc:sldChg>
+      <pc:sldChg chg="addSp delSp modSp mod">
+        <pc:chgData name="Cynthia Enciso" userId="7915927f-c5cf-4e1f-876d-e79882ad52fa" providerId="ADAL" clId="{089F6BBA-018F-4F16-B1B3-4E6530E625EF}" dt="2021-05-27T22:15:31.095" v="68" actId="478"/>
+        <pc:sldMkLst>
+          <pc:docMk/>
+          <pc:sldMk cId="3645312431" sldId="268"/>
+        </pc:sldMkLst>
+        <pc:spChg chg="add del mod">
+          <ac:chgData name="Cynthia Enciso" userId="7915927f-c5cf-4e1f-876d-e79882ad52fa" providerId="ADAL" clId="{089F6BBA-018F-4F16-B1B3-4E6530E625EF}" dt="2021-05-27T22:15:31.095" v="68" actId="478"/>
+          <ac:spMkLst>
+            <pc:docMk/>
+            <pc:sldMk cId="3645312431" sldId="268"/>
+            <ac:spMk id="5" creationId="{23C5B85B-0F50-4610-9AC8-4D956242CC80}"/>
+          </ac:spMkLst>
+        </pc:spChg>
+      </pc:sldChg>
+      <pc:sldChg chg="addSp delSp modSp mod">
+        <pc:chgData name="Cynthia Enciso" userId="7915927f-c5cf-4e1f-876d-e79882ad52fa" providerId="ADAL" clId="{089F6BBA-018F-4F16-B1B3-4E6530E625EF}" dt="2021-05-27T22:15:22.444" v="67" actId="478"/>
+        <pc:sldMkLst>
+          <pc:docMk/>
+          <pc:sldMk cId="4149792305" sldId="314"/>
+        </pc:sldMkLst>
+        <pc:spChg chg="add del mod">
+          <ac:chgData name="Cynthia Enciso" userId="7915927f-c5cf-4e1f-876d-e79882ad52fa" providerId="ADAL" clId="{089F6BBA-018F-4F16-B1B3-4E6530E625EF}" dt="2021-05-27T22:15:22.444" v="67" actId="478"/>
+          <ac:spMkLst>
+            <pc:docMk/>
+            <pc:sldMk cId="4149792305" sldId="314"/>
+            <ac:spMk id="5" creationId="{E24669E0-FE7A-4C61-A646-95CD26AB28E4}"/>
+          </ac:spMkLst>
+        </pc:spChg>
+      </pc:sldChg>
+    </pc:docChg>
+  </pc:docChgLst>
 </pc:chgInfo>
 </file>
 
@@ -1804,7 +1804,7 @@
           </a:lstStyle>
           <a:p>
             <a:fld id="{CA869C63-99CE-7C40-A7E9-3930C61B23AB}" type="datetimeFigureOut">
-              <a:t>11/18/2021</a:t>
+              <a:t>12/27/2021</a:t>
             </a:fld>
             <a:endParaRPr lang="en-US" dirty="0"/>
           </a:p>
@@ -1969,7 +1969,7 @@
           <a:p>
             <a:fld id="{E3E59D94-626A-4CE8-9932-5221A04BF234}" type="datetimeFigureOut">
               <a:rPr lang="en-US" smtClean="0"/>
-              <a:t>11/18/2021</a:t>
+              <a:t>12/27/2021</a:t>
             </a:fld>
             <a:endParaRPr lang="en-US" dirty="0"/>
           </a:p>
@@ -41487,7 +41487,7 @@
             </a:pPr>
             <a:r>
               <a:rPr lang="en-US" b="1" dirty="0"/>
-              <a:t>.h1 {</a:t>
+              <a:t>h1 {</a:t>
             </a:r>
           </a:p>
           <a:p>

--- a/revised-ppts/Day 4 PPT.pptx
+++ b/revised-ppts/Day 4 PPT.pptx
@@ -469,6 +469,59 @@
           <pc:docMk/>
           <pc:sldMk cId="1287501265" sldId="264"/>
         </pc:sldMkLst>
+      </pc:sldChg>
+    </pc:docChg>
+  </pc:docChgLst>
+  <pc:docChgLst>
+    <pc:chgData name="Cynthia Enciso" userId="7915927f-c5cf-4e1f-876d-e79882ad52fa" providerId="ADAL" clId="{089F6BBA-018F-4F16-B1B3-4E6530E625EF}"/>
+    <pc:docChg chg="custSel delSld modSld sldOrd">
+      <pc:chgData name="Cynthia Enciso" userId="7915927f-c5cf-4e1f-876d-e79882ad52fa" providerId="ADAL" clId="{089F6BBA-018F-4F16-B1B3-4E6530E625EF}" dt="2021-05-27T22:15:31.095" v="68" actId="478"/>
+      <pc:docMkLst>
+        <pc:docMk/>
+      </pc:docMkLst>
+      <pc:sldChg chg="ord">
+        <pc:chgData name="Cynthia Enciso" userId="7915927f-c5cf-4e1f-876d-e79882ad52fa" providerId="ADAL" clId="{089F6BBA-018F-4F16-B1B3-4E6530E625EF}" dt="2021-05-27T20:59:44.500" v="66"/>
+        <pc:sldMkLst>
+          <pc:docMk/>
+          <pc:sldMk cId="4104249248" sldId="260"/>
+        </pc:sldMkLst>
+      </pc:sldChg>
+      <pc:sldChg chg="del">
+        <pc:chgData name="Cynthia Enciso" userId="7915927f-c5cf-4e1f-876d-e79882ad52fa" providerId="ADAL" clId="{089F6BBA-018F-4F16-B1B3-4E6530E625EF}" dt="2021-05-27T20:22:56.093" v="2" actId="47"/>
+        <pc:sldMkLst>
+          <pc:docMk/>
+          <pc:sldMk cId="1793348218" sldId="263"/>
+        </pc:sldMkLst>
+      </pc:sldChg>
+      <pc:sldChg chg="addSp delSp modSp mod">
+        <pc:chgData name="Cynthia Enciso" userId="7915927f-c5cf-4e1f-876d-e79882ad52fa" providerId="ADAL" clId="{089F6BBA-018F-4F16-B1B3-4E6530E625EF}" dt="2021-05-27T22:15:31.095" v="68" actId="478"/>
+        <pc:sldMkLst>
+          <pc:docMk/>
+          <pc:sldMk cId="3645312431" sldId="268"/>
+        </pc:sldMkLst>
+        <pc:spChg chg="add del mod">
+          <ac:chgData name="Cynthia Enciso" userId="7915927f-c5cf-4e1f-876d-e79882ad52fa" providerId="ADAL" clId="{089F6BBA-018F-4F16-B1B3-4E6530E625EF}" dt="2021-05-27T22:15:31.095" v="68" actId="478"/>
+          <ac:spMkLst>
+            <pc:docMk/>
+            <pc:sldMk cId="3645312431" sldId="268"/>
+            <ac:spMk id="5" creationId="{23C5B85B-0F50-4610-9AC8-4D956242CC80}"/>
+          </ac:spMkLst>
+        </pc:spChg>
+      </pc:sldChg>
+      <pc:sldChg chg="addSp delSp modSp mod">
+        <pc:chgData name="Cynthia Enciso" userId="7915927f-c5cf-4e1f-876d-e79882ad52fa" providerId="ADAL" clId="{089F6BBA-018F-4F16-B1B3-4E6530E625EF}" dt="2021-05-27T22:15:22.444" v="67" actId="478"/>
+        <pc:sldMkLst>
+          <pc:docMk/>
+          <pc:sldMk cId="4149792305" sldId="314"/>
+        </pc:sldMkLst>
+        <pc:spChg chg="add del mod">
+          <ac:chgData name="Cynthia Enciso" userId="7915927f-c5cf-4e1f-876d-e79882ad52fa" providerId="ADAL" clId="{089F6BBA-018F-4F16-B1B3-4E6530E625EF}" dt="2021-05-27T22:15:22.444" v="67" actId="478"/>
+          <ac:spMkLst>
+            <pc:docMk/>
+            <pc:sldMk cId="4149792305" sldId="314"/>
+            <ac:spMk id="5" creationId="{E24669E0-FE7A-4C61-A646-95CD26AB28E4}"/>
+          </ac:spMkLst>
+        </pc:spChg>
       </pc:sldChg>
     </pc:docChg>
   </pc:docChgLst>
@@ -1604,123 +1657,7 @@
       </pc:sldChg>
     </pc:docChg>
   </pc:docChgLst>
-  <pc:docChgLst>
-    <pc:chgData name="Cynthia Enciso" userId="7915927f-c5cf-4e1f-876d-e79882ad52fa" providerId="ADAL" clId="{089F6BBA-018F-4F16-B1B3-4E6530E625EF}"/>
-    <pc:docChg chg="custSel delSld modSld sldOrd">
-      <pc:chgData name="Cynthia Enciso" userId="7915927f-c5cf-4e1f-876d-e79882ad52fa" providerId="ADAL" clId="{089F6BBA-018F-4F16-B1B3-4E6530E625EF}" dt="2021-05-27T22:15:31.095" v="68" actId="478"/>
-      <pc:docMkLst>
-        <pc:docMk/>
-      </pc:docMkLst>
-      <pc:sldChg chg="ord">
-        <pc:chgData name="Cynthia Enciso" userId="7915927f-c5cf-4e1f-876d-e79882ad52fa" providerId="ADAL" clId="{089F6BBA-018F-4F16-B1B3-4E6530E625EF}" dt="2021-05-27T20:59:44.500" v="66"/>
-        <pc:sldMkLst>
-          <pc:docMk/>
-          <pc:sldMk cId="4104249248" sldId="260"/>
-        </pc:sldMkLst>
-      </pc:sldChg>
-      <pc:sldChg chg="del">
-        <pc:chgData name="Cynthia Enciso" userId="7915927f-c5cf-4e1f-876d-e79882ad52fa" providerId="ADAL" clId="{089F6BBA-018F-4F16-B1B3-4E6530E625EF}" dt="2021-05-27T20:22:56.093" v="2" actId="47"/>
-        <pc:sldMkLst>
-          <pc:docMk/>
-          <pc:sldMk cId="1793348218" sldId="263"/>
-        </pc:sldMkLst>
-      </pc:sldChg>
-      <pc:sldChg chg="addSp delSp modSp mod">
-        <pc:chgData name="Cynthia Enciso" userId="7915927f-c5cf-4e1f-876d-e79882ad52fa" providerId="ADAL" clId="{089F6BBA-018F-4F16-B1B3-4E6530E625EF}" dt="2021-05-27T22:15:31.095" v="68" actId="478"/>
-        <pc:sldMkLst>
-          <pc:docMk/>
-          <pc:sldMk cId="3645312431" sldId="268"/>
-        </pc:sldMkLst>
-        <pc:spChg chg="add del mod">
-          <ac:chgData name="Cynthia Enciso" userId="7915927f-c5cf-4e1f-876d-e79882ad52fa" providerId="ADAL" clId="{089F6BBA-018F-4F16-B1B3-4E6530E625EF}" dt="2021-05-27T22:15:31.095" v="68" actId="478"/>
-          <ac:spMkLst>
-            <pc:docMk/>
-            <pc:sldMk cId="3645312431" sldId="268"/>
-            <ac:spMk id="5" creationId="{23C5B85B-0F50-4610-9AC8-4D956242CC80}"/>
-          </ac:spMkLst>
-        </pc:spChg>
-      </pc:sldChg>
-      <pc:sldChg chg="addSp delSp modSp mod">
-        <pc:chgData name="Cynthia Enciso" userId="7915927f-c5cf-4e1f-876d-e79882ad52fa" providerId="ADAL" clId="{089F6BBA-018F-4F16-B1B3-4E6530E625EF}" dt="2021-05-27T22:15:22.444" v="67" actId="478"/>
-        <pc:sldMkLst>
-          <pc:docMk/>
-          <pc:sldMk cId="4149792305" sldId="314"/>
-        </pc:sldMkLst>
-        <pc:spChg chg="add del mod">
-          <ac:chgData name="Cynthia Enciso" userId="7915927f-c5cf-4e1f-876d-e79882ad52fa" providerId="ADAL" clId="{089F6BBA-018F-4F16-B1B3-4E6530E625EF}" dt="2021-05-27T22:15:22.444" v="67" actId="478"/>
-          <ac:spMkLst>
-            <pc:docMk/>
-            <pc:sldMk cId="4149792305" sldId="314"/>
-            <ac:spMk id="5" creationId="{E24669E0-FE7A-4C61-A646-95CD26AB28E4}"/>
-          </ac:spMkLst>
-        </pc:spChg>
-      </pc:sldChg>
-    </pc:docChg>
-  </pc:docChgLst>
 </pc:chgInfo>
-</file>
-
-<file path=ppt/comments/modernComment_105_69849477.xml><?xml version="1.0" encoding="utf-8"?>
-<p188:cmLst xmlns:a="http://schemas.openxmlformats.org/drawingml/2006/main" xmlns:r="http://schemas.openxmlformats.org/officeDocument/2006/relationships" xmlns:p188="http://schemas.microsoft.com/office/powerpoint/2018/8/main">
-  <p188:cm id="{2B3AB603-02C2-4ABC-8FD9-BCFAF56C3469}" authorId="{8ED73329-AC64-E68A-FE08-06D8D6AA2C59}" created="2021-11-16T17:12:56.110">
-    <pc:sldMkLst xmlns:pc="http://schemas.microsoft.com/office/powerpoint/2013/main/command">
-      <pc:docMk/>
-      <pc:sldMk cId="1770296439" sldId="261"/>
-    </pc:sldMkLst>
-    <p188:txBody>
-      <a:bodyPr/>
-      <a:lstStyle/>
-      <a:p>
-        <a:r>
-          <a:rPr lang="en-US"/>
-          <a:t>These were at the bottom to demonstrate them towards the end of the lecture. I wanted to group them with the other selectors. Should they go back towards the bottom as an "Advanced Selectors" section?</a:t>
-        </a:r>
-      </a:p>
-    </p188:txBody>
-  </p188:cm>
-</p188:cmLst>
-</file>
-
-<file path=ppt/comments/modernComment_13A_F758CE31.xml><?xml version="1.0" encoding="utf-8"?>
-<p188:cmLst xmlns:a="http://schemas.openxmlformats.org/drawingml/2006/main" xmlns:r="http://schemas.openxmlformats.org/officeDocument/2006/relationships" xmlns:p188="http://schemas.microsoft.com/office/powerpoint/2018/8/main">
-  <p188:cm id="{8085FD77-BA45-46CC-8963-660C040C68E5}" authorId="{8ED73329-AC64-E68A-FE08-06D8D6AA2C59}" created="2021-11-15T21:52:15.874">
-    <pc:sldMkLst xmlns:pc="http://schemas.microsoft.com/office/powerpoint/2013/main/command">
-      <pc:docMk/>
-      <pc:sldMk cId="4149792305" sldId="314"/>
-    </pc:sldMkLst>
-    <p188:txBody>
-      <a:bodyPr/>
-      <a:lstStyle/>
-      <a:p>
-        <a:r>
-          <a:rPr lang="en-US"/>
-          <a:t>I felt that even mentioning libraries and frameworks can lead to too much choice/information overload. But I think mentioning grid and flexbox is important.</a:t>
-        </a:r>
-      </a:p>
-    </p188:txBody>
-  </p188:cm>
-</p188:cmLst>
-</file>
-
-<file path=ppt/comments/modernComment_144_D927C9C9.xml><?xml version="1.0" encoding="utf-8"?>
-<p188:cmLst xmlns:a="http://schemas.openxmlformats.org/drawingml/2006/main" xmlns:r="http://schemas.openxmlformats.org/officeDocument/2006/relationships" xmlns:p188="http://schemas.microsoft.com/office/powerpoint/2018/8/main">
-  <p188:cm id="{7E88DAF4-2D04-4930-A145-01C6A16EED60}" authorId="{8ED73329-AC64-E68A-FE08-06D8D6AA2C59}" created="2021-11-16T17:14:00.949">
-    <pc:sldMkLst xmlns:pc="http://schemas.microsoft.com/office/powerpoint/2013/main/command">
-      <pc:docMk/>
-      <pc:sldMk cId="3643263433" sldId="324"/>
-    </pc:sldMkLst>
-    <p188:txBody>
-      <a:bodyPr/>
-      <a:lstStyle/>
-      <a:p>
-        <a:r>
-          <a:rPr lang="en-US"/>
-          <a:t>For each of the layout slides, I wanted to provide some visuals, but I think it would be best to simply demonstrate them. I did want to add in slides describing the properties for reference.</a:t>
-        </a:r>
-      </a:p>
-    </p188:txBody>
-  </p188:cm>
-</p188:cmLst>
 </file>
 
 <file path=ppt/handoutMasters/handoutMaster1.xml><?xml version="1.0" encoding="utf-8"?>
@@ -1804,7 +1741,7 @@
           </a:lstStyle>
           <a:p>
             <a:fld id="{CA869C63-99CE-7C40-A7E9-3930C61B23AB}" type="datetimeFigureOut">
-              <a:t>12/27/2021</a:t>
+              <a:t>12/31/2021</a:t>
             </a:fld>
             <a:endParaRPr lang="en-US" dirty="0"/>
           </a:p>
@@ -1969,7 +1906,7 @@
           <a:p>
             <a:fld id="{E3E59D94-626A-4CE8-9932-5221A04BF234}" type="datetimeFigureOut">
               <a:rPr lang="en-US" smtClean="0"/>
-              <a:t>12/27/2021</a:t>
+              <a:t>12/31/2021</a:t>
             </a:fld>
             <a:endParaRPr lang="en-US" dirty="0"/>
           </a:p>
@@ -39059,11 +38996,6 @@
   <p:clrMapOvr>
     <a:masterClrMapping/>
   </p:clrMapOvr>
-  <p:extLst>
-    <p:ext uri="{6950BFC3-D8DA-4A85-94F7-54DA5524770B}">
-      <p188:commentRel xmlns:p188="http://schemas.microsoft.com/office/powerpoint/2018/8/main" r:id="rId2"/>
-    </p:ext>
-  </p:extLst>
 </p:sld>
 </file>
 
@@ -43455,11 +43387,6 @@
   <p:clrMapOvr>
     <a:masterClrMapping/>
   </p:clrMapOvr>
-  <p:extLst>
-    <p:ext uri="{6950BFC3-D8DA-4A85-94F7-54DA5524770B}">
-      <p188:commentRel xmlns:p188="http://schemas.microsoft.com/office/powerpoint/2018/8/main" r:id="rId2"/>
-    </p:ext>
-  </p:extLst>
 </p:sld>
 </file>
 
@@ -44585,7 +44512,7 @@
             <a:pPr lvl="1"/>
             <a:r>
               <a:rPr lang="en-US" dirty="0">
-                <a:hlinkClick r:id="rId3"/>
+                <a:hlinkClick r:id="rId2"/>
               </a:rPr>
               <a:t>https://dev.to/devmount/8-games-to-learn-css-the-fun-way-4e0f</a:t>
             </a:r>
@@ -44598,7 +44525,7 @@
             <a:pPr lvl="1"/>
             <a:r>
               <a:rPr lang="en-US" dirty="0">
-                <a:hlinkClick r:id="rId4"/>
+                <a:hlinkClick r:id="rId3"/>
               </a:rPr>
               <a:t>https://ishadeed.com/article/learn-css-positioning/#intro</a:t>
             </a:r>
@@ -44621,7 +44548,7 @@
             <a:pPr lvl="1"/>
             <a:r>
               <a:rPr lang="en-US" dirty="0">
-                <a:hlinkClick r:id="rId5"/>
+                <a:hlinkClick r:id="rId4"/>
               </a:rPr>
               <a:t>CSS Grid</a:t>
             </a:r>
@@ -44631,7 +44558,7 @@
             <a:pPr lvl="1"/>
             <a:r>
               <a:rPr lang="en-US" dirty="0">
-                <a:hlinkClick r:id="rId6"/>
+                <a:hlinkClick r:id="rId5"/>
               </a:rPr>
               <a:t>CSS Flexbox</a:t>
             </a:r>
@@ -44655,11 +44582,6 @@
   <p:clrMapOvr>
     <a:masterClrMapping/>
   </p:clrMapOvr>
-  <p:extLst>
-    <p:ext uri="{6950BFC3-D8DA-4A85-94F7-54DA5524770B}">
-      <p188:commentRel xmlns:p188="http://schemas.microsoft.com/office/powerpoint/2018/8/main" r:id="rId2"/>
-    </p:ext>
-  </p:extLst>
 </p:sld>
 </file>
 

--- a/revised-ppts/Day 4 PPT.pptx
+++ b/revised-ppts/Day 4 PPT.pptx
@@ -469,59 +469,6 @@
           <pc:docMk/>
           <pc:sldMk cId="1287501265" sldId="264"/>
         </pc:sldMkLst>
-      </pc:sldChg>
-    </pc:docChg>
-  </pc:docChgLst>
-  <pc:docChgLst>
-    <pc:chgData name="Cynthia Enciso" userId="7915927f-c5cf-4e1f-876d-e79882ad52fa" providerId="ADAL" clId="{089F6BBA-018F-4F16-B1B3-4E6530E625EF}"/>
-    <pc:docChg chg="custSel delSld modSld sldOrd">
-      <pc:chgData name="Cynthia Enciso" userId="7915927f-c5cf-4e1f-876d-e79882ad52fa" providerId="ADAL" clId="{089F6BBA-018F-4F16-B1B3-4E6530E625EF}" dt="2021-05-27T22:15:31.095" v="68" actId="478"/>
-      <pc:docMkLst>
-        <pc:docMk/>
-      </pc:docMkLst>
-      <pc:sldChg chg="ord">
-        <pc:chgData name="Cynthia Enciso" userId="7915927f-c5cf-4e1f-876d-e79882ad52fa" providerId="ADAL" clId="{089F6BBA-018F-4F16-B1B3-4E6530E625EF}" dt="2021-05-27T20:59:44.500" v="66"/>
-        <pc:sldMkLst>
-          <pc:docMk/>
-          <pc:sldMk cId="4104249248" sldId="260"/>
-        </pc:sldMkLst>
-      </pc:sldChg>
-      <pc:sldChg chg="del">
-        <pc:chgData name="Cynthia Enciso" userId="7915927f-c5cf-4e1f-876d-e79882ad52fa" providerId="ADAL" clId="{089F6BBA-018F-4F16-B1B3-4E6530E625EF}" dt="2021-05-27T20:22:56.093" v="2" actId="47"/>
-        <pc:sldMkLst>
-          <pc:docMk/>
-          <pc:sldMk cId="1793348218" sldId="263"/>
-        </pc:sldMkLst>
-      </pc:sldChg>
-      <pc:sldChg chg="addSp delSp modSp mod">
-        <pc:chgData name="Cynthia Enciso" userId="7915927f-c5cf-4e1f-876d-e79882ad52fa" providerId="ADAL" clId="{089F6BBA-018F-4F16-B1B3-4E6530E625EF}" dt="2021-05-27T22:15:31.095" v="68" actId="478"/>
-        <pc:sldMkLst>
-          <pc:docMk/>
-          <pc:sldMk cId="3645312431" sldId="268"/>
-        </pc:sldMkLst>
-        <pc:spChg chg="add del mod">
-          <ac:chgData name="Cynthia Enciso" userId="7915927f-c5cf-4e1f-876d-e79882ad52fa" providerId="ADAL" clId="{089F6BBA-018F-4F16-B1B3-4E6530E625EF}" dt="2021-05-27T22:15:31.095" v="68" actId="478"/>
-          <ac:spMkLst>
-            <pc:docMk/>
-            <pc:sldMk cId="3645312431" sldId="268"/>
-            <ac:spMk id="5" creationId="{23C5B85B-0F50-4610-9AC8-4D956242CC80}"/>
-          </ac:spMkLst>
-        </pc:spChg>
-      </pc:sldChg>
-      <pc:sldChg chg="addSp delSp modSp mod">
-        <pc:chgData name="Cynthia Enciso" userId="7915927f-c5cf-4e1f-876d-e79882ad52fa" providerId="ADAL" clId="{089F6BBA-018F-4F16-B1B3-4E6530E625EF}" dt="2021-05-27T22:15:22.444" v="67" actId="478"/>
-        <pc:sldMkLst>
-          <pc:docMk/>
-          <pc:sldMk cId="4149792305" sldId="314"/>
-        </pc:sldMkLst>
-        <pc:spChg chg="add del mod">
-          <ac:chgData name="Cynthia Enciso" userId="7915927f-c5cf-4e1f-876d-e79882ad52fa" providerId="ADAL" clId="{089F6BBA-018F-4F16-B1B3-4E6530E625EF}" dt="2021-05-27T22:15:22.444" v="67" actId="478"/>
-          <ac:spMkLst>
-            <pc:docMk/>
-            <pc:sldMk cId="4149792305" sldId="314"/>
-            <ac:spMk id="5" creationId="{E24669E0-FE7A-4C61-A646-95CD26AB28E4}"/>
-          </ac:spMkLst>
-        </pc:spChg>
       </pc:sldChg>
     </pc:docChg>
   </pc:docChgLst>
@@ -1657,6 +1604,59 @@
       </pc:sldChg>
     </pc:docChg>
   </pc:docChgLst>
+  <pc:docChgLst>
+    <pc:chgData name="Cynthia Enciso" userId="7915927f-c5cf-4e1f-876d-e79882ad52fa" providerId="ADAL" clId="{089F6BBA-018F-4F16-B1B3-4E6530E625EF}"/>
+    <pc:docChg chg="custSel delSld modSld sldOrd">
+      <pc:chgData name="Cynthia Enciso" userId="7915927f-c5cf-4e1f-876d-e79882ad52fa" providerId="ADAL" clId="{089F6BBA-018F-4F16-B1B3-4E6530E625EF}" dt="2021-05-27T22:15:31.095" v="68" actId="478"/>
+      <pc:docMkLst>
+        <pc:docMk/>
+      </pc:docMkLst>
+      <pc:sldChg chg="ord">
+        <pc:chgData name="Cynthia Enciso" userId="7915927f-c5cf-4e1f-876d-e79882ad52fa" providerId="ADAL" clId="{089F6BBA-018F-4F16-B1B3-4E6530E625EF}" dt="2021-05-27T20:59:44.500" v="66"/>
+        <pc:sldMkLst>
+          <pc:docMk/>
+          <pc:sldMk cId="4104249248" sldId="260"/>
+        </pc:sldMkLst>
+      </pc:sldChg>
+      <pc:sldChg chg="del">
+        <pc:chgData name="Cynthia Enciso" userId="7915927f-c5cf-4e1f-876d-e79882ad52fa" providerId="ADAL" clId="{089F6BBA-018F-4F16-B1B3-4E6530E625EF}" dt="2021-05-27T20:22:56.093" v="2" actId="47"/>
+        <pc:sldMkLst>
+          <pc:docMk/>
+          <pc:sldMk cId="1793348218" sldId="263"/>
+        </pc:sldMkLst>
+      </pc:sldChg>
+      <pc:sldChg chg="addSp delSp modSp mod">
+        <pc:chgData name="Cynthia Enciso" userId="7915927f-c5cf-4e1f-876d-e79882ad52fa" providerId="ADAL" clId="{089F6BBA-018F-4F16-B1B3-4E6530E625EF}" dt="2021-05-27T22:15:31.095" v="68" actId="478"/>
+        <pc:sldMkLst>
+          <pc:docMk/>
+          <pc:sldMk cId="3645312431" sldId="268"/>
+        </pc:sldMkLst>
+        <pc:spChg chg="add del mod">
+          <ac:chgData name="Cynthia Enciso" userId="7915927f-c5cf-4e1f-876d-e79882ad52fa" providerId="ADAL" clId="{089F6BBA-018F-4F16-B1B3-4E6530E625EF}" dt="2021-05-27T22:15:31.095" v="68" actId="478"/>
+          <ac:spMkLst>
+            <pc:docMk/>
+            <pc:sldMk cId="3645312431" sldId="268"/>
+            <ac:spMk id="5" creationId="{23C5B85B-0F50-4610-9AC8-4D956242CC80}"/>
+          </ac:spMkLst>
+        </pc:spChg>
+      </pc:sldChg>
+      <pc:sldChg chg="addSp delSp modSp mod">
+        <pc:chgData name="Cynthia Enciso" userId="7915927f-c5cf-4e1f-876d-e79882ad52fa" providerId="ADAL" clId="{089F6BBA-018F-4F16-B1B3-4E6530E625EF}" dt="2021-05-27T22:15:22.444" v="67" actId="478"/>
+        <pc:sldMkLst>
+          <pc:docMk/>
+          <pc:sldMk cId="4149792305" sldId="314"/>
+        </pc:sldMkLst>
+        <pc:spChg chg="add del mod">
+          <ac:chgData name="Cynthia Enciso" userId="7915927f-c5cf-4e1f-876d-e79882ad52fa" providerId="ADAL" clId="{089F6BBA-018F-4F16-B1B3-4E6530E625EF}" dt="2021-05-27T22:15:22.444" v="67" actId="478"/>
+          <ac:spMkLst>
+            <pc:docMk/>
+            <pc:sldMk cId="4149792305" sldId="314"/>
+            <ac:spMk id="5" creationId="{E24669E0-FE7A-4C61-A646-95CD26AB28E4}"/>
+          </ac:spMkLst>
+        </pc:spChg>
+      </pc:sldChg>
+    </pc:docChg>
+  </pc:docChgLst>
 </pc:chgInfo>
 </file>
 
@@ -1741,7 +1741,7 @@
           </a:lstStyle>
           <a:p>
             <a:fld id="{CA869C63-99CE-7C40-A7E9-3930C61B23AB}" type="datetimeFigureOut">
-              <a:t>12/31/2021</a:t>
+              <a:t>2/3/2022</a:t>
             </a:fld>
             <a:endParaRPr lang="en-US" dirty="0"/>
           </a:p>
@@ -1906,7 +1906,7 @@
           <a:p>
             <a:fld id="{E3E59D94-626A-4CE8-9932-5221A04BF234}" type="datetimeFigureOut">
               <a:rPr lang="en-US" smtClean="0"/>
-              <a:t>12/31/2021</a:t>
+              <a:t>2/3/2022</a:t>
             </a:fld>
             <a:endParaRPr lang="en-US" dirty="0"/>
           </a:p>
@@ -46306,14 +46306,14 @@
           <p:nvPr>
             <p:extLst>
               <p:ext uri="{D42A27DB-BD31-4B8C-83A1-F6EECF244321}">
-                <p14:modId xmlns:p14="http://schemas.microsoft.com/office/powerpoint/2010/main" val="3948459253"/>
+                <p14:modId xmlns:p14="http://schemas.microsoft.com/office/powerpoint/2010/main" val="1138070201"/>
               </p:ext>
             </p:extLst>
           </p:nvPr>
         </p:nvGraphicFramePr>
         <p:xfrm>
           <a:off x="833284" y="2655312"/>
-          <a:ext cx="7477431" cy="3708400"/>
+          <a:ext cx="7477431" cy="3703320"/>
         </p:xfrm>
         <a:graphic>
           <a:graphicData uri="http://schemas.openxmlformats.org/drawingml/2006/table">
@@ -46645,7 +46645,7 @@
                   </a:ext>
                 </a:extLst>
               </a:tr>
-              <a:tr h="370840">
+              <a:tr h="0">
                 <a:tc>
                   <a:txBody>
                     <a:bodyPr/>

--- a/revised-ppts/Day 4 PPT.pptx
+++ b/revised-ppts/Day 4 PPT.pptx
@@ -5,40 +5,31 @@
     <p:sldMasterId id="2147483690" r:id="rId1"/>
   </p:sldMasterIdLst>
   <p:notesMasterIdLst>
-    <p:notesMasterId r:id="rId30"/>
+    <p:notesMasterId r:id="rId21"/>
   </p:notesMasterIdLst>
   <p:handoutMasterIdLst>
-    <p:handoutMasterId r:id="rId31"/>
+    <p:handoutMasterId r:id="rId22"/>
   </p:handoutMasterIdLst>
   <p:sldIdLst>
     <p:sldId id="256" r:id="rId2"/>
     <p:sldId id="316" r:id="rId3"/>
-    <p:sldId id="271" r:id="rId4"/>
-    <p:sldId id="318" r:id="rId5"/>
-    <p:sldId id="270" r:id="rId6"/>
-    <p:sldId id="326" r:id="rId7"/>
-    <p:sldId id="268" r:id="rId8"/>
-    <p:sldId id="319" r:id="rId9"/>
-    <p:sldId id="260" r:id="rId10"/>
-    <p:sldId id="261" r:id="rId11"/>
-    <p:sldId id="262" r:id="rId12"/>
-    <p:sldId id="322" r:id="rId13"/>
-    <p:sldId id="259" r:id="rId14"/>
-    <p:sldId id="265" r:id="rId15"/>
-    <p:sldId id="267" r:id="rId16"/>
-    <p:sldId id="321" r:id="rId17"/>
-    <p:sldId id="335" r:id="rId18"/>
-    <p:sldId id="328" r:id="rId19"/>
-    <p:sldId id="329" r:id="rId20"/>
-    <p:sldId id="330" r:id="rId21"/>
-    <p:sldId id="257" r:id="rId22"/>
-    <p:sldId id="324" r:id="rId23"/>
-    <p:sldId id="334" r:id="rId24"/>
-    <p:sldId id="333" r:id="rId25"/>
-    <p:sldId id="332" r:id="rId26"/>
-    <p:sldId id="314" r:id="rId27"/>
-    <p:sldId id="317" r:id="rId28"/>
-    <p:sldId id="258" r:id="rId29"/>
+    <p:sldId id="322" r:id="rId4"/>
+    <p:sldId id="265" r:id="rId5"/>
+    <p:sldId id="267" r:id="rId6"/>
+    <p:sldId id="259" r:id="rId7"/>
+    <p:sldId id="321" r:id="rId8"/>
+    <p:sldId id="335" r:id="rId9"/>
+    <p:sldId id="328" r:id="rId10"/>
+    <p:sldId id="329" r:id="rId11"/>
+    <p:sldId id="330" r:id="rId12"/>
+    <p:sldId id="257" r:id="rId13"/>
+    <p:sldId id="324" r:id="rId14"/>
+    <p:sldId id="334" r:id="rId15"/>
+    <p:sldId id="332" r:id="rId16"/>
+    <p:sldId id="333" r:id="rId17"/>
+    <p:sldId id="314" r:id="rId18"/>
+    <p:sldId id="317" r:id="rId19"/>
+    <p:sldId id="258" r:id="rId20"/>
   </p:sldIdLst>
   <p:sldSz cx="9144000" cy="6858000" type="screen4x3"/>
   <p:notesSz cx="7010400" cy="9296400"/>
@@ -263,20 +254,12 @@
 </p:cmAuthorLst>
 </file>
 
-<file path=ppt/revisionInfo.xml><?xml version="1.0" encoding="utf-8"?>
-<p1510:revInfo xmlns:a="http://schemas.openxmlformats.org/drawingml/2006/main" xmlns:r="http://schemas.openxmlformats.org/officeDocument/2006/relationships" xmlns:p1510="http://schemas.microsoft.com/office/powerpoint/2015/10/main">
-  <p1510:revLst>
-    <p1510:client id="{CEF1C274-8794-4B1A-ACF4-32E3B79C8E9F}" v="2" dt="2021-11-18T23:14:13.002"/>
-  </p1510:revLst>
-</p1510:revInfo>
-</file>
-
 <file path=ppt/changesInfos/changesInfo1.xml><?xml version="1.0" encoding="utf-8"?>
 <pc:chgInfo xmlns:a="http://schemas.openxmlformats.org/drawingml/2006/main" xmlns:r="http://schemas.openxmlformats.org/officeDocument/2006/relationships" xmlns:ac="http://schemas.microsoft.com/office/drawing/2013/main/command" xmlns:pc="http://schemas.microsoft.com/office/powerpoint/2013/main/command">
   <pc:docChgLst>
     <pc:chgData name="Cynthia Enciso" userId="7915927f-c5cf-4e1f-876d-e79882ad52fa" providerId="ADAL" clId="{CEF1C274-8794-4B1A-ACF4-32E3B79C8E9F}"/>
     <pc:docChg chg="custSel addSld delSld modSld sldOrd">
-      <pc:chgData name="Cynthia Enciso" userId="7915927f-c5cf-4e1f-876d-e79882ad52fa" providerId="ADAL" clId="{CEF1C274-8794-4B1A-ACF4-32E3B79C8E9F}" dt="2021-11-18T23:14:15.530" v="22" actId="47"/>
+      <pc:chgData name="Cynthia Enciso" userId="7915927f-c5cf-4e1f-876d-e79882ad52fa" providerId="ADAL" clId="{CEF1C274-8794-4B1A-ACF4-32E3B79C8E9F}" dt="2021-12-03T17:11:28.367" v="61" actId="5793"/>
       <pc:docMkLst>
         <pc:docMk/>
       </pc:docMkLst>
@@ -291,6 +274,21 @@
           <ac:spMkLst>
             <pc:docMk/>
             <pc:sldMk cId="2393796262" sldId="256"/>
+            <ac:spMk id="3" creationId="{00000000-0000-0000-0000-000000000000}"/>
+          </ac:spMkLst>
+        </pc:spChg>
+      </pc:sldChg>
+      <pc:sldChg chg="modSp mod">
+        <pc:chgData name="Cynthia Enciso" userId="7915927f-c5cf-4e1f-876d-e79882ad52fa" providerId="ADAL" clId="{CEF1C274-8794-4B1A-ACF4-32E3B79C8E9F}" dt="2021-12-03T17:11:28.367" v="61" actId="5793"/>
+        <pc:sldMkLst>
+          <pc:docMk/>
+          <pc:sldMk cId="4149792305" sldId="314"/>
+        </pc:sldMkLst>
+        <pc:spChg chg="mod">
+          <ac:chgData name="Cynthia Enciso" userId="7915927f-c5cf-4e1f-876d-e79882ad52fa" providerId="ADAL" clId="{CEF1C274-8794-4B1A-ACF4-32E3B79C8E9F}" dt="2021-12-03T17:11:28.367" v="61" actId="5793"/>
+          <ac:spMkLst>
+            <pc:docMk/>
+            <pc:sldMk cId="4149792305" sldId="314"/>
             <ac:spMk id="3" creationId="{00000000-0000-0000-0000-000000000000}"/>
           </ac:spMkLst>
         </pc:spChg>
@@ -457,6 +455,88 @@
     </pc:docChg>
   </pc:docChgLst>
   <pc:docChgLst>
+    <pc:chgData name="Cynthia Enciso" userId="7915927f-c5cf-4e1f-876d-e79882ad52fa" providerId="ADAL" clId="{8EBCB64B-09BF-4CF6-9831-15728759EE97}"/>
+    <pc:docChg chg="custSel modSld sldOrd">
+      <pc:chgData name="Cynthia Enciso" userId="7915927f-c5cf-4e1f-876d-e79882ad52fa" providerId="ADAL" clId="{8EBCB64B-09BF-4CF6-9831-15728759EE97}" dt="2022-02-17T20:38:45.867" v="28" actId="5793"/>
+      <pc:docMkLst>
+        <pc:docMk/>
+      </pc:docMkLst>
+      <pc:sldChg chg="delCm">
+        <pc:chgData name="Cynthia Enciso" userId="7915927f-c5cf-4e1f-876d-e79882ad52fa" providerId="ADAL" clId="{8EBCB64B-09BF-4CF6-9831-15728759EE97}" dt="2022-01-13T21:48:26.888" v="0"/>
+        <pc:sldMkLst>
+          <pc:docMk/>
+          <pc:sldMk cId="1770296439" sldId="261"/>
+        </pc:sldMkLst>
+      </pc:sldChg>
+      <pc:sldChg chg="modSp mod">
+        <pc:chgData name="Cynthia Enciso" userId="7915927f-c5cf-4e1f-876d-e79882ad52fa" providerId="ADAL" clId="{8EBCB64B-09BF-4CF6-9831-15728759EE97}" dt="2022-02-17T20:38:45.867" v="28" actId="5793"/>
+        <pc:sldMkLst>
+          <pc:docMk/>
+          <pc:sldMk cId="2124562098" sldId="270"/>
+        </pc:sldMkLst>
+        <pc:spChg chg="mod">
+          <ac:chgData name="Cynthia Enciso" userId="7915927f-c5cf-4e1f-876d-e79882ad52fa" providerId="ADAL" clId="{8EBCB64B-09BF-4CF6-9831-15728759EE97}" dt="2022-02-17T20:38:45.867" v="28" actId="5793"/>
+          <ac:spMkLst>
+            <pc:docMk/>
+            <pc:sldMk cId="2124562098" sldId="270"/>
+            <ac:spMk id="3" creationId="{1DFAE63A-01D3-44FF-B81E-DD258884043D}"/>
+          </ac:spMkLst>
+        </pc:spChg>
+      </pc:sldChg>
+      <pc:sldChg chg="delCm">
+        <pc:chgData name="Cynthia Enciso" userId="7915927f-c5cf-4e1f-876d-e79882ad52fa" providerId="ADAL" clId="{8EBCB64B-09BF-4CF6-9831-15728759EE97}" dt="2022-01-13T21:55:20.991" v="3"/>
+        <pc:sldMkLst>
+          <pc:docMk/>
+          <pc:sldMk cId="4149792305" sldId="314"/>
+        </pc:sldMkLst>
+      </pc:sldChg>
+      <pc:sldChg chg="delCm">
+        <pc:chgData name="Cynthia Enciso" userId="7915927f-c5cf-4e1f-876d-e79882ad52fa" providerId="ADAL" clId="{8EBCB64B-09BF-4CF6-9831-15728759EE97}" dt="2022-01-13T21:52:47.746" v="2"/>
+        <pc:sldMkLst>
+          <pc:docMk/>
+          <pc:sldMk cId="3643263433" sldId="324"/>
+        </pc:sldMkLst>
+      </pc:sldChg>
+      <pc:sldChg chg="modSp mod">
+        <pc:chgData name="Cynthia Enciso" userId="7915927f-c5cf-4e1f-876d-e79882ad52fa" providerId="ADAL" clId="{8EBCB64B-09BF-4CF6-9831-15728759EE97}" dt="2022-01-13T22:38:29.294" v="10" actId="20577"/>
+        <pc:sldMkLst>
+          <pc:docMk/>
+          <pc:sldMk cId="2494867545" sldId="328"/>
+        </pc:sldMkLst>
+        <pc:graphicFrameChg chg="modGraphic">
+          <ac:chgData name="Cynthia Enciso" userId="7915927f-c5cf-4e1f-876d-e79882ad52fa" providerId="ADAL" clId="{8EBCB64B-09BF-4CF6-9831-15728759EE97}" dt="2022-01-13T22:38:29.294" v="10" actId="20577"/>
+          <ac:graphicFrameMkLst>
+            <pc:docMk/>
+            <pc:sldMk cId="2494867545" sldId="328"/>
+            <ac:graphicFrameMk id="13" creationId="{DA9AFBF3-188F-4DF8-B263-926DA1A61D61}"/>
+          </ac:graphicFrameMkLst>
+        </pc:graphicFrameChg>
+      </pc:sldChg>
+      <pc:sldChg chg="modSp mod">
+        <pc:chgData name="Cynthia Enciso" userId="7915927f-c5cf-4e1f-876d-e79882ad52fa" providerId="ADAL" clId="{8EBCB64B-09BF-4CF6-9831-15728759EE97}" dt="2022-01-13T21:52:36.636" v="1" actId="20577"/>
+        <pc:sldMkLst>
+          <pc:docMk/>
+          <pc:sldMk cId="1635168091" sldId="329"/>
+        </pc:sldMkLst>
+        <pc:spChg chg="mod">
+          <ac:chgData name="Cynthia Enciso" userId="7915927f-c5cf-4e1f-876d-e79882ad52fa" providerId="ADAL" clId="{8EBCB64B-09BF-4CF6-9831-15728759EE97}" dt="2022-01-13T21:52:36.636" v="1" actId="20577"/>
+          <ac:spMkLst>
+            <pc:docMk/>
+            <pc:sldMk cId="1635168091" sldId="329"/>
+            <ac:spMk id="6" creationId="{48320CB5-AF31-46F6-BB75-D50B32B49AAA}"/>
+          </ac:spMkLst>
+        </pc:spChg>
+      </pc:sldChg>
+      <pc:sldChg chg="ord">
+        <pc:chgData name="Cynthia Enciso" userId="7915927f-c5cf-4e1f-876d-e79882ad52fa" providerId="ADAL" clId="{8EBCB64B-09BF-4CF6-9831-15728759EE97}" dt="2022-01-13T22:51:26.346" v="12"/>
+        <pc:sldMkLst>
+          <pc:docMk/>
+          <pc:sldMk cId="2547177766" sldId="332"/>
+        </pc:sldMkLst>
+      </pc:sldChg>
+    </pc:docChg>
+  </pc:docChgLst>
+  <pc:docChgLst>
     <pc:chgData name="Cynthia Enciso" userId="7915927f-c5cf-4e1f-876d-e79882ad52fa" providerId="ADAL" clId="{3C249DBA-54E3-4B8C-995E-9C3F25534765}"/>
     <pc:docChg chg="delSld">
       <pc:chgData name="Cynthia Enciso" userId="7915927f-c5cf-4e1f-876d-e79882ad52fa" providerId="ADAL" clId="{3C249DBA-54E3-4B8C-995E-9C3F25534765}" dt="2021-04-08T19:57:05.412" v="0" actId="47"/>
@@ -469,6 +549,59 @@
           <pc:docMk/>
           <pc:sldMk cId="1287501265" sldId="264"/>
         </pc:sldMkLst>
+      </pc:sldChg>
+    </pc:docChg>
+  </pc:docChgLst>
+  <pc:docChgLst>
+    <pc:chgData name="Cynthia Enciso" userId="7915927f-c5cf-4e1f-876d-e79882ad52fa" providerId="ADAL" clId="{089F6BBA-018F-4F16-B1B3-4E6530E625EF}"/>
+    <pc:docChg chg="custSel delSld modSld sldOrd">
+      <pc:chgData name="Cynthia Enciso" userId="7915927f-c5cf-4e1f-876d-e79882ad52fa" providerId="ADAL" clId="{089F6BBA-018F-4F16-B1B3-4E6530E625EF}" dt="2021-05-27T22:15:31.095" v="68" actId="478"/>
+      <pc:docMkLst>
+        <pc:docMk/>
+      </pc:docMkLst>
+      <pc:sldChg chg="ord">
+        <pc:chgData name="Cynthia Enciso" userId="7915927f-c5cf-4e1f-876d-e79882ad52fa" providerId="ADAL" clId="{089F6BBA-018F-4F16-B1B3-4E6530E625EF}" dt="2021-05-27T20:59:44.500" v="66"/>
+        <pc:sldMkLst>
+          <pc:docMk/>
+          <pc:sldMk cId="4104249248" sldId="260"/>
+        </pc:sldMkLst>
+      </pc:sldChg>
+      <pc:sldChg chg="del">
+        <pc:chgData name="Cynthia Enciso" userId="7915927f-c5cf-4e1f-876d-e79882ad52fa" providerId="ADAL" clId="{089F6BBA-018F-4F16-B1B3-4E6530E625EF}" dt="2021-05-27T20:22:56.093" v="2" actId="47"/>
+        <pc:sldMkLst>
+          <pc:docMk/>
+          <pc:sldMk cId="1793348218" sldId="263"/>
+        </pc:sldMkLst>
+      </pc:sldChg>
+      <pc:sldChg chg="addSp delSp modSp mod">
+        <pc:chgData name="Cynthia Enciso" userId="7915927f-c5cf-4e1f-876d-e79882ad52fa" providerId="ADAL" clId="{089F6BBA-018F-4F16-B1B3-4E6530E625EF}" dt="2021-05-27T22:15:31.095" v="68" actId="478"/>
+        <pc:sldMkLst>
+          <pc:docMk/>
+          <pc:sldMk cId="3645312431" sldId="268"/>
+        </pc:sldMkLst>
+        <pc:spChg chg="add del mod">
+          <ac:chgData name="Cynthia Enciso" userId="7915927f-c5cf-4e1f-876d-e79882ad52fa" providerId="ADAL" clId="{089F6BBA-018F-4F16-B1B3-4E6530E625EF}" dt="2021-05-27T22:15:31.095" v="68" actId="478"/>
+          <ac:spMkLst>
+            <pc:docMk/>
+            <pc:sldMk cId="3645312431" sldId="268"/>
+            <ac:spMk id="5" creationId="{23C5B85B-0F50-4610-9AC8-4D956242CC80}"/>
+          </ac:spMkLst>
+        </pc:spChg>
+      </pc:sldChg>
+      <pc:sldChg chg="addSp delSp modSp mod">
+        <pc:chgData name="Cynthia Enciso" userId="7915927f-c5cf-4e1f-876d-e79882ad52fa" providerId="ADAL" clId="{089F6BBA-018F-4F16-B1B3-4E6530E625EF}" dt="2021-05-27T22:15:22.444" v="67" actId="478"/>
+        <pc:sldMkLst>
+          <pc:docMk/>
+          <pc:sldMk cId="4149792305" sldId="314"/>
+        </pc:sldMkLst>
+        <pc:spChg chg="add del mod">
+          <ac:chgData name="Cynthia Enciso" userId="7915927f-c5cf-4e1f-876d-e79882ad52fa" providerId="ADAL" clId="{089F6BBA-018F-4F16-B1B3-4E6530E625EF}" dt="2021-05-27T22:15:22.444" v="67" actId="478"/>
+          <ac:spMkLst>
+            <pc:docMk/>
+            <pc:sldMk cId="4149792305" sldId="314"/>
+            <ac:spMk id="5" creationId="{E24669E0-FE7A-4C61-A646-95CD26AB28E4}"/>
+          </ac:spMkLst>
+        </pc:spChg>
       </pc:sldChg>
     </pc:docChg>
   </pc:docChgLst>
@@ -1605,53 +1738,184 @@
     </pc:docChg>
   </pc:docChgLst>
   <pc:docChgLst>
-    <pc:chgData name="Cynthia Enciso" userId="7915927f-c5cf-4e1f-876d-e79882ad52fa" providerId="ADAL" clId="{089F6BBA-018F-4F16-B1B3-4E6530E625EF}"/>
-    <pc:docChg chg="custSel delSld modSld sldOrd">
-      <pc:chgData name="Cynthia Enciso" userId="7915927f-c5cf-4e1f-876d-e79882ad52fa" providerId="ADAL" clId="{089F6BBA-018F-4F16-B1B3-4E6530E625EF}" dt="2021-05-27T22:15:31.095" v="68" actId="478"/>
+    <pc:chgData name="Cynthia Enciso" userId="7915927f-c5cf-4e1f-876d-e79882ad52fa" providerId="ADAL" clId="{5F15E8E6-40CE-4C1B-B39A-4D4CFEBCE354}"/>
+    <pc:docChg chg="undo custSel addSld delSld modSld sldOrd">
+      <pc:chgData name="Cynthia Enciso" userId="7915927f-c5cf-4e1f-876d-e79882ad52fa" providerId="ADAL" clId="{5F15E8E6-40CE-4C1B-B39A-4D4CFEBCE354}" dt="2022-03-18T15:42:38.862" v="148" actId="47"/>
       <pc:docMkLst>
         <pc:docMk/>
       </pc:docMkLst>
+      <pc:sldChg chg="modSp mod">
+        <pc:chgData name="Cynthia Enciso" userId="7915927f-c5cf-4e1f-876d-e79882ad52fa" providerId="ADAL" clId="{5F15E8E6-40CE-4C1B-B39A-4D4CFEBCE354}" dt="2022-03-15T17:09:53.310" v="17" actId="20577"/>
+        <pc:sldMkLst>
+          <pc:docMk/>
+          <pc:sldMk cId="2393796262" sldId="256"/>
+        </pc:sldMkLst>
+        <pc:spChg chg="mod">
+          <ac:chgData name="Cynthia Enciso" userId="7915927f-c5cf-4e1f-876d-e79882ad52fa" providerId="ADAL" clId="{5F15E8E6-40CE-4C1B-B39A-4D4CFEBCE354}" dt="2022-03-15T17:09:53.310" v="17" actId="20577"/>
+          <ac:spMkLst>
+            <pc:docMk/>
+            <pc:sldMk cId="2393796262" sldId="256"/>
+            <ac:spMk id="2" creationId="{00000000-0000-0000-0000-000000000000}"/>
+          </ac:spMkLst>
+        </pc:spChg>
+      </pc:sldChg>
       <pc:sldChg chg="ord">
-        <pc:chgData name="Cynthia Enciso" userId="7915927f-c5cf-4e1f-876d-e79882ad52fa" providerId="ADAL" clId="{089F6BBA-018F-4F16-B1B3-4E6530E625EF}" dt="2021-05-27T20:59:44.500" v="66"/>
+        <pc:chgData name="Cynthia Enciso" userId="7915927f-c5cf-4e1f-876d-e79882ad52fa" providerId="ADAL" clId="{5F15E8E6-40CE-4C1B-B39A-4D4CFEBCE354}" dt="2022-03-15T17:15:52.965" v="48"/>
+        <pc:sldMkLst>
+          <pc:docMk/>
+          <pc:sldMk cId="2329135321" sldId="259"/>
+        </pc:sldMkLst>
+      </pc:sldChg>
+      <pc:sldChg chg="del">
+        <pc:chgData name="Cynthia Enciso" userId="7915927f-c5cf-4e1f-876d-e79882ad52fa" providerId="ADAL" clId="{5F15E8E6-40CE-4C1B-B39A-4D4CFEBCE354}" dt="2022-03-15T17:15:32.437" v="31" actId="47"/>
         <pc:sldMkLst>
           <pc:docMk/>
           <pc:sldMk cId="4104249248" sldId="260"/>
         </pc:sldMkLst>
       </pc:sldChg>
       <pc:sldChg chg="del">
-        <pc:chgData name="Cynthia Enciso" userId="7915927f-c5cf-4e1f-876d-e79882ad52fa" providerId="ADAL" clId="{089F6BBA-018F-4F16-B1B3-4E6530E625EF}" dt="2021-05-27T20:22:56.093" v="2" actId="47"/>
+        <pc:chgData name="Cynthia Enciso" userId="7915927f-c5cf-4e1f-876d-e79882ad52fa" providerId="ADAL" clId="{5F15E8E6-40CE-4C1B-B39A-4D4CFEBCE354}" dt="2022-03-15T17:15:32.437" v="31" actId="47"/>
         <pc:sldMkLst>
           <pc:docMk/>
-          <pc:sldMk cId="1793348218" sldId="263"/>
+          <pc:sldMk cId="1770296439" sldId="261"/>
         </pc:sldMkLst>
       </pc:sldChg>
-      <pc:sldChg chg="addSp delSp modSp mod">
-        <pc:chgData name="Cynthia Enciso" userId="7915927f-c5cf-4e1f-876d-e79882ad52fa" providerId="ADAL" clId="{089F6BBA-018F-4F16-B1B3-4E6530E625EF}" dt="2021-05-27T22:15:31.095" v="68" actId="478"/>
+      <pc:sldChg chg="del">
+        <pc:chgData name="Cynthia Enciso" userId="7915927f-c5cf-4e1f-876d-e79882ad52fa" providerId="ADAL" clId="{5F15E8E6-40CE-4C1B-B39A-4D4CFEBCE354}" dt="2022-03-15T17:15:32.437" v="31" actId="47"/>
+        <pc:sldMkLst>
+          <pc:docMk/>
+          <pc:sldMk cId="1992778243" sldId="262"/>
+        </pc:sldMkLst>
+      </pc:sldChg>
+      <pc:sldChg chg="del">
+        <pc:chgData name="Cynthia Enciso" userId="7915927f-c5cf-4e1f-876d-e79882ad52fa" providerId="ADAL" clId="{5F15E8E6-40CE-4C1B-B39A-4D4CFEBCE354}" dt="2022-03-15T17:15:32.437" v="31" actId="47"/>
         <pc:sldMkLst>
           <pc:docMk/>
           <pc:sldMk cId="3645312431" sldId="268"/>
         </pc:sldMkLst>
-        <pc:spChg chg="add del mod">
-          <ac:chgData name="Cynthia Enciso" userId="7915927f-c5cf-4e1f-876d-e79882ad52fa" providerId="ADAL" clId="{089F6BBA-018F-4F16-B1B3-4E6530E625EF}" dt="2021-05-27T22:15:31.095" v="68" actId="478"/>
-          <ac:spMkLst>
-            <pc:docMk/>
-            <pc:sldMk cId="3645312431" sldId="268"/>
-            <ac:spMk id="5" creationId="{23C5B85B-0F50-4610-9AC8-4D956242CC80}"/>
-          </ac:spMkLst>
-        </pc:spChg>
       </pc:sldChg>
-      <pc:sldChg chg="addSp delSp modSp mod">
-        <pc:chgData name="Cynthia Enciso" userId="7915927f-c5cf-4e1f-876d-e79882ad52fa" providerId="ADAL" clId="{089F6BBA-018F-4F16-B1B3-4E6530E625EF}" dt="2021-05-27T22:15:22.444" v="67" actId="478"/>
+      <pc:sldChg chg="del">
+        <pc:chgData name="Cynthia Enciso" userId="7915927f-c5cf-4e1f-876d-e79882ad52fa" providerId="ADAL" clId="{5F15E8E6-40CE-4C1B-B39A-4D4CFEBCE354}" dt="2022-03-15T17:15:32.437" v="31" actId="47"/>
+        <pc:sldMkLst>
+          <pc:docMk/>
+          <pc:sldMk cId="2124562098" sldId="270"/>
+        </pc:sldMkLst>
+      </pc:sldChg>
+      <pc:sldChg chg="del">
+        <pc:chgData name="Cynthia Enciso" userId="7915927f-c5cf-4e1f-876d-e79882ad52fa" providerId="ADAL" clId="{5F15E8E6-40CE-4C1B-B39A-4D4CFEBCE354}" dt="2022-03-15T17:15:32.437" v="31" actId="47"/>
+        <pc:sldMkLst>
+          <pc:docMk/>
+          <pc:sldMk cId="221968580" sldId="271"/>
+        </pc:sldMkLst>
+      </pc:sldChg>
+      <pc:sldChg chg="modSp mod">
+        <pc:chgData name="Cynthia Enciso" userId="7915927f-c5cf-4e1f-876d-e79882ad52fa" providerId="ADAL" clId="{5F15E8E6-40CE-4C1B-B39A-4D4CFEBCE354}" dt="2022-03-17T18:23:46.783" v="135" actId="5793"/>
         <pc:sldMkLst>
           <pc:docMk/>
           <pc:sldMk cId="4149792305" sldId="314"/>
         </pc:sldMkLst>
-        <pc:spChg chg="add del mod">
-          <ac:chgData name="Cynthia Enciso" userId="7915927f-c5cf-4e1f-876d-e79882ad52fa" providerId="ADAL" clId="{089F6BBA-018F-4F16-B1B3-4E6530E625EF}" dt="2021-05-27T22:15:22.444" v="67" actId="478"/>
+        <pc:spChg chg="mod">
+          <ac:chgData name="Cynthia Enciso" userId="7915927f-c5cf-4e1f-876d-e79882ad52fa" providerId="ADAL" clId="{5F15E8E6-40CE-4C1B-B39A-4D4CFEBCE354}" dt="2022-03-17T18:23:46.783" v="135" actId="5793"/>
           <ac:spMkLst>
             <pc:docMk/>
             <pc:sldMk cId="4149792305" sldId="314"/>
-            <ac:spMk id="5" creationId="{E24669E0-FE7A-4C61-A646-95CD26AB28E4}"/>
+            <ac:spMk id="3" creationId="{00000000-0000-0000-0000-000000000000}"/>
+          </ac:spMkLst>
+        </pc:spChg>
+      </pc:sldChg>
+      <pc:sldChg chg="modSp mod">
+        <pc:chgData name="Cynthia Enciso" userId="7915927f-c5cf-4e1f-876d-e79882ad52fa" providerId="ADAL" clId="{5F15E8E6-40CE-4C1B-B39A-4D4CFEBCE354}" dt="2022-03-15T17:10:00.542" v="30" actId="20577"/>
+        <pc:sldMkLst>
+          <pc:docMk/>
+          <pc:sldMk cId="1150291201" sldId="316"/>
+        </pc:sldMkLst>
+        <pc:spChg chg="mod">
+          <ac:chgData name="Cynthia Enciso" userId="7915927f-c5cf-4e1f-876d-e79882ad52fa" providerId="ADAL" clId="{5F15E8E6-40CE-4C1B-B39A-4D4CFEBCE354}" dt="2022-03-15T17:10:00.542" v="30" actId="20577"/>
+          <ac:spMkLst>
+            <pc:docMk/>
+            <pc:sldMk cId="1150291201" sldId="316"/>
+            <ac:spMk id="6" creationId="{F2A847FA-6B96-482E-A973-942362034578}"/>
+          </ac:spMkLst>
+        </pc:spChg>
+      </pc:sldChg>
+      <pc:sldChg chg="modSp mod">
+        <pc:chgData name="Cynthia Enciso" userId="7915927f-c5cf-4e1f-876d-e79882ad52fa" providerId="ADAL" clId="{5F15E8E6-40CE-4C1B-B39A-4D4CFEBCE354}" dt="2022-03-17T18:23:55.419" v="136" actId="21"/>
+        <pc:sldMkLst>
+          <pc:docMk/>
+          <pc:sldMk cId="1358846612" sldId="317"/>
+        </pc:sldMkLst>
+        <pc:spChg chg="mod">
+          <ac:chgData name="Cynthia Enciso" userId="7915927f-c5cf-4e1f-876d-e79882ad52fa" providerId="ADAL" clId="{5F15E8E6-40CE-4C1B-B39A-4D4CFEBCE354}" dt="2022-03-17T18:23:55.419" v="136" actId="21"/>
+          <ac:spMkLst>
+            <pc:docMk/>
+            <pc:sldMk cId="1358846612" sldId="317"/>
+            <ac:spMk id="6" creationId="{F2A847FA-6B96-482E-A973-942362034578}"/>
+          </ac:spMkLst>
+        </pc:spChg>
+      </pc:sldChg>
+      <pc:sldChg chg="del">
+        <pc:chgData name="Cynthia Enciso" userId="7915927f-c5cf-4e1f-876d-e79882ad52fa" providerId="ADAL" clId="{5F15E8E6-40CE-4C1B-B39A-4D4CFEBCE354}" dt="2022-03-15T17:15:32.437" v="31" actId="47"/>
+        <pc:sldMkLst>
+          <pc:docMk/>
+          <pc:sldMk cId="961374650" sldId="318"/>
+        </pc:sldMkLst>
+      </pc:sldChg>
+      <pc:sldChg chg="del">
+        <pc:chgData name="Cynthia Enciso" userId="7915927f-c5cf-4e1f-876d-e79882ad52fa" providerId="ADAL" clId="{5F15E8E6-40CE-4C1B-B39A-4D4CFEBCE354}" dt="2022-03-15T17:15:32.437" v="31" actId="47"/>
+        <pc:sldMkLst>
+          <pc:docMk/>
+          <pc:sldMk cId="201321265" sldId="319"/>
+        </pc:sldMkLst>
+      </pc:sldChg>
+      <pc:sldChg chg="modSp add del mod">
+        <pc:chgData name="Cynthia Enciso" userId="7915927f-c5cf-4e1f-876d-e79882ad52fa" providerId="ADAL" clId="{5F15E8E6-40CE-4C1B-B39A-4D4CFEBCE354}" dt="2022-03-15T17:15:40.472" v="46" actId="20577"/>
+        <pc:sldMkLst>
+          <pc:docMk/>
+          <pc:sldMk cId="126935119" sldId="322"/>
+        </pc:sldMkLst>
+        <pc:spChg chg="mod">
+          <ac:chgData name="Cynthia Enciso" userId="7915927f-c5cf-4e1f-876d-e79882ad52fa" providerId="ADAL" clId="{5F15E8E6-40CE-4C1B-B39A-4D4CFEBCE354}" dt="2022-03-15T17:15:40.472" v="46" actId="20577"/>
+          <ac:spMkLst>
+            <pc:docMk/>
+            <pc:sldMk cId="126935119" sldId="322"/>
+            <ac:spMk id="5" creationId="{F41A0D8D-9BDF-4B7B-839B-56C7BD2FAAC6}"/>
+          </ac:spMkLst>
+        </pc:spChg>
+      </pc:sldChg>
+      <pc:sldChg chg="del">
+        <pc:chgData name="Cynthia Enciso" userId="7915927f-c5cf-4e1f-876d-e79882ad52fa" providerId="ADAL" clId="{5F15E8E6-40CE-4C1B-B39A-4D4CFEBCE354}" dt="2022-03-15T17:15:32.437" v="31" actId="47"/>
+        <pc:sldMkLst>
+          <pc:docMk/>
+          <pc:sldMk cId="2128686001" sldId="326"/>
+        </pc:sldMkLst>
+      </pc:sldChg>
+      <pc:sldChg chg="modSp mod">
+        <pc:chgData name="Cynthia Enciso" userId="7915927f-c5cf-4e1f-876d-e79882ad52fa" providerId="ADAL" clId="{5F15E8E6-40CE-4C1B-B39A-4D4CFEBCE354}" dt="2022-03-17T21:30:03.883" v="147" actId="20577"/>
+        <pc:sldMkLst>
+          <pc:docMk/>
+          <pc:sldMk cId="914076749" sldId="334"/>
+        </pc:sldMkLst>
+        <pc:graphicFrameChg chg="modGraphic">
+          <ac:chgData name="Cynthia Enciso" userId="7915927f-c5cf-4e1f-876d-e79882ad52fa" providerId="ADAL" clId="{5F15E8E6-40CE-4C1B-B39A-4D4CFEBCE354}" dt="2022-03-17T21:30:03.883" v="147" actId="20577"/>
+          <ac:graphicFrameMkLst>
+            <pc:docMk/>
+            <pc:sldMk cId="914076749" sldId="334"/>
+            <ac:graphicFrameMk id="5" creationId="{48A3EA5A-4C77-426A-9F22-99E6F00A6559}"/>
+          </ac:graphicFrameMkLst>
+        </pc:graphicFrameChg>
+      </pc:sldChg>
+      <pc:sldChg chg="modSp new del mod">
+        <pc:chgData name="Cynthia Enciso" userId="7915927f-c5cf-4e1f-876d-e79882ad52fa" providerId="ADAL" clId="{5F15E8E6-40CE-4C1B-B39A-4D4CFEBCE354}" dt="2022-03-18T15:42:38.862" v="148" actId="47"/>
+        <pc:sldMkLst>
+          <pc:docMk/>
+          <pc:sldMk cId="4246945254" sldId="336"/>
+        </pc:sldMkLst>
+        <pc:spChg chg="mod">
+          <ac:chgData name="Cynthia Enciso" userId="7915927f-c5cf-4e1f-876d-e79882ad52fa" providerId="ADAL" clId="{5F15E8E6-40CE-4C1B-B39A-4D4CFEBCE354}" dt="2022-03-17T18:24:06.803" v="140" actId="20577"/>
+          <ac:spMkLst>
+            <pc:docMk/>
+            <pc:sldMk cId="4246945254" sldId="336"/>
+            <ac:spMk id="4" creationId="{0C4020EE-8219-458F-8441-2B4FAE9B972B}"/>
           </ac:spMkLst>
         </pc:spChg>
       </pc:sldChg>
@@ -1741,7 +2005,7 @@
           </a:lstStyle>
           <a:p>
             <a:fld id="{CA869C63-99CE-7C40-A7E9-3930C61B23AB}" type="datetimeFigureOut">
-              <a:t>2/3/2022</a:t>
+              <a:t>3/18/2022</a:t>
             </a:fld>
             <a:endParaRPr lang="en-US" dirty="0"/>
           </a:p>
@@ -1906,7 +2170,7 @@
           <a:p>
             <a:fld id="{E3E59D94-626A-4CE8-9932-5221A04BF234}" type="datetimeFigureOut">
               <a:rPr lang="en-US" smtClean="0"/>
-              <a:t>2/3/2022</a:t>
+              <a:t>3/18/2022</a:t>
             </a:fld>
             <a:endParaRPr lang="en-US" dirty="0"/>
           </a:p>
@@ -38505,7 +38769,7 @@
           <a:p>
             <a:r>
               <a:rPr lang="en-US" dirty="0"/>
-              <a:t>Cascading Style Sheets</a:t>
+              <a:t>Using CSS</a:t>
             </a:r>
           </a:p>
         </p:txBody>
@@ -38524,2719 +38788,6 @@
 </file>
 
 <file path=ppt/slides/slide10.xml><?xml version="1.0" encoding="utf-8"?>
-<p:sld xmlns:a="http://schemas.openxmlformats.org/drawingml/2006/main" xmlns:r="http://schemas.openxmlformats.org/officeDocument/2006/relationships" xmlns:p="http://schemas.openxmlformats.org/presentationml/2006/main">
-  <p:cSld>
-    <p:spTree>
-      <p:nvGrpSpPr>
-        <p:cNvPr id="1" name=""/>
-        <p:cNvGrpSpPr/>
-        <p:nvPr/>
-      </p:nvGrpSpPr>
-      <p:grpSpPr>
-        <a:xfrm>
-          <a:off x="0" y="0"/>
-          <a:ext cx="0" cy="0"/>
-          <a:chOff x="0" y="0"/>
-          <a:chExt cx="0" cy="0"/>
-        </a:xfrm>
-      </p:grpSpPr>
-      <p:sp>
-        <p:nvSpPr>
-          <p:cNvPr id="2" name="Title 1">
-            <a:extLst>
-              <a:ext uri="{FF2B5EF4-FFF2-40B4-BE49-F238E27FC236}">
-                <a16:creationId xmlns:a16="http://schemas.microsoft.com/office/drawing/2014/main" id="{1B7A6D0C-1BD1-44AD-B37F-226771B402AB}"/>
-              </a:ext>
-            </a:extLst>
-          </p:cNvPr>
-          <p:cNvSpPr>
-            <a:spLocks noGrp="1"/>
-          </p:cNvSpPr>
-          <p:nvPr>
-            <p:ph type="title"/>
-          </p:nvPr>
-        </p:nvSpPr>
-        <p:spPr/>
-        <p:txBody>
-          <a:bodyPr/>
-          <a:lstStyle/>
-          <a:p>
-            <a:r>
-              <a:rPr lang="en-US" dirty="0"/>
-              <a:t>CSS Selectors: Attributes</a:t>
-            </a:r>
-          </a:p>
-        </p:txBody>
-      </p:sp>
-      <p:sp>
-        <p:nvSpPr>
-          <p:cNvPr id="3" name="Content Placeholder 2">
-            <a:extLst>
-              <a:ext uri="{FF2B5EF4-FFF2-40B4-BE49-F238E27FC236}">
-                <a16:creationId xmlns:a16="http://schemas.microsoft.com/office/drawing/2014/main" id="{C61DDC58-F486-4356-AEAF-A310DBDAEDF9}"/>
-              </a:ext>
-            </a:extLst>
-          </p:cNvPr>
-          <p:cNvSpPr>
-            <a:spLocks noGrp="1"/>
-          </p:cNvSpPr>
-          <p:nvPr>
-            <p:ph idx="1"/>
-          </p:nvPr>
-        </p:nvSpPr>
-        <p:spPr/>
-        <p:txBody>
-          <a:bodyPr/>
-          <a:lstStyle/>
-          <a:p>
-            <a:r>
-              <a:rPr lang="en-US" dirty="0"/>
-              <a:t>Selecting elements with matching attributes</a:t>
-            </a:r>
-          </a:p>
-          <a:p>
-            <a:endParaRPr lang="en-US" dirty="0"/>
-          </a:p>
-        </p:txBody>
-      </p:sp>
-      <p:sp>
-        <p:nvSpPr>
-          <p:cNvPr id="4" name="Slide Number Placeholder 3">
-            <a:extLst>
-              <a:ext uri="{FF2B5EF4-FFF2-40B4-BE49-F238E27FC236}">
-                <a16:creationId xmlns:a16="http://schemas.microsoft.com/office/drawing/2014/main" id="{3A7C03E9-5527-4AC5-B6D2-0166A59655C6}"/>
-              </a:ext>
-            </a:extLst>
-          </p:cNvPr>
-          <p:cNvSpPr>
-            <a:spLocks noGrp="1"/>
-          </p:cNvSpPr>
-          <p:nvPr>
-            <p:ph type="sldNum" sz="quarter" idx="12"/>
-          </p:nvPr>
-        </p:nvSpPr>
-        <p:spPr/>
-        <p:txBody>
-          <a:bodyPr/>
-          <a:lstStyle/>
-          <a:p>
-            <a:fld id="{F6728BC2-ACA3-447C-A909-F3F49211C066}" type="slidenum">
-              <a:rPr lang="en-US" smtClean="0"/>
-              <a:pPr/>
-              <a:t>9</a:t>
-            </a:fld>
-            <a:endParaRPr lang="en-US" dirty="0"/>
-          </a:p>
-        </p:txBody>
-      </p:sp>
-      <p:graphicFrame>
-        <p:nvGraphicFramePr>
-          <p:cNvPr id="5" name="Table 4">
-            <a:extLst>
-              <a:ext uri="{FF2B5EF4-FFF2-40B4-BE49-F238E27FC236}">
-                <a16:creationId xmlns:a16="http://schemas.microsoft.com/office/drawing/2014/main" id="{0BD89C8C-6FC8-41C2-AFF8-666A6651DBC5}"/>
-              </a:ext>
-            </a:extLst>
-          </p:cNvPr>
-          <p:cNvGraphicFramePr>
-            <a:graphicFrameLocks noGrp="1"/>
-          </p:cNvGraphicFramePr>
-          <p:nvPr>
-            <p:extLst>
-              <p:ext uri="{D42A27DB-BD31-4B8C-83A1-F6EECF244321}">
-                <p14:modId xmlns:p14="http://schemas.microsoft.com/office/powerpoint/2010/main" val="3909485537"/>
-              </p:ext>
-            </p:extLst>
-          </p:nvPr>
-        </p:nvGraphicFramePr>
-        <p:xfrm>
-          <a:off x="657226" y="2299009"/>
-          <a:ext cx="8106764" cy="4312920"/>
-        </p:xfrm>
-        <a:graphic>
-          <a:graphicData uri="http://schemas.openxmlformats.org/drawingml/2006/table">
-            <a:tbl>
-              <a:tblPr firstRow="1" bandRow="1">
-                <a:tableStyleId>{5C22544A-7EE6-4342-B048-85BDC9FD1C3A}</a:tableStyleId>
-              </a:tblPr>
-              <a:tblGrid>
-                <a:gridCol w="1660579">
-                  <a:extLst>
-                    <a:ext uri="{9D8B030D-6E8A-4147-A177-3AD203B41FA5}">
-                      <a16:colId xmlns:a16="http://schemas.microsoft.com/office/drawing/2014/main" val="2609031368"/>
-                    </a:ext>
-                  </a:extLst>
-                </a:gridCol>
-                <a:gridCol w="6446185">
-                  <a:extLst>
-                    <a:ext uri="{9D8B030D-6E8A-4147-A177-3AD203B41FA5}">
-                      <a16:colId xmlns:a16="http://schemas.microsoft.com/office/drawing/2014/main" val="1047527874"/>
-                    </a:ext>
-                  </a:extLst>
-                </a:gridCol>
-              </a:tblGrid>
-              <a:tr h="370840">
-                <a:tc>
-                  <a:txBody>
-                    <a:bodyPr/>
-                    <a:lstStyle/>
-                    <a:p>
-                      <a:pPr algn="ctr"/>
-                      <a:r>
-                        <a:rPr lang="en-US" dirty="0"/>
-                        <a:t>Selector</a:t>
-                      </a:r>
-                    </a:p>
-                  </a:txBody>
-                  <a:tcPr/>
-                </a:tc>
-                <a:tc>
-                  <a:txBody>
-                    <a:bodyPr/>
-                    <a:lstStyle/>
-                    <a:p>
-                      <a:pPr algn="ctr"/>
-                      <a:r>
-                        <a:rPr lang="en-US" dirty="0"/>
-                        <a:t>Description</a:t>
-                      </a:r>
-                    </a:p>
-                  </a:txBody>
-                  <a:tcPr/>
-                </a:tc>
-                <a:extLst>
-                  <a:ext uri="{0D108BD9-81ED-4DB2-BD59-A6C34878D82A}">
-                    <a16:rowId xmlns:a16="http://schemas.microsoft.com/office/drawing/2014/main" val="3558295839"/>
-                  </a:ext>
-                </a:extLst>
-              </a:tr>
-              <a:tr h="370840">
-                <a:tc>
-                  <a:txBody>
-                    <a:bodyPr/>
-                    <a:lstStyle/>
-                    <a:p>
-                      <a:pPr algn="ctr"/>
-                      <a:r>
-                        <a:rPr lang="en-US" dirty="0"/>
-                        <a:t>[x]</a:t>
-                      </a:r>
-                    </a:p>
-                  </a:txBody>
-                  <a:tcPr anchor="ctr"/>
-                </a:tc>
-                <a:tc>
-                  <a:txBody>
-                    <a:bodyPr/>
-                    <a:lstStyle/>
-                    <a:p>
-                      <a:r>
-                        <a:rPr lang="en-US" dirty="0"/>
-                        <a:t>All elements with the “x” attribute</a:t>
-                      </a:r>
-                    </a:p>
-                  </a:txBody>
-                  <a:tcPr/>
-                </a:tc>
-                <a:extLst>
-                  <a:ext uri="{0D108BD9-81ED-4DB2-BD59-A6C34878D82A}">
-                    <a16:rowId xmlns:a16="http://schemas.microsoft.com/office/drawing/2014/main" val="1665973507"/>
-                  </a:ext>
-                </a:extLst>
-              </a:tr>
-              <a:tr h="370840">
-                <a:tc>
-                  <a:txBody>
-                    <a:bodyPr/>
-                    <a:lstStyle/>
-                    <a:p>
-                      <a:pPr algn="ctr"/>
-                      <a:r>
-                        <a:rPr lang="en-US" dirty="0"/>
-                        <a:t>[x=y]</a:t>
-                      </a:r>
-                    </a:p>
-                  </a:txBody>
-                  <a:tcPr anchor="ctr"/>
-                </a:tc>
-                <a:tc>
-                  <a:txBody>
-                    <a:bodyPr/>
-                    <a:lstStyle/>
-                    <a:p>
-                      <a:r>
-                        <a:rPr lang="en-US" dirty="0"/>
-                        <a:t>All elements where the attribute x has the value y</a:t>
-                      </a:r>
-                    </a:p>
-                  </a:txBody>
-                  <a:tcPr/>
-                </a:tc>
-                <a:extLst>
-                  <a:ext uri="{0D108BD9-81ED-4DB2-BD59-A6C34878D82A}">
-                    <a16:rowId xmlns:a16="http://schemas.microsoft.com/office/drawing/2014/main" val="2640191210"/>
-                  </a:ext>
-                </a:extLst>
-              </a:tr>
-              <a:tr h="370840">
-                <a:tc>
-                  <a:txBody>
-                    <a:bodyPr/>
-                    <a:lstStyle/>
-                    <a:p>
-                      <a:pPr algn="ctr"/>
-                      <a:r>
-                        <a:rPr lang="en-US" dirty="0"/>
-                        <a:t>[x~=y]</a:t>
-                      </a:r>
-                    </a:p>
-                  </a:txBody>
-                  <a:tcPr anchor="ctr"/>
-                </a:tc>
-                <a:tc>
-                  <a:txBody>
-                    <a:bodyPr/>
-                    <a:lstStyle/>
-                    <a:p>
-                      <a:r>
-                        <a:rPr lang="en-US" dirty="0"/>
-                        <a:t>All elements where the attribute x’s value is a whitespace separated list that contains the phrase y</a:t>
-                      </a:r>
-                    </a:p>
-                  </a:txBody>
-                  <a:tcPr/>
-                </a:tc>
-                <a:extLst>
-                  <a:ext uri="{0D108BD9-81ED-4DB2-BD59-A6C34878D82A}">
-                    <a16:rowId xmlns:a16="http://schemas.microsoft.com/office/drawing/2014/main" val="1777324368"/>
-                  </a:ext>
-                </a:extLst>
-              </a:tr>
-              <a:tr h="370840">
-                <a:tc>
-                  <a:txBody>
-                    <a:bodyPr/>
-                    <a:lstStyle/>
-                    <a:p>
-                      <a:pPr algn="ctr"/>
-                      <a:r>
-                        <a:rPr lang="en-US" dirty="0"/>
-                        <a:t>[x|=y]</a:t>
-                      </a:r>
-                    </a:p>
-                  </a:txBody>
-                  <a:tcPr anchor="ctr"/>
-                </a:tc>
-                <a:tc>
-                  <a:txBody>
-                    <a:bodyPr/>
-                    <a:lstStyle/>
-                    <a:p>
-                      <a:r>
-                        <a:rPr lang="en-US" dirty="0"/>
-                        <a:t>All elements where the attribute x’s value is a hyphen-separated list starting with y</a:t>
-                      </a:r>
-                    </a:p>
-                  </a:txBody>
-                  <a:tcPr/>
-                </a:tc>
-                <a:extLst>
-                  <a:ext uri="{0D108BD9-81ED-4DB2-BD59-A6C34878D82A}">
-                    <a16:rowId xmlns:a16="http://schemas.microsoft.com/office/drawing/2014/main" val="3497124175"/>
-                  </a:ext>
-                </a:extLst>
-              </a:tr>
-              <a:tr h="370840">
-                <a:tc>
-                  <a:txBody>
-                    <a:bodyPr/>
-                    <a:lstStyle/>
-                    <a:p>
-                      <a:pPr algn="ctr"/>
-                      <a:r>
-                        <a:rPr lang="en-US" dirty="0"/>
-                        <a:t>[x^=y]</a:t>
-                      </a:r>
-                    </a:p>
-                  </a:txBody>
-                  <a:tcPr anchor="ctr"/>
-                </a:tc>
-                <a:tc>
-                  <a:txBody>
-                    <a:bodyPr/>
-                    <a:lstStyle/>
-                    <a:p>
-                      <a:pPr marL="0" marR="0" lvl="0" indent="0" algn="l" defTabSz="914400" rtl="0" eaLnBrk="1" fontAlgn="auto" latinLnBrk="0" hangingPunct="1">
-                        <a:lnSpc>
-                          <a:spcPct val="100000"/>
-                        </a:lnSpc>
-                        <a:spcBef>
-                          <a:spcPts val="0"/>
-                        </a:spcBef>
-                        <a:spcAft>
-                          <a:spcPts val="0"/>
-                        </a:spcAft>
-                        <a:buClrTx/>
-                        <a:buSzTx/>
-                        <a:buFontTx/>
-                        <a:buNone/>
-                        <a:tabLst/>
-                        <a:defRPr/>
-                      </a:pPr>
-                      <a:r>
-                        <a:rPr lang="en-US" dirty="0"/>
-                        <a:t>All elements where the attribute x’s value is a string starting with y</a:t>
-                      </a:r>
-                    </a:p>
-                  </a:txBody>
-                  <a:tcPr/>
-                </a:tc>
-                <a:extLst>
-                  <a:ext uri="{0D108BD9-81ED-4DB2-BD59-A6C34878D82A}">
-                    <a16:rowId xmlns:a16="http://schemas.microsoft.com/office/drawing/2014/main" val="925245695"/>
-                  </a:ext>
-                </a:extLst>
-              </a:tr>
-              <a:tr h="370840">
-                <a:tc>
-                  <a:txBody>
-                    <a:bodyPr/>
-                    <a:lstStyle/>
-                    <a:p>
-                      <a:pPr algn="ctr"/>
-                      <a:r>
-                        <a:rPr lang="en-US" dirty="0"/>
-                        <a:t>[x$=y]</a:t>
-                      </a:r>
-                    </a:p>
-                  </a:txBody>
-                  <a:tcPr anchor="ctr"/>
-                </a:tc>
-                <a:tc>
-                  <a:txBody>
-                    <a:bodyPr/>
-                    <a:lstStyle/>
-                    <a:p>
-                      <a:r>
-                        <a:rPr lang="en-US" dirty="0"/>
-                        <a:t>All elements where the attribute x’s value is a string ending with y</a:t>
-                      </a:r>
-                    </a:p>
-                  </a:txBody>
-                  <a:tcPr/>
-                </a:tc>
-                <a:extLst>
-                  <a:ext uri="{0D108BD9-81ED-4DB2-BD59-A6C34878D82A}">
-                    <a16:rowId xmlns:a16="http://schemas.microsoft.com/office/drawing/2014/main" val="4203617607"/>
-                  </a:ext>
-                </a:extLst>
-              </a:tr>
-              <a:tr h="370840">
-                <a:tc>
-                  <a:txBody>
-                    <a:bodyPr/>
-                    <a:lstStyle/>
-                    <a:p>
-                      <a:pPr algn="ctr"/>
-                      <a:r>
-                        <a:rPr lang="en-US" dirty="0"/>
-                        <a:t>[x*=y]</a:t>
-                      </a:r>
-                    </a:p>
-                  </a:txBody>
-                  <a:tcPr anchor="ctr"/>
-                </a:tc>
-                <a:tc>
-                  <a:txBody>
-                    <a:bodyPr/>
-                    <a:lstStyle/>
-                    <a:p>
-                      <a:pPr marL="0" marR="0" lvl="0" indent="0" algn="l" defTabSz="914400" rtl="0" eaLnBrk="1" fontAlgn="auto" latinLnBrk="0" hangingPunct="1">
-                        <a:lnSpc>
-                          <a:spcPct val="100000"/>
-                        </a:lnSpc>
-                        <a:spcBef>
-                          <a:spcPts val="0"/>
-                        </a:spcBef>
-                        <a:spcAft>
-                          <a:spcPts val="0"/>
-                        </a:spcAft>
-                        <a:buClrTx/>
-                        <a:buSzTx/>
-                        <a:buFontTx/>
-                        <a:buNone/>
-                        <a:tabLst/>
-                        <a:defRPr/>
-                      </a:pPr>
-                      <a:r>
-                        <a:rPr lang="en-US" dirty="0"/>
-                        <a:t>All elements where the attribute x’s value is a string containing y</a:t>
-                      </a:r>
-                    </a:p>
-                  </a:txBody>
-                  <a:tcPr/>
-                </a:tc>
-                <a:extLst>
-                  <a:ext uri="{0D108BD9-81ED-4DB2-BD59-A6C34878D82A}">
-                    <a16:rowId xmlns:a16="http://schemas.microsoft.com/office/drawing/2014/main" val="2965594618"/>
-                  </a:ext>
-                </a:extLst>
-              </a:tr>
-            </a:tbl>
-          </a:graphicData>
-        </a:graphic>
-      </p:graphicFrame>
-    </p:spTree>
-    <p:extLst>
-      <p:ext uri="{BB962C8B-B14F-4D97-AF65-F5344CB8AC3E}">
-        <p14:creationId xmlns:p14="http://schemas.microsoft.com/office/powerpoint/2010/main" val="1770296439"/>
-      </p:ext>
-    </p:extLst>
-  </p:cSld>
-  <p:clrMapOvr>
-    <a:masterClrMapping/>
-  </p:clrMapOvr>
-</p:sld>
-</file>
-
-<file path=ppt/slides/slide11.xml><?xml version="1.0" encoding="utf-8"?>
-<p:sld xmlns:a="http://schemas.openxmlformats.org/drawingml/2006/main" xmlns:r="http://schemas.openxmlformats.org/officeDocument/2006/relationships" xmlns:p="http://schemas.openxmlformats.org/presentationml/2006/main">
-  <p:cSld>
-    <p:spTree>
-      <p:nvGrpSpPr>
-        <p:cNvPr id="1" name=""/>
-        <p:cNvGrpSpPr/>
-        <p:nvPr/>
-      </p:nvGrpSpPr>
-      <p:grpSpPr>
-        <a:xfrm>
-          <a:off x="0" y="0"/>
-          <a:ext cx="0" cy="0"/>
-          <a:chOff x="0" y="0"/>
-          <a:chExt cx="0" cy="0"/>
-        </a:xfrm>
-      </p:grpSpPr>
-      <p:sp>
-        <p:nvSpPr>
-          <p:cNvPr id="2" name="Title 1">
-            <a:extLst>
-              <a:ext uri="{FF2B5EF4-FFF2-40B4-BE49-F238E27FC236}">
-                <a16:creationId xmlns:a16="http://schemas.microsoft.com/office/drawing/2014/main" id="{396B5E9E-333B-4435-8A6A-FFA5ECBEBB19}"/>
-              </a:ext>
-            </a:extLst>
-          </p:cNvPr>
-          <p:cNvSpPr>
-            <a:spLocks noGrp="1"/>
-          </p:cNvSpPr>
-          <p:nvPr>
-            <p:ph type="title"/>
-          </p:nvPr>
-        </p:nvSpPr>
-        <p:spPr/>
-        <p:txBody>
-          <a:bodyPr/>
-          <a:lstStyle/>
-          <a:p>
-            <a:r>
-              <a:rPr lang="en-US" dirty="0"/>
-              <a:t>CSS Selectors: Interactive</a:t>
-            </a:r>
-          </a:p>
-        </p:txBody>
-      </p:sp>
-      <p:sp>
-        <p:nvSpPr>
-          <p:cNvPr id="3" name="Content Placeholder 2">
-            <a:extLst>
-              <a:ext uri="{FF2B5EF4-FFF2-40B4-BE49-F238E27FC236}">
-                <a16:creationId xmlns:a16="http://schemas.microsoft.com/office/drawing/2014/main" id="{6FE97064-F66C-409C-A798-4376E778A60C}"/>
-              </a:ext>
-            </a:extLst>
-          </p:cNvPr>
-          <p:cNvSpPr>
-            <a:spLocks noGrp="1"/>
-          </p:cNvSpPr>
-          <p:nvPr>
-            <p:ph idx="1"/>
-          </p:nvPr>
-        </p:nvSpPr>
-        <p:spPr>
-          <a:xfrm>
-            <a:off x="380010" y="1481446"/>
-            <a:ext cx="8383980" cy="5247391"/>
-          </a:xfrm>
-        </p:spPr>
-        <p:txBody>
-          <a:bodyPr/>
-          <a:lstStyle/>
-          <a:p>
-            <a:r>
-              <a:rPr lang="en-US" dirty="0"/>
-              <a:t>CSS Selectors that are applied dynamically</a:t>
-            </a:r>
-          </a:p>
-          <a:p>
-            <a:endParaRPr lang="en-US" dirty="0"/>
-          </a:p>
-          <a:p>
-            <a:endParaRPr lang="en-US" dirty="0"/>
-          </a:p>
-          <a:p>
-            <a:endParaRPr lang="en-US" dirty="0"/>
-          </a:p>
-          <a:p>
-            <a:endParaRPr lang="en-US" dirty="0"/>
-          </a:p>
-          <a:p>
-            <a:endParaRPr lang="en-US" dirty="0"/>
-          </a:p>
-          <a:p>
-            <a:endParaRPr lang="en-US" dirty="0"/>
-          </a:p>
-          <a:p>
-            <a:endParaRPr lang="en-US" dirty="0"/>
-          </a:p>
-          <a:p>
-            <a:endParaRPr lang="en-US" dirty="0"/>
-          </a:p>
-          <a:p>
-            <a:r>
-              <a:rPr lang="en-US" dirty="0"/>
-              <a:t>And more!</a:t>
-            </a:r>
-          </a:p>
-          <a:p>
-            <a:endParaRPr lang="en-US" dirty="0"/>
-          </a:p>
-        </p:txBody>
-      </p:sp>
-      <p:sp>
-        <p:nvSpPr>
-          <p:cNvPr id="4" name="Slide Number Placeholder 3">
-            <a:extLst>
-              <a:ext uri="{FF2B5EF4-FFF2-40B4-BE49-F238E27FC236}">
-                <a16:creationId xmlns:a16="http://schemas.microsoft.com/office/drawing/2014/main" id="{D2695B4F-7579-4A03-B952-5E9BA1812BF1}"/>
-              </a:ext>
-            </a:extLst>
-          </p:cNvPr>
-          <p:cNvSpPr>
-            <a:spLocks noGrp="1"/>
-          </p:cNvSpPr>
-          <p:nvPr>
-            <p:ph type="sldNum" sz="quarter" idx="12"/>
-          </p:nvPr>
-        </p:nvSpPr>
-        <p:spPr/>
-        <p:txBody>
-          <a:bodyPr/>
-          <a:lstStyle/>
-          <a:p>
-            <a:fld id="{F6728BC2-ACA3-447C-A909-F3F49211C066}" type="slidenum">
-              <a:rPr lang="en-US" smtClean="0"/>
-              <a:pPr/>
-              <a:t>10</a:t>
-            </a:fld>
-            <a:endParaRPr lang="en-US" dirty="0"/>
-          </a:p>
-        </p:txBody>
-      </p:sp>
-      <p:graphicFrame>
-        <p:nvGraphicFramePr>
-          <p:cNvPr id="5" name="Table 4">
-            <a:extLst>
-              <a:ext uri="{FF2B5EF4-FFF2-40B4-BE49-F238E27FC236}">
-                <a16:creationId xmlns:a16="http://schemas.microsoft.com/office/drawing/2014/main" id="{61818612-0D62-4E7C-BFB3-7B0157E2B2FA}"/>
-              </a:ext>
-            </a:extLst>
-          </p:cNvPr>
-          <p:cNvGraphicFramePr>
-            <a:graphicFrameLocks noGrp="1"/>
-          </p:cNvGraphicFramePr>
-          <p:nvPr>
-            <p:extLst>
-              <p:ext uri="{D42A27DB-BD31-4B8C-83A1-F6EECF244321}">
-                <p14:modId xmlns:p14="http://schemas.microsoft.com/office/powerpoint/2010/main" val="433291156"/>
-              </p:ext>
-            </p:extLst>
-          </p:nvPr>
-        </p:nvGraphicFramePr>
-        <p:xfrm>
-          <a:off x="693174" y="2477161"/>
-          <a:ext cx="7332253" cy="3235960"/>
-        </p:xfrm>
-        <a:graphic>
-          <a:graphicData uri="http://schemas.openxmlformats.org/drawingml/2006/table">
-            <a:tbl>
-              <a:tblPr firstRow="1" bandRow="1">
-                <a:tableStyleId>{5C22544A-7EE6-4342-B048-85BDC9FD1C3A}</a:tableStyleId>
-              </a:tblPr>
-              <a:tblGrid>
-                <a:gridCol w="1275080">
-                  <a:extLst>
-                    <a:ext uri="{9D8B030D-6E8A-4147-A177-3AD203B41FA5}">
-                      <a16:colId xmlns:a16="http://schemas.microsoft.com/office/drawing/2014/main" val="2609031368"/>
-                    </a:ext>
-                  </a:extLst>
-                </a:gridCol>
-                <a:gridCol w="6057173">
-                  <a:extLst>
-                    <a:ext uri="{9D8B030D-6E8A-4147-A177-3AD203B41FA5}">
-                      <a16:colId xmlns:a16="http://schemas.microsoft.com/office/drawing/2014/main" val="1047527874"/>
-                    </a:ext>
-                  </a:extLst>
-                </a:gridCol>
-              </a:tblGrid>
-              <a:tr h="370840">
-                <a:tc>
-                  <a:txBody>
-                    <a:bodyPr/>
-                    <a:lstStyle/>
-                    <a:p>
-                      <a:pPr algn="ctr"/>
-                      <a:r>
-                        <a:rPr lang="en-US" dirty="0"/>
-                        <a:t>Selector</a:t>
-                      </a:r>
-                    </a:p>
-                  </a:txBody>
-                  <a:tcPr/>
-                </a:tc>
-                <a:tc>
-                  <a:txBody>
-                    <a:bodyPr/>
-                    <a:lstStyle/>
-                    <a:p>
-                      <a:pPr algn="ctr"/>
-                      <a:r>
-                        <a:rPr lang="en-US" dirty="0"/>
-                        <a:t>Description</a:t>
-                      </a:r>
-                    </a:p>
-                  </a:txBody>
-                  <a:tcPr/>
-                </a:tc>
-                <a:extLst>
-                  <a:ext uri="{0D108BD9-81ED-4DB2-BD59-A6C34878D82A}">
-                    <a16:rowId xmlns:a16="http://schemas.microsoft.com/office/drawing/2014/main" val="3558295839"/>
-                  </a:ext>
-                </a:extLst>
-              </a:tr>
-              <a:tr h="370840">
-                <a:tc>
-                  <a:txBody>
-                    <a:bodyPr/>
-                    <a:lstStyle/>
-                    <a:p>
-                      <a:pPr algn="ctr"/>
-                      <a:r>
-                        <a:rPr lang="en-US" dirty="0"/>
-                        <a:t>x:active</a:t>
-                      </a:r>
-                    </a:p>
-                  </a:txBody>
-                  <a:tcPr/>
-                </a:tc>
-                <a:tc>
-                  <a:txBody>
-                    <a:bodyPr/>
-                    <a:lstStyle/>
-                    <a:p>
-                      <a:r>
-                        <a:rPr lang="en-US" dirty="0"/>
-                        <a:t>Styles the “active” &lt;x&gt; element (last clicked-on)</a:t>
-                      </a:r>
-                    </a:p>
-                  </a:txBody>
-                  <a:tcPr/>
-                </a:tc>
-                <a:extLst>
-                  <a:ext uri="{0D108BD9-81ED-4DB2-BD59-A6C34878D82A}">
-                    <a16:rowId xmlns:a16="http://schemas.microsoft.com/office/drawing/2014/main" val="1665973507"/>
-                  </a:ext>
-                </a:extLst>
-              </a:tr>
-              <a:tr h="370840">
-                <a:tc>
-                  <a:txBody>
-                    <a:bodyPr/>
-                    <a:lstStyle/>
-                    <a:p>
-                      <a:pPr algn="ctr"/>
-                      <a:r>
-                        <a:rPr lang="en-US" dirty="0"/>
-                        <a:t>x:hover</a:t>
-                      </a:r>
-                    </a:p>
-                  </a:txBody>
-                  <a:tcPr/>
-                </a:tc>
-                <a:tc>
-                  <a:txBody>
-                    <a:bodyPr/>
-                    <a:lstStyle/>
-                    <a:p>
-                      <a:r>
-                        <a:rPr lang="en-US" dirty="0"/>
-                        <a:t>Styles the &lt;x&gt; element you are currently hovering over</a:t>
-                      </a:r>
-                    </a:p>
-                  </a:txBody>
-                  <a:tcPr/>
-                </a:tc>
-                <a:extLst>
-                  <a:ext uri="{0D108BD9-81ED-4DB2-BD59-A6C34878D82A}">
-                    <a16:rowId xmlns:a16="http://schemas.microsoft.com/office/drawing/2014/main" val="2640191210"/>
-                  </a:ext>
-                </a:extLst>
-              </a:tr>
-              <a:tr h="370840">
-                <a:tc>
-                  <a:txBody>
-                    <a:bodyPr/>
-                    <a:lstStyle/>
-                    <a:p>
-                      <a:pPr algn="ctr"/>
-                      <a:r>
-                        <a:rPr lang="en-US" dirty="0"/>
-                        <a:t>a:link</a:t>
-                      </a:r>
-                    </a:p>
-                  </a:txBody>
-                  <a:tcPr/>
-                </a:tc>
-                <a:tc>
-                  <a:txBody>
-                    <a:bodyPr/>
-                    <a:lstStyle/>
-                    <a:p>
-                      <a:r>
-                        <a:rPr lang="en-US" dirty="0"/>
-                        <a:t>Styles all unvisited links</a:t>
-                      </a:r>
-                    </a:p>
-                  </a:txBody>
-                  <a:tcPr/>
-                </a:tc>
-                <a:extLst>
-                  <a:ext uri="{0D108BD9-81ED-4DB2-BD59-A6C34878D82A}">
-                    <a16:rowId xmlns:a16="http://schemas.microsoft.com/office/drawing/2014/main" val="3395716123"/>
-                  </a:ext>
-                </a:extLst>
-              </a:tr>
-              <a:tr h="370840">
-                <a:tc>
-                  <a:txBody>
-                    <a:bodyPr/>
-                    <a:lstStyle/>
-                    <a:p>
-                      <a:pPr algn="ctr"/>
-                      <a:r>
-                        <a:rPr lang="en-US" dirty="0"/>
-                        <a:t>a:visited</a:t>
-                      </a:r>
-                    </a:p>
-                  </a:txBody>
-                  <a:tcPr/>
-                </a:tc>
-                <a:tc>
-                  <a:txBody>
-                    <a:bodyPr/>
-                    <a:lstStyle/>
-                    <a:p>
-                      <a:r>
-                        <a:rPr lang="en-US" dirty="0"/>
-                        <a:t>Styles all visited links</a:t>
-                      </a:r>
-                    </a:p>
-                  </a:txBody>
-                  <a:tcPr/>
-                </a:tc>
-                <a:extLst>
-                  <a:ext uri="{0D108BD9-81ED-4DB2-BD59-A6C34878D82A}">
-                    <a16:rowId xmlns:a16="http://schemas.microsoft.com/office/drawing/2014/main" val="1659797338"/>
-                  </a:ext>
-                </a:extLst>
-              </a:tr>
-              <a:tr h="370840">
-                <a:tc>
-                  <a:txBody>
-                    <a:bodyPr/>
-                    <a:lstStyle/>
-                    <a:p>
-                      <a:pPr algn="ctr"/>
-                      <a:r>
-                        <a:rPr lang="en-US" dirty="0"/>
-                        <a:t>x:checked</a:t>
-                      </a:r>
-                    </a:p>
-                  </a:txBody>
-                  <a:tcPr/>
-                </a:tc>
-                <a:tc>
-                  <a:txBody>
-                    <a:bodyPr/>
-                    <a:lstStyle/>
-                    <a:p>
-                      <a:r>
-                        <a:rPr lang="en-US" dirty="0"/>
-                        <a:t>Styles a checkbox, radio button, or dropdown option currently selected</a:t>
-                      </a:r>
-                    </a:p>
-                  </a:txBody>
-                  <a:tcPr/>
-                </a:tc>
-                <a:extLst>
-                  <a:ext uri="{0D108BD9-81ED-4DB2-BD59-A6C34878D82A}">
-                    <a16:rowId xmlns:a16="http://schemas.microsoft.com/office/drawing/2014/main" val="1777324368"/>
-                  </a:ext>
-                </a:extLst>
-              </a:tr>
-              <a:tr h="370840">
-                <a:tc>
-                  <a:txBody>
-                    <a:bodyPr/>
-                    <a:lstStyle/>
-                    <a:p>
-                      <a:pPr algn="ctr"/>
-                      <a:r>
-                        <a:rPr lang="en-US" dirty="0"/>
-                        <a:t>x:optional</a:t>
-                      </a:r>
-                    </a:p>
-                  </a:txBody>
-                  <a:tcPr/>
-                </a:tc>
-                <a:tc>
-                  <a:txBody>
-                    <a:bodyPr/>
-                    <a:lstStyle/>
-                    <a:p>
-                      <a:r>
-                        <a:rPr lang="en-US" dirty="0"/>
-                        <a:t>Styles all elements without a “required” attribute</a:t>
-                      </a:r>
-                    </a:p>
-                  </a:txBody>
-                  <a:tcPr/>
-                </a:tc>
-                <a:extLst>
-                  <a:ext uri="{0D108BD9-81ED-4DB2-BD59-A6C34878D82A}">
-                    <a16:rowId xmlns:a16="http://schemas.microsoft.com/office/drawing/2014/main" val="3497124175"/>
-                  </a:ext>
-                </a:extLst>
-              </a:tr>
-              <a:tr h="370840">
-                <a:tc>
-                  <a:txBody>
-                    <a:bodyPr/>
-                    <a:lstStyle/>
-                    <a:p>
-                      <a:pPr algn="ctr"/>
-                      <a:r>
-                        <a:rPr lang="en-US" dirty="0"/>
-                        <a:t>x:required</a:t>
-                      </a:r>
-                    </a:p>
-                  </a:txBody>
-                  <a:tcPr/>
-                </a:tc>
-                <a:tc>
-                  <a:txBody>
-                    <a:bodyPr/>
-                    <a:lstStyle/>
-                    <a:p>
-                      <a:r>
-                        <a:rPr lang="en-US" dirty="0"/>
-                        <a:t>Styles all elements with a “required” attribute</a:t>
-                      </a:r>
-                    </a:p>
-                  </a:txBody>
-                  <a:tcPr/>
-                </a:tc>
-                <a:extLst>
-                  <a:ext uri="{0D108BD9-81ED-4DB2-BD59-A6C34878D82A}">
-                    <a16:rowId xmlns:a16="http://schemas.microsoft.com/office/drawing/2014/main" val="925245695"/>
-                  </a:ext>
-                </a:extLst>
-              </a:tr>
-            </a:tbl>
-          </a:graphicData>
-        </a:graphic>
-      </p:graphicFrame>
-    </p:spTree>
-    <p:extLst>
-      <p:ext uri="{BB962C8B-B14F-4D97-AF65-F5344CB8AC3E}">
-        <p14:creationId xmlns:p14="http://schemas.microsoft.com/office/powerpoint/2010/main" val="1992778243"/>
-      </p:ext>
-    </p:extLst>
-  </p:cSld>
-  <p:clrMapOvr>
-    <a:masterClrMapping/>
-  </p:clrMapOvr>
-</p:sld>
-</file>
-
-<file path=ppt/slides/slide12.xml><?xml version="1.0" encoding="utf-8"?>
-<p:sld xmlns:a="http://schemas.openxmlformats.org/drawingml/2006/main" xmlns:r="http://schemas.openxmlformats.org/officeDocument/2006/relationships" xmlns:p="http://schemas.openxmlformats.org/presentationml/2006/main">
-  <p:cSld>
-    <p:spTree>
-      <p:nvGrpSpPr>
-        <p:cNvPr id="1" name=""/>
-        <p:cNvGrpSpPr/>
-        <p:nvPr/>
-      </p:nvGrpSpPr>
-      <p:grpSpPr>
-        <a:xfrm>
-          <a:off x="0" y="0"/>
-          <a:ext cx="0" cy="0"/>
-          <a:chOff x="0" y="0"/>
-          <a:chExt cx="0" cy="0"/>
-        </a:xfrm>
-      </p:grpSpPr>
-      <p:sp>
-        <p:nvSpPr>
-          <p:cNvPr id="2" name="Slide Number Placeholder 1">
-            <a:extLst>
-              <a:ext uri="{FF2B5EF4-FFF2-40B4-BE49-F238E27FC236}">
-                <a16:creationId xmlns:a16="http://schemas.microsoft.com/office/drawing/2014/main" id="{8CBE6953-0E7F-4CFF-BA13-D9B01938FC3F}"/>
-              </a:ext>
-            </a:extLst>
-          </p:cNvPr>
-          <p:cNvSpPr>
-            <a:spLocks noGrp="1"/>
-          </p:cNvSpPr>
-          <p:nvPr>
-            <p:ph type="sldNum" sz="quarter" idx="12"/>
-          </p:nvPr>
-        </p:nvSpPr>
-        <p:spPr/>
-        <p:txBody>
-          <a:bodyPr/>
-          <a:lstStyle/>
-          <a:p>
-            <a:fld id="{F6728BC2-ACA3-447C-A909-F3F49211C066}" type="slidenum">
-              <a:rPr lang="en-US" smtClean="0"/>
-              <a:pPr/>
-              <a:t>11</a:t>
-            </a:fld>
-            <a:endParaRPr lang="en-US" dirty="0"/>
-          </a:p>
-        </p:txBody>
-      </p:sp>
-      <p:sp>
-        <p:nvSpPr>
-          <p:cNvPr id="5" name="Content Placeholder 4">
-            <a:extLst>
-              <a:ext uri="{FF2B5EF4-FFF2-40B4-BE49-F238E27FC236}">
-                <a16:creationId xmlns:a16="http://schemas.microsoft.com/office/drawing/2014/main" id="{F41A0D8D-9BDF-4B7B-839B-56C7BD2FAAC6}"/>
-              </a:ext>
-            </a:extLst>
-          </p:cNvPr>
-          <p:cNvSpPr>
-            <a:spLocks noGrp="1"/>
-          </p:cNvSpPr>
-          <p:nvPr>
-            <p:ph sz="quarter" idx="13"/>
-          </p:nvPr>
-        </p:nvSpPr>
-        <p:spPr>
-          <a:xfrm>
-            <a:off x="158750" y="2709862"/>
-            <a:ext cx="8826500" cy="1438275"/>
-          </a:xfrm>
-        </p:spPr>
-        <p:txBody>
-          <a:bodyPr>
-            <a:normAutofit/>
-          </a:bodyPr>
-          <a:lstStyle/>
-          <a:p>
-            <a:pPr algn="ctr"/>
-            <a:r>
-              <a:rPr lang="en-US" sz="4800" dirty="0"/>
-              <a:t>Using CSS</a:t>
-            </a:r>
-          </a:p>
-        </p:txBody>
-      </p:sp>
-    </p:spTree>
-    <p:extLst>
-      <p:ext uri="{BB962C8B-B14F-4D97-AF65-F5344CB8AC3E}">
-        <p14:creationId xmlns:p14="http://schemas.microsoft.com/office/powerpoint/2010/main" val="126935119"/>
-      </p:ext>
-    </p:extLst>
-  </p:cSld>
-  <p:clrMapOvr>
-    <a:masterClrMapping/>
-  </p:clrMapOvr>
-</p:sld>
-</file>
-
-<file path=ppt/slides/slide13.xml><?xml version="1.0" encoding="utf-8"?>
-<p:sld xmlns:a="http://schemas.openxmlformats.org/drawingml/2006/main" xmlns:r="http://schemas.openxmlformats.org/officeDocument/2006/relationships" xmlns:p="http://schemas.openxmlformats.org/presentationml/2006/main">
-  <p:cSld>
-    <p:spTree>
-      <p:nvGrpSpPr>
-        <p:cNvPr id="1" name=""/>
-        <p:cNvGrpSpPr/>
-        <p:nvPr/>
-      </p:nvGrpSpPr>
-      <p:grpSpPr>
-        <a:xfrm>
-          <a:off x="0" y="0"/>
-          <a:ext cx="0" cy="0"/>
-          <a:chOff x="0" y="0"/>
-          <a:chExt cx="0" cy="0"/>
-        </a:xfrm>
-      </p:grpSpPr>
-      <p:sp>
-        <p:nvSpPr>
-          <p:cNvPr id="2" name="Title 1">
-            <a:extLst>
-              <a:ext uri="{FF2B5EF4-FFF2-40B4-BE49-F238E27FC236}">
-                <a16:creationId xmlns:a16="http://schemas.microsoft.com/office/drawing/2014/main" id="{36E7A356-CA23-4F5A-B0A8-484FD0B64231}"/>
-              </a:ext>
-            </a:extLst>
-          </p:cNvPr>
-          <p:cNvSpPr>
-            <a:spLocks noGrp="1"/>
-          </p:cNvSpPr>
-          <p:nvPr>
-            <p:ph type="title"/>
-          </p:nvPr>
-        </p:nvSpPr>
-        <p:spPr/>
-        <p:txBody>
-          <a:bodyPr/>
-          <a:lstStyle/>
-          <a:p>
-            <a:r>
-              <a:rPr lang="en-US" dirty="0"/>
-              <a:t>Units of Measurement</a:t>
-            </a:r>
-          </a:p>
-        </p:txBody>
-      </p:sp>
-      <p:sp>
-        <p:nvSpPr>
-          <p:cNvPr id="3" name="Content Placeholder 2">
-            <a:extLst>
-              <a:ext uri="{FF2B5EF4-FFF2-40B4-BE49-F238E27FC236}">
-                <a16:creationId xmlns:a16="http://schemas.microsoft.com/office/drawing/2014/main" id="{9E91B69A-E12E-402C-B154-48DB86FEB305}"/>
-              </a:ext>
-            </a:extLst>
-          </p:cNvPr>
-          <p:cNvSpPr>
-            <a:spLocks noGrp="1"/>
-          </p:cNvSpPr>
-          <p:nvPr>
-            <p:ph idx="1"/>
-          </p:nvPr>
-        </p:nvSpPr>
-        <p:spPr>
-          <a:xfrm>
-            <a:off x="380010" y="1481446"/>
-            <a:ext cx="8383980" cy="5247391"/>
-          </a:xfrm>
-        </p:spPr>
-        <p:txBody>
-          <a:bodyPr>
-            <a:normAutofit lnSpcReduction="10000"/>
-          </a:bodyPr>
-          <a:lstStyle/>
-          <a:p>
-            <a:r>
-              <a:rPr lang="en-US" b="1" dirty="0"/>
-              <a:t>Relative measurements </a:t>
-            </a:r>
-            <a:r>
-              <a:rPr lang="en-US" dirty="0"/>
-              <a:t>define size in relation to some other fixed point</a:t>
-            </a:r>
-          </a:p>
-          <a:p>
-            <a:pPr lvl="1"/>
-            <a:r>
-              <a:rPr lang="en-US" dirty="0"/>
-              <a:t>Can adjust in </a:t>
-            </a:r>
-            <a:r>
-              <a:rPr lang="en-US" i="1" dirty="0"/>
-              <a:t>absolute</a:t>
-            </a:r>
-            <a:r>
-              <a:rPr lang="en-US" dirty="0"/>
-              <a:t> size if their reference point changes</a:t>
-            </a:r>
-          </a:p>
-          <a:p>
-            <a:r>
-              <a:rPr lang="en-US" b="1" dirty="0"/>
-              <a:t>Absolute measurements </a:t>
-            </a:r>
-            <a:r>
-              <a:rPr lang="en-US" dirty="0"/>
-              <a:t>are always the same</a:t>
-            </a:r>
-          </a:p>
-          <a:p>
-            <a:endParaRPr lang="en-US" dirty="0"/>
-          </a:p>
-          <a:p>
-            <a:endParaRPr lang="en-US" dirty="0"/>
-          </a:p>
-          <a:p>
-            <a:endParaRPr lang="en-US" dirty="0"/>
-          </a:p>
-          <a:p>
-            <a:endParaRPr lang="en-US" dirty="0"/>
-          </a:p>
-          <a:p>
-            <a:endParaRPr lang="en-US" dirty="0"/>
-          </a:p>
-          <a:p>
-            <a:r>
-              <a:rPr lang="en-US" dirty="0"/>
-              <a:t>Pixels are relative to the viewing device.</a:t>
-            </a:r>
-          </a:p>
-          <a:p>
-            <a:pPr marL="0" indent="0">
-              <a:buNone/>
-            </a:pPr>
-            <a:endParaRPr lang="en-US" dirty="0"/>
-          </a:p>
-        </p:txBody>
-      </p:sp>
-      <p:sp>
-        <p:nvSpPr>
-          <p:cNvPr id="4" name="Slide Number Placeholder 3">
-            <a:extLst>
-              <a:ext uri="{FF2B5EF4-FFF2-40B4-BE49-F238E27FC236}">
-                <a16:creationId xmlns:a16="http://schemas.microsoft.com/office/drawing/2014/main" id="{61804FB1-4A8A-4A7E-AC8B-A9286B88114F}"/>
-              </a:ext>
-            </a:extLst>
-          </p:cNvPr>
-          <p:cNvSpPr>
-            <a:spLocks noGrp="1"/>
-          </p:cNvSpPr>
-          <p:nvPr>
-            <p:ph type="sldNum" sz="quarter" idx="12"/>
-          </p:nvPr>
-        </p:nvSpPr>
-        <p:spPr/>
-        <p:txBody>
-          <a:bodyPr/>
-          <a:lstStyle/>
-          <a:p>
-            <a:fld id="{F6728BC2-ACA3-447C-A909-F3F49211C066}" type="slidenum">
-              <a:rPr lang="en-US" smtClean="0"/>
-              <a:pPr/>
-              <a:t>12</a:t>
-            </a:fld>
-            <a:endParaRPr lang="en-US" dirty="0"/>
-          </a:p>
-        </p:txBody>
-      </p:sp>
-      <p:graphicFrame>
-        <p:nvGraphicFramePr>
-          <p:cNvPr id="5" name="Table 4">
-            <a:extLst>
-              <a:ext uri="{FF2B5EF4-FFF2-40B4-BE49-F238E27FC236}">
-                <a16:creationId xmlns:a16="http://schemas.microsoft.com/office/drawing/2014/main" id="{C85FDAA2-4870-4790-A3B6-65EE4BE189C8}"/>
-              </a:ext>
-            </a:extLst>
-          </p:cNvPr>
-          <p:cNvGraphicFramePr>
-            <a:graphicFrameLocks noGrp="1"/>
-          </p:cNvGraphicFramePr>
-          <p:nvPr>
-            <p:extLst>
-              <p:ext uri="{D42A27DB-BD31-4B8C-83A1-F6EECF244321}">
-                <p14:modId xmlns:p14="http://schemas.microsoft.com/office/powerpoint/2010/main" val="2511000047"/>
-              </p:ext>
-            </p:extLst>
-          </p:nvPr>
-        </p:nvGraphicFramePr>
-        <p:xfrm>
-          <a:off x="1524000" y="3800987"/>
-          <a:ext cx="6096000" cy="1854200"/>
-        </p:xfrm>
-        <a:graphic>
-          <a:graphicData uri="http://schemas.openxmlformats.org/drawingml/2006/table">
-            <a:tbl>
-              <a:tblPr firstRow="1" bandRow="1">
-                <a:tableStyleId>{5C22544A-7EE6-4342-B048-85BDC9FD1C3A}</a:tableStyleId>
-              </a:tblPr>
-              <a:tblGrid>
-                <a:gridCol w="3048000">
-                  <a:extLst>
-                    <a:ext uri="{9D8B030D-6E8A-4147-A177-3AD203B41FA5}">
-                      <a16:colId xmlns:a16="http://schemas.microsoft.com/office/drawing/2014/main" val="2427770397"/>
-                    </a:ext>
-                  </a:extLst>
-                </a:gridCol>
-                <a:gridCol w="3048000">
-                  <a:extLst>
-                    <a:ext uri="{9D8B030D-6E8A-4147-A177-3AD203B41FA5}">
-                      <a16:colId xmlns:a16="http://schemas.microsoft.com/office/drawing/2014/main" val="3320055192"/>
-                    </a:ext>
-                  </a:extLst>
-                </a:gridCol>
-              </a:tblGrid>
-              <a:tr h="370840">
-                <a:tc>
-                  <a:txBody>
-                    <a:bodyPr/>
-                    <a:lstStyle/>
-                    <a:p>
-                      <a:pPr algn="ctr"/>
-                      <a:r>
-                        <a:rPr lang="en-US" dirty="0"/>
-                        <a:t>Relative</a:t>
-                      </a:r>
-                    </a:p>
-                  </a:txBody>
-                  <a:tcPr/>
-                </a:tc>
-                <a:tc>
-                  <a:txBody>
-                    <a:bodyPr/>
-                    <a:lstStyle/>
-                    <a:p>
-                      <a:pPr algn="ctr"/>
-                      <a:r>
-                        <a:rPr lang="en-US" dirty="0"/>
-                        <a:t>Absolute</a:t>
-                      </a:r>
-                    </a:p>
-                  </a:txBody>
-                  <a:tcPr/>
-                </a:tc>
-                <a:extLst>
-                  <a:ext uri="{0D108BD9-81ED-4DB2-BD59-A6C34878D82A}">
-                    <a16:rowId xmlns:a16="http://schemas.microsoft.com/office/drawing/2014/main" val="1076205708"/>
-                  </a:ext>
-                </a:extLst>
-              </a:tr>
-              <a:tr h="370840">
-                <a:tc>
-                  <a:txBody>
-                    <a:bodyPr/>
-                    <a:lstStyle/>
-                    <a:p>
-                      <a:pPr algn="ctr"/>
-                      <a:r>
-                        <a:rPr lang="en-US" dirty="0"/>
-                        <a:t>1em = current font size</a:t>
-                      </a:r>
-                    </a:p>
-                  </a:txBody>
-                  <a:tcPr/>
-                </a:tc>
-                <a:tc>
-                  <a:txBody>
-                    <a:bodyPr/>
-                    <a:lstStyle/>
-                    <a:p>
-                      <a:pPr algn="ctr"/>
-                      <a:r>
-                        <a:rPr lang="en-US" dirty="0" err="1"/>
-                        <a:t>px</a:t>
-                      </a:r>
-                      <a:r>
-                        <a:rPr lang="en-US" dirty="0"/>
-                        <a:t> = pixels</a:t>
-                      </a:r>
-                    </a:p>
-                  </a:txBody>
-                  <a:tcPr/>
-                </a:tc>
-                <a:extLst>
-                  <a:ext uri="{0D108BD9-81ED-4DB2-BD59-A6C34878D82A}">
-                    <a16:rowId xmlns:a16="http://schemas.microsoft.com/office/drawing/2014/main" val="3207823573"/>
-                  </a:ext>
-                </a:extLst>
-              </a:tr>
-              <a:tr h="370840">
-                <a:tc>
-                  <a:txBody>
-                    <a:bodyPr/>
-                    <a:lstStyle/>
-                    <a:p>
-                      <a:pPr algn="ctr"/>
-                      <a:r>
-                        <a:rPr lang="en-US" dirty="0"/>
-                        <a:t>% (percent of boundary)</a:t>
-                      </a:r>
-                    </a:p>
-                  </a:txBody>
-                  <a:tcPr/>
-                </a:tc>
-                <a:tc>
-                  <a:txBody>
-                    <a:bodyPr/>
-                    <a:lstStyle/>
-                    <a:p>
-                      <a:pPr algn="ctr"/>
-                      <a:r>
-                        <a:rPr lang="en-US" dirty="0"/>
-                        <a:t>in = inches (96px)</a:t>
-                      </a:r>
-                    </a:p>
-                  </a:txBody>
-                  <a:tcPr/>
-                </a:tc>
-                <a:extLst>
-                  <a:ext uri="{0D108BD9-81ED-4DB2-BD59-A6C34878D82A}">
-                    <a16:rowId xmlns:a16="http://schemas.microsoft.com/office/drawing/2014/main" val="499264363"/>
-                  </a:ext>
-                </a:extLst>
-              </a:tr>
-              <a:tr h="370840">
-                <a:tc>
-                  <a:txBody>
-                    <a:bodyPr/>
-                    <a:lstStyle/>
-                    <a:p>
-                      <a:pPr algn="ctr"/>
-                      <a:r>
-                        <a:rPr lang="en-US" dirty="0"/>
-                        <a:t>1vh = 1% of window height</a:t>
-                      </a:r>
-                    </a:p>
-                  </a:txBody>
-                  <a:tcPr/>
-                </a:tc>
-                <a:tc>
-                  <a:txBody>
-                    <a:bodyPr/>
-                    <a:lstStyle/>
-                    <a:p>
-                      <a:pPr algn="ctr"/>
-                      <a:r>
-                        <a:rPr lang="en-US" dirty="0" err="1"/>
-                        <a:t>pt</a:t>
-                      </a:r>
-                      <a:r>
-                        <a:rPr lang="en-US" dirty="0"/>
-                        <a:t> = points (1/72 in)</a:t>
-                      </a:r>
-                    </a:p>
-                  </a:txBody>
-                  <a:tcPr/>
-                </a:tc>
-                <a:extLst>
-                  <a:ext uri="{0D108BD9-81ED-4DB2-BD59-A6C34878D82A}">
-                    <a16:rowId xmlns:a16="http://schemas.microsoft.com/office/drawing/2014/main" val="869489926"/>
-                  </a:ext>
-                </a:extLst>
-              </a:tr>
-              <a:tr h="370840">
-                <a:tc>
-                  <a:txBody>
-                    <a:bodyPr/>
-                    <a:lstStyle/>
-                    <a:p>
-                      <a:pPr algn="ctr"/>
-                      <a:r>
-                        <a:rPr lang="en-US" dirty="0"/>
-                        <a:t>1vw = 1% of window width</a:t>
-                      </a:r>
-                    </a:p>
-                  </a:txBody>
-                  <a:tcPr/>
-                </a:tc>
-                <a:tc>
-                  <a:txBody>
-                    <a:bodyPr/>
-                    <a:lstStyle/>
-                    <a:p>
-                      <a:pPr algn="ctr"/>
-                      <a:r>
-                        <a:rPr lang="en-US" dirty="0"/>
-                        <a:t>pc = picas (12pt)</a:t>
-                      </a:r>
-                    </a:p>
-                  </a:txBody>
-                  <a:tcPr/>
-                </a:tc>
-                <a:extLst>
-                  <a:ext uri="{0D108BD9-81ED-4DB2-BD59-A6C34878D82A}">
-                    <a16:rowId xmlns:a16="http://schemas.microsoft.com/office/drawing/2014/main" val="2349952172"/>
-                  </a:ext>
-                </a:extLst>
-              </a:tr>
-            </a:tbl>
-          </a:graphicData>
-        </a:graphic>
-      </p:graphicFrame>
-    </p:spTree>
-    <p:extLst>
-      <p:ext uri="{BB962C8B-B14F-4D97-AF65-F5344CB8AC3E}">
-        <p14:creationId xmlns:p14="http://schemas.microsoft.com/office/powerpoint/2010/main" val="2329135321"/>
-      </p:ext>
-    </p:extLst>
-  </p:cSld>
-  <p:clrMapOvr>
-    <a:masterClrMapping/>
-  </p:clrMapOvr>
-</p:sld>
-</file>
-
-<file path=ppt/slides/slide14.xml><?xml version="1.0" encoding="utf-8"?>
-<p:sld xmlns:a="http://schemas.openxmlformats.org/drawingml/2006/main" xmlns:r="http://schemas.openxmlformats.org/officeDocument/2006/relationships" xmlns:p="http://schemas.openxmlformats.org/presentationml/2006/main">
-  <p:cSld>
-    <p:spTree>
-      <p:nvGrpSpPr>
-        <p:cNvPr id="1" name=""/>
-        <p:cNvGrpSpPr/>
-        <p:nvPr/>
-      </p:nvGrpSpPr>
-      <p:grpSpPr>
-        <a:xfrm>
-          <a:off x="0" y="0"/>
-          <a:ext cx="0" cy="0"/>
-          <a:chOff x="0" y="0"/>
-          <a:chExt cx="0" cy="0"/>
-        </a:xfrm>
-      </p:grpSpPr>
-      <p:sp>
-        <p:nvSpPr>
-          <p:cNvPr id="2" name="Title 1"/>
-          <p:cNvSpPr>
-            <a:spLocks noGrp="1"/>
-          </p:cNvSpPr>
-          <p:nvPr>
-            <p:ph type="title"/>
-          </p:nvPr>
-        </p:nvSpPr>
-        <p:spPr/>
-        <p:txBody>
-          <a:bodyPr/>
-          <a:lstStyle/>
-          <a:p>
-            <a:r>
-              <a:rPr lang="en-US" dirty="0"/>
-              <a:t>The Box Model</a:t>
-            </a:r>
-          </a:p>
-        </p:txBody>
-      </p:sp>
-      <p:sp>
-        <p:nvSpPr>
-          <p:cNvPr id="3" name="Content Placeholder 2"/>
-          <p:cNvSpPr>
-            <a:spLocks noGrp="1"/>
-          </p:cNvSpPr>
-          <p:nvPr>
-            <p:ph idx="1"/>
-          </p:nvPr>
-        </p:nvSpPr>
-        <p:spPr>
-          <a:xfrm>
-            <a:off x="380010" y="1481446"/>
-            <a:ext cx="8383980" cy="4882266"/>
-          </a:xfrm>
-        </p:spPr>
-        <p:txBody>
-          <a:bodyPr>
-            <a:normAutofit/>
-          </a:bodyPr>
-          <a:lstStyle/>
-          <a:p>
-            <a:r>
-              <a:rPr lang="en-US" dirty="0"/>
-              <a:t>Box Model: every HTML element exists in a “box”.</a:t>
-            </a:r>
-          </a:p>
-          <a:p>
-            <a:pPr lvl="1"/>
-            <a:r>
-              <a:rPr lang="en-US" dirty="0"/>
-              <a:t>Boxes have </a:t>
-            </a:r>
-            <a:r>
-              <a:rPr lang="en-US" b="1" dirty="0"/>
-              <a:t>margins</a:t>
-            </a:r>
-            <a:r>
-              <a:rPr lang="en-US" dirty="0"/>
-              <a:t> that separate them from other boxes</a:t>
-            </a:r>
-          </a:p>
-          <a:p>
-            <a:pPr lvl="1"/>
-            <a:r>
-              <a:rPr lang="en-US" dirty="0"/>
-              <a:t>Boxes have a </a:t>
-            </a:r>
-            <a:r>
-              <a:rPr lang="en-US" b="1" dirty="0"/>
-              <a:t>border</a:t>
-            </a:r>
-            <a:r>
-              <a:rPr lang="en-US" dirty="0"/>
-              <a:t> around their internal contents</a:t>
-            </a:r>
-          </a:p>
-          <a:p>
-            <a:pPr lvl="1"/>
-            <a:r>
-              <a:rPr lang="en-US" dirty="0"/>
-              <a:t>Boxes have a </a:t>
-            </a:r>
-            <a:r>
-              <a:rPr lang="en-US" b="1" dirty="0"/>
-              <a:t>padding</a:t>
-            </a:r>
-            <a:r>
-              <a:rPr lang="en-US" dirty="0"/>
-              <a:t> that separates the content from the border</a:t>
-            </a:r>
-          </a:p>
-          <a:p>
-            <a:r>
-              <a:rPr lang="en-US" dirty="0"/>
-              <a:t>All box measurements can be changed to move content around within boxes</a:t>
-            </a:r>
-          </a:p>
-          <a:p>
-            <a:r>
-              <a:rPr lang="en-US" dirty="0"/>
-              <a:t>&lt;div&gt; and &lt;span&gt; elements allow you to </a:t>
-            </a:r>
-            <a:r>
-              <a:rPr lang="en-US" dirty="0" err="1"/>
-              <a:t>groupor</a:t>
-            </a:r>
-            <a:r>
-              <a:rPr lang="en-US" dirty="0"/>
-              <a:t> contain other elements within their “boxes”</a:t>
-            </a:r>
-          </a:p>
-        </p:txBody>
-      </p:sp>
-      <p:sp>
-        <p:nvSpPr>
-          <p:cNvPr id="4" name="Slide Number Placeholder 3"/>
-          <p:cNvSpPr>
-            <a:spLocks noGrp="1"/>
-          </p:cNvSpPr>
-          <p:nvPr>
-            <p:ph type="sldNum" sz="quarter" idx="12"/>
-          </p:nvPr>
-        </p:nvSpPr>
-        <p:spPr/>
-        <p:txBody>
-          <a:bodyPr/>
-          <a:lstStyle/>
-          <a:p>
-            <a:fld id="{F6728BC2-ACA3-447C-A909-F3F49211C066}" type="slidenum">
-              <a:rPr lang="en-US" smtClean="0"/>
-              <a:pPr/>
-              <a:t>13</a:t>
-            </a:fld>
-            <a:endParaRPr lang="en-US" dirty="0"/>
-          </a:p>
-        </p:txBody>
-      </p:sp>
-    </p:spTree>
-    <p:extLst>
-      <p:ext uri="{BB962C8B-B14F-4D97-AF65-F5344CB8AC3E}">
-        <p14:creationId xmlns:p14="http://schemas.microsoft.com/office/powerpoint/2010/main" val="2429585954"/>
-      </p:ext>
-    </p:extLst>
-  </p:cSld>
-  <p:clrMapOvr>
-    <a:masterClrMapping/>
-  </p:clrMapOvr>
-</p:sld>
-</file>
-
-<file path=ppt/slides/slide15.xml><?xml version="1.0" encoding="utf-8"?>
-<p:sld xmlns:a="http://schemas.openxmlformats.org/drawingml/2006/main" xmlns:r="http://schemas.openxmlformats.org/officeDocument/2006/relationships" xmlns:p="http://schemas.openxmlformats.org/presentationml/2006/main">
-  <p:cSld>
-    <p:spTree>
-      <p:nvGrpSpPr>
-        <p:cNvPr id="1" name=""/>
-        <p:cNvGrpSpPr/>
-        <p:nvPr/>
-      </p:nvGrpSpPr>
-      <p:grpSpPr>
-        <a:xfrm>
-          <a:off x="0" y="0"/>
-          <a:ext cx="0" cy="0"/>
-          <a:chOff x="0" y="0"/>
-          <a:chExt cx="0" cy="0"/>
-        </a:xfrm>
-      </p:grpSpPr>
-      <p:sp>
-        <p:nvSpPr>
-          <p:cNvPr id="2" name="Title 1">
-            <a:extLst>
-              <a:ext uri="{FF2B5EF4-FFF2-40B4-BE49-F238E27FC236}">
-                <a16:creationId xmlns:a16="http://schemas.microsoft.com/office/drawing/2014/main" id="{7A3D8FF8-7D5E-4380-A0FD-6DC2A088377B}"/>
-              </a:ext>
-            </a:extLst>
-          </p:cNvPr>
-          <p:cNvSpPr>
-            <a:spLocks noGrp="1"/>
-          </p:cNvSpPr>
-          <p:nvPr>
-            <p:ph type="title"/>
-          </p:nvPr>
-        </p:nvSpPr>
-        <p:spPr/>
-        <p:txBody>
-          <a:bodyPr/>
-          <a:lstStyle/>
-          <a:p>
-            <a:r>
-              <a:rPr lang="en-US" dirty="0"/>
-              <a:t>The Box Model (</a:t>
-            </a:r>
-            <a:r>
-              <a:rPr lang="en-US" dirty="0" err="1"/>
-              <a:t>cont</a:t>
-            </a:r>
-            <a:r>
-              <a:rPr lang="en-US" dirty="0"/>
-              <a:t>…)</a:t>
-            </a:r>
-          </a:p>
-        </p:txBody>
-      </p:sp>
-      <p:pic>
-        <p:nvPicPr>
-          <p:cNvPr id="6" name="Content Placeholder 5" descr="A close up of a logo&#10;&#10;Description automatically generated">
-            <a:extLst>
-              <a:ext uri="{FF2B5EF4-FFF2-40B4-BE49-F238E27FC236}">
-                <a16:creationId xmlns:a16="http://schemas.microsoft.com/office/drawing/2014/main" id="{1BC3B33E-FCF5-41A4-B8F4-C536FE1CD2D6}"/>
-              </a:ext>
-            </a:extLst>
-          </p:cNvPr>
-          <p:cNvPicPr>
-            <a:picLocks noGrp="1" noChangeAspect="1"/>
-          </p:cNvPicPr>
-          <p:nvPr>
-            <p:ph idx="1"/>
-          </p:nvPr>
-        </p:nvPicPr>
-        <p:blipFill>
-          <a:blip r:embed="rId2">
-            <a:extLst>
-              <a:ext uri="{28A0092B-C50C-407E-A947-70E740481C1C}">
-                <a14:useLocalDpi xmlns:a14="http://schemas.microsoft.com/office/drawing/2010/main" val="0"/>
-              </a:ext>
-            </a:extLst>
-          </a:blip>
-          <a:stretch>
-            <a:fillRect/>
-          </a:stretch>
-        </p:blipFill>
-        <p:spPr>
-          <a:xfrm>
-            <a:off x="1121213" y="1395302"/>
-            <a:ext cx="6901573" cy="4968410"/>
-          </a:xfrm>
-        </p:spPr>
-      </p:pic>
-      <p:sp>
-        <p:nvSpPr>
-          <p:cNvPr id="4" name="Slide Number Placeholder 3">
-            <a:extLst>
-              <a:ext uri="{FF2B5EF4-FFF2-40B4-BE49-F238E27FC236}">
-                <a16:creationId xmlns:a16="http://schemas.microsoft.com/office/drawing/2014/main" id="{5E3CD094-7D22-4372-A9B2-2948ABC45567}"/>
-              </a:ext>
-            </a:extLst>
-          </p:cNvPr>
-          <p:cNvSpPr>
-            <a:spLocks noGrp="1"/>
-          </p:cNvSpPr>
-          <p:nvPr>
-            <p:ph type="sldNum" sz="quarter" idx="12"/>
-          </p:nvPr>
-        </p:nvSpPr>
-        <p:spPr/>
-        <p:txBody>
-          <a:bodyPr/>
-          <a:lstStyle/>
-          <a:p>
-            <a:fld id="{F6728BC2-ACA3-447C-A909-F3F49211C066}" type="slidenum">
-              <a:rPr lang="en-US" smtClean="0"/>
-              <a:pPr/>
-              <a:t>14</a:t>
-            </a:fld>
-            <a:endParaRPr lang="en-US" dirty="0"/>
-          </a:p>
-        </p:txBody>
-      </p:sp>
-    </p:spTree>
-    <p:extLst>
-      <p:ext uri="{BB962C8B-B14F-4D97-AF65-F5344CB8AC3E}">
-        <p14:creationId xmlns:p14="http://schemas.microsoft.com/office/powerpoint/2010/main" val="3022637320"/>
-      </p:ext>
-    </p:extLst>
-  </p:cSld>
-  <p:clrMapOvr>
-    <a:masterClrMapping/>
-  </p:clrMapOvr>
-</p:sld>
-</file>
-
-<file path=ppt/slides/slide16.xml><?xml version="1.0" encoding="utf-8"?>
-<p:sld xmlns:a="http://schemas.openxmlformats.org/drawingml/2006/main" xmlns:r="http://schemas.openxmlformats.org/officeDocument/2006/relationships" xmlns:p="http://schemas.openxmlformats.org/presentationml/2006/main">
-  <p:cSld>
-    <p:spTree>
-      <p:nvGrpSpPr>
-        <p:cNvPr id="1" name=""/>
-        <p:cNvGrpSpPr/>
-        <p:nvPr/>
-      </p:nvGrpSpPr>
-      <p:grpSpPr>
-        <a:xfrm>
-          <a:off x="0" y="0"/>
-          <a:ext cx="0" cy="0"/>
-          <a:chOff x="0" y="0"/>
-          <a:chExt cx="0" cy="0"/>
-        </a:xfrm>
-      </p:grpSpPr>
-      <p:sp>
-        <p:nvSpPr>
-          <p:cNvPr id="2" name="Slide Number Placeholder 1">
-            <a:extLst>
-              <a:ext uri="{FF2B5EF4-FFF2-40B4-BE49-F238E27FC236}">
-                <a16:creationId xmlns:a16="http://schemas.microsoft.com/office/drawing/2014/main" id="{8CBE6953-0E7F-4CFF-BA13-D9B01938FC3F}"/>
-              </a:ext>
-            </a:extLst>
-          </p:cNvPr>
-          <p:cNvSpPr>
-            <a:spLocks noGrp="1"/>
-          </p:cNvSpPr>
-          <p:nvPr>
-            <p:ph type="sldNum" sz="quarter" idx="12"/>
-          </p:nvPr>
-        </p:nvSpPr>
-        <p:spPr/>
-        <p:txBody>
-          <a:bodyPr/>
-          <a:lstStyle/>
-          <a:p>
-            <a:fld id="{F6728BC2-ACA3-447C-A909-F3F49211C066}" type="slidenum">
-              <a:rPr lang="en-US" smtClean="0"/>
-              <a:pPr/>
-              <a:t>15</a:t>
-            </a:fld>
-            <a:endParaRPr lang="en-US" dirty="0"/>
-          </a:p>
-        </p:txBody>
-      </p:sp>
-      <p:sp>
-        <p:nvSpPr>
-          <p:cNvPr id="5" name="Content Placeholder 4">
-            <a:extLst>
-              <a:ext uri="{FF2B5EF4-FFF2-40B4-BE49-F238E27FC236}">
-                <a16:creationId xmlns:a16="http://schemas.microsoft.com/office/drawing/2014/main" id="{F41A0D8D-9BDF-4B7B-839B-56C7BD2FAAC6}"/>
-              </a:ext>
-            </a:extLst>
-          </p:cNvPr>
-          <p:cNvSpPr>
-            <a:spLocks noGrp="1"/>
-          </p:cNvSpPr>
-          <p:nvPr>
-            <p:ph sz="quarter" idx="13"/>
-          </p:nvPr>
-        </p:nvSpPr>
-        <p:spPr>
-          <a:xfrm>
-            <a:off x="158750" y="2709862"/>
-            <a:ext cx="8826500" cy="1438275"/>
-          </a:xfrm>
-        </p:spPr>
-        <p:txBody>
-          <a:bodyPr>
-            <a:normAutofit/>
-          </a:bodyPr>
-          <a:lstStyle/>
-          <a:p>
-            <a:pPr algn="ctr"/>
-            <a:r>
-              <a:rPr lang="en-US" sz="4800" dirty="0"/>
-              <a:t>Specificity</a:t>
-            </a:r>
-          </a:p>
-        </p:txBody>
-      </p:sp>
-    </p:spTree>
-    <p:extLst>
-      <p:ext uri="{BB962C8B-B14F-4D97-AF65-F5344CB8AC3E}">
-        <p14:creationId xmlns:p14="http://schemas.microsoft.com/office/powerpoint/2010/main" val="2451340904"/>
-      </p:ext>
-    </p:extLst>
-  </p:cSld>
-  <p:clrMapOvr>
-    <a:masterClrMapping/>
-  </p:clrMapOvr>
-</p:sld>
-</file>
-
-<file path=ppt/slides/slide17.xml><?xml version="1.0" encoding="utf-8"?>
-<p:sld xmlns:a="http://schemas.openxmlformats.org/drawingml/2006/main" xmlns:r="http://schemas.openxmlformats.org/officeDocument/2006/relationships" xmlns:p="http://schemas.openxmlformats.org/presentationml/2006/main">
-  <p:cSld>
-    <p:spTree>
-      <p:nvGrpSpPr>
-        <p:cNvPr id="1" name=""/>
-        <p:cNvGrpSpPr/>
-        <p:nvPr/>
-      </p:nvGrpSpPr>
-      <p:grpSpPr>
-        <a:xfrm>
-          <a:off x="0" y="0"/>
-          <a:ext cx="0" cy="0"/>
-          <a:chOff x="0" y="0"/>
-          <a:chExt cx="0" cy="0"/>
-        </a:xfrm>
-      </p:grpSpPr>
-      <p:sp>
-        <p:nvSpPr>
-          <p:cNvPr id="2" name="Title 1">
-            <a:extLst>
-              <a:ext uri="{FF2B5EF4-FFF2-40B4-BE49-F238E27FC236}">
-                <a16:creationId xmlns:a16="http://schemas.microsoft.com/office/drawing/2014/main" id="{02AA57EA-6F1F-4642-B121-AA547F53C3B4}"/>
-              </a:ext>
-            </a:extLst>
-          </p:cNvPr>
-          <p:cNvSpPr>
-            <a:spLocks noGrp="1"/>
-          </p:cNvSpPr>
-          <p:nvPr>
-            <p:ph type="title"/>
-          </p:nvPr>
-        </p:nvSpPr>
-        <p:spPr/>
-        <p:txBody>
-          <a:bodyPr/>
-          <a:lstStyle/>
-          <a:p>
-            <a:r>
-              <a:rPr lang="en-US" dirty="0"/>
-              <a:t>What is Specificity?</a:t>
-            </a:r>
-          </a:p>
-        </p:txBody>
-      </p:sp>
-      <p:sp>
-        <p:nvSpPr>
-          <p:cNvPr id="3" name="Content Placeholder 2">
-            <a:extLst>
-              <a:ext uri="{FF2B5EF4-FFF2-40B4-BE49-F238E27FC236}">
-                <a16:creationId xmlns:a16="http://schemas.microsoft.com/office/drawing/2014/main" id="{584474BB-8C9C-4FBD-8FB2-24622BA00B7F}"/>
-              </a:ext>
-            </a:extLst>
-          </p:cNvPr>
-          <p:cNvSpPr>
-            <a:spLocks noGrp="1"/>
-          </p:cNvSpPr>
-          <p:nvPr>
-            <p:ph idx="1"/>
-          </p:nvPr>
-        </p:nvSpPr>
-        <p:spPr>
-          <a:xfrm>
-            <a:off x="380010" y="1481446"/>
-            <a:ext cx="8383980" cy="5376554"/>
-          </a:xfrm>
-        </p:spPr>
-        <p:txBody>
-          <a:bodyPr>
-            <a:normAutofit/>
-          </a:bodyPr>
-          <a:lstStyle/>
-          <a:p>
-            <a:r>
-              <a:rPr lang="en-US" b="1" dirty="0"/>
-              <a:t>Specificity </a:t>
-            </a:r>
-            <a:r>
-              <a:rPr lang="en-US" dirty="0"/>
-              <a:t>is a weight or priority given to a </a:t>
-            </a:r>
-            <a:r>
-              <a:rPr lang="en-US" b="1" dirty="0"/>
-              <a:t>CSS rule</a:t>
-            </a:r>
-          </a:p>
-          <a:p>
-            <a:r>
-              <a:rPr lang="en-US" dirty="0"/>
-              <a:t>This priority is determined by the </a:t>
-            </a:r>
-            <a:r>
-              <a:rPr lang="en-US" b="1" dirty="0"/>
-              <a:t>type of selector</a:t>
-            </a:r>
-            <a:r>
-              <a:rPr lang="en-US" dirty="0"/>
-              <a:t> being used</a:t>
-            </a:r>
-          </a:p>
-          <a:p>
-            <a:pPr lvl="1"/>
-            <a:r>
-              <a:rPr lang="en-US" dirty="0"/>
-              <a:t>If you have </a:t>
-            </a:r>
-            <a:r>
-              <a:rPr lang="en-US" b="1" dirty="0"/>
-              <a:t>inline</a:t>
-            </a:r>
-            <a:r>
-              <a:rPr lang="en-US" dirty="0"/>
-              <a:t> styles those will also overrule either internal or external styles</a:t>
-            </a:r>
-          </a:p>
-          <a:p>
-            <a:r>
-              <a:rPr lang="en-US" dirty="0"/>
-              <a:t>Specificity matters when multiple declarations are used on the same targeted element properties</a:t>
-            </a:r>
-          </a:p>
-          <a:p>
-            <a:pPr lvl="1"/>
-            <a:r>
-              <a:rPr lang="en-US" dirty="0"/>
-              <a:t>If the CSS rules have the </a:t>
-            </a:r>
-            <a:r>
-              <a:rPr lang="en-US" b="1" dirty="0"/>
-              <a:t>same</a:t>
-            </a:r>
-            <a:r>
-              <a:rPr lang="en-US" dirty="0"/>
-              <a:t> specificity: the </a:t>
-            </a:r>
-            <a:r>
-              <a:rPr lang="en-US" b="1" dirty="0"/>
-              <a:t>last </a:t>
-            </a:r>
-            <a:r>
-              <a:rPr lang="en-US" dirty="0"/>
-              <a:t>declaration read is applied</a:t>
-            </a:r>
-          </a:p>
-          <a:p>
-            <a:pPr lvl="1"/>
-            <a:r>
-              <a:rPr lang="en-US" dirty="0"/>
-              <a:t>If the CSS rules have </a:t>
-            </a:r>
-            <a:r>
-              <a:rPr lang="en-US" b="1" dirty="0"/>
-              <a:t>different</a:t>
-            </a:r>
-            <a:r>
-              <a:rPr lang="en-US" dirty="0"/>
-              <a:t> specificities: the </a:t>
-            </a:r>
-            <a:r>
-              <a:rPr lang="en-US" b="1" dirty="0"/>
-              <a:t>most specific </a:t>
-            </a:r>
-            <a:r>
-              <a:rPr lang="en-US" dirty="0"/>
-              <a:t>declaration is applied</a:t>
-            </a:r>
-          </a:p>
-        </p:txBody>
-      </p:sp>
-      <p:sp>
-        <p:nvSpPr>
-          <p:cNvPr id="4" name="Slide Number Placeholder 3">
-            <a:extLst>
-              <a:ext uri="{FF2B5EF4-FFF2-40B4-BE49-F238E27FC236}">
-                <a16:creationId xmlns:a16="http://schemas.microsoft.com/office/drawing/2014/main" id="{E9ABE8A9-99A1-417D-9383-5829467ED40A}"/>
-              </a:ext>
-            </a:extLst>
-          </p:cNvPr>
-          <p:cNvSpPr>
-            <a:spLocks noGrp="1"/>
-          </p:cNvSpPr>
-          <p:nvPr>
-            <p:ph type="sldNum" sz="quarter" idx="12"/>
-          </p:nvPr>
-        </p:nvSpPr>
-        <p:spPr/>
-        <p:txBody>
-          <a:bodyPr/>
-          <a:lstStyle/>
-          <a:p>
-            <a:fld id="{F6728BC2-ACA3-447C-A909-F3F49211C066}" type="slidenum">
-              <a:rPr lang="en-US" smtClean="0"/>
-              <a:pPr/>
-              <a:t>16</a:t>
-            </a:fld>
-            <a:endParaRPr lang="en-US" dirty="0"/>
-          </a:p>
-        </p:txBody>
-      </p:sp>
-    </p:spTree>
-    <p:extLst>
-      <p:ext uri="{BB962C8B-B14F-4D97-AF65-F5344CB8AC3E}">
-        <p14:creationId xmlns:p14="http://schemas.microsoft.com/office/powerpoint/2010/main" val="539243658"/>
-      </p:ext>
-    </p:extLst>
-  </p:cSld>
-  <p:clrMapOvr>
-    <a:masterClrMapping/>
-  </p:clrMapOvr>
-</p:sld>
-</file>
-
-<file path=ppt/slides/slide18.xml><?xml version="1.0" encoding="utf-8"?>
-<p:sld xmlns:a="http://schemas.openxmlformats.org/drawingml/2006/main" xmlns:r="http://schemas.openxmlformats.org/officeDocument/2006/relationships" xmlns:p="http://schemas.openxmlformats.org/presentationml/2006/main">
-  <p:cSld>
-    <p:spTree>
-      <p:nvGrpSpPr>
-        <p:cNvPr id="1" name=""/>
-        <p:cNvGrpSpPr/>
-        <p:nvPr/>
-      </p:nvGrpSpPr>
-      <p:grpSpPr>
-        <a:xfrm>
-          <a:off x="0" y="0"/>
-          <a:ext cx="0" cy="0"/>
-          <a:chOff x="0" y="0"/>
-          <a:chExt cx="0" cy="0"/>
-        </a:xfrm>
-      </p:grpSpPr>
-      <p:sp>
-        <p:nvSpPr>
-          <p:cNvPr id="2" name="Title 1">
-            <a:extLst>
-              <a:ext uri="{FF2B5EF4-FFF2-40B4-BE49-F238E27FC236}">
-                <a16:creationId xmlns:a16="http://schemas.microsoft.com/office/drawing/2014/main" id="{B10ADDA7-555D-4FD3-BA50-428FB0B98F92}"/>
-              </a:ext>
-            </a:extLst>
-          </p:cNvPr>
-          <p:cNvSpPr>
-            <a:spLocks noGrp="1"/>
-          </p:cNvSpPr>
-          <p:nvPr>
-            <p:ph type="title"/>
-          </p:nvPr>
-        </p:nvSpPr>
-        <p:spPr/>
-        <p:txBody>
-          <a:bodyPr/>
-          <a:lstStyle/>
-          <a:p>
-            <a:r>
-              <a:rPr lang="en-US" dirty="0"/>
-              <a:t>Specificity Priority</a:t>
-            </a:r>
-          </a:p>
-        </p:txBody>
-      </p:sp>
-      <p:sp>
-        <p:nvSpPr>
-          <p:cNvPr id="4" name="Slide Number Placeholder 3">
-            <a:extLst>
-              <a:ext uri="{FF2B5EF4-FFF2-40B4-BE49-F238E27FC236}">
-                <a16:creationId xmlns:a16="http://schemas.microsoft.com/office/drawing/2014/main" id="{C7020500-2701-4497-A79B-5F1DF51BA03F}"/>
-              </a:ext>
-            </a:extLst>
-          </p:cNvPr>
-          <p:cNvSpPr>
-            <a:spLocks noGrp="1"/>
-          </p:cNvSpPr>
-          <p:nvPr>
-            <p:ph type="sldNum" sz="quarter" idx="12"/>
-          </p:nvPr>
-        </p:nvSpPr>
-        <p:spPr/>
-        <p:txBody>
-          <a:bodyPr/>
-          <a:lstStyle/>
-          <a:p>
-            <a:fld id="{F6728BC2-ACA3-447C-A909-F3F49211C066}" type="slidenum">
-              <a:rPr lang="en-US" smtClean="0"/>
-              <a:pPr/>
-              <a:t>17</a:t>
-            </a:fld>
-            <a:endParaRPr lang="en-US" dirty="0"/>
-          </a:p>
-        </p:txBody>
-      </p:sp>
-      <p:grpSp>
-        <p:nvGrpSpPr>
-          <p:cNvPr id="10" name="Group 9">
-            <a:extLst>
-              <a:ext uri="{FF2B5EF4-FFF2-40B4-BE49-F238E27FC236}">
-                <a16:creationId xmlns:a16="http://schemas.microsoft.com/office/drawing/2014/main" id="{5242797A-ED24-41CD-A096-B38B9C5FC38B}"/>
-              </a:ext>
-            </a:extLst>
-          </p:cNvPr>
-          <p:cNvGrpSpPr/>
-          <p:nvPr/>
-        </p:nvGrpSpPr>
-        <p:grpSpPr>
-          <a:xfrm>
-            <a:off x="4069298" y="1450025"/>
-            <a:ext cx="1005403" cy="4518683"/>
-            <a:chOff x="5333857" y="1286395"/>
-            <a:chExt cx="1005403" cy="4518683"/>
-          </a:xfrm>
-        </p:grpSpPr>
-        <p:cxnSp>
-          <p:nvCxnSpPr>
-            <p:cNvPr id="6" name="Straight Arrow Connector 5">
-              <a:extLst>
-                <a:ext uri="{FF2B5EF4-FFF2-40B4-BE49-F238E27FC236}">
-                  <a16:creationId xmlns:a16="http://schemas.microsoft.com/office/drawing/2014/main" id="{62E872AC-AA57-459B-AE09-FFDC7C2C4318}"/>
-                </a:ext>
-              </a:extLst>
-            </p:cNvPr>
-            <p:cNvCxnSpPr>
-              <a:cxnSpLocks/>
-            </p:cNvCxnSpPr>
-            <p:nvPr/>
-          </p:nvCxnSpPr>
-          <p:spPr>
-            <a:xfrm>
-              <a:off x="5885660" y="1761423"/>
-              <a:ext cx="0" cy="3658444"/>
-            </a:xfrm>
-            <a:prstGeom prst="straightConnector1">
-              <a:avLst/>
-            </a:prstGeom>
-            <a:ln w="76200">
-              <a:solidFill>
-                <a:schemeClr val="tx1"/>
-              </a:solidFill>
-              <a:headEnd type="triangle"/>
-              <a:tailEnd type="triangle"/>
-            </a:ln>
-          </p:spPr>
-          <p:style>
-            <a:lnRef idx="1">
-              <a:schemeClr val="accent1"/>
-            </a:lnRef>
-            <a:fillRef idx="0">
-              <a:schemeClr val="accent1"/>
-            </a:fillRef>
-            <a:effectRef idx="0">
-              <a:schemeClr val="accent1"/>
-            </a:effectRef>
-            <a:fontRef idx="minor">
-              <a:schemeClr val="tx1"/>
-            </a:fontRef>
-          </p:style>
-        </p:cxnSp>
-        <p:sp>
-          <p:nvSpPr>
-            <p:cNvPr id="7" name="TextBox 6">
-              <a:extLst>
-                <a:ext uri="{FF2B5EF4-FFF2-40B4-BE49-F238E27FC236}">
-                  <a16:creationId xmlns:a16="http://schemas.microsoft.com/office/drawing/2014/main" id="{98091BE7-1E75-42A7-B792-62E9D63D9562}"/>
-                </a:ext>
-              </a:extLst>
-            </p:cNvPr>
-            <p:cNvSpPr txBox="1"/>
-            <p:nvPr/>
-          </p:nvSpPr>
-          <p:spPr>
-            <a:xfrm>
-              <a:off x="5333857" y="1286395"/>
-              <a:ext cx="1005403" cy="369332"/>
-            </a:xfrm>
-            <a:prstGeom prst="rect">
-              <a:avLst/>
-            </a:prstGeom>
-            <a:noFill/>
-          </p:spPr>
-          <p:txBody>
-            <a:bodyPr wrap="none" rtlCol="0">
-              <a:spAutoFit/>
-            </a:bodyPr>
-            <a:lstStyle/>
-            <a:p>
-              <a:r>
-                <a:rPr lang="en-US" b="1" dirty="0"/>
-                <a:t>highest</a:t>
-              </a:r>
-            </a:p>
-          </p:txBody>
-        </p:sp>
-        <p:sp>
-          <p:nvSpPr>
-            <p:cNvPr id="8" name="TextBox 7">
-              <a:extLst>
-                <a:ext uri="{FF2B5EF4-FFF2-40B4-BE49-F238E27FC236}">
-                  <a16:creationId xmlns:a16="http://schemas.microsoft.com/office/drawing/2014/main" id="{F8A28581-72E9-4A73-851A-7D32BA30B0DC}"/>
-                </a:ext>
-              </a:extLst>
-            </p:cNvPr>
-            <p:cNvSpPr txBox="1"/>
-            <p:nvPr/>
-          </p:nvSpPr>
-          <p:spPr>
-            <a:xfrm>
-              <a:off x="5385154" y="5435746"/>
-              <a:ext cx="902811" cy="369332"/>
-            </a:xfrm>
-            <a:prstGeom prst="rect">
-              <a:avLst/>
-            </a:prstGeom>
-            <a:noFill/>
-          </p:spPr>
-          <p:txBody>
-            <a:bodyPr wrap="none" rtlCol="0">
-              <a:spAutoFit/>
-            </a:bodyPr>
-            <a:lstStyle/>
-            <a:p>
-              <a:r>
-                <a:rPr lang="en-US" b="1" dirty="0"/>
-                <a:t>lowest</a:t>
-              </a:r>
-            </a:p>
-          </p:txBody>
-        </p:sp>
-      </p:grpSp>
-      <p:graphicFrame>
-        <p:nvGraphicFramePr>
-          <p:cNvPr id="11" name="Table 11">
-            <a:extLst>
-              <a:ext uri="{FF2B5EF4-FFF2-40B4-BE49-F238E27FC236}">
-                <a16:creationId xmlns:a16="http://schemas.microsoft.com/office/drawing/2014/main" id="{8A138105-29D3-4F80-B7C7-5E216139F3EB}"/>
-              </a:ext>
-            </a:extLst>
-          </p:cNvPr>
-          <p:cNvGraphicFramePr>
-            <a:graphicFrameLocks noGrp="1"/>
-          </p:cNvGraphicFramePr>
-          <p:nvPr>
-            <p:extLst>
-              <p:ext uri="{D42A27DB-BD31-4B8C-83A1-F6EECF244321}">
-                <p14:modId xmlns:p14="http://schemas.microsoft.com/office/powerpoint/2010/main" val="4262361762"/>
-              </p:ext>
-            </p:extLst>
-          </p:nvPr>
-        </p:nvGraphicFramePr>
-        <p:xfrm>
-          <a:off x="656620" y="2188812"/>
-          <a:ext cx="2845864" cy="3410564"/>
-        </p:xfrm>
-        <a:graphic>
-          <a:graphicData uri="http://schemas.openxmlformats.org/drawingml/2006/table">
-            <a:tbl>
-              <a:tblPr firstRow="1" bandRow="1">
-                <a:tableStyleId>{5C22544A-7EE6-4342-B048-85BDC9FD1C3A}</a:tableStyleId>
-              </a:tblPr>
-              <a:tblGrid>
-                <a:gridCol w="1422932">
-                  <a:extLst>
-                    <a:ext uri="{9D8B030D-6E8A-4147-A177-3AD203B41FA5}">
-                      <a16:colId xmlns:a16="http://schemas.microsoft.com/office/drawing/2014/main" val="1124839809"/>
-                    </a:ext>
-                  </a:extLst>
-                </a:gridCol>
-                <a:gridCol w="1422932">
-                  <a:extLst>
-                    <a:ext uri="{9D8B030D-6E8A-4147-A177-3AD203B41FA5}">
-                      <a16:colId xmlns:a16="http://schemas.microsoft.com/office/drawing/2014/main" val="666997572"/>
-                    </a:ext>
-                  </a:extLst>
-                </a:gridCol>
-              </a:tblGrid>
-              <a:tr h="753992">
-                <a:tc>
-                  <a:txBody>
-                    <a:bodyPr/>
-                    <a:lstStyle/>
-                    <a:p>
-                      <a:pPr algn="ctr"/>
-                      <a:r>
-                        <a:rPr lang="en-US" dirty="0"/>
-                        <a:t>Type of Selector</a:t>
-                      </a:r>
-                    </a:p>
-                  </a:txBody>
-                  <a:tcPr>
-                    <a:solidFill>
-                      <a:schemeClr val="tx2"/>
-                    </a:solidFill>
-                  </a:tcPr>
-                </a:tc>
-                <a:tc>
-                  <a:txBody>
-                    <a:bodyPr/>
-                    <a:lstStyle/>
-                    <a:p>
-                      <a:pPr algn="ctr"/>
-                      <a:r>
-                        <a:rPr lang="en-US" dirty="0"/>
-                        <a:t>Example</a:t>
-                      </a:r>
-                    </a:p>
-                  </a:txBody>
-                  <a:tcPr>
-                    <a:solidFill>
-                      <a:schemeClr val="tx2"/>
-                    </a:solidFill>
-                  </a:tcPr>
-                </a:tc>
-                <a:extLst>
-                  <a:ext uri="{0D108BD9-81ED-4DB2-BD59-A6C34878D82A}">
-                    <a16:rowId xmlns:a16="http://schemas.microsoft.com/office/drawing/2014/main" val="1172861618"/>
-                  </a:ext>
-                </a:extLst>
-              </a:tr>
-              <a:tr h="484819">
-                <a:tc>
-                  <a:txBody>
-                    <a:bodyPr/>
-                    <a:lstStyle/>
-                    <a:p>
-                      <a:pPr algn="ctr"/>
-                      <a:r>
-                        <a:rPr lang="en-US" dirty="0"/>
-                        <a:t>ID selector</a:t>
-                      </a:r>
-                    </a:p>
-                  </a:txBody>
-                  <a:tcPr>
-                    <a:solidFill>
-                      <a:srgbClr val="FF7979"/>
-                    </a:solidFill>
-                  </a:tcPr>
-                </a:tc>
-                <a:tc>
-                  <a:txBody>
-                    <a:bodyPr/>
-                    <a:lstStyle/>
-                    <a:p>
-                      <a:pPr algn="ctr"/>
-                      <a:r>
-                        <a:rPr lang="en-US" dirty="0"/>
-                        <a:t>#myDiv</a:t>
-                      </a:r>
-                    </a:p>
-                  </a:txBody>
-                  <a:tcPr>
-                    <a:solidFill>
-                      <a:srgbClr val="FF7979"/>
-                    </a:solidFill>
-                  </a:tcPr>
-                </a:tc>
-                <a:extLst>
-                  <a:ext uri="{0D108BD9-81ED-4DB2-BD59-A6C34878D82A}">
-                    <a16:rowId xmlns:a16="http://schemas.microsoft.com/office/drawing/2014/main" val="299190967"/>
-                  </a:ext>
-                </a:extLst>
-              </a:tr>
-              <a:tr h="679838">
-                <a:tc>
-                  <a:txBody>
-                    <a:bodyPr/>
-                    <a:lstStyle/>
-                    <a:p>
-                      <a:pPr algn="ctr"/>
-                      <a:r>
-                        <a:rPr lang="en-US" dirty="0"/>
-                        <a:t>class selector</a:t>
-                      </a:r>
-                    </a:p>
-                  </a:txBody>
-                  <a:tcPr>
-                    <a:solidFill>
-                      <a:schemeClr val="accent1">
-                        <a:lumMod val="60000"/>
-                        <a:lumOff val="40000"/>
-                      </a:schemeClr>
-                    </a:solidFill>
-                  </a:tcPr>
-                </a:tc>
-                <a:tc>
-                  <a:txBody>
-                    <a:bodyPr/>
-                    <a:lstStyle/>
-                    <a:p>
-                      <a:pPr algn="ctr"/>
-                      <a:r>
-                        <a:rPr lang="en-US" dirty="0"/>
-                        <a:t>.</a:t>
-                      </a:r>
-                      <a:r>
-                        <a:rPr lang="en-US" dirty="0" err="1"/>
-                        <a:t>allHeaders</a:t>
-                      </a:r>
-                      <a:endParaRPr lang="en-US" dirty="0"/>
-                    </a:p>
-                  </a:txBody>
-                  <a:tcPr>
-                    <a:solidFill>
-                      <a:schemeClr val="accent1">
-                        <a:lumMod val="60000"/>
-                        <a:lumOff val="40000"/>
-                      </a:schemeClr>
-                    </a:solidFill>
-                  </a:tcPr>
-                </a:tc>
-                <a:extLst>
-                  <a:ext uri="{0D108BD9-81ED-4DB2-BD59-A6C34878D82A}">
-                    <a16:rowId xmlns:a16="http://schemas.microsoft.com/office/drawing/2014/main" val="638036917"/>
-                  </a:ext>
-                </a:extLst>
-              </a:tr>
-              <a:tr h="750770">
-                <a:tc>
-                  <a:txBody>
-                    <a:bodyPr/>
-                    <a:lstStyle/>
-                    <a:p>
-                      <a:pPr algn="ctr"/>
-                      <a:r>
-                        <a:rPr lang="en-US" dirty="0"/>
-                        <a:t>type selector</a:t>
-                      </a:r>
-                    </a:p>
-                  </a:txBody>
-                  <a:tcPr>
-                    <a:solidFill>
-                      <a:srgbClr val="F9FDBF"/>
-                    </a:solidFill>
-                  </a:tcPr>
-                </a:tc>
-                <a:tc>
-                  <a:txBody>
-                    <a:bodyPr/>
-                    <a:lstStyle/>
-                    <a:p>
-                      <a:pPr algn="ctr"/>
-                      <a:r>
-                        <a:rPr lang="en-US" dirty="0"/>
-                        <a:t>p</a:t>
-                      </a:r>
-                    </a:p>
-                  </a:txBody>
-                  <a:tcPr>
-                    <a:solidFill>
-                      <a:srgbClr val="F9FDBF"/>
-                    </a:solidFill>
-                  </a:tcPr>
-                </a:tc>
-                <a:extLst>
-                  <a:ext uri="{0D108BD9-81ED-4DB2-BD59-A6C34878D82A}">
-                    <a16:rowId xmlns:a16="http://schemas.microsoft.com/office/drawing/2014/main" val="558611281"/>
-                  </a:ext>
-                </a:extLst>
-              </a:tr>
-              <a:tr h="741145">
-                <a:tc>
-                  <a:txBody>
-                    <a:bodyPr/>
-                    <a:lstStyle/>
-                    <a:p>
-                      <a:pPr algn="ctr"/>
-                      <a:r>
-                        <a:rPr lang="en-US" dirty="0"/>
-                        <a:t>universal selector</a:t>
-                      </a:r>
-                    </a:p>
-                  </a:txBody>
-                  <a:tcPr>
-                    <a:solidFill>
-                      <a:srgbClr val="C5FEB8"/>
-                    </a:solidFill>
-                  </a:tcPr>
-                </a:tc>
-                <a:tc>
-                  <a:txBody>
-                    <a:bodyPr/>
-                    <a:lstStyle/>
-                    <a:p>
-                      <a:pPr algn="ctr"/>
-                      <a:r>
-                        <a:rPr lang="en-US" dirty="0"/>
-                        <a:t>*</a:t>
-                      </a:r>
-                    </a:p>
-                  </a:txBody>
-                  <a:tcPr>
-                    <a:solidFill>
-                      <a:srgbClr val="C5FEB8"/>
-                    </a:solidFill>
-                  </a:tcPr>
-                </a:tc>
-                <a:extLst>
-                  <a:ext uri="{0D108BD9-81ED-4DB2-BD59-A6C34878D82A}">
-                    <a16:rowId xmlns:a16="http://schemas.microsoft.com/office/drawing/2014/main" val="625058313"/>
-                  </a:ext>
-                </a:extLst>
-              </a:tr>
-            </a:tbl>
-          </a:graphicData>
-        </a:graphic>
-      </p:graphicFrame>
-      <p:graphicFrame>
-        <p:nvGraphicFramePr>
-          <p:cNvPr id="13" name="Table 11">
-            <a:extLst>
-              <a:ext uri="{FF2B5EF4-FFF2-40B4-BE49-F238E27FC236}">
-                <a16:creationId xmlns:a16="http://schemas.microsoft.com/office/drawing/2014/main" id="{DA9AFBF3-188F-4DF8-B263-926DA1A61D61}"/>
-              </a:ext>
-            </a:extLst>
-          </p:cNvPr>
-          <p:cNvGraphicFramePr>
-            <a:graphicFrameLocks noGrp="1"/>
-          </p:cNvGraphicFramePr>
-          <p:nvPr>
-            <p:extLst>
-              <p:ext uri="{D42A27DB-BD31-4B8C-83A1-F6EECF244321}">
-                <p14:modId xmlns:p14="http://schemas.microsoft.com/office/powerpoint/2010/main" val="531948453"/>
-              </p:ext>
-            </p:extLst>
-          </p:nvPr>
-        </p:nvGraphicFramePr>
-        <p:xfrm>
-          <a:off x="5365471" y="2785157"/>
-          <a:ext cx="3288626" cy="1938234"/>
-        </p:xfrm>
-        <a:graphic>
-          <a:graphicData uri="http://schemas.openxmlformats.org/drawingml/2006/table">
-            <a:tbl>
-              <a:tblPr firstRow="1" bandRow="1">
-                <a:tableStyleId>{5C22544A-7EE6-4342-B048-85BDC9FD1C3A}</a:tableStyleId>
-              </a:tblPr>
-              <a:tblGrid>
-                <a:gridCol w="3288626">
-                  <a:extLst>
-                    <a:ext uri="{9D8B030D-6E8A-4147-A177-3AD203B41FA5}">
-                      <a16:colId xmlns:a16="http://schemas.microsoft.com/office/drawing/2014/main" val="1124839809"/>
-                    </a:ext>
-                  </a:extLst>
-                </a:gridCol>
-              </a:tblGrid>
-              <a:tr h="460676">
-                <a:tc>
-                  <a:txBody>
-                    <a:bodyPr/>
-                    <a:lstStyle/>
-                    <a:p>
-                      <a:pPr algn="ctr"/>
-                      <a:r>
-                        <a:rPr lang="en-US" dirty="0"/>
-                        <a:t>By Type of CSS</a:t>
-                      </a:r>
-                    </a:p>
-                  </a:txBody>
-                  <a:tcPr>
-                    <a:solidFill>
-                      <a:schemeClr val="tx2"/>
-                    </a:solidFill>
-                  </a:tcPr>
-                </a:tc>
-                <a:extLst>
-                  <a:ext uri="{0D108BD9-81ED-4DB2-BD59-A6C34878D82A}">
-                    <a16:rowId xmlns:a16="http://schemas.microsoft.com/office/drawing/2014/main" val="1879075340"/>
-                  </a:ext>
-                </a:extLst>
-              </a:tr>
-              <a:tr h="466570">
-                <a:tc>
-                  <a:txBody>
-                    <a:bodyPr/>
-                    <a:lstStyle/>
-                    <a:p>
-                      <a:pPr algn="ctr"/>
-                      <a:r>
-                        <a:rPr lang="en-US" dirty="0"/>
-                        <a:t>Inline</a:t>
-                      </a:r>
-                    </a:p>
-                  </a:txBody>
-                  <a:tcPr>
-                    <a:solidFill>
-                      <a:srgbClr val="FF7979"/>
-                    </a:solidFill>
-                  </a:tcPr>
-                </a:tc>
-                <a:extLst>
-                  <a:ext uri="{0D108BD9-81ED-4DB2-BD59-A6C34878D82A}">
-                    <a16:rowId xmlns:a16="http://schemas.microsoft.com/office/drawing/2014/main" val="299190967"/>
-                  </a:ext>
-                </a:extLst>
-              </a:tr>
-              <a:tr h="500514">
-                <a:tc>
-                  <a:txBody>
-                    <a:bodyPr/>
-                    <a:lstStyle/>
-                    <a:p>
-                      <a:pPr algn="ctr"/>
-                      <a:r>
-                        <a:rPr lang="en-US" dirty="0"/>
-                        <a:t>Internal</a:t>
-                      </a:r>
-                    </a:p>
-                  </a:txBody>
-                  <a:tcPr>
-                    <a:solidFill>
-                      <a:srgbClr val="F9FDBF"/>
-                    </a:solidFill>
-                  </a:tcPr>
-                </a:tc>
-                <a:extLst>
-                  <a:ext uri="{0D108BD9-81ED-4DB2-BD59-A6C34878D82A}">
-                    <a16:rowId xmlns:a16="http://schemas.microsoft.com/office/drawing/2014/main" val="638036917"/>
-                  </a:ext>
-                </a:extLst>
-              </a:tr>
-              <a:tr h="510474">
-                <a:tc>
-                  <a:txBody>
-                    <a:bodyPr/>
-                    <a:lstStyle/>
-                    <a:p>
-                      <a:pPr algn="ctr"/>
-                      <a:r>
-                        <a:rPr lang="en-US" dirty="0"/>
-                        <a:t>External</a:t>
-                      </a:r>
-                    </a:p>
-                  </a:txBody>
-                  <a:tcPr>
-                    <a:solidFill>
-                      <a:srgbClr val="F9FDBF"/>
-                    </a:solidFill>
-                  </a:tcPr>
-                </a:tc>
-                <a:extLst>
-                  <a:ext uri="{0D108BD9-81ED-4DB2-BD59-A6C34878D82A}">
-                    <a16:rowId xmlns:a16="http://schemas.microsoft.com/office/drawing/2014/main" val="558611281"/>
-                  </a:ext>
-                </a:extLst>
-              </a:tr>
-            </a:tbl>
-          </a:graphicData>
-        </a:graphic>
-      </p:graphicFrame>
-    </p:spTree>
-    <p:extLst>
-      <p:ext uri="{BB962C8B-B14F-4D97-AF65-F5344CB8AC3E}">
-        <p14:creationId xmlns:p14="http://schemas.microsoft.com/office/powerpoint/2010/main" val="2494867545"/>
-      </p:ext>
-    </p:extLst>
-  </p:cSld>
-  <p:clrMapOvr>
-    <a:masterClrMapping/>
-  </p:clrMapOvr>
-</p:sld>
-</file>
-
-<file path=ppt/slides/slide19.xml><?xml version="1.0" encoding="utf-8"?>
 <p:sld xmlns:a="http://schemas.openxmlformats.org/drawingml/2006/main" xmlns:r="http://schemas.openxmlformats.org/officeDocument/2006/relationships" xmlns:p="http://schemas.openxmlformats.org/presentationml/2006/main">
   <p:cSld>
     <p:spTree>
@@ -41305,7 +38856,7 @@
             <a:fld id="{F6728BC2-ACA3-447C-A909-F3F49211C066}" type="slidenum">
               <a:rPr lang="en-US" smtClean="0"/>
               <a:pPr/>
-              <a:t>18</a:t>
+              <a:t>9</a:t>
             </a:fld>
             <a:endParaRPr lang="en-US" dirty="0"/>
           </a:p>
@@ -41936,156 +39487,7 @@
 </p:sld>
 </file>
 
-<file path=ppt/slides/slide2.xml><?xml version="1.0" encoding="utf-8"?>
-<p:sld xmlns:a="http://schemas.openxmlformats.org/drawingml/2006/main" xmlns:r="http://schemas.openxmlformats.org/officeDocument/2006/relationships" xmlns:p="http://schemas.openxmlformats.org/presentationml/2006/main">
-  <p:cSld>
-    <p:spTree>
-      <p:nvGrpSpPr>
-        <p:cNvPr id="1" name=""/>
-        <p:cNvGrpSpPr/>
-        <p:nvPr/>
-      </p:nvGrpSpPr>
-      <p:grpSpPr>
-        <a:xfrm>
-          <a:off x="0" y="0"/>
-          <a:ext cx="0" cy="0"/>
-          <a:chOff x="0" y="0"/>
-          <a:chExt cx="0" cy="0"/>
-        </a:xfrm>
-      </p:grpSpPr>
-      <p:sp>
-        <p:nvSpPr>
-          <p:cNvPr id="4" name="Slide Number Placeholder 3">
-            <a:extLst>
-              <a:ext uri="{FF2B5EF4-FFF2-40B4-BE49-F238E27FC236}">
-                <a16:creationId xmlns:a16="http://schemas.microsoft.com/office/drawing/2014/main" id="{9E65AF99-71BF-4721-9ED8-FC94B8B5B8BA}"/>
-              </a:ext>
-            </a:extLst>
-          </p:cNvPr>
-          <p:cNvSpPr>
-            <a:spLocks noGrp="1"/>
-          </p:cNvSpPr>
-          <p:nvPr>
-            <p:ph type="sldNum" sz="quarter" idx="12"/>
-          </p:nvPr>
-        </p:nvSpPr>
-        <p:spPr/>
-        <p:txBody>
-          <a:bodyPr/>
-          <a:lstStyle/>
-          <a:p>
-            <a:fld id="{F6728BC2-ACA3-447C-A909-F3F49211C066}" type="slidenum">
-              <a:rPr lang="en-US" smtClean="0"/>
-              <a:pPr/>
-              <a:t>1</a:t>
-            </a:fld>
-            <a:endParaRPr lang="en-US" dirty="0"/>
-          </a:p>
-        </p:txBody>
-      </p:sp>
-      <p:sp>
-        <p:nvSpPr>
-          <p:cNvPr id="5" name="Title 4">
-            <a:extLst>
-              <a:ext uri="{FF2B5EF4-FFF2-40B4-BE49-F238E27FC236}">
-                <a16:creationId xmlns:a16="http://schemas.microsoft.com/office/drawing/2014/main" id="{02A92070-7826-4ED3-A5D1-71CFAED63595}"/>
-              </a:ext>
-            </a:extLst>
-          </p:cNvPr>
-          <p:cNvSpPr>
-            <a:spLocks noGrp="1"/>
-          </p:cNvSpPr>
-          <p:nvPr>
-            <p:ph type="title"/>
-          </p:nvPr>
-        </p:nvSpPr>
-        <p:spPr/>
-        <p:txBody>
-          <a:bodyPr/>
-          <a:lstStyle/>
-          <a:p>
-            <a:r>
-              <a:rPr lang="en-US" dirty="0"/>
-              <a:t>Key Topics</a:t>
-            </a:r>
-          </a:p>
-        </p:txBody>
-      </p:sp>
-      <p:sp>
-        <p:nvSpPr>
-          <p:cNvPr id="6" name="Content Placeholder 5">
-            <a:extLst>
-              <a:ext uri="{FF2B5EF4-FFF2-40B4-BE49-F238E27FC236}">
-                <a16:creationId xmlns:a16="http://schemas.microsoft.com/office/drawing/2014/main" id="{F2A847FA-6B96-482E-A973-942362034578}"/>
-              </a:ext>
-            </a:extLst>
-          </p:cNvPr>
-          <p:cNvSpPr>
-            <a:spLocks noGrp="1"/>
-          </p:cNvSpPr>
-          <p:nvPr>
-            <p:ph idx="1"/>
-          </p:nvPr>
-        </p:nvSpPr>
-        <p:spPr/>
-        <p:txBody>
-          <a:bodyPr/>
-          <a:lstStyle/>
-          <a:p>
-            <a:r>
-              <a:rPr lang="en-US" dirty="0"/>
-              <a:t>Getting Started with CSS</a:t>
-            </a:r>
-          </a:p>
-          <a:p>
-            <a:r>
-              <a:rPr lang="en-US" dirty="0"/>
-              <a:t>Selectors</a:t>
-            </a:r>
-          </a:p>
-          <a:p>
-            <a:r>
-              <a:rPr lang="en-US" dirty="0"/>
-              <a:t>Using CSS</a:t>
-            </a:r>
-          </a:p>
-          <a:p>
-            <a:r>
-              <a:rPr lang="en-US" dirty="0"/>
-              <a:t>Specificity</a:t>
-            </a:r>
-          </a:p>
-          <a:p>
-            <a:r>
-              <a:rPr lang="en-US" dirty="0"/>
-              <a:t>Layout</a:t>
-            </a:r>
-          </a:p>
-          <a:p>
-            <a:endParaRPr lang="en-US" dirty="0"/>
-          </a:p>
-          <a:p>
-            <a:endParaRPr lang="en-US" dirty="0"/>
-          </a:p>
-          <a:p>
-            <a:endParaRPr lang="en-US" dirty="0"/>
-          </a:p>
-        </p:txBody>
-      </p:sp>
-    </p:spTree>
-    <p:extLst>
-      <p:ext uri="{BB962C8B-B14F-4D97-AF65-F5344CB8AC3E}">
-        <p14:creationId xmlns:p14="http://schemas.microsoft.com/office/powerpoint/2010/main" val="1150291201"/>
-      </p:ext>
-    </p:extLst>
-  </p:cSld>
-  <p:clrMapOvr>
-    <a:masterClrMapping/>
-  </p:clrMapOvr>
-</p:sld>
-</file>
-
-<file path=ppt/slides/slide20.xml><?xml version="1.0" encoding="utf-8"?>
+<file path=ppt/slides/slide11.xml><?xml version="1.0" encoding="utf-8"?>
 <p:sld xmlns:a="http://schemas.openxmlformats.org/drawingml/2006/main" xmlns:r="http://schemas.openxmlformats.org/officeDocument/2006/relationships" xmlns:p="http://schemas.openxmlformats.org/presentationml/2006/main">
   <p:cSld>
     <p:spTree>
@@ -42154,7 +39556,7 @@
             <a:fld id="{F6728BC2-ACA3-447C-A909-F3F49211C066}" type="slidenum">
               <a:rPr lang="en-US" smtClean="0"/>
               <a:pPr/>
-              <a:t>19</a:t>
+              <a:t>10</a:t>
             </a:fld>
             <a:endParaRPr lang="en-US" dirty="0"/>
           </a:p>
@@ -42777,7 +40179,7 @@
 </p:sld>
 </file>
 
-<file path=ppt/slides/slide21.xml><?xml version="1.0" encoding="utf-8"?>
+<file path=ppt/slides/slide12.xml><?xml version="1.0" encoding="utf-8"?>
 <p:sld xmlns:a="http://schemas.openxmlformats.org/drawingml/2006/main" xmlns:r="http://schemas.openxmlformats.org/officeDocument/2006/relationships" xmlns:p="http://schemas.openxmlformats.org/presentationml/2006/main">
   <p:cSld>
     <p:spTree>
@@ -42870,7 +40272,7 @@
             <a:fld id="{F6728BC2-ACA3-447C-A909-F3F49211C066}" type="slidenum">
               <a:rPr lang="en-US" smtClean="0"/>
               <a:pPr/>
-              <a:t>20</a:t>
+              <a:t>11</a:t>
             </a:fld>
             <a:endParaRPr lang="en-US" dirty="0"/>
           </a:p>
@@ -43294,7 +40696,7 @@
 </p:sld>
 </file>
 
-<file path=ppt/slides/slide22.xml><?xml version="1.0" encoding="utf-8"?>
+<file path=ppt/slides/slide13.xml><?xml version="1.0" encoding="utf-8"?>
 <p:sld xmlns:a="http://schemas.openxmlformats.org/drawingml/2006/main" xmlns:r="http://schemas.openxmlformats.org/officeDocument/2006/relationships" xmlns:p="http://schemas.openxmlformats.org/presentationml/2006/main">
   <p:cSld>
     <p:spTree>
@@ -43335,7 +40737,7 @@
             <a:fld id="{F6728BC2-ACA3-447C-A909-F3F49211C066}" type="slidenum">
               <a:rPr lang="en-US" smtClean="0"/>
               <a:pPr/>
-              <a:t>21</a:t>
+              <a:t>12</a:t>
             </a:fld>
             <a:endParaRPr lang="en-US" dirty="0"/>
           </a:p>
@@ -43390,7 +40792,7 @@
 </p:sld>
 </file>
 
-<file path=ppt/slides/slide23.xml><?xml version="1.0" encoding="utf-8"?>
+<file path=ppt/slides/slide14.xml><?xml version="1.0" encoding="utf-8"?>
 <p:sld xmlns:a="http://schemas.openxmlformats.org/drawingml/2006/main" xmlns:r="http://schemas.openxmlformats.org/officeDocument/2006/relationships" xmlns:p="http://schemas.openxmlformats.org/presentationml/2006/main">
   <p:cSld>
     <p:spTree>
@@ -43501,7 +40903,7 @@
             <a:fld id="{F6728BC2-ACA3-447C-A909-F3F49211C066}" type="slidenum">
               <a:rPr lang="en-US" smtClean="0"/>
               <a:pPr/>
-              <a:t>22</a:t>
+              <a:t>13</a:t>
             </a:fld>
             <a:endParaRPr lang="en-US" dirty="0"/>
           </a:p>
@@ -43522,7 +40924,7 @@
           <p:nvPr>
             <p:extLst>
               <p:ext uri="{D42A27DB-BD31-4B8C-83A1-F6EECF244321}">
-                <p14:modId xmlns:p14="http://schemas.microsoft.com/office/powerpoint/2010/main" val="1238787531"/>
+                <p14:modId xmlns:p14="http://schemas.microsoft.com/office/powerpoint/2010/main" val="2425751207"/>
               </p:ext>
             </p:extLst>
           </p:nvPr>
@@ -43552,14 +40954,14 @@
                     </a:ext>
                   </a:extLst>
                 </a:gridCol>
-                <a:gridCol w="1895475">
+                <a:gridCol w="2009775">
                   <a:extLst>
                     <a:ext uri="{9D8B030D-6E8A-4147-A177-3AD203B41FA5}">
                       <a16:colId xmlns:a16="http://schemas.microsoft.com/office/drawing/2014/main" val="1373935969"/>
                     </a:ext>
                   </a:extLst>
                 </a:gridCol>
-                <a:gridCol w="1895475">
+                <a:gridCol w="1781175">
                   <a:extLst>
                     <a:ext uri="{9D8B030D-6E8A-4147-A177-3AD203B41FA5}">
                       <a16:colId xmlns:a16="http://schemas.microsoft.com/office/drawing/2014/main" val="975452641"/>
@@ -43778,7 +41180,7 @@
                     <a:p>
                       <a:r>
                         <a:rPr lang="en-US" dirty="0"/>
-                        <a:t>With of element</a:t>
+                        <a:t>Width of content</a:t>
                       </a:r>
                     </a:p>
                   </a:txBody>
@@ -43820,7 +41222,199 @@
 </p:sld>
 </file>
 
-<file path=ppt/slides/slide24.xml><?xml version="1.0" encoding="utf-8"?>
+<file path=ppt/slides/slide15.xml><?xml version="1.0" encoding="utf-8"?>
+<p:sld xmlns:a="http://schemas.openxmlformats.org/drawingml/2006/main" xmlns:r="http://schemas.openxmlformats.org/officeDocument/2006/relationships" xmlns:p="http://schemas.openxmlformats.org/presentationml/2006/main">
+  <p:cSld>
+    <p:spTree>
+      <p:nvGrpSpPr>
+        <p:cNvPr id="1" name=""/>
+        <p:cNvGrpSpPr/>
+        <p:nvPr/>
+      </p:nvGrpSpPr>
+      <p:grpSpPr>
+        <a:xfrm>
+          <a:off x="0" y="0"/>
+          <a:ext cx="0" cy="0"/>
+          <a:chOff x="0" y="0"/>
+          <a:chExt cx="0" cy="0"/>
+        </a:xfrm>
+      </p:grpSpPr>
+      <p:sp>
+        <p:nvSpPr>
+          <p:cNvPr id="2" name="Title 1">
+            <a:extLst>
+              <a:ext uri="{FF2B5EF4-FFF2-40B4-BE49-F238E27FC236}">
+                <a16:creationId xmlns:a16="http://schemas.microsoft.com/office/drawing/2014/main" id="{DE524AF5-52C5-4279-976A-BBE5F5D3864B}"/>
+              </a:ext>
+            </a:extLst>
+          </p:cNvPr>
+          <p:cNvSpPr>
+            <a:spLocks noGrp="1"/>
+          </p:cNvSpPr>
+          <p:nvPr>
+            <p:ph type="title"/>
+          </p:nvPr>
+        </p:nvSpPr>
+        <p:spPr/>
+        <p:txBody>
+          <a:bodyPr/>
+          <a:lstStyle/>
+          <a:p>
+            <a:r>
+              <a:rPr lang="en-US" dirty="0"/>
+              <a:t>Float</a:t>
+            </a:r>
+          </a:p>
+        </p:txBody>
+      </p:sp>
+      <p:sp>
+        <p:nvSpPr>
+          <p:cNvPr id="3" name="Content Placeholder 2">
+            <a:extLst>
+              <a:ext uri="{FF2B5EF4-FFF2-40B4-BE49-F238E27FC236}">
+                <a16:creationId xmlns:a16="http://schemas.microsoft.com/office/drawing/2014/main" id="{DA83968D-BFC6-457C-948B-EB411AF19776}"/>
+              </a:ext>
+            </a:extLst>
+          </p:cNvPr>
+          <p:cNvSpPr>
+            <a:spLocks noGrp="1"/>
+          </p:cNvSpPr>
+          <p:nvPr>
+            <p:ph idx="1"/>
+          </p:nvPr>
+        </p:nvSpPr>
+        <p:spPr/>
+        <p:txBody>
+          <a:bodyPr/>
+          <a:lstStyle/>
+          <a:p>
+            <a:r>
+              <a:rPr lang="en-US" dirty="0"/>
+              <a:t>The </a:t>
+            </a:r>
+            <a:r>
+              <a:rPr lang="en-US" b="1" dirty="0"/>
+              <a:t>float </a:t>
+            </a:r>
+            <a:r>
+              <a:rPr lang="en-US" dirty="0"/>
+              <a:t>property specifies whether an element should allow other elements to flow around it</a:t>
+            </a:r>
+          </a:p>
+          <a:p>
+            <a:pPr lvl="1"/>
+            <a:r>
+              <a:rPr lang="en-US" dirty="0"/>
+              <a:t>You can choose to float an element to the </a:t>
+            </a:r>
+            <a:r>
+              <a:rPr lang="en-US" b="1" dirty="0"/>
+              <a:t>left</a:t>
+            </a:r>
+            <a:r>
+              <a:rPr lang="en-US" dirty="0"/>
+              <a:t> or </a:t>
+            </a:r>
+            <a:r>
+              <a:rPr lang="en-US" b="1" dirty="0"/>
+              <a:t>right</a:t>
+            </a:r>
+            <a:r>
+              <a:rPr lang="en-US" dirty="0"/>
+              <a:t> of its containing element</a:t>
+            </a:r>
+          </a:p>
+          <a:p>
+            <a:r>
+              <a:rPr lang="en-US" dirty="0"/>
+              <a:t>The </a:t>
+            </a:r>
+            <a:r>
+              <a:rPr lang="en-US" b="1" dirty="0"/>
+              <a:t>clear</a:t>
+            </a:r>
+            <a:r>
+              <a:rPr lang="en-US" dirty="0"/>
+              <a:t> property specifies how an element flows around floated elements</a:t>
+            </a:r>
+          </a:p>
+          <a:p>
+            <a:pPr lvl="1"/>
+            <a:r>
+              <a:rPr lang="en-US" dirty="0"/>
+              <a:t>You can choose for it to flow </a:t>
+            </a:r>
+            <a:r>
+              <a:rPr lang="en-US" b="1" dirty="0"/>
+              <a:t>only around left-floated</a:t>
+            </a:r>
+            <a:r>
+              <a:rPr lang="en-US" dirty="0"/>
+              <a:t>, </a:t>
+            </a:r>
+            <a:r>
+              <a:rPr lang="en-US" b="1" dirty="0"/>
+              <a:t>right-floated elements</a:t>
+            </a:r>
+            <a:r>
+              <a:rPr lang="en-US" dirty="0"/>
+              <a:t>, or to </a:t>
+            </a:r>
+            <a:r>
+              <a:rPr lang="en-US" b="1" dirty="0"/>
+              <a:t>not flow around any </a:t>
+            </a:r>
+            <a:r>
+              <a:rPr lang="en-US" dirty="0"/>
+              <a:t>floated elements</a:t>
+            </a:r>
+          </a:p>
+        </p:txBody>
+      </p:sp>
+      <p:sp>
+        <p:nvSpPr>
+          <p:cNvPr id="4" name="Slide Number Placeholder 3">
+            <a:extLst>
+              <a:ext uri="{FF2B5EF4-FFF2-40B4-BE49-F238E27FC236}">
+                <a16:creationId xmlns:a16="http://schemas.microsoft.com/office/drawing/2014/main" id="{4263E6A1-87F5-4019-971F-FBFA6B7B05EC}"/>
+              </a:ext>
+            </a:extLst>
+          </p:cNvPr>
+          <p:cNvSpPr>
+            <a:spLocks noGrp="1"/>
+          </p:cNvSpPr>
+          <p:nvPr>
+            <p:ph type="sldNum" sz="quarter" idx="12"/>
+          </p:nvPr>
+        </p:nvSpPr>
+        <p:spPr/>
+        <p:txBody>
+          <a:bodyPr/>
+          <a:lstStyle/>
+          <a:p>
+            <a:fld id="{F6728BC2-ACA3-447C-A909-F3F49211C066}" type="slidenum">
+              <a:rPr lang="en-US" smtClean="0"/>
+              <a:pPr/>
+              <a:t>14</a:t>
+            </a:fld>
+            <a:endParaRPr lang="en-US" dirty="0"/>
+          </a:p>
+        </p:txBody>
+      </p:sp>
+    </p:spTree>
+    <p:extLst>
+      <p:ext uri="{BB962C8B-B14F-4D97-AF65-F5344CB8AC3E}">
+        <p14:creationId xmlns:p14="http://schemas.microsoft.com/office/powerpoint/2010/main" val="2547177766"/>
+      </p:ext>
+    </p:extLst>
+  </p:cSld>
+  <p:clrMapOvr>
+    <a:masterClrMapping/>
+  </p:clrMapOvr>
+</p:sld>
+</file>
+
+<file path=ppt/slides/slide16.xml><?xml version="1.0" encoding="utf-8"?>
 <p:sld xmlns:a="http://schemas.openxmlformats.org/drawingml/2006/main" xmlns:r="http://schemas.openxmlformats.org/officeDocument/2006/relationships" xmlns:p="http://schemas.openxmlformats.org/presentationml/2006/main">
   <p:cSld>
     <p:spTree>
@@ -43925,7 +41519,7 @@
             <a:fld id="{F6728BC2-ACA3-447C-A909-F3F49211C066}" type="slidenum">
               <a:rPr lang="en-US" smtClean="0"/>
               <a:pPr/>
-              <a:t>23</a:t>
+              <a:t>15</a:t>
             </a:fld>
             <a:endParaRPr lang="en-US" dirty="0"/>
           </a:p>
@@ -44231,199 +41825,7 @@
 </p:sld>
 </file>
 
-<file path=ppt/slides/slide25.xml><?xml version="1.0" encoding="utf-8"?>
-<p:sld xmlns:a="http://schemas.openxmlformats.org/drawingml/2006/main" xmlns:r="http://schemas.openxmlformats.org/officeDocument/2006/relationships" xmlns:p="http://schemas.openxmlformats.org/presentationml/2006/main">
-  <p:cSld>
-    <p:spTree>
-      <p:nvGrpSpPr>
-        <p:cNvPr id="1" name=""/>
-        <p:cNvGrpSpPr/>
-        <p:nvPr/>
-      </p:nvGrpSpPr>
-      <p:grpSpPr>
-        <a:xfrm>
-          <a:off x="0" y="0"/>
-          <a:ext cx="0" cy="0"/>
-          <a:chOff x="0" y="0"/>
-          <a:chExt cx="0" cy="0"/>
-        </a:xfrm>
-      </p:grpSpPr>
-      <p:sp>
-        <p:nvSpPr>
-          <p:cNvPr id="2" name="Title 1">
-            <a:extLst>
-              <a:ext uri="{FF2B5EF4-FFF2-40B4-BE49-F238E27FC236}">
-                <a16:creationId xmlns:a16="http://schemas.microsoft.com/office/drawing/2014/main" id="{DE524AF5-52C5-4279-976A-BBE5F5D3864B}"/>
-              </a:ext>
-            </a:extLst>
-          </p:cNvPr>
-          <p:cNvSpPr>
-            <a:spLocks noGrp="1"/>
-          </p:cNvSpPr>
-          <p:nvPr>
-            <p:ph type="title"/>
-          </p:nvPr>
-        </p:nvSpPr>
-        <p:spPr/>
-        <p:txBody>
-          <a:bodyPr/>
-          <a:lstStyle/>
-          <a:p>
-            <a:r>
-              <a:rPr lang="en-US" dirty="0"/>
-              <a:t>Float</a:t>
-            </a:r>
-          </a:p>
-        </p:txBody>
-      </p:sp>
-      <p:sp>
-        <p:nvSpPr>
-          <p:cNvPr id="3" name="Content Placeholder 2">
-            <a:extLst>
-              <a:ext uri="{FF2B5EF4-FFF2-40B4-BE49-F238E27FC236}">
-                <a16:creationId xmlns:a16="http://schemas.microsoft.com/office/drawing/2014/main" id="{DA83968D-BFC6-457C-948B-EB411AF19776}"/>
-              </a:ext>
-            </a:extLst>
-          </p:cNvPr>
-          <p:cNvSpPr>
-            <a:spLocks noGrp="1"/>
-          </p:cNvSpPr>
-          <p:nvPr>
-            <p:ph idx="1"/>
-          </p:nvPr>
-        </p:nvSpPr>
-        <p:spPr/>
-        <p:txBody>
-          <a:bodyPr/>
-          <a:lstStyle/>
-          <a:p>
-            <a:r>
-              <a:rPr lang="en-US" dirty="0"/>
-              <a:t>The </a:t>
-            </a:r>
-            <a:r>
-              <a:rPr lang="en-US" b="1" dirty="0"/>
-              <a:t>float </a:t>
-            </a:r>
-            <a:r>
-              <a:rPr lang="en-US" dirty="0"/>
-              <a:t>property specifies whether an element should allow other elements to flow around it</a:t>
-            </a:r>
-          </a:p>
-          <a:p>
-            <a:pPr lvl="1"/>
-            <a:r>
-              <a:rPr lang="en-US" dirty="0"/>
-              <a:t>You can choose to float an element to the </a:t>
-            </a:r>
-            <a:r>
-              <a:rPr lang="en-US" b="1" dirty="0"/>
-              <a:t>left</a:t>
-            </a:r>
-            <a:r>
-              <a:rPr lang="en-US" dirty="0"/>
-              <a:t> or </a:t>
-            </a:r>
-            <a:r>
-              <a:rPr lang="en-US" b="1" dirty="0"/>
-              <a:t>right</a:t>
-            </a:r>
-            <a:r>
-              <a:rPr lang="en-US" dirty="0"/>
-              <a:t> of its containing element</a:t>
-            </a:r>
-          </a:p>
-          <a:p>
-            <a:r>
-              <a:rPr lang="en-US" dirty="0"/>
-              <a:t>The </a:t>
-            </a:r>
-            <a:r>
-              <a:rPr lang="en-US" b="1" dirty="0"/>
-              <a:t>clear</a:t>
-            </a:r>
-            <a:r>
-              <a:rPr lang="en-US" dirty="0"/>
-              <a:t> property specifies how an element flows around floated elements</a:t>
-            </a:r>
-          </a:p>
-          <a:p>
-            <a:pPr lvl="1"/>
-            <a:r>
-              <a:rPr lang="en-US" dirty="0"/>
-              <a:t>You can choose for it to flow </a:t>
-            </a:r>
-            <a:r>
-              <a:rPr lang="en-US" b="1" dirty="0"/>
-              <a:t>only around left-floated</a:t>
-            </a:r>
-            <a:r>
-              <a:rPr lang="en-US" dirty="0"/>
-              <a:t>, </a:t>
-            </a:r>
-            <a:r>
-              <a:rPr lang="en-US" b="1" dirty="0"/>
-              <a:t>right-floated elements</a:t>
-            </a:r>
-            <a:r>
-              <a:rPr lang="en-US" dirty="0"/>
-              <a:t>, or to </a:t>
-            </a:r>
-            <a:r>
-              <a:rPr lang="en-US" b="1" dirty="0"/>
-              <a:t>not flow around any </a:t>
-            </a:r>
-            <a:r>
-              <a:rPr lang="en-US" dirty="0"/>
-              <a:t>floated elements</a:t>
-            </a:r>
-          </a:p>
-        </p:txBody>
-      </p:sp>
-      <p:sp>
-        <p:nvSpPr>
-          <p:cNvPr id="4" name="Slide Number Placeholder 3">
-            <a:extLst>
-              <a:ext uri="{FF2B5EF4-FFF2-40B4-BE49-F238E27FC236}">
-                <a16:creationId xmlns:a16="http://schemas.microsoft.com/office/drawing/2014/main" id="{4263E6A1-87F5-4019-971F-FBFA6B7B05EC}"/>
-              </a:ext>
-            </a:extLst>
-          </p:cNvPr>
-          <p:cNvSpPr>
-            <a:spLocks noGrp="1"/>
-          </p:cNvSpPr>
-          <p:nvPr>
-            <p:ph type="sldNum" sz="quarter" idx="12"/>
-          </p:nvPr>
-        </p:nvSpPr>
-        <p:spPr/>
-        <p:txBody>
-          <a:bodyPr/>
-          <a:lstStyle/>
-          <a:p>
-            <a:fld id="{F6728BC2-ACA3-447C-A909-F3F49211C066}" type="slidenum">
-              <a:rPr lang="en-US" smtClean="0"/>
-              <a:pPr/>
-              <a:t>24</a:t>
-            </a:fld>
-            <a:endParaRPr lang="en-US" dirty="0"/>
-          </a:p>
-        </p:txBody>
-      </p:sp>
-    </p:spTree>
-    <p:extLst>
-      <p:ext uri="{BB962C8B-B14F-4D97-AF65-F5344CB8AC3E}">
-        <p14:creationId xmlns:p14="http://schemas.microsoft.com/office/powerpoint/2010/main" val="2547177766"/>
-      </p:ext>
-    </p:extLst>
-  </p:cSld>
-  <p:clrMapOvr>
-    <a:masterClrMapping/>
-  </p:clrMapOvr>
-</p:sld>
-</file>
-
-<file path=ppt/slides/slide26.xml><?xml version="1.0" encoding="utf-8"?>
+<file path=ppt/slides/slide17.xml><?xml version="1.0" encoding="utf-8"?>
 <p:sld xmlns:a="http://schemas.openxmlformats.org/drawingml/2006/main" xmlns:r="http://schemas.openxmlformats.org/officeDocument/2006/relationships" xmlns:p="http://schemas.openxmlformats.org/presentationml/2006/main">
   <p:cSld>
     <p:spTree>
@@ -44458,7 +41860,7 @@
             <a:fld id="{F6728BC2-ACA3-447C-A909-F3F49211C066}" type="slidenum">
               <a:rPr lang="en-US" smtClean="0"/>
               <a:pPr/>
-              <a:t>25</a:t>
+              <a:t>16</a:t>
             </a:fld>
             <a:endParaRPr lang="en-US" dirty="0"/>
           </a:p>
@@ -44499,7 +41901,7 @@
         <p:spPr/>
         <p:txBody>
           <a:bodyPr>
-            <a:normAutofit/>
+            <a:normAutofit fontScale="92500"/>
           </a:bodyPr>
           <a:lstStyle/>
           <a:p>
@@ -44565,6 +41967,32 @@
             <a:endParaRPr lang="en-US" dirty="0"/>
           </a:p>
           <a:p>
+            <a:pPr marL="457200" lvl="1" indent="0">
+              <a:buNone/>
+            </a:pPr>
+            <a:endParaRPr lang="en-US" dirty="0"/>
+          </a:p>
+          <a:p>
+            <a:r>
+              <a:rPr lang="en-US" dirty="0"/>
+              <a:t>I suggest playing around with Grid and Flexbox </a:t>
+            </a:r>
+            <a:r>
+              <a:rPr lang="en-US" i="1" dirty="0"/>
+              <a:t>after</a:t>
+            </a:r>
+            <a:r>
+              <a:rPr lang="en-US" dirty="0"/>
+              <a:t> Spark!</a:t>
+            </a:r>
+          </a:p>
+          <a:p>
+            <a:pPr marL="0" indent="0">
+              <a:buNone/>
+            </a:pPr>
+            <a:endParaRPr lang="en-US" dirty="0"/>
+          </a:p>
+          <a:p>
             <a:pPr marL="0" indent="0">
               <a:buNone/>
             </a:pPr>
@@ -44585,7 +42013,7 @@
 </p:sld>
 </file>
 
-<file path=ppt/slides/slide27.xml><?xml version="1.0" encoding="utf-8"?>
+<file path=ppt/slides/slide18.xml><?xml version="1.0" encoding="utf-8"?>
 <p:sld xmlns:a="http://schemas.openxmlformats.org/drawingml/2006/main" xmlns:r="http://schemas.openxmlformats.org/officeDocument/2006/relationships" xmlns:p="http://schemas.openxmlformats.org/presentationml/2006/main">
   <p:cSld>
     <p:spTree>
@@ -44626,7 +42054,7 @@
             <a:fld id="{F6728BC2-ACA3-447C-A909-F3F49211C066}" type="slidenum">
               <a:rPr lang="en-US" smtClean="0"/>
               <a:pPr/>
-              <a:t>26</a:t>
+              <a:t>17</a:t>
             </a:fld>
             <a:endParaRPr lang="en-US" dirty="0"/>
           </a:p>
@@ -44687,36 +42115,6 @@
             </a:pPr>
             <a:r>
               <a:rPr lang="en-US" dirty="0"/>
-              <a:t>How do you write a CSS rule?</a:t>
-            </a:r>
-          </a:p>
-          <a:p>
-            <a:pPr marL="514350" indent="-514350">
-              <a:buFont typeface="+mj-lt"/>
-              <a:buAutoNum type="arabicPeriod"/>
-            </a:pPr>
-            <a:r>
-              <a:rPr lang="en-US" dirty="0"/>
-              <a:t>What are three ways you can incorporate styling?</a:t>
-            </a:r>
-          </a:p>
-          <a:p>
-            <a:pPr marL="514350" indent="-514350">
-              <a:buFont typeface="+mj-lt"/>
-              <a:buAutoNum type="arabicPeriod"/>
-            </a:pPr>
-            <a:r>
-              <a:rPr lang="en-US" dirty="0"/>
-              <a:t>What are some common CSS selectors?</a:t>
-            </a:r>
-          </a:p>
-          <a:p>
-            <a:pPr marL="514350" indent="-514350">
-              <a:buFont typeface="+mj-lt"/>
-              <a:buAutoNum type="arabicPeriod"/>
-            </a:pPr>
-            <a:r>
-              <a:rPr lang="en-US" dirty="0"/>
               <a:t>What is the Box Model?</a:t>
             </a:r>
           </a:p>
@@ -44758,7 +42156,7 @@
 </p:sld>
 </file>
 
-<file path=ppt/slides/slide28.xml><?xml version="1.0" encoding="utf-8"?>
+<file path=ppt/slides/slide19.xml><?xml version="1.0" encoding="utf-8"?>
 <p:sld xmlns:a="http://schemas.openxmlformats.org/drawingml/2006/main" xmlns:r="http://schemas.openxmlformats.org/officeDocument/2006/relationships" xmlns:p="http://schemas.openxmlformats.org/presentationml/2006/main">
   <p:cSld>
     <p:spTree>
@@ -44824,7 +42222,7 @@
             <a:fld id="{F6728BC2-ACA3-447C-A909-F3F49211C066}" type="slidenum">
               <a:rPr lang="en-US" smtClean="0"/>
               <a:pPr/>
-              <a:t>27</a:t>
+              <a:t>18</a:t>
             </a:fld>
             <a:endParaRPr lang="en-US" dirty="0"/>
           </a:p>
@@ -44843,7 +42241,7 @@
 </p:sld>
 </file>
 
-<file path=ppt/slides/slide3.xml><?xml version="1.0" encoding="utf-8"?>
+<file path=ppt/slides/slide2.xml><?xml version="1.0" encoding="utf-8"?>
 <p:sld xmlns:a="http://schemas.openxmlformats.org/drawingml/2006/main" xmlns:r="http://schemas.openxmlformats.org/officeDocument/2006/relationships" xmlns:p="http://schemas.openxmlformats.org/presentationml/2006/main">
   <p:cSld>
     <p:spTree>
@@ -44862,145 +42260,10 @@
       </p:grpSpPr>
       <p:sp>
         <p:nvSpPr>
-          <p:cNvPr id="2" name="Title 1">
-            <a:extLst>
-              <a:ext uri="{FF2B5EF4-FFF2-40B4-BE49-F238E27FC236}">
-                <a16:creationId xmlns:a16="http://schemas.microsoft.com/office/drawing/2014/main" id="{72B0C18A-C730-463B-8C77-41387B14480D}"/>
-              </a:ext>
-            </a:extLst>
-          </p:cNvPr>
-          <p:cNvSpPr>
-            <a:spLocks noGrp="1"/>
-          </p:cNvSpPr>
-          <p:nvPr>
-            <p:ph type="title"/>
-          </p:nvPr>
-        </p:nvSpPr>
-        <p:spPr/>
-        <p:txBody>
-          <a:bodyPr/>
-          <a:lstStyle/>
-          <a:p>
-            <a:r>
-              <a:rPr lang="en-US" dirty="0"/>
-              <a:t>Code Comments</a:t>
-            </a:r>
-          </a:p>
-        </p:txBody>
-      </p:sp>
-      <p:sp>
-        <p:nvSpPr>
-          <p:cNvPr id="3" name="Content Placeholder 2">
-            <a:extLst>
-              <a:ext uri="{FF2B5EF4-FFF2-40B4-BE49-F238E27FC236}">
-                <a16:creationId xmlns:a16="http://schemas.microsoft.com/office/drawing/2014/main" id="{1DFAE63A-01D3-44FF-B81E-DD258884043D}"/>
-              </a:ext>
-            </a:extLst>
-          </p:cNvPr>
-          <p:cNvSpPr>
-            <a:spLocks noGrp="1"/>
-          </p:cNvSpPr>
-          <p:nvPr>
-            <p:ph idx="1"/>
-          </p:nvPr>
-        </p:nvSpPr>
-        <p:spPr/>
-        <p:txBody>
-          <a:bodyPr>
-            <a:normAutofit fontScale="92500" lnSpcReduction="10000"/>
-          </a:bodyPr>
-          <a:lstStyle/>
-          <a:p>
-            <a:r>
-              <a:rPr lang="en-US" dirty="0"/>
-              <a:t>Most languages allow you to leave notes to yourself or other developers with </a:t>
-            </a:r>
-            <a:r>
-              <a:rPr lang="en-US" b="1" dirty="0"/>
-              <a:t>code comments.</a:t>
-            </a:r>
-          </a:p>
-          <a:p>
-            <a:r>
-              <a:rPr lang="en-US" dirty="0"/>
-              <a:t>Code Comments are ignored by the compiler/environment which reads the code.</a:t>
-            </a:r>
-          </a:p>
-          <a:p>
-            <a:r>
-              <a:rPr lang="en-US" dirty="0"/>
-              <a:t>Single-Line vs Multi-Line Comments</a:t>
-            </a:r>
-          </a:p>
-          <a:p>
-            <a:pPr lvl="1"/>
-            <a:r>
-              <a:rPr lang="en-US" b="1" dirty="0"/>
-              <a:t>HTML</a:t>
-            </a:r>
-            <a:r>
-              <a:rPr lang="en-US" dirty="0"/>
-              <a:t>: Only Multi-Line Comments</a:t>
-            </a:r>
-          </a:p>
-          <a:p>
-            <a:pPr lvl="2"/>
-            <a:r>
-              <a:rPr lang="en-US" dirty="0"/>
-              <a:t>&lt;!--HTML has unique syntax for comments --&gt;</a:t>
-            </a:r>
-          </a:p>
-          <a:p>
-            <a:pPr lvl="1"/>
-            <a:r>
-              <a:rPr lang="en-US" b="1" dirty="0"/>
-              <a:t>CSS</a:t>
-            </a:r>
-            <a:r>
-              <a:rPr lang="en-US" dirty="0"/>
-              <a:t>: Only Multi-Line Comments</a:t>
-            </a:r>
-          </a:p>
-          <a:p>
-            <a:pPr lvl="2"/>
-            <a:r>
-              <a:rPr lang="en-US" dirty="0"/>
-              <a:t>/* This syntax is common among programming languages */</a:t>
-            </a:r>
-          </a:p>
-          <a:p>
-            <a:pPr lvl="1"/>
-            <a:r>
-              <a:rPr lang="en-US" b="1" dirty="0"/>
-              <a:t>JavaScript &amp; Java</a:t>
-            </a:r>
-            <a:r>
-              <a:rPr lang="en-US" dirty="0"/>
-              <a:t>:</a:t>
-            </a:r>
-          </a:p>
-          <a:p>
-            <a:pPr lvl="2"/>
-            <a:r>
-              <a:rPr lang="en-US" dirty="0"/>
-              <a:t>// for single-line comments</a:t>
-            </a:r>
-          </a:p>
-          <a:p>
-            <a:pPr lvl="2"/>
-            <a:r>
-              <a:rPr lang="en-US" dirty="0"/>
-              <a:t>/* multi-line comment */</a:t>
-            </a:r>
-          </a:p>
-        </p:txBody>
-      </p:sp>
-      <p:sp>
-        <p:nvSpPr>
           <p:cNvPr id="4" name="Slide Number Placeholder 3">
             <a:extLst>
               <a:ext uri="{FF2B5EF4-FFF2-40B4-BE49-F238E27FC236}">
-                <a16:creationId xmlns:a16="http://schemas.microsoft.com/office/drawing/2014/main" id="{70027B83-31A7-46F0-8D1F-9719EF6642C1}"/>
+                <a16:creationId xmlns:a16="http://schemas.microsoft.com/office/drawing/2014/main" id="{9E65AF99-71BF-4721-9ED8-FC94B8B5B8BA}"/>
               </a:ext>
             </a:extLst>
           </p:cNvPr>
@@ -45019,8 +42282,85 @@
             <a:fld id="{F6728BC2-ACA3-447C-A909-F3F49211C066}" type="slidenum">
               <a:rPr lang="en-US" smtClean="0"/>
               <a:pPr/>
-              <a:t>2</a:t>
+              <a:t>1</a:t>
             </a:fld>
+            <a:endParaRPr lang="en-US" dirty="0"/>
+          </a:p>
+        </p:txBody>
+      </p:sp>
+      <p:sp>
+        <p:nvSpPr>
+          <p:cNvPr id="5" name="Title 4">
+            <a:extLst>
+              <a:ext uri="{FF2B5EF4-FFF2-40B4-BE49-F238E27FC236}">
+                <a16:creationId xmlns:a16="http://schemas.microsoft.com/office/drawing/2014/main" id="{02A92070-7826-4ED3-A5D1-71CFAED63595}"/>
+              </a:ext>
+            </a:extLst>
+          </p:cNvPr>
+          <p:cNvSpPr>
+            <a:spLocks noGrp="1"/>
+          </p:cNvSpPr>
+          <p:nvPr>
+            <p:ph type="title"/>
+          </p:nvPr>
+        </p:nvSpPr>
+        <p:spPr/>
+        <p:txBody>
+          <a:bodyPr/>
+          <a:lstStyle/>
+          <a:p>
+            <a:r>
+              <a:rPr lang="en-US" dirty="0"/>
+              <a:t>Key Topics</a:t>
+            </a:r>
+          </a:p>
+        </p:txBody>
+      </p:sp>
+      <p:sp>
+        <p:nvSpPr>
+          <p:cNvPr id="6" name="Content Placeholder 5">
+            <a:extLst>
+              <a:ext uri="{FF2B5EF4-FFF2-40B4-BE49-F238E27FC236}">
+                <a16:creationId xmlns:a16="http://schemas.microsoft.com/office/drawing/2014/main" id="{F2A847FA-6B96-482E-A973-942362034578}"/>
+              </a:ext>
+            </a:extLst>
+          </p:cNvPr>
+          <p:cNvSpPr>
+            <a:spLocks noGrp="1"/>
+          </p:cNvSpPr>
+          <p:nvPr>
+            <p:ph idx="1"/>
+          </p:nvPr>
+        </p:nvSpPr>
+        <p:spPr/>
+        <p:txBody>
+          <a:bodyPr/>
+          <a:lstStyle/>
+          <a:p>
+            <a:r>
+              <a:rPr lang="en-US" dirty="0"/>
+              <a:t>The Box Model</a:t>
+            </a:r>
+          </a:p>
+          <a:p>
+            <a:r>
+              <a:rPr lang="en-US" dirty="0"/>
+              <a:t>Specificity</a:t>
+            </a:r>
+          </a:p>
+          <a:p>
+            <a:r>
+              <a:rPr lang="en-US" dirty="0"/>
+              <a:t>Layout</a:t>
+            </a:r>
+          </a:p>
+          <a:p>
+            <a:endParaRPr lang="en-US" dirty="0"/>
+          </a:p>
+          <a:p>
+            <a:endParaRPr lang="en-US" dirty="0"/>
+          </a:p>
+          <a:p>
             <a:endParaRPr lang="en-US" dirty="0"/>
           </a:p>
         </p:txBody>
@@ -45028,7 +42368,7 @@
     </p:spTree>
     <p:extLst>
       <p:ext uri="{BB962C8B-B14F-4D97-AF65-F5344CB8AC3E}">
-        <p14:creationId xmlns:p14="http://schemas.microsoft.com/office/powerpoint/2010/main" val="221968580"/>
+        <p14:creationId xmlns:p14="http://schemas.microsoft.com/office/powerpoint/2010/main" val="1150291201"/>
       </p:ext>
     </p:extLst>
   </p:cSld>
@@ -45038,7 +42378,7 @@
 </p:sld>
 </file>
 
-<file path=ppt/slides/slide4.xml><?xml version="1.0" encoding="utf-8"?>
+<file path=ppt/slides/slide3.xml><?xml version="1.0" encoding="utf-8"?>
 <p:sld xmlns:a="http://schemas.openxmlformats.org/drawingml/2006/main" xmlns:r="http://schemas.openxmlformats.org/officeDocument/2006/relationships" xmlns:p="http://schemas.openxmlformats.org/presentationml/2006/main">
   <p:cSld>
     <p:spTree>
@@ -45079,7 +42419,7 @@
             <a:fld id="{F6728BC2-ACA3-447C-A909-F3F49211C066}" type="slidenum">
               <a:rPr lang="en-US" smtClean="0"/>
               <a:pPr/>
-              <a:t>3</a:t>
+              <a:t>2</a:t>
             </a:fld>
             <a:endParaRPr lang="en-US" dirty="0"/>
           </a:p>
@@ -45116,7 +42456,7 @@
             <a:pPr algn="ctr"/>
             <a:r>
               <a:rPr lang="en-US" sz="4800" dirty="0"/>
-              <a:t>Getting Started with CSS</a:t>
+              <a:t>The Box Model</a:t>
             </a:r>
           </a:p>
         </p:txBody>
@@ -45124,7 +42464,7 @@
     </p:spTree>
     <p:extLst>
       <p:ext uri="{BB962C8B-B14F-4D97-AF65-F5344CB8AC3E}">
-        <p14:creationId xmlns:p14="http://schemas.microsoft.com/office/powerpoint/2010/main" val="961374650"/>
+        <p14:creationId xmlns:p14="http://schemas.microsoft.com/office/powerpoint/2010/main" val="126935119"/>
       </p:ext>
     </p:extLst>
   </p:cSld>
@@ -45134,755 +42474,7 @@
 </p:sld>
 </file>
 
-<file path=ppt/slides/slide5.xml><?xml version="1.0" encoding="utf-8"?>
-<p:sld xmlns:a="http://schemas.openxmlformats.org/drawingml/2006/main" xmlns:r="http://schemas.openxmlformats.org/officeDocument/2006/relationships" xmlns:p="http://schemas.openxmlformats.org/presentationml/2006/main">
-  <p:cSld>
-    <p:spTree>
-      <p:nvGrpSpPr>
-        <p:cNvPr id="1" name=""/>
-        <p:cNvGrpSpPr/>
-        <p:nvPr/>
-      </p:nvGrpSpPr>
-      <p:grpSpPr>
-        <a:xfrm>
-          <a:off x="0" y="0"/>
-          <a:ext cx="0" cy="0"/>
-          <a:chOff x="0" y="0"/>
-          <a:chExt cx="0" cy="0"/>
-        </a:xfrm>
-      </p:grpSpPr>
-      <p:sp>
-        <p:nvSpPr>
-          <p:cNvPr id="2" name="Title 1">
-            <a:extLst>
-              <a:ext uri="{FF2B5EF4-FFF2-40B4-BE49-F238E27FC236}">
-                <a16:creationId xmlns:a16="http://schemas.microsoft.com/office/drawing/2014/main" id="{72B0C18A-C730-463B-8C77-41387B14480D}"/>
-              </a:ext>
-            </a:extLst>
-          </p:cNvPr>
-          <p:cNvSpPr>
-            <a:spLocks noGrp="1"/>
-          </p:cNvSpPr>
-          <p:nvPr>
-            <p:ph type="title"/>
-          </p:nvPr>
-        </p:nvSpPr>
-        <p:spPr/>
-        <p:txBody>
-          <a:bodyPr/>
-          <a:lstStyle/>
-          <a:p>
-            <a:r>
-              <a:rPr lang="en-US" dirty="0"/>
-              <a:t>What is CSS?</a:t>
-            </a:r>
-          </a:p>
-        </p:txBody>
-      </p:sp>
-      <p:sp>
-        <p:nvSpPr>
-          <p:cNvPr id="3" name="Content Placeholder 2">
-            <a:extLst>
-              <a:ext uri="{FF2B5EF4-FFF2-40B4-BE49-F238E27FC236}">
-                <a16:creationId xmlns:a16="http://schemas.microsoft.com/office/drawing/2014/main" id="{1DFAE63A-01D3-44FF-B81E-DD258884043D}"/>
-              </a:ext>
-            </a:extLst>
-          </p:cNvPr>
-          <p:cNvSpPr>
-            <a:spLocks noGrp="1"/>
-          </p:cNvSpPr>
-          <p:nvPr>
-            <p:ph idx="1"/>
-          </p:nvPr>
-        </p:nvSpPr>
-        <p:spPr/>
-        <p:txBody>
-          <a:bodyPr>
-            <a:normAutofit/>
-          </a:bodyPr>
-          <a:lstStyle/>
-          <a:p>
-            <a:r>
-              <a:rPr lang="en-US" dirty="0"/>
-              <a:t>language that is used to style HTML elements</a:t>
-            </a:r>
-          </a:p>
-          <a:p>
-            <a:r>
-              <a:rPr lang="en-US" dirty="0"/>
-              <a:t>a </a:t>
-            </a:r>
-            <a:r>
-              <a:rPr lang="en-US" b="1" dirty="0"/>
-              <a:t>CSS</a:t>
-            </a:r>
-            <a:r>
-              <a:rPr lang="en-US" dirty="0"/>
-              <a:t> </a:t>
-            </a:r>
-            <a:r>
-              <a:rPr lang="en-US" b="1" dirty="0"/>
-              <a:t>rule</a:t>
-            </a:r>
-            <a:r>
-              <a:rPr lang="en-US" dirty="0"/>
-              <a:t> is made up of a </a:t>
-            </a:r>
-            <a:r>
-              <a:rPr lang="en-US" b="1" dirty="0"/>
-              <a:t>selector</a:t>
-            </a:r>
-            <a:r>
-              <a:rPr lang="en-US" dirty="0"/>
-              <a:t> and a </a:t>
-            </a:r>
-            <a:r>
-              <a:rPr lang="en-US" b="1" dirty="0"/>
-              <a:t>declaration block </a:t>
-            </a:r>
-            <a:r>
-              <a:rPr lang="en-US" dirty="0"/>
-              <a:t>that can contain declarations that specify what styles should be applied to the selected element(s)</a:t>
-            </a:r>
-          </a:p>
-          <a:p>
-            <a:r>
-              <a:rPr lang="en-US" dirty="0"/>
-              <a:t>Each </a:t>
-            </a:r>
-            <a:r>
-              <a:rPr lang="en-US" b="1" dirty="0"/>
-              <a:t>declaration</a:t>
-            </a:r>
-            <a:r>
-              <a:rPr lang="en-US" dirty="0"/>
-              <a:t> is a key-value pair. </a:t>
-            </a:r>
-          </a:p>
-          <a:p>
-            <a:pPr lvl="2"/>
-            <a:r>
-              <a:rPr lang="en-US" sz="2400" b="1" dirty="0"/>
-              <a:t>Key</a:t>
-            </a:r>
-            <a:r>
-              <a:rPr lang="en-US" sz="2400" dirty="0"/>
-              <a:t> – </a:t>
-            </a:r>
-            <a:r>
-              <a:rPr lang="en-US" sz="2400" i="1" u="sng" dirty="0"/>
-              <a:t>What</a:t>
-            </a:r>
-            <a:r>
-              <a:rPr lang="en-US" sz="2400" dirty="0"/>
-              <a:t> property of the HTML element you are altering</a:t>
-            </a:r>
-          </a:p>
-          <a:p>
-            <a:pPr lvl="2"/>
-            <a:r>
-              <a:rPr lang="en-US" sz="2400" b="1" dirty="0"/>
-              <a:t>Value</a:t>
-            </a:r>
-            <a:r>
-              <a:rPr lang="en-US" sz="2400" dirty="0"/>
-              <a:t> – </a:t>
-            </a:r>
-            <a:r>
-              <a:rPr lang="en-US" sz="2400" i="1" u="sng" dirty="0"/>
-              <a:t>How</a:t>
-            </a:r>
-            <a:r>
-              <a:rPr lang="en-US" sz="2400" dirty="0"/>
-              <a:t> you want the property to be altered</a:t>
-            </a:r>
-          </a:p>
-        </p:txBody>
-      </p:sp>
-      <p:sp>
-        <p:nvSpPr>
-          <p:cNvPr id="4" name="Slide Number Placeholder 3">
-            <a:extLst>
-              <a:ext uri="{FF2B5EF4-FFF2-40B4-BE49-F238E27FC236}">
-                <a16:creationId xmlns:a16="http://schemas.microsoft.com/office/drawing/2014/main" id="{70027B83-31A7-46F0-8D1F-9719EF6642C1}"/>
-              </a:ext>
-            </a:extLst>
-          </p:cNvPr>
-          <p:cNvSpPr>
-            <a:spLocks noGrp="1"/>
-          </p:cNvSpPr>
-          <p:nvPr>
-            <p:ph type="sldNum" sz="quarter" idx="12"/>
-          </p:nvPr>
-        </p:nvSpPr>
-        <p:spPr/>
-        <p:txBody>
-          <a:bodyPr/>
-          <a:lstStyle/>
-          <a:p>
-            <a:fld id="{F6728BC2-ACA3-447C-A909-F3F49211C066}" type="slidenum">
-              <a:rPr lang="en-US" smtClean="0"/>
-              <a:pPr/>
-              <a:t>4</a:t>
-            </a:fld>
-            <a:endParaRPr lang="en-US" dirty="0"/>
-          </a:p>
-        </p:txBody>
-      </p:sp>
-    </p:spTree>
-    <p:extLst>
-      <p:ext uri="{BB962C8B-B14F-4D97-AF65-F5344CB8AC3E}">
-        <p14:creationId xmlns:p14="http://schemas.microsoft.com/office/powerpoint/2010/main" val="2124562098"/>
-      </p:ext>
-    </p:extLst>
-  </p:cSld>
-  <p:clrMapOvr>
-    <a:masterClrMapping/>
-  </p:clrMapOvr>
-</p:sld>
-</file>
-
-<file path=ppt/slides/slide6.xml><?xml version="1.0" encoding="utf-8"?>
-<p:sld xmlns:a="http://schemas.openxmlformats.org/drawingml/2006/main" xmlns:r="http://schemas.openxmlformats.org/officeDocument/2006/relationships" xmlns:p="http://schemas.openxmlformats.org/presentationml/2006/main">
-  <p:cSld>
-    <p:spTree>
-      <p:nvGrpSpPr>
-        <p:cNvPr id="1" name=""/>
-        <p:cNvGrpSpPr/>
-        <p:nvPr/>
-      </p:nvGrpSpPr>
-      <p:grpSpPr>
-        <a:xfrm>
-          <a:off x="0" y="0"/>
-          <a:ext cx="0" cy="0"/>
-          <a:chOff x="0" y="0"/>
-          <a:chExt cx="0" cy="0"/>
-        </a:xfrm>
-      </p:grpSpPr>
-      <p:sp>
-        <p:nvSpPr>
-          <p:cNvPr id="2" name="Title 1">
-            <a:extLst>
-              <a:ext uri="{FF2B5EF4-FFF2-40B4-BE49-F238E27FC236}">
-                <a16:creationId xmlns:a16="http://schemas.microsoft.com/office/drawing/2014/main" id="{1A6CFD5A-5637-4BA0-BEA5-FBD66EF7494B}"/>
-              </a:ext>
-            </a:extLst>
-          </p:cNvPr>
-          <p:cNvSpPr>
-            <a:spLocks noGrp="1"/>
-          </p:cNvSpPr>
-          <p:nvPr>
-            <p:ph type="title"/>
-          </p:nvPr>
-        </p:nvSpPr>
-        <p:spPr/>
-        <p:txBody>
-          <a:bodyPr/>
-          <a:lstStyle/>
-          <a:p>
-            <a:r>
-              <a:rPr lang="en-US" dirty="0"/>
-              <a:t>CSS Rule</a:t>
-            </a:r>
-          </a:p>
-        </p:txBody>
-      </p:sp>
-      <p:sp>
-        <p:nvSpPr>
-          <p:cNvPr id="4" name="Slide Number Placeholder 3">
-            <a:extLst>
-              <a:ext uri="{FF2B5EF4-FFF2-40B4-BE49-F238E27FC236}">
-                <a16:creationId xmlns:a16="http://schemas.microsoft.com/office/drawing/2014/main" id="{BF394765-06AA-4940-88CA-03796D4600F6}"/>
-              </a:ext>
-            </a:extLst>
-          </p:cNvPr>
-          <p:cNvSpPr>
-            <a:spLocks noGrp="1"/>
-          </p:cNvSpPr>
-          <p:nvPr>
-            <p:ph type="sldNum" sz="quarter" idx="12"/>
-          </p:nvPr>
-        </p:nvSpPr>
-        <p:spPr/>
-        <p:txBody>
-          <a:bodyPr/>
-          <a:lstStyle/>
-          <a:p>
-            <a:fld id="{F6728BC2-ACA3-447C-A909-F3F49211C066}" type="slidenum">
-              <a:rPr lang="en-US" smtClean="0"/>
-              <a:pPr/>
-              <a:t>5</a:t>
-            </a:fld>
-            <a:endParaRPr lang="en-US" dirty="0"/>
-          </a:p>
-        </p:txBody>
-      </p:sp>
-      <p:sp>
-        <p:nvSpPr>
-          <p:cNvPr id="5" name="TextBox 4">
-            <a:extLst>
-              <a:ext uri="{FF2B5EF4-FFF2-40B4-BE49-F238E27FC236}">
-                <a16:creationId xmlns:a16="http://schemas.microsoft.com/office/drawing/2014/main" id="{A6A4B2CE-6677-4FE2-9F56-D507254424F6}"/>
-              </a:ext>
-            </a:extLst>
-          </p:cNvPr>
-          <p:cNvSpPr txBox="1"/>
-          <p:nvPr/>
-        </p:nvSpPr>
-        <p:spPr>
-          <a:xfrm>
-            <a:off x="470671" y="2630316"/>
-            <a:ext cx="8475397" cy="3046988"/>
-          </a:xfrm>
-          <a:prstGeom prst="rect">
-            <a:avLst/>
-          </a:prstGeom>
-          <a:noFill/>
-        </p:spPr>
-        <p:txBody>
-          <a:bodyPr wrap="none" rtlCol="0">
-            <a:spAutoFit/>
-          </a:bodyPr>
-          <a:lstStyle/>
-          <a:p>
-            <a:r>
-              <a:rPr lang="en-US" sz="4800" b="1" dirty="0">
-                <a:highlight>
-                  <a:srgbClr val="FFFF00"/>
-                </a:highlight>
-              </a:rPr>
-              <a:t>h1</a:t>
-            </a:r>
-            <a:r>
-              <a:rPr lang="en-US" sz="4800" b="1" dirty="0"/>
-              <a:t> {</a:t>
-            </a:r>
-          </a:p>
-          <a:p>
-            <a:r>
-              <a:rPr lang="en-US" sz="4800" b="1" dirty="0"/>
-              <a:t>       </a:t>
-            </a:r>
-            <a:r>
-              <a:rPr lang="en-US" sz="4800" b="1" dirty="0">
-                <a:highlight>
-                  <a:srgbClr val="FF0000"/>
-                </a:highlight>
-              </a:rPr>
-              <a:t>background-color</a:t>
-            </a:r>
-            <a:r>
-              <a:rPr lang="en-US" sz="4800" b="1" dirty="0"/>
-              <a:t>: </a:t>
-            </a:r>
-            <a:r>
-              <a:rPr lang="en-US" sz="4800" b="1" dirty="0">
-                <a:highlight>
-                  <a:srgbClr val="00FFFF"/>
-                </a:highlight>
-              </a:rPr>
-              <a:t>blue</a:t>
-            </a:r>
-            <a:r>
-              <a:rPr lang="en-US" sz="4800" b="1" dirty="0"/>
-              <a:t>;</a:t>
-            </a:r>
-          </a:p>
-          <a:p>
-            <a:endParaRPr lang="en-US" sz="4800" b="1" dirty="0"/>
-          </a:p>
-          <a:p>
-            <a:r>
-              <a:rPr lang="en-US" sz="4800" b="1" dirty="0"/>
-              <a:t>}</a:t>
-            </a:r>
-          </a:p>
-        </p:txBody>
-      </p:sp>
-      <p:sp>
-        <p:nvSpPr>
-          <p:cNvPr id="6" name="TextBox 5">
-            <a:extLst>
-              <a:ext uri="{FF2B5EF4-FFF2-40B4-BE49-F238E27FC236}">
-                <a16:creationId xmlns:a16="http://schemas.microsoft.com/office/drawing/2014/main" id="{1DE7A0E1-5CFC-4DC7-8561-D96D2EA720A3}"/>
-              </a:ext>
-            </a:extLst>
-          </p:cNvPr>
-          <p:cNvSpPr txBox="1"/>
-          <p:nvPr/>
-        </p:nvSpPr>
-        <p:spPr>
-          <a:xfrm>
-            <a:off x="380010" y="1836244"/>
-            <a:ext cx="1069524" cy="369332"/>
-          </a:xfrm>
-          <a:prstGeom prst="rect">
-            <a:avLst/>
-          </a:prstGeom>
-          <a:noFill/>
-          <a:ln>
-            <a:noFill/>
-          </a:ln>
-        </p:spPr>
-        <p:txBody>
-          <a:bodyPr wrap="none" rtlCol="0">
-            <a:spAutoFit/>
-          </a:bodyPr>
-          <a:lstStyle/>
-          <a:p>
-            <a:r>
-              <a:rPr lang="en-US" b="1" dirty="0">
-                <a:solidFill>
-                  <a:schemeClr val="tx2">
-                    <a:lumMod val="60000"/>
-                    <a:lumOff val="40000"/>
-                  </a:schemeClr>
-                </a:solidFill>
-              </a:rPr>
-              <a:t>selector</a:t>
-            </a:r>
-          </a:p>
-        </p:txBody>
-      </p:sp>
-      <p:sp>
-        <p:nvSpPr>
-          <p:cNvPr id="7" name="TextBox 6">
-            <a:extLst>
-              <a:ext uri="{FF2B5EF4-FFF2-40B4-BE49-F238E27FC236}">
-                <a16:creationId xmlns:a16="http://schemas.microsoft.com/office/drawing/2014/main" id="{9C235131-AA30-464D-8CF7-89CF0E4DC782}"/>
-              </a:ext>
-            </a:extLst>
-          </p:cNvPr>
-          <p:cNvSpPr txBox="1"/>
-          <p:nvPr/>
-        </p:nvSpPr>
-        <p:spPr>
-          <a:xfrm>
-            <a:off x="3937388" y="2484152"/>
-            <a:ext cx="1120820" cy="369332"/>
-          </a:xfrm>
-          <a:prstGeom prst="rect">
-            <a:avLst/>
-          </a:prstGeom>
-          <a:noFill/>
-          <a:ln>
-            <a:noFill/>
-          </a:ln>
-        </p:spPr>
-        <p:txBody>
-          <a:bodyPr wrap="none" rtlCol="0">
-            <a:spAutoFit/>
-          </a:bodyPr>
-          <a:lstStyle/>
-          <a:p>
-            <a:r>
-              <a:rPr lang="en-US" b="1" dirty="0">
-                <a:solidFill>
-                  <a:schemeClr val="tx2">
-                    <a:lumMod val="60000"/>
-                    <a:lumOff val="40000"/>
-                  </a:schemeClr>
-                </a:solidFill>
-              </a:rPr>
-              <a:t>property</a:t>
-            </a:r>
-          </a:p>
-        </p:txBody>
-      </p:sp>
-      <p:sp>
-        <p:nvSpPr>
-          <p:cNvPr id="8" name="TextBox 7">
-            <a:extLst>
-              <a:ext uri="{FF2B5EF4-FFF2-40B4-BE49-F238E27FC236}">
-                <a16:creationId xmlns:a16="http://schemas.microsoft.com/office/drawing/2014/main" id="{8E25B310-BBDB-4B63-81F3-44600765257A}"/>
-              </a:ext>
-            </a:extLst>
-          </p:cNvPr>
-          <p:cNvSpPr txBox="1"/>
-          <p:nvPr/>
-        </p:nvSpPr>
-        <p:spPr>
-          <a:xfrm>
-            <a:off x="7548034" y="2484152"/>
-            <a:ext cx="774571" cy="369332"/>
-          </a:xfrm>
-          <a:prstGeom prst="rect">
-            <a:avLst/>
-          </a:prstGeom>
-          <a:noFill/>
-          <a:ln>
-            <a:noFill/>
-          </a:ln>
-        </p:spPr>
-        <p:txBody>
-          <a:bodyPr wrap="none" rtlCol="0">
-            <a:spAutoFit/>
-          </a:bodyPr>
-          <a:lstStyle/>
-          <a:p>
-            <a:r>
-              <a:rPr lang="en-US" b="1" dirty="0">
-                <a:solidFill>
-                  <a:schemeClr val="tx2">
-                    <a:lumMod val="60000"/>
-                    <a:lumOff val="40000"/>
-                  </a:schemeClr>
-                </a:solidFill>
-              </a:rPr>
-              <a:t>value</a:t>
-            </a:r>
-          </a:p>
-        </p:txBody>
-      </p:sp>
-      <p:sp>
-        <p:nvSpPr>
-          <p:cNvPr id="9" name="TextBox 8">
-            <a:extLst>
-              <a:ext uri="{FF2B5EF4-FFF2-40B4-BE49-F238E27FC236}">
-                <a16:creationId xmlns:a16="http://schemas.microsoft.com/office/drawing/2014/main" id="{FE145E20-A501-471A-84F9-E60061138E93}"/>
-              </a:ext>
-            </a:extLst>
-          </p:cNvPr>
-          <p:cNvSpPr txBox="1"/>
-          <p:nvPr/>
-        </p:nvSpPr>
-        <p:spPr>
-          <a:xfrm>
-            <a:off x="4600189" y="4817806"/>
-            <a:ext cx="1415772" cy="369332"/>
-          </a:xfrm>
-          <a:prstGeom prst="rect">
-            <a:avLst/>
-          </a:prstGeom>
-          <a:noFill/>
-          <a:ln>
-            <a:noFill/>
-          </a:ln>
-        </p:spPr>
-        <p:txBody>
-          <a:bodyPr wrap="none" rtlCol="0">
-            <a:spAutoFit/>
-          </a:bodyPr>
-          <a:lstStyle/>
-          <a:p>
-            <a:r>
-              <a:rPr lang="en-US" b="1" dirty="0">
-                <a:solidFill>
-                  <a:schemeClr val="tx2">
-                    <a:lumMod val="60000"/>
-                    <a:lumOff val="40000"/>
-                  </a:schemeClr>
-                </a:solidFill>
-              </a:rPr>
-              <a:t>declaration</a:t>
-            </a:r>
-          </a:p>
-        </p:txBody>
-      </p:sp>
-      <p:cxnSp>
-        <p:nvCxnSpPr>
-          <p:cNvPr id="12" name="Straight Arrow Connector 11">
-            <a:extLst>
-              <a:ext uri="{FF2B5EF4-FFF2-40B4-BE49-F238E27FC236}">
-                <a16:creationId xmlns:a16="http://schemas.microsoft.com/office/drawing/2014/main" id="{D266F77D-2E87-49B2-AA0C-889888BD60DE}"/>
-              </a:ext>
-            </a:extLst>
-          </p:cNvPr>
-          <p:cNvCxnSpPr/>
-          <p:nvPr/>
-        </p:nvCxnSpPr>
-        <p:spPr>
-          <a:xfrm>
-            <a:off x="914772" y="2277341"/>
-            <a:ext cx="0" cy="328434"/>
-          </a:xfrm>
-          <a:prstGeom prst="straightConnector1">
-            <a:avLst/>
-          </a:prstGeom>
-          <a:ln w="38100">
-            <a:solidFill>
-              <a:schemeClr val="bg2">
-                <a:lumMod val="75000"/>
-              </a:schemeClr>
-            </a:solidFill>
-            <a:tailEnd type="triangle"/>
-          </a:ln>
-        </p:spPr>
-        <p:style>
-          <a:lnRef idx="1">
-            <a:schemeClr val="accent1"/>
-          </a:lnRef>
-          <a:fillRef idx="0">
-            <a:schemeClr val="accent1"/>
-          </a:fillRef>
-          <a:effectRef idx="0">
-            <a:schemeClr val="accent1"/>
-          </a:effectRef>
-          <a:fontRef idx="minor">
-            <a:schemeClr val="tx1"/>
-          </a:fontRef>
-        </p:style>
-      </p:cxnSp>
-      <p:sp>
-        <p:nvSpPr>
-          <p:cNvPr id="13" name="Left Brace 12">
-            <a:extLst>
-              <a:ext uri="{FF2B5EF4-FFF2-40B4-BE49-F238E27FC236}">
-                <a16:creationId xmlns:a16="http://schemas.microsoft.com/office/drawing/2014/main" id="{07DD141E-9FF0-4FB6-A1BA-0DDA214202D6}"/>
-              </a:ext>
-            </a:extLst>
-          </p:cNvPr>
-          <p:cNvSpPr/>
-          <p:nvPr/>
-        </p:nvSpPr>
-        <p:spPr>
-          <a:xfrm rot="5400000" flipH="1">
-            <a:off x="5141746" y="965082"/>
-            <a:ext cx="332659" cy="6977827"/>
-          </a:xfrm>
-          <a:prstGeom prst="leftBrace">
-            <a:avLst/>
-          </a:prstGeom>
-          <a:ln w="38100">
-            <a:solidFill>
-              <a:schemeClr val="bg2">
-                <a:lumMod val="75000"/>
-              </a:schemeClr>
-            </a:solidFill>
-          </a:ln>
-        </p:spPr>
-        <p:style>
-          <a:lnRef idx="1">
-            <a:schemeClr val="accent1"/>
-          </a:lnRef>
-          <a:fillRef idx="0">
-            <a:schemeClr val="accent1"/>
-          </a:fillRef>
-          <a:effectRef idx="0">
-            <a:schemeClr val="accent1"/>
-          </a:effectRef>
-          <a:fontRef idx="minor">
-            <a:schemeClr val="tx1"/>
-          </a:fontRef>
-        </p:style>
-        <p:txBody>
-          <a:bodyPr rtlCol="0" anchor="ctr"/>
-          <a:lstStyle/>
-          <a:p>
-            <a:pPr algn="ctr"/>
-            <a:endParaRPr lang="en-US">
-              <a:solidFill>
-                <a:schemeClr val="tx2">
-                  <a:lumMod val="60000"/>
-                  <a:lumOff val="40000"/>
-                </a:schemeClr>
-              </a:solidFill>
-            </a:endParaRPr>
-          </a:p>
-        </p:txBody>
-      </p:sp>
-      <p:cxnSp>
-        <p:nvCxnSpPr>
-          <p:cNvPr id="14" name="Straight Arrow Connector 13">
-            <a:extLst>
-              <a:ext uri="{FF2B5EF4-FFF2-40B4-BE49-F238E27FC236}">
-                <a16:creationId xmlns:a16="http://schemas.microsoft.com/office/drawing/2014/main" id="{71B1FFF4-DA59-4365-9280-85562C092AAF}"/>
-              </a:ext>
-            </a:extLst>
-          </p:cNvPr>
-          <p:cNvCxnSpPr/>
-          <p:nvPr/>
-        </p:nvCxnSpPr>
-        <p:spPr>
-          <a:xfrm>
-            <a:off x="7935320" y="2992921"/>
-            <a:ext cx="0" cy="328434"/>
-          </a:xfrm>
-          <a:prstGeom prst="straightConnector1">
-            <a:avLst/>
-          </a:prstGeom>
-          <a:ln w="38100">
-            <a:solidFill>
-              <a:schemeClr val="bg2">
-                <a:lumMod val="75000"/>
-              </a:schemeClr>
-            </a:solidFill>
-            <a:tailEnd type="triangle"/>
-          </a:ln>
-        </p:spPr>
-        <p:style>
-          <a:lnRef idx="1">
-            <a:schemeClr val="accent1"/>
-          </a:lnRef>
-          <a:fillRef idx="0">
-            <a:schemeClr val="accent1"/>
-          </a:fillRef>
-          <a:effectRef idx="0">
-            <a:schemeClr val="accent1"/>
-          </a:effectRef>
-          <a:fontRef idx="minor">
-            <a:schemeClr val="tx1"/>
-          </a:fontRef>
-        </p:style>
-      </p:cxnSp>
-      <p:cxnSp>
-        <p:nvCxnSpPr>
-          <p:cNvPr id="15" name="Straight Arrow Connector 14">
-            <a:extLst>
-              <a:ext uri="{FF2B5EF4-FFF2-40B4-BE49-F238E27FC236}">
-                <a16:creationId xmlns:a16="http://schemas.microsoft.com/office/drawing/2014/main" id="{97F970D0-ED19-445D-89BF-7985DE81C40C}"/>
-              </a:ext>
-            </a:extLst>
-          </p:cNvPr>
-          <p:cNvCxnSpPr/>
-          <p:nvPr/>
-        </p:nvCxnSpPr>
-        <p:spPr>
-          <a:xfrm>
-            <a:off x="4517332" y="2974868"/>
-            <a:ext cx="0" cy="328434"/>
-          </a:xfrm>
-          <a:prstGeom prst="straightConnector1">
-            <a:avLst/>
-          </a:prstGeom>
-          <a:ln w="38100">
-            <a:solidFill>
-              <a:schemeClr val="bg2">
-                <a:lumMod val="75000"/>
-              </a:schemeClr>
-            </a:solidFill>
-            <a:tailEnd type="triangle"/>
-          </a:ln>
-        </p:spPr>
-        <p:style>
-          <a:lnRef idx="1">
-            <a:schemeClr val="accent1"/>
-          </a:lnRef>
-          <a:fillRef idx="0">
-            <a:schemeClr val="accent1"/>
-          </a:fillRef>
-          <a:effectRef idx="0">
-            <a:schemeClr val="accent1"/>
-          </a:effectRef>
-          <a:fontRef idx="minor">
-            <a:schemeClr val="tx1"/>
-          </a:fontRef>
-        </p:style>
-      </p:cxnSp>
-    </p:spTree>
-    <p:extLst>
-      <p:ext uri="{BB962C8B-B14F-4D97-AF65-F5344CB8AC3E}">
-        <p14:creationId xmlns:p14="http://schemas.microsoft.com/office/powerpoint/2010/main" val="2128686001"/>
-      </p:ext>
-    </p:extLst>
-  </p:cSld>
-  <p:clrMapOvr>
-    <a:masterClrMapping/>
-  </p:clrMapOvr>
-</p:sld>
-</file>
-
-<file path=ppt/slides/slide7.xml><?xml version="1.0" encoding="utf-8"?>
+<file path=ppt/slides/slide4.xml><?xml version="1.0" encoding="utf-8"?>
 <p:sld xmlns:a="http://schemas.openxmlformats.org/drawingml/2006/main" xmlns:r="http://schemas.openxmlformats.org/officeDocument/2006/relationships" xmlns:p="http://schemas.openxmlformats.org/presentationml/2006/main">
   <p:cSld>
     <p:spTree>
@@ -45916,7 +42508,7 @@
           <a:p>
             <a:r>
               <a:rPr lang="en-US" dirty="0"/>
-              <a:t>Types of Style Sheets</a:t>
+              <a:t>The Box Model</a:t>
             </a:r>
           </a:p>
         </p:txBody>
@@ -45939,107 +42531,78 @@
         </p:spPr>
         <p:txBody>
           <a:bodyPr>
-            <a:normAutofit fontScale="92500" lnSpcReduction="20000"/>
+            <a:normAutofit/>
           </a:bodyPr>
           <a:lstStyle/>
           <a:p>
             <a:r>
-              <a:rPr lang="en-US" b="1" dirty="0"/>
-              <a:t>Inline</a:t>
-            </a:r>
-            <a:r>
               <a:rPr lang="en-US" dirty="0"/>
-              <a:t>: Using the </a:t>
-            </a:r>
-            <a:r>
-              <a:rPr lang="en-US" b="1" dirty="0"/>
-              <a:t>‘style’ attribute </a:t>
-            </a:r>
-            <a:r>
-              <a:rPr lang="en-US" dirty="0"/>
-              <a:t>within specific HTML elements.</a:t>
+              <a:t>Box Model: every HTML element exists in a “box”.</a:t>
             </a:r>
           </a:p>
           <a:p>
             <a:pPr lvl="1"/>
             <a:r>
               <a:rPr lang="en-US" dirty="0"/>
-              <a:t>Pros: The most specific and the easiest to control.</a:t>
+              <a:t>Boxes have </a:t>
+            </a:r>
+            <a:r>
+              <a:rPr lang="en-US" b="1" dirty="0"/>
+              <a:t>margins</a:t>
+            </a:r>
+            <a:r>
+              <a:rPr lang="en-US" dirty="0"/>
+              <a:t> that separate them from other boxes</a:t>
             </a:r>
           </a:p>
           <a:p>
             <a:pPr lvl="1"/>
             <a:r>
               <a:rPr lang="en-US" dirty="0"/>
-              <a:t>Cons: Cumbersome and hard to read.</a:t>
+              <a:t>Boxes have a </a:t>
             </a:r>
-          </a:p>
-          <a:p>
             <a:r>
               <a:rPr lang="en-US" b="1" dirty="0"/>
-              <a:t>Internal</a:t>
+              <a:t>border</a:t>
             </a:r>
             <a:r>
               <a:rPr lang="en-US" dirty="0"/>
-              <a:t>: Specifying all CSS within a </a:t>
-            </a:r>
-            <a:r>
-              <a:rPr lang="en-US" b="1" dirty="0"/>
-              <a:t>‘style’ element </a:t>
-            </a:r>
-            <a:r>
-              <a:rPr lang="en-US" dirty="0"/>
-              <a:t>in the ‘head’ element of an HTML page</a:t>
+              <a:t> around their internal contents</a:t>
             </a:r>
           </a:p>
           <a:p>
             <a:pPr lvl="1"/>
             <a:r>
               <a:rPr lang="en-US" dirty="0"/>
-              <a:t>Pros: Easier to read and organize.</a:t>
+              <a:t>Boxes have a </a:t>
             </a:r>
-          </a:p>
-          <a:p>
-            <a:pPr lvl="1"/>
+            <a:r>
+              <a:rPr lang="en-US" b="1" dirty="0"/>
+              <a:t>padding</a:t>
+            </a:r>
             <a:r>
               <a:rPr lang="en-US" dirty="0"/>
-              <a:t>Cons: Hard to keep consistent among multiple webpages.</a:t>
+              <a:t> that separates the content from the border</a:t>
             </a:r>
           </a:p>
           <a:p>
             <a:r>
-              <a:rPr lang="en-US" b="1" dirty="0"/>
-              <a:t>External</a:t>
+              <a:rPr lang="en-US" dirty="0"/>
+              <a:t>All box measurements can be changed to move content around within boxes</a:t>
+            </a:r>
+          </a:p>
+          <a:p>
+            <a:r>
+              <a:rPr lang="en-US" dirty="0"/>
+              <a:t>&lt;div&gt; and &lt;span&gt; elements allow you to </a:t>
+            </a:r>
+            <a:r>
+              <a:rPr lang="en-US" dirty="0" err="1"/>
+              <a:t>groupor</a:t>
             </a:r>
             <a:r>
               <a:rPr lang="en-US" dirty="0"/>
-              <a:t>: Specifying all CSS within a </a:t>
-            </a:r>
-            <a:r>
-              <a:rPr lang="en-US" b="1" dirty="0" err="1"/>
-              <a:t>css</a:t>
-            </a:r>
-            <a:r>
-              <a:rPr lang="en-US" b="1" dirty="0"/>
-              <a:t> file </a:t>
-            </a:r>
-            <a:r>
-              <a:rPr lang="en-US" dirty="0"/>
-              <a:t>and referencing it in the ‘head’ element of an HTML page</a:t>
-            </a:r>
-          </a:p>
-          <a:p>
-            <a:pPr lvl="1"/>
-            <a:r>
-              <a:rPr lang="en-US" dirty="0"/>
-              <a:t>Pros: Promotes code reuse and easier management.</a:t>
-            </a:r>
-          </a:p>
-          <a:p>
-            <a:pPr lvl="1"/>
-            <a:r>
-              <a:rPr lang="en-US" dirty="0"/>
-              <a:t>Cons: If resources are not available, or pathing is incorrect, all styles are lost.</a:t>
+              <a:t> contain other elements within their “boxes”</a:t>
             </a:r>
           </a:p>
         </p:txBody>
@@ -46062,7 +42625,7 @@
             <a:fld id="{F6728BC2-ACA3-447C-A909-F3F49211C066}" type="slidenum">
               <a:rPr lang="en-US" smtClean="0"/>
               <a:pPr/>
-              <a:t>6</a:t>
+              <a:t>3</a:t>
             </a:fld>
             <a:endParaRPr lang="en-US" dirty="0"/>
           </a:p>
@@ -46071,7 +42634,7 @@
     </p:spTree>
     <p:extLst>
       <p:ext uri="{BB962C8B-B14F-4D97-AF65-F5344CB8AC3E}">
-        <p14:creationId xmlns:p14="http://schemas.microsoft.com/office/powerpoint/2010/main" val="3645312431"/>
+        <p14:creationId xmlns:p14="http://schemas.microsoft.com/office/powerpoint/2010/main" val="2429585954"/>
       </p:ext>
     </p:extLst>
   </p:cSld>
@@ -46081,7 +42644,550 @@
 </p:sld>
 </file>
 
-<file path=ppt/slides/slide8.xml><?xml version="1.0" encoding="utf-8"?>
+<file path=ppt/slides/slide5.xml><?xml version="1.0" encoding="utf-8"?>
+<p:sld xmlns:a="http://schemas.openxmlformats.org/drawingml/2006/main" xmlns:r="http://schemas.openxmlformats.org/officeDocument/2006/relationships" xmlns:p="http://schemas.openxmlformats.org/presentationml/2006/main">
+  <p:cSld>
+    <p:spTree>
+      <p:nvGrpSpPr>
+        <p:cNvPr id="1" name=""/>
+        <p:cNvGrpSpPr/>
+        <p:nvPr/>
+      </p:nvGrpSpPr>
+      <p:grpSpPr>
+        <a:xfrm>
+          <a:off x="0" y="0"/>
+          <a:ext cx="0" cy="0"/>
+          <a:chOff x="0" y="0"/>
+          <a:chExt cx="0" cy="0"/>
+        </a:xfrm>
+      </p:grpSpPr>
+      <p:sp>
+        <p:nvSpPr>
+          <p:cNvPr id="2" name="Title 1">
+            <a:extLst>
+              <a:ext uri="{FF2B5EF4-FFF2-40B4-BE49-F238E27FC236}">
+                <a16:creationId xmlns:a16="http://schemas.microsoft.com/office/drawing/2014/main" id="{7A3D8FF8-7D5E-4380-A0FD-6DC2A088377B}"/>
+              </a:ext>
+            </a:extLst>
+          </p:cNvPr>
+          <p:cNvSpPr>
+            <a:spLocks noGrp="1"/>
+          </p:cNvSpPr>
+          <p:nvPr>
+            <p:ph type="title"/>
+          </p:nvPr>
+        </p:nvSpPr>
+        <p:spPr/>
+        <p:txBody>
+          <a:bodyPr/>
+          <a:lstStyle/>
+          <a:p>
+            <a:r>
+              <a:rPr lang="en-US" dirty="0"/>
+              <a:t>The Box Model (</a:t>
+            </a:r>
+            <a:r>
+              <a:rPr lang="en-US" dirty="0" err="1"/>
+              <a:t>cont</a:t>
+            </a:r>
+            <a:r>
+              <a:rPr lang="en-US" dirty="0"/>
+              <a:t>…)</a:t>
+            </a:r>
+          </a:p>
+        </p:txBody>
+      </p:sp>
+      <p:pic>
+        <p:nvPicPr>
+          <p:cNvPr id="6" name="Content Placeholder 5" descr="A close up of a logo&#10;&#10;Description automatically generated">
+            <a:extLst>
+              <a:ext uri="{FF2B5EF4-FFF2-40B4-BE49-F238E27FC236}">
+                <a16:creationId xmlns:a16="http://schemas.microsoft.com/office/drawing/2014/main" id="{1BC3B33E-FCF5-41A4-B8F4-C536FE1CD2D6}"/>
+              </a:ext>
+            </a:extLst>
+          </p:cNvPr>
+          <p:cNvPicPr>
+            <a:picLocks noGrp="1" noChangeAspect="1"/>
+          </p:cNvPicPr>
+          <p:nvPr>
+            <p:ph idx="1"/>
+          </p:nvPr>
+        </p:nvPicPr>
+        <p:blipFill>
+          <a:blip r:embed="rId2">
+            <a:extLst>
+              <a:ext uri="{28A0092B-C50C-407E-A947-70E740481C1C}">
+                <a14:useLocalDpi xmlns:a14="http://schemas.microsoft.com/office/drawing/2010/main" val="0"/>
+              </a:ext>
+            </a:extLst>
+          </a:blip>
+          <a:stretch>
+            <a:fillRect/>
+          </a:stretch>
+        </p:blipFill>
+        <p:spPr>
+          <a:xfrm>
+            <a:off x="1121213" y="1395302"/>
+            <a:ext cx="6901573" cy="4968410"/>
+          </a:xfrm>
+        </p:spPr>
+      </p:pic>
+      <p:sp>
+        <p:nvSpPr>
+          <p:cNvPr id="4" name="Slide Number Placeholder 3">
+            <a:extLst>
+              <a:ext uri="{FF2B5EF4-FFF2-40B4-BE49-F238E27FC236}">
+                <a16:creationId xmlns:a16="http://schemas.microsoft.com/office/drawing/2014/main" id="{5E3CD094-7D22-4372-A9B2-2948ABC45567}"/>
+              </a:ext>
+            </a:extLst>
+          </p:cNvPr>
+          <p:cNvSpPr>
+            <a:spLocks noGrp="1"/>
+          </p:cNvSpPr>
+          <p:nvPr>
+            <p:ph type="sldNum" sz="quarter" idx="12"/>
+          </p:nvPr>
+        </p:nvSpPr>
+        <p:spPr/>
+        <p:txBody>
+          <a:bodyPr/>
+          <a:lstStyle/>
+          <a:p>
+            <a:fld id="{F6728BC2-ACA3-447C-A909-F3F49211C066}" type="slidenum">
+              <a:rPr lang="en-US" smtClean="0"/>
+              <a:pPr/>
+              <a:t>4</a:t>
+            </a:fld>
+            <a:endParaRPr lang="en-US" dirty="0"/>
+          </a:p>
+        </p:txBody>
+      </p:sp>
+    </p:spTree>
+    <p:extLst>
+      <p:ext uri="{BB962C8B-B14F-4D97-AF65-F5344CB8AC3E}">
+        <p14:creationId xmlns:p14="http://schemas.microsoft.com/office/powerpoint/2010/main" val="3022637320"/>
+      </p:ext>
+    </p:extLst>
+  </p:cSld>
+  <p:clrMapOvr>
+    <a:masterClrMapping/>
+  </p:clrMapOvr>
+</p:sld>
+</file>
+
+<file path=ppt/slides/slide6.xml><?xml version="1.0" encoding="utf-8"?>
+<p:sld xmlns:a="http://schemas.openxmlformats.org/drawingml/2006/main" xmlns:r="http://schemas.openxmlformats.org/officeDocument/2006/relationships" xmlns:p="http://schemas.openxmlformats.org/presentationml/2006/main">
+  <p:cSld>
+    <p:spTree>
+      <p:nvGrpSpPr>
+        <p:cNvPr id="1" name=""/>
+        <p:cNvGrpSpPr/>
+        <p:nvPr/>
+      </p:nvGrpSpPr>
+      <p:grpSpPr>
+        <a:xfrm>
+          <a:off x="0" y="0"/>
+          <a:ext cx="0" cy="0"/>
+          <a:chOff x="0" y="0"/>
+          <a:chExt cx="0" cy="0"/>
+        </a:xfrm>
+      </p:grpSpPr>
+      <p:sp>
+        <p:nvSpPr>
+          <p:cNvPr id="2" name="Title 1">
+            <a:extLst>
+              <a:ext uri="{FF2B5EF4-FFF2-40B4-BE49-F238E27FC236}">
+                <a16:creationId xmlns:a16="http://schemas.microsoft.com/office/drawing/2014/main" id="{36E7A356-CA23-4F5A-B0A8-484FD0B64231}"/>
+              </a:ext>
+            </a:extLst>
+          </p:cNvPr>
+          <p:cNvSpPr>
+            <a:spLocks noGrp="1"/>
+          </p:cNvSpPr>
+          <p:nvPr>
+            <p:ph type="title"/>
+          </p:nvPr>
+        </p:nvSpPr>
+        <p:spPr/>
+        <p:txBody>
+          <a:bodyPr/>
+          <a:lstStyle/>
+          <a:p>
+            <a:r>
+              <a:rPr lang="en-US" dirty="0"/>
+              <a:t>Units of Measurement</a:t>
+            </a:r>
+          </a:p>
+        </p:txBody>
+      </p:sp>
+      <p:sp>
+        <p:nvSpPr>
+          <p:cNvPr id="3" name="Content Placeholder 2">
+            <a:extLst>
+              <a:ext uri="{FF2B5EF4-FFF2-40B4-BE49-F238E27FC236}">
+                <a16:creationId xmlns:a16="http://schemas.microsoft.com/office/drawing/2014/main" id="{9E91B69A-E12E-402C-B154-48DB86FEB305}"/>
+              </a:ext>
+            </a:extLst>
+          </p:cNvPr>
+          <p:cNvSpPr>
+            <a:spLocks noGrp="1"/>
+          </p:cNvSpPr>
+          <p:nvPr>
+            <p:ph idx="1"/>
+          </p:nvPr>
+        </p:nvSpPr>
+        <p:spPr>
+          <a:xfrm>
+            <a:off x="380010" y="1481446"/>
+            <a:ext cx="8383980" cy="5247391"/>
+          </a:xfrm>
+        </p:spPr>
+        <p:txBody>
+          <a:bodyPr>
+            <a:normAutofit lnSpcReduction="10000"/>
+          </a:bodyPr>
+          <a:lstStyle/>
+          <a:p>
+            <a:r>
+              <a:rPr lang="en-US" b="1" dirty="0"/>
+              <a:t>Relative measurements </a:t>
+            </a:r>
+            <a:r>
+              <a:rPr lang="en-US" dirty="0"/>
+              <a:t>define size in relation to some other fixed point</a:t>
+            </a:r>
+          </a:p>
+          <a:p>
+            <a:pPr lvl="1"/>
+            <a:r>
+              <a:rPr lang="en-US" dirty="0"/>
+              <a:t>Can adjust in </a:t>
+            </a:r>
+            <a:r>
+              <a:rPr lang="en-US" i="1" dirty="0"/>
+              <a:t>absolute</a:t>
+            </a:r>
+            <a:r>
+              <a:rPr lang="en-US" dirty="0"/>
+              <a:t> size if their reference point changes</a:t>
+            </a:r>
+          </a:p>
+          <a:p>
+            <a:r>
+              <a:rPr lang="en-US" b="1" dirty="0"/>
+              <a:t>Absolute measurements </a:t>
+            </a:r>
+            <a:r>
+              <a:rPr lang="en-US" dirty="0"/>
+              <a:t>are always the same</a:t>
+            </a:r>
+          </a:p>
+          <a:p>
+            <a:endParaRPr lang="en-US" dirty="0"/>
+          </a:p>
+          <a:p>
+            <a:endParaRPr lang="en-US" dirty="0"/>
+          </a:p>
+          <a:p>
+            <a:endParaRPr lang="en-US" dirty="0"/>
+          </a:p>
+          <a:p>
+            <a:endParaRPr lang="en-US" dirty="0"/>
+          </a:p>
+          <a:p>
+            <a:endParaRPr lang="en-US" dirty="0"/>
+          </a:p>
+          <a:p>
+            <a:r>
+              <a:rPr lang="en-US" dirty="0"/>
+              <a:t>Pixels are relative to the viewing device.</a:t>
+            </a:r>
+          </a:p>
+          <a:p>
+            <a:pPr marL="0" indent="0">
+              <a:buNone/>
+            </a:pPr>
+            <a:endParaRPr lang="en-US" dirty="0"/>
+          </a:p>
+        </p:txBody>
+      </p:sp>
+      <p:sp>
+        <p:nvSpPr>
+          <p:cNvPr id="4" name="Slide Number Placeholder 3">
+            <a:extLst>
+              <a:ext uri="{FF2B5EF4-FFF2-40B4-BE49-F238E27FC236}">
+                <a16:creationId xmlns:a16="http://schemas.microsoft.com/office/drawing/2014/main" id="{61804FB1-4A8A-4A7E-AC8B-A9286B88114F}"/>
+              </a:ext>
+            </a:extLst>
+          </p:cNvPr>
+          <p:cNvSpPr>
+            <a:spLocks noGrp="1"/>
+          </p:cNvSpPr>
+          <p:nvPr>
+            <p:ph type="sldNum" sz="quarter" idx="12"/>
+          </p:nvPr>
+        </p:nvSpPr>
+        <p:spPr/>
+        <p:txBody>
+          <a:bodyPr/>
+          <a:lstStyle/>
+          <a:p>
+            <a:fld id="{F6728BC2-ACA3-447C-A909-F3F49211C066}" type="slidenum">
+              <a:rPr lang="en-US" smtClean="0"/>
+              <a:pPr/>
+              <a:t>5</a:t>
+            </a:fld>
+            <a:endParaRPr lang="en-US" dirty="0"/>
+          </a:p>
+        </p:txBody>
+      </p:sp>
+      <p:graphicFrame>
+        <p:nvGraphicFramePr>
+          <p:cNvPr id="5" name="Table 4">
+            <a:extLst>
+              <a:ext uri="{FF2B5EF4-FFF2-40B4-BE49-F238E27FC236}">
+                <a16:creationId xmlns:a16="http://schemas.microsoft.com/office/drawing/2014/main" id="{C85FDAA2-4870-4790-A3B6-65EE4BE189C8}"/>
+              </a:ext>
+            </a:extLst>
+          </p:cNvPr>
+          <p:cNvGraphicFramePr>
+            <a:graphicFrameLocks noGrp="1"/>
+          </p:cNvGraphicFramePr>
+          <p:nvPr>
+            <p:extLst>
+              <p:ext uri="{D42A27DB-BD31-4B8C-83A1-F6EECF244321}">
+                <p14:modId xmlns:p14="http://schemas.microsoft.com/office/powerpoint/2010/main" val="2511000047"/>
+              </p:ext>
+            </p:extLst>
+          </p:nvPr>
+        </p:nvGraphicFramePr>
+        <p:xfrm>
+          <a:off x="1524000" y="3800987"/>
+          <a:ext cx="6096000" cy="1854200"/>
+        </p:xfrm>
+        <a:graphic>
+          <a:graphicData uri="http://schemas.openxmlformats.org/drawingml/2006/table">
+            <a:tbl>
+              <a:tblPr firstRow="1" bandRow="1">
+                <a:tableStyleId>{5C22544A-7EE6-4342-B048-85BDC9FD1C3A}</a:tableStyleId>
+              </a:tblPr>
+              <a:tblGrid>
+                <a:gridCol w="3048000">
+                  <a:extLst>
+                    <a:ext uri="{9D8B030D-6E8A-4147-A177-3AD203B41FA5}">
+                      <a16:colId xmlns:a16="http://schemas.microsoft.com/office/drawing/2014/main" val="2427770397"/>
+                    </a:ext>
+                  </a:extLst>
+                </a:gridCol>
+                <a:gridCol w="3048000">
+                  <a:extLst>
+                    <a:ext uri="{9D8B030D-6E8A-4147-A177-3AD203B41FA5}">
+                      <a16:colId xmlns:a16="http://schemas.microsoft.com/office/drawing/2014/main" val="3320055192"/>
+                    </a:ext>
+                  </a:extLst>
+                </a:gridCol>
+              </a:tblGrid>
+              <a:tr h="370840">
+                <a:tc>
+                  <a:txBody>
+                    <a:bodyPr/>
+                    <a:lstStyle/>
+                    <a:p>
+                      <a:pPr algn="ctr"/>
+                      <a:r>
+                        <a:rPr lang="en-US" dirty="0"/>
+                        <a:t>Relative</a:t>
+                      </a:r>
+                    </a:p>
+                  </a:txBody>
+                  <a:tcPr/>
+                </a:tc>
+                <a:tc>
+                  <a:txBody>
+                    <a:bodyPr/>
+                    <a:lstStyle/>
+                    <a:p>
+                      <a:pPr algn="ctr"/>
+                      <a:r>
+                        <a:rPr lang="en-US" dirty="0"/>
+                        <a:t>Absolute</a:t>
+                      </a:r>
+                    </a:p>
+                  </a:txBody>
+                  <a:tcPr/>
+                </a:tc>
+                <a:extLst>
+                  <a:ext uri="{0D108BD9-81ED-4DB2-BD59-A6C34878D82A}">
+                    <a16:rowId xmlns:a16="http://schemas.microsoft.com/office/drawing/2014/main" val="1076205708"/>
+                  </a:ext>
+                </a:extLst>
+              </a:tr>
+              <a:tr h="370840">
+                <a:tc>
+                  <a:txBody>
+                    <a:bodyPr/>
+                    <a:lstStyle/>
+                    <a:p>
+                      <a:pPr algn="ctr"/>
+                      <a:r>
+                        <a:rPr lang="en-US" dirty="0"/>
+                        <a:t>1em = current font size</a:t>
+                      </a:r>
+                    </a:p>
+                  </a:txBody>
+                  <a:tcPr/>
+                </a:tc>
+                <a:tc>
+                  <a:txBody>
+                    <a:bodyPr/>
+                    <a:lstStyle/>
+                    <a:p>
+                      <a:pPr algn="ctr"/>
+                      <a:r>
+                        <a:rPr lang="en-US" dirty="0" err="1"/>
+                        <a:t>px</a:t>
+                      </a:r>
+                      <a:r>
+                        <a:rPr lang="en-US" dirty="0"/>
+                        <a:t> = pixels</a:t>
+                      </a:r>
+                    </a:p>
+                  </a:txBody>
+                  <a:tcPr/>
+                </a:tc>
+                <a:extLst>
+                  <a:ext uri="{0D108BD9-81ED-4DB2-BD59-A6C34878D82A}">
+                    <a16:rowId xmlns:a16="http://schemas.microsoft.com/office/drawing/2014/main" val="3207823573"/>
+                  </a:ext>
+                </a:extLst>
+              </a:tr>
+              <a:tr h="370840">
+                <a:tc>
+                  <a:txBody>
+                    <a:bodyPr/>
+                    <a:lstStyle/>
+                    <a:p>
+                      <a:pPr algn="ctr"/>
+                      <a:r>
+                        <a:rPr lang="en-US" dirty="0"/>
+                        <a:t>% (percent of boundary)</a:t>
+                      </a:r>
+                    </a:p>
+                  </a:txBody>
+                  <a:tcPr/>
+                </a:tc>
+                <a:tc>
+                  <a:txBody>
+                    <a:bodyPr/>
+                    <a:lstStyle/>
+                    <a:p>
+                      <a:pPr algn="ctr"/>
+                      <a:r>
+                        <a:rPr lang="en-US" dirty="0"/>
+                        <a:t>in = inches (96px)</a:t>
+                      </a:r>
+                    </a:p>
+                  </a:txBody>
+                  <a:tcPr/>
+                </a:tc>
+                <a:extLst>
+                  <a:ext uri="{0D108BD9-81ED-4DB2-BD59-A6C34878D82A}">
+                    <a16:rowId xmlns:a16="http://schemas.microsoft.com/office/drawing/2014/main" val="499264363"/>
+                  </a:ext>
+                </a:extLst>
+              </a:tr>
+              <a:tr h="370840">
+                <a:tc>
+                  <a:txBody>
+                    <a:bodyPr/>
+                    <a:lstStyle/>
+                    <a:p>
+                      <a:pPr algn="ctr"/>
+                      <a:r>
+                        <a:rPr lang="en-US" dirty="0"/>
+                        <a:t>1vh = 1% of window height</a:t>
+                      </a:r>
+                    </a:p>
+                  </a:txBody>
+                  <a:tcPr/>
+                </a:tc>
+                <a:tc>
+                  <a:txBody>
+                    <a:bodyPr/>
+                    <a:lstStyle/>
+                    <a:p>
+                      <a:pPr algn="ctr"/>
+                      <a:r>
+                        <a:rPr lang="en-US" dirty="0" err="1"/>
+                        <a:t>pt</a:t>
+                      </a:r>
+                      <a:r>
+                        <a:rPr lang="en-US" dirty="0"/>
+                        <a:t> = points (1/72 in)</a:t>
+                      </a:r>
+                    </a:p>
+                  </a:txBody>
+                  <a:tcPr/>
+                </a:tc>
+                <a:extLst>
+                  <a:ext uri="{0D108BD9-81ED-4DB2-BD59-A6C34878D82A}">
+                    <a16:rowId xmlns:a16="http://schemas.microsoft.com/office/drawing/2014/main" val="869489926"/>
+                  </a:ext>
+                </a:extLst>
+              </a:tr>
+              <a:tr h="370840">
+                <a:tc>
+                  <a:txBody>
+                    <a:bodyPr/>
+                    <a:lstStyle/>
+                    <a:p>
+                      <a:pPr algn="ctr"/>
+                      <a:r>
+                        <a:rPr lang="en-US" dirty="0"/>
+                        <a:t>1vw = 1% of window width</a:t>
+                      </a:r>
+                    </a:p>
+                  </a:txBody>
+                  <a:tcPr/>
+                </a:tc>
+                <a:tc>
+                  <a:txBody>
+                    <a:bodyPr/>
+                    <a:lstStyle/>
+                    <a:p>
+                      <a:pPr algn="ctr"/>
+                      <a:r>
+                        <a:rPr lang="en-US" dirty="0"/>
+                        <a:t>pc = picas (12pt)</a:t>
+                      </a:r>
+                    </a:p>
+                  </a:txBody>
+                  <a:tcPr/>
+                </a:tc>
+                <a:extLst>
+                  <a:ext uri="{0D108BD9-81ED-4DB2-BD59-A6C34878D82A}">
+                    <a16:rowId xmlns:a16="http://schemas.microsoft.com/office/drawing/2014/main" val="2349952172"/>
+                  </a:ext>
+                </a:extLst>
+              </a:tr>
+            </a:tbl>
+          </a:graphicData>
+        </a:graphic>
+      </p:graphicFrame>
+    </p:spTree>
+    <p:extLst>
+      <p:ext uri="{BB962C8B-B14F-4D97-AF65-F5344CB8AC3E}">
+        <p14:creationId xmlns:p14="http://schemas.microsoft.com/office/powerpoint/2010/main" val="2329135321"/>
+      </p:ext>
+    </p:extLst>
+  </p:cSld>
+  <p:clrMapOvr>
+    <a:masterClrMapping/>
+  </p:clrMapOvr>
+</p:sld>
+</file>
+
+<file path=ppt/slides/slide7.xml><?xml version="1.0" encoding="utf-8"?>
 <p:sld xmlns:a="http://schemas.openxmlformats.org/drawingml/2006/main" xmlns:r="http://schemas.openxmlformats.org/officeDocument/2006/relationships" xmlns:p="http://schemas.openxmlformats.org/presentationml/2006/main">
   <p:cSld>
     <p:spTree>
@@ -46122,7 +43228,7 @@
             <a:fld id="{F6728BC2-ACA3-447C-A909-F3F49211C066}" type="slidenum">
               <a:rPr lang="en-US" smtClean="0"/>
               <a:pPr/>
-              <a:t>7</a:t>
+              <a:t>6</a:t>
             </a:fld>
             <a:endParaRPr lang="en-US" dirty="0"/>
           </a:p>
@@ -46159,7 +43265,7 @@
             <a:pPr algn="ctr"/>
             <a:r>
               <a:rPr lang="en-US" sz="4800" dirty="0"/>
-              <a:t>Common Selectors</a:t>
+              <a:t>Specificity</a:t>
             </a:r>
           </a:p>
         </p:txBody>
@@ -46167,7 +43273,219 @@
     </p:spTree>
     <p:extLst>
       <p:ext uri="{BB962C8B-B14F-4D97-AF65-F5344CB8AC3E}">
-        <p14:creationId xmlns:p14="http://schemas.microsoft.com/office/powerpoint/2010/main" val="201321265"/>
+        <p14:creationId xmlns:p14="http://schemas.microsoft.com/office/powerpoint/2010/main" val="2451340904"/>
+      </p:ext>
+    </p:extLst>
+  </p:cSld>
+  <p:clrMapOvr>
+    <a:masterClrMapping/>
+  </p:clrMapOvr>
+</p:sld>
+</file>
+
+<file path=ppt/slides/slide8.xml><?xml version="1.0" encoding="utf-8"?>
+<p:sld xmlns:a="http://schemas.openxmlformats.org/drawingml/2006/main" xmlns:r="http://schemas.openxmlformats.org/officeDocument/2006/relationships" xmlns:p="http://schemas.openxmlformats.org/presentationml/2006/main">
+  <p:cSld>
+    <p:spTree>
+      <p:nvGrpSpPr>
+        <p:cNvPr id="1" name=""/>
+        <p:cNvGrpSpPr/>
+        <p:nvPr/>
+      </p:nvGrpSpPr>
+      <p:grpSpPr>
+        <a:xfrm>
+          <a:off x="0" y="0"/>
+          <a:ext cx="0" cy="0"/>
+          <a:chOff x="0" y="0"/>
+          <a:chExt cx="0" cy="0"/>
+        </a:xfrm>
+      </p:grpSpPr>
+      <p:sp>
+        <p:nvSpPr>
+          <p:cNvPr id="2" name="Title 1">
+            <a:extLst>
+              <a:ext uri="{FF2B5EF4-FFF2-40B4-BE49-F238E27FC236}">
+                <a16:creationId xmlns:a16="http://schemas.microsoft.com/office/drawing/2014/main" id="{02AA57EA-6F1F-4642-B121-AA547F53C3B4}"/>
+              </a:ext>
+            </a:extLst>
+          </p:cNvPr>
+          <p:cNvSpPr>
+            <a:spLocks noGrp="1"/>
+          </p:cNvSpPr>
+          <p:nvPr>
+            <p:ph type="title"/>
+          </p:nvPr>
+        </p:nvSpPr>
+        <p:spPr/>
+        <p:txBody>
+          <a:bodyPr/>
+          <a:lstStyle/>
+          <a:p>
+            <a:r>
+              <a:rPr lang="en-US" dirty="0"/>
+              <a:t>What is Specificity?</a:t>
+            </a:r>
+          </a:p>
+        </p:txBody>
+      </p:sp>
+      <p:sp>
+        <p:nvSpPr>
+          <p:cNvPr id="3" name="Content Placeholder 2">
+            <a:extLst>
+              <a:ext uri="{FF2B5EF4-FFF2-40B4-BE49-F238E27FC236}">
+                <a16:creationId xmlns:a16="http://schemas.microsoft.com/office/drawing/2014/main" id="{584474BB-8C9C-4FBD-8FB2-24622BA00B7F}"/>
+              </a:ext>
+            </a:extLst>
+          </p:cNvPr>
+          <p:cNvSpPr>
+            <a:spLocks noGrp="1"/>
+          </p:cNvSpPr>
+          <p:nvPr>
+            <p:ph idx="1"/>
+          </p:nvPr>
+        </p:nvSpPr>
+        <p:spPr>
+          <a:xfrm>
+            <a:off x="380010" y="1481446"/>
+            <a:ext cx="8383980" cy="5376554"/>
+          </a:xfrm>
+        </p:spPr>
+        <p:txBody>
+          <a:bodyPr>
+            <a:normAutofit/>
+          </a:bodyPr>
+          <a:lstStyle/>
+          <a:p>
+            <a:r>
+              <a:rPr lang="en-US" b="1" dirty="0"/>
+              <a:t>Specificity </a:t>
+            </a:r>
+            <a:r>
+              <a:rPr lang="en-US" dirty="0"/>
+              <a:t>is a weight or priority given to a </a:t>
+            </a:r>
+            <a:r>
+              <a:rPr lang="en-US" b="1" dirty="0"/>
+              <a:t>CSS rule</a:t>
+            </a:r>
+          </a:p>
+          <a:p>
+            <a:r>
+              <a:rPr lang="en-US" dirty="0"/>
+              <a:t>This priority is determined by the </a:t>
+            </a:r>
+            <a:r>
+              <a:rPr lang="en-US" b="1" dirty="0"/>
+              <a:t>type of selector</a:t>
+            </a:r>
+            <a:r>
+              <a:rPr lang="en-US" dirty="0"/>
+              <a:t> being used</a:t>
+            </a:r>
+          </a:p>
+          <a:p>
+            <a:pPr lvl="1"/>
+            <a:r>
+              <a:rPr lang="en-US" dirty="0"/>
+              <a:t>If you have </a:t>
+            </a:r>
+            <a:r>
+              <a:rPr lang="en-US" b="1" dirty="0"/>
+              <a:t>inline</a:t>
+            </a:r>
+            <a:r>
+              <a:rPr lang="en-US" dirty="0"/>
+              <a:t> styles those will also overrule either internal or external styles</a:t>
+            </a:r>
+          </a:p>
+          <a:p>
+            <a:r>
+              <a:rPr lang="en-US" dirty="0"/>
+              <a:t>Specificity matters when multiple declarations are used on the same targeted element properties</a:t>
+            </a:r>
+          </a:p>
+          <a:p>
+            <a:pPr lvl="1"/>
+            <a:r>
+              <a:rPr lang="en-US" dirty="0"/>
+              <a:t>If the CSS rules have the </a:t>
+            </a:r>
+            <a:r>
+              <a:rPr lang="en-US" b="1" dirty="0"/>
+              <a:t>same</a:t>
+            </a:r>
+            <a:r>
+              <a:rPr lang="en-US" dirty="0"/>
+              <a:t> specificity: the </a:t>
+            </a:r>
+            <a:r>
+              <a:rPr lang="en-US" b="1" dirty="0"/>
+              <a:t>last </a:t>
+            </a:r>
+            <a:r>
+              <a:rPr lang="en-US" dirty="0"/>
+              <a:t>declaration read is applied</a:t>
+            </a:r>
+          </a:p>
+          <a:p>
+            <a:pPr lvl="1"/>
+            <a:r>
+              <a:rPr lang="en-US" dirty="0"/>
+              <a:t>If the CSS rules have </a:t>
+            </a:r>
+            <a:r>
+              <a:rPr lang="en-US" b="1" dirty="0"/>
+              <a:t>different</a:t>
+            </a:r>
+            <a:r>
+              <a:rPr lang="en-US" dirty="0"/>
+              <a:t> specificities: the </a:t>
+            </a:r>
+            <a:r>
+              <a:rPr lang="en-US" b="1" dirty="0"/>
+              <a:t>most specific </a:t>
+            </a:r>
+            <a:r>
+              <a:rPr lang="en-US" dirty="0"/>
+              <a:t>declaration is applied</a:t>
+            </a:r>
+          </a:p>
+        </p:txBody>
+      </p:sp>
+      <p:sp>
+        <p:nvSpPr>
+          <p:cNvPr id="4" name="Slide Number Placeholder 3">
+            <a:extLst>
+              <a:ext uri="{FF2B5EF4-FFF2-40B4-BE49-F238E27FC236}">
+                <a16:creationId xmlns:a16="http://schemas.microsoft.com/office/drawing/2014/main" id="{E9ABE8A9-99A1-417D-9383-5829467ED40A}"/>
+              </a:ext>
+            </a:extLst>
+          </p:cNvPr>
+          <p:cNvSpPr>
+            <a:spLocks noGrp="1"/>
+          </p:cNvSpPr>
+          <p:nvPr>
+            <p:ph type="sldNum" sz="quarter" idx="12"/>
+          </p:nvPr>
+        </p:nvSpPr>
+        <p:spPr/>
+        <p:txBody>
+          <a:bodyPr/>
+          <a:lstStyle/>
+          <a:p>
+            <a:fld id="{F6728BC2-ACA3-447C-A909-F3F49211C066}" type="slidenum">
+              <a:rPr lang="en-US" smtClean="0"/>
+              <a:pPr/>
+              <a:t>7</a:t>
+            </a:fld>
+            <a:endParaRPr lang="en-US" dirty="0"/>
+          </a:p>
+        </p:txBody>
+      </p:sp>
+    </p:spTree>
+    <p:extLst>
+      <p:ext uri="{BB962C8B-B14F-4D97-AF65-F5344CB8AC3E}">
+        <p14:creationId xmlns:p14="http://schemas.microsoft.com/office/powerpoint/2010/main" val="539243658"/>
       </p:ext>
     </p:extLst>
   </p:cSld>
@@ -46199,7 +43517,7 @@
           <p:cNvPr id="2" name="Title 1">
             <a:extLst>
               <a:ext uri="{FF2B5EF4-FFF2-40B4-BE49-F238E27FC236}">
-                <a16:creationId xmlns:a16="http://schemas.microsoft.com/office/drawing/2014/main" id="{34C1D8E0-0B36-4448-8288-4B7E79DDF0C1}"/>
+                <a16:creationId xmlns:a16="http://schemas.microsoft.com/office/drawing/2014/main" id="{B10ADDA7-555D-4FD3-BA50-428FB0B98F92}"/>
               </a:ext>
             </a:extLst>
           </p:cNvPr>
@@ -46217,47 +43535,8 @@
           <a:p>
             <a:r>
               <a:rPr lang="en-US" dirty="0"/>
-              <a:t>CSS Selectors: Elements</a:t>
+              <a:t>Specificity Priority</a:t>
             </a:r>
-          </a:p>
-        </p:txBody>
-      </p:sp>
-      <p:sp>
-        <p:nvSpPr>
-          <p:cNvPr id="3" name="Content Placeholder 2">
-            <a:extLst>
-              <a:ext uri="{FF2B5EF4-FFF2-40B4-BE49-F238E27FC236}">
-                <a16:creationId xmlns:a16="http://schemas.microsoft.com/office/drawing/2014/main" id="{B1AD4661-3FD5-411D-9949-2B980D48639F}"/>
-              </a:ext>
-            </a:extLst>
-          </p:cNvPr>
-          <p:cNvSpPr>
-            <a:spLocks noGrp="1"/>
-          </p:cNvSpPr>
-          <p:nvPr>
-            <p:ph idx="1"/>
-          </p:nvPr>
-        </p:nvSpPr>
-        <p:spPr>
-          <a:xfrm>
-            <a:off x="380010" y="1481446"/>
-            <a:ext cx="8383980" cy="5247391"/>
-          </a:xfrm>
-        </p:spPr>
-        <p:txBody>
-          <a:bodyPr/>
-          <a:lstStyle/>
-          <a:p>
-            <a:r>
-              <a:rPr lang="en-US" dirty="0"/>
-              <a:t>CSS selectors “select” which elements to apply styling to</a:t>
-            </a:r>
-          </a:p>
-          <a:p>
-            <a:endParaRPr lang="en-US" dirty="0"/>
-          </a:p>
-          <a:p>
-            <a:endParaRPr lang="en-US" dirty="0"/>
           </a:p>
         </p:txBody>
       </p:sp>
@@ -46266,7 +43545,7 @@
           <p:cNvPr id="4" name="Slide Number Placeholder 3">
             <a:extLst>
               <a:ext uri="{FF2B5EF4-FFF2-40B4-BE49-F238E27FC236}">
-                <a16:creationId xmlns:a16="http://schemas.microsoft.com/office/drawing/2014/main" id="{168941FA-D943-4F16-AABC-CAC8E9F425E1}"/>
+                <a16:creationId xmlns:a16="http://schemas.microsoft.com/office/drawing/2014/main" id="{C7020500-2701-4497-A79B-5F1DF51BA03F}"/>
               </a:ext>
             </a:extLst>
           </p:cNvPr>
@@ -46291,12 +43570,148 @@
           </a:p>
         </p:txBody>
       </p:sp>
+      <p:grpSp>
+        <p:nvGrpSpPr>
+          <p:cNvPr id="10" name="Group 9">
+            <a:extLst>
+              <a:ext uri="{FF2B5EF4-FFF2-40B4-BE49-F238E27FC236}">
+                <a16:creationId xmlns:a16="http://schemas.microsoft.com/office/drawing/2014/main" id="{5242797A-ED24-41CD-A096-B38B9C5FC38B}"/>
+              </a:ext>
+            </a:extLst>
+          </p:cNvPr>
+          <p:cNvGrpSpPr/>
+          <p:nvPr/>
+        </p:nvGrpSpPr>
+        <p:grpSpPr>
+          <a:xfrm>
+            <a:off x="4069298" y="1450025"/>
+            <a:ext cx="1005403" cy="4518683"/>
+            <a:chOff x="5333857" y="1286395"/>
+            <a:chExt cx="1005403" cy="4518683"/>
+          </a:xfrm>
+        </p:grpSpPr>
+        <p:cxnSp>
+          <p:nvCxnSpPr>
+            <p:cNvPr id="6" name="Straight Arrow Connector 5">
+              <a:extLst>
+                <a:ext uri="{FF2B5EF4-FFF2-40B4-BE49-F238E27FC236}">
+                  <a16:creationId xmlns:a16="http://schemas.microsoft.com/office/drawing/2014/main" id="{62E872AC-AA57-459B-AE09-FFDC7C2C4318}"/>
+                </a:ext>
+              </a:extLst>
+            </p:cNvPr>
+            <p:cNvCxnSpPr>
+              <a:cxnSpLocks/>
+            </p:cNvCxnSpPr>
+            <p:nvPr/>
+          </p:nvCxnSpPr>
+          <p:spPr>
+            <a:xfrm>
+              <a:off x="5885660" y="1761423"/>
+              <a:ext cx="0" cy="3658444"/>
+            </a:xfrm>
+            <a:prstGeom prst="straightConnector1">
+              <a:avLst/>
+            </a:prstGeom>
+            <a:ln w="76200">
+              <a:solidFill>
+                <a:schemeClr val="tx1"/>
+              </a:solidFill>
+              <a:headEnd type="triangle"/>
+              <a:tailEnd type="triangle"/>
+            </a:ln>
+          </p:spPr>
+          <p:style>
+            <a:lnRef idx="1">
+              <a:schemeClr val="accent1"/>
+            </a:lnRef>
+            <a:fillRef idx="0">
+              <a:schemeClr val="accent1"/>
+            </a:fillRef>
+            <a:effectRef idx="0">
+              <a:schemeClr val="accent1"/>
+            </a:effectRef>
+            <a:fontRef idx="minor">
+              <a:schemeClr val="tx1"/>
+            </a:fontRef>
+          </p:style>
+        </p:cxnSp>
+        <p:sp>
+          <p:nvSpPr>
+            <p:cNvPr id="7" name="TextBox 6">
+              <a:extLst>
+                <a:ext uri="{FF2B5EF4-FFF2-40B4-BE49-F238E27FC236}">
+                  <a16:creationId xmlns:a16="http://schemas.microsoft.com/office/drawing/2014/main" id="{98091BE7-1E75-42A7-B792-62E9D63D9562}"/>
+                </a:ext>
+              </a:extLst>
+            </p:cNvPr>
+            <p:cNvSpPr txBox="1"/>
+            <p:nvPr/>
+          </p:nvSpPr>
+          <p:spPr>
+            <a:xfrm>
+              <a:off x="5333857" y="1286395"/>
+              <a:ext cx="1005403" cy="369332"/>
+            </a:xfrm>
+            <a:prstGeom prst="rect">
+              <a:avLst/>
+            </a:prstGeom>
+            <a:noFill/>
+          </p:spPr>
+          <p:txBody>
+            <a:bodyPr wrap="none" rtlCol="0">
+              <a:spAutoFit/>
+            </a:bodyPr>
+            <a:lstStyle/>
+            <a:p>
+              <a:r>
+                <a:rPr lang="en-US" b="1" dirty="0"/>
+                <a:t>highest</a:t>
+              </a:r>
+            </a:p>
+          </p:txBody>
+        </p:sp>
+        <p:sp>
+          <p:nvSpPr>
+            <p:cNvPr id="8" name="TextBox 7">
+              <a:extLst>
+                <a:ext uri="{FF2B5EF4-FFF2-40B4-BE49-F238E27FC236}">
+                  <a16:creationId xmlns:a16="http://schemas.microsoft.com/office/drawing/2014/main" id="{F8A28581-72E9-4A73-851A-7D32BA30B0DC}"/>
+                </a:ext>
+              </a:extLst>
+            </p:cNvPr>
+            <p:cNvSpPr txBox="1"/>
+            <p:nvPr/>
+          </p:nvSpPr>
+          <p:spPr>
+            <a:xfrm>
+              <a:off x="5385154" y="5435746"/>
+              <a:ext cx="902811" cy="369332"/>
+            </a:xfrm>
+            <a:prstGeom prst="rect">
+              <a:avLst/>
+            </a:prstGeom>
+            <a:noFill/>
+          </p:spPr>
+          <p:txBody>
+            <a:bodyPr wrap="none" rtlCol="0">
+              <a:spAutoFit/>
+            </a:bodyPr>
+            <a:lstStyle/>
+            <a:p>
+              <a:r>
+                <a:rPr lang="en-US" b="1" dirty="0"/>
+                <a:t>lowest</a:t>
+              </a:r>
+            </a:p>
+          </p:txBody>
+        </p:sp>
+      </p:grpSp>
       <p:graphicFrame>
         <p:nvGraphicFramePr>
-          <p:cNvPr id="5" name="Table 4">
+          <p:cNvPr id="11" name="Table 11">
             <a:extLst>
               <a:ext uri="{FF2B5EF4-FFF2-40B4-BE49-F238E27FC236}">
-                <a16:creationId xmlns:a16="http://schemas.microsoft.com/office/drawing/2014/main" id="{0A85CDE2-C8C4-4B2F-A620-831920559B2E}"/>
+                <a16:creationId xmlns:a16="http://schemas.microsoft.com/office/drawing/2014/main" id="{8A138105-29D3-4F80-B7C7-5E216139F3EB}"/>
               </a:ext>
             </a:extLst>
           </p:cNvPr>
@@ -46306,14 +43721,14 @@
           <p:nvPr>
             <p:extLst>
               <p:ext uri="{D42A27DB-BD31-4B8C-83A1-F6EECF244321}">
-                <p14:modId xmlns:p14="http://schemas.microsoft.com/office/powerpoint/2010/main" val="1138070201"/>
+                <p14:modId xmlns:p14="http://schemas.microsoft.com/office/powerpoint/2010/main" val="4262361762"/>
               </p:ext>
             </p:extLst>
           </p:nvPr>
         </p:nvGraphicFramePr>
         <p:xfrm>
-          <a:off x="833284" y="2655312"/>
-          <a:ext cx="7477431" cy="3703320"/>
+          <a:off x="656620" y="2188812"/>
+          <a:ext cx="2845864" cy="3410564"/>
         </p:xfrm>
         <a:graphic>
           <a:graphicData uri="http://schemas.openxmlformats.org/drawingml/2006/table">
@@ -46322,22 +43737,22 @@
                 <a:tableStyleId>{5C22544A-7EE6-4342-B048-85BDC9FD1C3A}</a:tableStyleId>
               </a:tblPr>
               <a:tblGrid>
-                <a:gridCol w="1531668">
+                <a:gridCol w="1422932">
                   <a:extLst>
                     <a:ext uri="{9D8B030D-6E8A-4147-A177-3AD203B41FA5}">
-                      <a16:colId xmlns:a16="http://schemas.microsoft.com/office/drawing/2014/main" val="2609031368"/>
+                      <a16:colId xmlns:a16="http://schemas.microsoft.com/office/drawing/2014/main" val="1124839809"/>
                     </a:ext>
                   </a:extLst>
                 </a:gridCol>
-                <a:gridCol w="5945763">
+                <a:gridCol w="1422932">
                   <a:extLst>
                     <a:ext uri="{9D8B030D-6E8A-4147-A177-3AD203B41FA5}">
-                      <a16:colId xmlns:a16="http://schemas.microsoft.com/office/drawing/2014/main" val="1047527874"/>
+                      <a16:colId xmlns:a16="http://schemas.microsoft.com/office/drawing/2014/main" val="666997572"/>
                     </a:ext>
                   </a:extLst>
                 </a:gridCol>
               </a:tblGrid>
-              <a:tr h="370840">
+              <a:tr h="753992">
                 <a:tc>
                   <a:txBody>
                     <a:bodyPr/>
@@ -46346,11 +43761,15 @@
                       <a:pPr algn="ctr"/>
                       <a:r>
                         <a:rPr lang="en-US" dirty="0"/>
-                        <a:t>Selector</a:t>
+                        <a:t>Type of Selector</a:t>
                       </a:r>
                     </a:p>
                   </a:txBody>
-                  <a:tcPr/>
+                  <a:tcPr>
+                    <a:solidFill>
+                      <a:schemeClr val="tx2"/>
+                    </a:solidFill>
+                  </a:tcPr>
                 </a:tc>
                 <a:tc>
                   <a:txBody>
@@ -46360,19 +43779,181 @@
                       <a:pPr algn="ctr"/>
                       <a:r>
                         <a:rPr lang="en-US" dirty="0"/>
-                        <a:t>Description</a:t>
+                        <a:t>Example</a:t>
                       </a:r>
                     </a:p>
                   </a:txBody>
-                  <a:tcPr/>
+                  <a:tcPr>
+                    <a:solidFill>
+                      <a:schemeClr val="tx2"/>
+                    </a:solidFill>
+                  </a:tcPr>
                 </a:tc>
                 <a:extLst>
                   <a:ext uri="{0D108BD9-81ED-4DB2-BD59-A6C34878D82A}">
-                    <a16:rowId xmlns:a16="http://schemas.microsoft.com/office/drawing/2014/main" val="3558295839"/>
+                    <a16:rowId xmlns:a16="http://schemas.microsoft.com/office/drawing/2014/main" val="1172861618"/>
                   </a:ext>
                 </a:extLst>
               </a:tr>
-              <a:tr h="370840">
+              <a:tr h="484819">
+                <a:tc>
+                  <a:txBody>
+                    <a:bodyPr/>
+                    <a:lstStyle/>
+                    <a:p>
+                      <a:pPr algn="ctr"/>
+                      <a:r>
+                        <a:rPr lang="en-US" dirty="0"/>
+                        <a:t>ID selector</a:t>
+                      </a:r>
+                    </a:p>
+                  </a:txBody>
+                  <a:tcPr>
+                    <a:solidFill>
+                      <a:srgbClr val="FF7979"/>
+                    </a:solidFill>
+                  </a:tcPr>
+                </a:tc>
+                <a:tc>
+                  <a:txBody>
+                    <a:bodyPr/>
+                    <a:lstStyle/>
+                    <a:p>
+                      <a:pPr algn="ctr"/>
+                      <a:r>
+                        <a:rPr lang="en-US" dirty="0"/>
+                        <a:t>#myDiv</a:t>
+                      </a:r>
+                    </a:p>
+                  </a:txBody>
+                  <a:tcPr>
+                    <a:solidFill>
+                      <a:srgbClr val="FF7979"/>
+                    </a:solidFill>
+                  </a:tcPr>
+                </a:tc>
+                <a:extLst>
+                  <a:ext uri="{0D108BD9-81ED-4DB2-BD59-A6C34878D82A}">
+                    <a16:rowId xmlns:a16="http://schemas.microsoft.com/office/drawing/2014/main" val="299190967"/>
+                  </a:ext>
+                </a:extLst>
+              </a:tr>
+              <a:tr h="679838">
+                <a:tc>
+                  <a:txBody>
+                    <a:bodyPr/>
+                    <a:lstStyle/>
+                    <a:p>
+                      <a:pPr algn="ctr"/>
+                      <a:r>
+                        <a:rPr lang="en-US" dirty="0"/>
+                        <a:t>class selector</a:t>
+                      </a:r>
+                    </a:p>
+                  </a:txBody>
+                  <a:tcPr>
+                    <a:solidFill>
+                      <a:schemeClr val="accent1">
+                        <a:lumMod val="60000"/>
+                        <a:lumOff val="40000"/>
+                      </a:schemeClr>
+                    </a:solidFill>
+                  </a:tcPr>
+                </a:tc>
+                <a:tc>
+                  <a:txBody>
+                    <a:bodyPr/>
+                    <a:lstStyle/>
+                    <a:p>
+                      <a:pPr algn="ctr"/>
+                      <a:r>
+                        <a:rPr lang="en-US" dirty="0"/>
+                        <a:t>.</a:t>
+                      </a:r>
+                      <a:r>
+                        <a:rPr lang="en-US" dirty="0" err="1"/>
+                        <a:t>allHeaders</a:t>
+                      </a:r>
+                      <a:endParaRPr lang="en-US" dirty="0"/>
+                    </a:p>
+                  </a:txBody>
+                  <a:tcPr>
+                    <a:solidFill>
+                      <a:schemeClr val="accent1">
+                        <a:lumMod val="60000"/>
+                        <a:lumOff val="40000"/>
+                      </a:schemeClr>
+                    </a:solidFill>
+                  </a:tcPr>
+                </a:tc>
+                <a:extLst>
+                  <a:ext uri="{0D108BD9-81ED-4DB2-BD59-A6C34878D82A}">
+                    <a16:rowId xmlns:a16="http://schemas.microsoft.com/office/drawing/2014/main" val="638036917"/>
+                  </a:ext>
+                </a:extLst>
+              </a:tr>
+              <a:tr h="750770">
+                <a:tc>
+                  <a:txBody>
+                    <a:bodyPr/>
+                    <a:lstStyle/>
+                    <a:p>
+                      <a:pPr algn="ctr"/>
+                      <a:r>
+                        <a:rPr lang="en-US" dirty="0"/>
+                        <a:t>type selector</a:t>
+                      </a:r>
+                    </a:p>
+                  </a:txBody>
+                  <a:tcPr>
+                    <a:solidFill>
+                      <a:srgbClr val="F9FDBF"/>
+                    </a:solidFill>
+                  </a:tcPr>
+                </a:tc>
+                <a:tc>
+                  <a:txBody>
+                    <a:bodyPr/>
+                    <a:lstStyle/>
+                    <a:p>
+                      <a:pPr algn="ctr"/>
+                      <a:r>
+                        <a:rPr lang="en-US" dirty="0"/>
+                        <a:t>p</a:t>
+                      </a:r>
+                    </a:p>
+                  </a:txBody>
+                  <a:tcPr>
+                    <a:solidFill>
+                      <a:srgbClr val="F9FDBF"/>
+                    </a:solidFill>
+                  </a:tcPr>
+                </a:tc>
+                <a:extLst>
+                  <a:ext uri="{0D108BD9-81ED-4DB2-BD59-A6C34878D82A}">
+                    <a16:rowId xmlns:a16="http://schemas.microsoft.com/office/drawing/2014/main" val="558611281"/>
+                  </a:ext>
+                </a:extLst>
+              </a:tr>
+              <a:tr h="741145">
+                <a:tc>
+                  <a:txBody>
+                    <a:bodyPr/>
+                    <a:lstStyle/>
+                    <a:p>
+                      <a:pPr algn="ctr"/>
+                      <a:r>
+                        <a:rPr lang="en-US" dirty="0"/>
+                        <a:t>universal selector</a:t>
+                      </a:r>
+                    </a:p>
+                  </a:txBody>
+                  <a:tcPr>
+                    <a:solidFill>
+                      <a:srgbClr val="C5FEB8"/>
+                    </a:solidFill>
+                  </a:tcPr>
+                </a:tc>
                 <a:tc>
                   <a:txBody>
                     <a:bodyPr/>
@@ -46385,28 +43966,62 @@
                       </a:r>
                     </a:p>
                   </a:txBody>
-                  <a:tcPr/>
-                </a:tc>
-                <a:tc>
-                  <a:txBody>
-                    <a:bodyPr/>
-                    <a:lstStyle/>
-                    <a:p>
-                      <a:r>
-                        <a:rPr lang="en-US" dirty="0"/>
-                        <a:t>All elements</a:t>
-                      </a:r>
-                    </a:p>
-                  </a:txBody>
-                  <a:tcPr/>
+                  <a:tcPr>
+                    <a:solidFill>
+                      <a:srgbClr val="C5FEB8"/>
+                    </a:solidFill>
+                  </a:tcPr>
                 </a:tc>
                 <a:extLst>
                   <a:ext uri="{0D108BD9-81ED-4DB2-BD59-A6C34878D82A}">
-                    <a16:rowId xmlns:a16="http://schemas.microsoft.com/office/drawing/2014/main" val="1665973507"/>
+                    <a16:rowId xmlns:a16="http://schemas.microsoft.com/office/drawing/2014/main" val="625058313"/>
                   </a:ext>
                 </a:extLst>
               </a:tr>
-              <a:tr h="370840">
+            </a:tbl>
+          </a:graphicData>
+        </a:graphic>
+      </p:graphicFrame>
+      <p:graphicFrame>
+        <p:nvGraphicFramePr>
+          <p:cNvPr id="13" name="Table 11">
+            <a:extLst>
+              <a:ext uri="{FF2B5EF4-FFF2-40B4-BE49-F238E27FC236}">
+                <a16:creationId xmlns:a16="http://schemas.microsoft.com/office/drawing/2014/main" id="{DA9AFBF3-188F-4DF8-B263-926DA1A61D61}"/>
+              </a:ext>
+            </a:extLst>
+          </p:cNvPr>
+          <p:cNvGraphicFramePr>
+            <a:graphicFrameLocks noGrp="1"/>
+          </p:cNvGraphicFramePr>
+          <p:nvPr>
+            <p:extLst>
+              <p:ext uri="{D42A27DB-BD31-4B8C-83A1-F6EECF244321}">
+                <p14:modId xmlns:p14="http://schemas.microsoft.com/office/powerpoint/2010/main" val="2967843519"/>
+              </p:ext>
+            </p:extLst>
+          </p:nvPr>
+        </p:nvGraphicFramePr>
+        <p:xfrm>
+          <a:off x="5365471" y="2785157"/>
+          <a:ext cx="3288626" cy="1938234"/>
+        </p:xfrm>
+        <a:graphic>
+          <a:graphicData uri="http://schemas.openxmlformats.org/drawingml/2006/table">
+            <a:tbl>
+              <a:tblPr firstRow="1" bandRow="1">
+                <a:tableStyleId>{5C22544A-7EE6-4342-B048-85BDC9FD1C3A}</a:tableStyleId>
+              </a:tblPr>
+              <a:tblGrid>
+                <a:gridCol w="3288626">
+                  <a:extLst>
+                    <a:ext uri="{9D8B030D-6E8A-4147-A177-3AD203B41FA5}">
+                      <a16:colId xmlns:a16="http://schemas.microsoft.com/office/drawing/2014/main" val="1124839809"/>
+                    </a:ext>
+                  </a:extLst>
+                </a:gridCol>
+              </a:tblGrid>
+              <a:tr h="460676">
                 <a:tc>
                   <a:txBody>
                     <a:bodyPr/>
@@ -46415,32 +44030,23 @@
                       <a:pPr algn="ctr"/>
                       <a:r>
                         <a:rPr lang="en-US" dirty="0"/>
-                        <a:t>x</a:t>
+                        <a:t>By Type of Styling</a:t>
                       </a:r>
                     </a:p>
                   </a:txBody>
-                  <a:tcPr/>
-                </a:tc>
-                <a:tc>
-                  <a:txBody>
-                    <a:bodyPr/>
-                    <a:lstStyle/>
-                    <a:p>
-                      <a:r>
-                        <a:rPr lang="en-US" dirty="0"/>
-                        <a:t>All &lt;x&gt; elements</a:t>
-                      </a:r>
-                    </a:p>
-                  </a:txBody>
-                  <a:tcPr/>
+                  <a:tcPr>
+                    <a:solidFill>
+                      <a:schemeClr val="tx2"/>
+                    </a:solidFill>
+                  </a:tcPr>
                 </a:tc>
                 <a:extLst>
                   <a:ext uri="{0D108BD9-81ED-4DB2-BD59-A6C34878D82A}">
-                    <a16:rowId xmlns:a16="http://schemas.microsoft.com/office/drawing/2014/main" val="2640191210"/>
+                    <a16:rowId xmlns:a16="http://schemas.microsoft.com/office/drawing/2014/main" val="1879075340"/>
                   </a:ext>
                 </a:extLst>
               </a:tr>
-              <a:tr h="370840">
+              <a:tr h="466570">
                 <a:tc>
                   <a:txBody>
                     <a:bodyPr/>
@@ -46449,32 +44055,23 @@
                       <a:pPr algn="ctr"/>
                       <a:r>
                         <a:rPr lang="en-US" dirty="0"/>
-                        <a:t>.x</a:t>
+                        <a:t>Inline</a:t>
                       </a:r>
                     </a:p>
                   </a:txBody>
-                  <a:tcPr/>
-                </a:tc>
-                <a:tc>
-                  <a:txBody>
-                    <a:bodyPr/>
-                    <a:lstStyle/>
-                    <a:p>
-                      <a:r>
-                        <a:rPr lang="en-US" dirty="0"/>
-                        <a:t>All elements where class=“x”</a:t>
-                      </a:r>
-                    </a:p>
-                  </a:txBody>
-                  <a:tcPr/>
+                  <a:tcPr>
+                    <a:solidFill>
+                      <a:srgbClr val="FF7979"/>
+                    </a:solidFill>
+                  </a:tcPr>
                 </a:tc>
                 <a:extLst>
                   <a:ext uri="{0D108BD9-81ED-4DB2-BD59-A6C34878D82A}">
-                    <a16:rowId xmlns:a16="http://schemas.microsoft.com/office/drawing/2014/main" val="1777324368"/>
+                    <a16:rowId xmlns:a16="http://schemas.microsoft.com/office/drawing/2014/main" val="299190967"/>
                   </a:ext>
                 </a:extLst>
               </a:tr>
-              <a:tr h="370840">
+              <a:tr h="500514">
                 <a:tc>
                   <a:txBody>
                     <a:bodyPr/>
@@ -46483,32 +44080,23 @@
                       <a:pPr algn="ctr"/>
                       <a:r>
                         <a:rPr lang="en-US" dirty="0"/>
-                        <a:t>#x</a:t>
+                        <a:t>Internal</a:t>
                       </a:r>
                     </a:p>
                   </a:txBody>
-                  <a:tcPr/>
-                </a:tc>
-                <a:tc>
-                  <a:txBody>
-                    <a:bodyPr/>
-                    <a:lstStyle/>
-                    <a:p>
-                      <a:r>
-                        <a:rPr lang="en-US" dirty="0"/>
-                        <a:t>The element with the id=“x”</a:t>
-                      </a:r>
-                    </a:p>
-                  </a:txBody>
-                  <a:tcPr/>
+                  <a:tcPr>
+                    <a:solidFill>
+                      <a:srgbClr val="F9FDBF"/>
+                    </a:solidFill>
+                  </a:tcPr>
                 </a:tc>
                 <a:extLst>
                   <a:ext uri="{0D108BD9-81ED-4DB2-BD59-A6C34878D82A}">
-                    <a16:rowId xmlns:a16="http://schemas.microsoft.com/office/drawing/2014/main" val="3497124175"/>
+                    <a16:rowId xmlns:a16="http://schemas.microsoft.com/office/drawing/2014/main" val="638036917"/>
                   </a:ext>
                 </a:extLst>
               </a:tr>
-              <a:tr h="370840">
+              <a:tr h="510474">
                 <a:tc>
                   <a:txBody>
                     <a:bodyPr/>
@@ -46517,166 +44105,19 @@
                       <a:pPr algn="ctr"/>
                       <a:r>
                         <a:rPr lang="en-US" dirty="0"/>
-                        <a:t>x, y</a:t>
+                        <a:t>External</a:t>
                       </a:r>
                     </a:p>
                   </a:txBody>
-                  <a:tcPr/>
-                </a:tc>
-                <a:tc>
-                  <a:txBody>
-                    <a:bodyPr/>
-                    <a:lstStyle/>
-                    <a:p>
-                      <a:r>
-                        <a:rPr lang="en-US" dirty="0"/>
-                        <a:t>All &lt;x&gt; and &lt;y&gt; elements</a:t>
-                      </a:r>
-                    </a:p>
-                  </a:txBody>
-                  <a:tcPr/>
+                  <a:tcPr>
+                    <a:solidFill>
+                      <a:srgbClr val="F9FDBF"/>
+                    </a:solidFill>
+                  </a:tcPr>
                 </a:tc>
                 <a:extLst>
                   <a:ext uri="{0D108BD9-81ED-4DB2-BD59-A6C34878D82A}">
-                    <a16:rowId xmlns:a16="http://schemas.microsoft.com/office/drawing/2014/main" val="925245695"/>
-                  </a:ext>
-                </a:extLst>
-              </a:tr>
-              <a:tr h="370840">
-                <a:tc>
-                  <a:txBody>
-                    <a:bodyPr/>
-                    <a:lstStyle/>
-                    <a:p>
-                      <a:pPr algn="ctr"/>
-                      <a:r>
-                        <a:rPr lang="en-US" dirty="0"/>
-                        <a:t>x y</a:t>
-                      </a:r>
-                    </a:p>
-                  </a:txBody>
-                  <a:tcPr/>
-                </a:tc>
-                <a:tc>
-                  <a:txBody>
-                    <a:bodyPr/>
-                    <a:lstStyle/>
-                    <a:p>
-                      <a:r>
-                        <a:rPr lang="en-US" dirty="0"/>
-                        <a:t>All &lt;y&gt; elements nested in an &lt;x&gt; element</a:t>
-                      </a:r>
-                    </a:p>
-                  </a:txBody>
-                  <a:tcPr/>
-                </a:tc>
-                <a:extLst>
-                  <a:ext uri="{0D108BD9-81ED-4DB2-BD59-A6C34878D82A}">
-                    <a16:rowId xmlns:a16="http://schemas.microsoft.com/office/drawing/2014/main" val="4203617607"/>
-                  </a:ext>
-                </a:extLst>
-              </a:tr>
-              <a:tr h="370840">
-                <a:tc>
-                  <a:txBody>
-                    <a:bodyPr/>
-                    <a:lstStyle/>
-                    <a:p>
-                      <a:pPr algn="ctr"/>
-                      <a:r>
-                        <a:rPr lang="en-US" dirty="0"/>
-                        <a:t>x&gt;y</a:t>
-                      </a:r>
-                    </a:p>
-                  </a:txBody>
-                  <a:tcPr/>
-                </a:tc>
-                <a:tc>
-                  <a:txBody>
-                    <a:bodyPr/>
-                    <a:lstStyle/>
-                    <a:p>
-                      <a:r>
-                        <a:rPr lang="en-US" dirty="0"/>
-                        <a:t>All &lt;y&gt; elements where &lt;x&gt; is the immediate parent</a:t>
-                      </a:r>
-                    </a:p>
-                  </a:txBody>
-                  <a:tcPr/>
-                </a:tc>
-                <a:extLst>
-                  <a:ext uri="{0D108BD9-81ED-4DB2-BD59-A6C34878D82A}">
-                    <a16:rowId xmlns:a16="http://schemas.microsoft.com/office/drawing/2014/main" val="2965594618"/>
-                  </a:ext>
-                </a:extLst>
-              </a:tr>
-              <a:tr h="370840">
-                <a:tc>
-                  <a:txBody>
-                    <a:bodyPr/>
-                    <a:lstStyle/>
-                    <a:p>
-                      <a:pPr algn="ctr"/>
-                      <a:r>
-                        <a:rPr lang="en-US" dirty="0" err="1"/>
-                        <a:t>x+y</a:t>
-                      </a:r>
-                      <a:endParaRPr lang="en-US" dirty="0"/>
-                    </a:p>
-                  </a:txBody>
-                  <a:tcPr/>
-                </a:tc>
-                <a:tc>
-                  <a:txBody>
-                    <a:bodyPr/>
-                    <a:lstStyle/>
-                    <a:p>
-                      <a:r>
-                        <a:rPr lang="en-US" dirty="0"/>
-                        <a:t>All &lt;y&gt; elements immediately after a sibling &lt;x&gt; element</a:t>
-                      </a:r>
-                    </a:p>
-                  </a:txBody>
-                  <a:tcPr/>
-                </a:tc>
-                <a:extLst>
-                  <a:ext uri="{0D108BD9-81ED-4DB2-BD59-A6C34878D82A}">
-                    <a16:rowId xmlns:a16="http://schemas.microsoft.com/office/drawing/2014/main" val="164475705"/>
-                  </a:ext>
-                </a:extLst>
-              </a:tr>
-              <a:tr h="0">
-                <a:tc>
-                  <a:txBody>
-                    <a:bodyPr/>
-                    <a:lstStyle/>
-                    <a:p>
-                      <a:pPr algn="ctr"/>
-                      <a:r>
-                        <a:rPr lang="en-US" dirty="0" err="1"/>
-                        <a:t>x~y</a:t>
-                      </a:r>
-                      <a:endParaRPr lang="en-US" dirty="0"/>
-                    </a:p>
-                  </a:txBody>
-                  <a:tcPr/>
-                </a:tc>
-                <a:tc>
-                  <a:txBody>
-                    <a:bodyPr/>
-                    <a:lstStyle/>
-                    <a:p>
-                      <a:r>
-                        <a:rPr lang="en-US" dirty="0"/>
-                        <a:t>All &lt;y&gt; elements after a sibling &lt;x&gt; element</a:t>
-                      </a:r>
-                    </a:p>
-                  </a:txBody>
-                  <a:tcPr/>
-                </a:tc>
-                <a:extLst>
-                  <a:ext uri="{0D108BD9-81ED-4DB2-BD59-A6C34878D82A}">
-                    <a16:rowId xmlns:a16="http://schemas.microsoft.com/office/drawing/2014/main" val="2076158986"/>
+                    <a16:rowId xmlns:a16="http://schemas.microsoft.com/office/drawing/2014/main" val="558611281"/>
                   </a:ext>
                 </a:extLst>
               </a:tr>
@@ -46687,7 +44128,7 @@
     </p:spTree>
     <p:extLst>
       <p:ext uri="{BB962C8B-B14F-4D97-AF65-F5344CB8AC3E}">
-        <p14:creationId xmlns:p14="http://schemas.microsoft.com/office/powerpoint/2010/main" val="4104249248"/>
+        <p14:creationId xmlns:p14="http://schemas.microsoft.com/office/powerpoint/2010/main" val="2494867545"/>
       </p:ext>
     </p:extLst>
   </p:cSld>
@@ -47590,4 +45031,258 @@
   </a:objectDefaults>
   <a:extraClrSchemeLst/>
 </a:theme>
+</file>
+
+<file path=customXml/item1.xml><?xml version="1.0" encoding="utf-8"?>
+<ct:contentTypeSchema xmlns:ct="http://schemas.microsoft.com/office/2006/metadata/contentType" xmlns:ma="http://schemas.microsoft.com/office/2006/metadata/properties/metaAttributes" ct:_="" ma:_="" ma:contentTypeName="Document" ma:contentTypeID="0x0101008BD2F010722D7D4D902378845F41F1B2" ma:contentTypeVersion="13" ma:contentTypeDescription="Create a new document." ma:contentTypeScope="" ma:versionID="b68d56871977609000cd171c9412956f">
+  <xsd:schema xmlns:xsd="http://www.w3.org/2001/XMLSchema" xmlns:xs="http://www.w3.org/2001/XMLSchema" xmlns:p="http://schemas.microsoft.com/office/2006/metadata/properties" xmlns:ns2="16399201-8c70-4094-bedf-0e0052933be2" xmlns:ns3="c1d1d668-1a17-41cc-8e51-02c957e8f86c" targetNamespace="http://schemas.microsoft.com/office/2006/metadata/properties" ma:root="true" ma:fieldsID="8d4e77ac156dfa649f0a05adbe1f888e" ns2:_="" ns3:_="">
+    <xsd:import namespace="16399201-8c70-4094-bedf-0e0052933be2"/>
+    <xsd:import namespace="c1d1d668-1a17-41cc-8e51-02c957e8f86c"/>
+    <xsd:element name="properties">
+      <xsd:complexType>
+        <xsd:sequence>
+          <xsd:element name="documentManagement">
+            <xsd:complexType>
+              <xsd:all>
+                <xsd:element ref="ns2:MediaServiceMetadata" minOccurs="0"/>
+                <xsd:element ref="ns2:MediaServiceFastMetadata" minOccurs="0"/>
+                <xsd:element ref="ns2:MediaServiceAutoTags" minOccurs="0"/>
+                <xsd:element ref="ns2:MediaServiceGenerationTime" minOccurs="0"/>
+                <xsd:element ref="ns2:MediaServiceEventHashCode" minOccurs="0"/>
+                <xsd:element ref="ns2:MediaServiceOCR" minOccurs="0"/>
+                <xsd:element ref="ns2:MediaServiceDateTaken" minOccurs="0"/>
+                <xsd:element ref="ns3:SharedWithUsers" minOccurs="0"/>
+                <xsd:element ref="ns3:SharedWithDetails" minOccurs="0"/>
+                <xsd:element ref="ns2:MediaServiceAutoKeyPoints" minOccurs="0"/>
+                <xsd:element ref="ns2:MediaServiceKeyPoints" minOccurs="0"/>
+                <xsd:element ref="ns2:MediaLengthInSeconds" minOccurs="0"/>
+                <xsd:element ref="ns2:Details" minOccurs="0"/>
+              </xsd:all>
+            </xsd:complexType>
+          </xsd:element>
+        </xsd:sequence>
+      </xsd:complexType>
+    </xsd:element>
+  </xsd:schema>
+  <xsd:schema xmlns:xsd="http://www.w3.org/2001/XMLSchema" xmlns:xs="http://www.w3.org/2001/XMLSchema" xmlns:dms="http://schemas.microsoft.com/office/2006/documentManagement/types" xmlns:pc="http://schemas.microsoft.com/office/infopath/2007/PartnerControls" targetNamespace="16399201-8c70-4094-bedf-0e0052933be2" elementFormDefault="qualified">
+    <xsd:import namespace="http://schemas.microsoft.com/office/2006/documentManagement/types"/>
+    <xsd:import namespace="http://schemas.microsoft.com/office/infopath/2007/PartnerControls"/>
+    <xsd:element name="MediaServiceMetadata" ma:index="8" nillable="true" ma:displayName="MediaServiceMetadata" ma:hidden="true" ma:internalName="MediaServiceMetadata" ma:readOnly="true">
+      <xsd:simpleType>
+        <xsd:restriction base="dms:Note"/>
+      </xsd:simpleType>
+    </xsd:element>
+    <xsd:element name="MediaServiceFastMetadata" ma:index="9" nillable="true" ma:displayName="MediaServiceFastMetadata" ma:hidden="true" ma:internalName="MediaServiceFastMetadata" ma:readOnly="true">
+      <xsd:simpleType>
+        <xsd:restriction base="dms:Note"/>
+      </xsd:simpleType>
+    </xsd:element>
+    <xsd:element name="MediaServiceAutoTags" ma:index="10" nillable="true" ma:displayName="Tags" ma:internalName="MediaServiceAutoTags" ma:readOnly="true">
+      <xsd:simpleType>
+        <xsd:restriction base="dms:Text"/>
+      </xsd:simpleType>
+    </xsd:element>
+    <xsd:element name="MediaServiceGenerationTime" ma:index="11" nillable="true" ma:displayName="MediaServiceGenerationTime" ma:hidden="true" ma:internalName="MediaServiceGenerationTime" ma:readOnly="true">
+      <xsd:simpleType>
+        <xsd:restriction base="dms:Text"/>
+      </xsd:simpleType>
+    </xsd:element>
+    <xsd:element name="MediaServiceEventHashCode" ma:index="12" nillable="true" ma:displayName="MediaServiceEventHashCode" ma:hidden="true" ma:internalName="MediaServiceEventHashCode" ma:readOnly="true">
+      <xsd:simpleType>
+        <xsd:restriction base="dms:Text"/>
+      </xsd:simpleType>
+    </xsd:element>
+    <xsd:element name="MediaServiceOCR" ma:index="13" nillable="true" ma:displayName="Extracted Text" ma:internalName="MediaServiceOCR" ma:readOnly="true">
+      <xsd:simpleType>
+        <xsd:restriction base="dms:Note">
+          <xsd:maxLength value="255"/>
+        </xsd:restriction>
+      </xsd:simpleType>
+    </xsd:element>
+    <xsd:element name="MediaServiceDateTaken" ma:index="14" nillable="true" ma:displayName="MediaServiceDateTaken" ma:hidden="true" ma:internalName="MediaServiceDateTaken" ma:readOnly="true">
+      <xsd:simpleType>
+        <xsd:restriction base="dms:Text"/>
+      </xsd:simpleType>
+    </xsd:element>
+    <xsd:element name="MediaServiceAutoKeyPoints" ma:index="17" nillable="true" ma:displayName="MediaServiceAutoKeyPoints" ma:hidden="true" ma:internalName="MediaServiceAutoKeyPoints" ma:readOnly="true">
+      <xsd:simpleType>
+        <xsd:restriction base="dms:Note"/>
+      </xsd:simpleType>
+    </xsd:element>
+    <xsd:element name="MediaServiceKeyPoints" ma:index="18" nillable="true" ma:displayName="KeyPoints" ma:internalName="MediaServiceKeyPoints" ma:readOnly="true">
+      <xsd:simpleType>
+        <xsd:restriction base="dms:Note">
+          <xsd:maxLength value="255"/>
+        </xsd:restriction>
+      </xsd:simpleType>
+    </xsd:element>
+    <xsd:element name="MediaLengthInSeconds" ma:index="19" nillable="true" ma:displayName="Length (seconds)" ma:internalName="MediaLengthInSeconds" ma:readOnly="true">
+      <xsd:simpleType>
+        <xsd:restriction base="dms:Unknown"/>
+      </xsd:simpleType>
+    </xsd:element>
+    <xsd:element name="Details" ma:index="20" nillable="true" ma:displayName="Details" ma:format="Dropdown" ma:internalName="Details">
+      <xsd:simpleType>
+        <xsd:restriction base="dms:Text">
+          <xsd:maxLength value="255"/>
+        </xsd:restriction>
+      </xsd:simpleType>
+    </xsd:element>
+  </xsd:schema>
+  <xsd:schema xmlns:xsd="http://www.w3.org/2001/XMLSchema" xmlns:xs="http://www.w3.org/2001/XMLSchema" xmlns:dms="http://schemas.microsoft.com/office/2006/documentManagement/types" xmlns:pc="http://schemas.microsoft.com/office/infopath/2007/PartnerControls" targetNamespace="c1d1d668-1a17-41cc-8e51-02c957e8f86c" elementFormDefault="qualified">
+    <xsd:import namespace="http://schemas.microsoft.com/office/2006/documentManagement/types"/>
+    <xsd:import namespace="http://schemas.microsoft.com/office/infopath/2007/PartnerControls"/>
+    <xsd:element name="SharedWithUsers" ma:index="15" nillable="true" ma:displayName="Shared With" ma:internalName="SharedWithUsers" ma:readOnly="true">
+      <xsd:complexType>
+        <xsd:complexContent>
+          <xsd:extension base="dms:UserMulti">
+            <xsd:sequence>
+              <xsd:element name="UserInfo" minOccurs="0" maxOccurs="unbounded">
+                <xsd:complexType>
+                  <xsd:sequence>
+                    <xsd:element name="DisplayName" type="xsd:string" minOccurs="0"/>
+                    <xsd:element name="AccountId" type="dms:UserId" minOccurs="0" nillable="true"/>
+                    <xsd:element name="AccountType" type="xsd:string" minOccurs="0"/>
+                  </xsd:sequence>
+                </xsd:complexType>
+              </xsd:element>
+            </xsd:sequence>
+          </xsd:extension>
+        </xsd:complexContent>
+      </xsd:complexType>
+    </xsd:element>
+    <xsd:element name="SharedWithDetails" ma:index="16" nillable="true" ma:displayName="Shared With Details" ma:internalName="SharedWithDetails" ma:readOnly="true">
+      <xsd:simpleType>
+        <xsd:restriction base="dms:Note">
+          <xsd:maxLength value="255"/>
+        </xsd:restriction>
+      </xsd:simpleType>
+    </xsd:element>
+  </xsd:schema>
+  <xsd:schema xmlns="http://schemas.openxmlformats.org/package/2006/metadata/core-properties" xmlns:xsd="http://www.w3.org/2001/XMLSchema" xmlns:xsi="http://www.w3.org/2001/XMLSchema-instance" xmlns:dc="http://purl.org/dc/elements/1.1/" xmlns:dcterms="http://purl.org/dc/terms/" xmlns:odoc="http://schemas.microsoft.com/internal/obd" targetNamespace="http://schemas.openxmlformats.org/package/2006/metadata/core-properties" elementFormDefault="qualified" attributeFormDefault="unqualified" blockDefault="#all">
+    <xsd:import namespace="http://purl.org/dc/elements/1.1/" schemaLocation="http://dublincore.org/schemas/xmls/qdc/2003/04/02/dc.xsd"/>
+    <xsd:import namespace="http://purl.org/dc/terms/" schemaLocation="http://dublincore.org/schemas/xmls/qdc/2003/04/02/dcterms.xsd"/>
+    <xsd:element name="coreProperties" type="CT_coreProperties"/>
+    <xsd:complexType name="CT_coreProperties">
+      <xsd:all>
+        <xsd:element ref="dc:creator" minOccurs="0" maxOccurs="1"/>
+        <xsd:element ref="dcterms:created" minOccurs="0" maxOccurs="1"/>
+        <xsd:element ref="dc:identifier" minOccurs="0" maxOccurs="1"/>
+        <xsd:element name="contentType" minOccurs="0" maxOccurs="1" type="xsd:string" ma:index="0" ma:displayName="Content Type"/>
+        <xsd:element ref="dc:title" minOccurs="0" maxOccurs="1" ma:index="4" ma:displayName="Title"/>
+        <xsd:element ref="dc:subject" minOccurs="0" maxOccurs="1"/>
+        <xsd:element ref="dc:description" minOccurs="0" maxOccurs="1"/>
+        <xsd:element name="keywords" minOccurs="0" maxOccurs="1" type="xsd:string"/>
+        <xsd:element ref="dc:language" minOccurs="0" maxOccurs="1"/>
+        <xsd:element name="category" minOccurs="0" maxOccurs="1" type="xsd:string"/>
+        <xsd:element name="version" minOccurs="0" maxOccurs="1" type="xsd:string"/>
+        <xsd:element name="revision" minOccurs="0" maxOccurs="1" type="xsd:string">
+          <xsd:annotation>
+            <xsd:documentation>
+                        This value indicates the number of saves or revisions. The application is responsible for updating this value after each revision.
+                    </xsd:documentation>
+          </xsd:annotation>
+        </xsd:element>
+        <xsd:element name="lastModifiedBy" minOccurs="0" maxOccurs="1" type="xsd:string"/>
+        <xsd:element ref="dcterms:modified" minOccurs="0" maxOccurs="1"/>
+        <xsd:element name="contentStatus" minOccurs="0" maxOccurs="1" type="xsd:string"/>
+      </xsd:all>
+    </xsd:complexType>
+  </xsd:schema>
+  <xs:schema xmlns:pc="http://schemas.microsoft.com/office/infopath/2007/PartnerControls" xmlns:xs="http://www.w3.org/2001/XMLSchema" targetNamespace="http://schemas.microsoft.com/office/infopath/2007/PartnerControls" elementFormDefault="qualified" attributeFormDefault="unqualified">
+    <xs:element name="Person">
+      <xs:complexType>
+        <xs:sequence>
+          <xs:element ref="pc:DisplayName" minOccurs="0"/>
+          <xs:element ref="pc:AccountId" minOccurs="0"/>
+          <xs:element ref="pc:AccountType" minOccurs="0"/>
+        </xs:sequence>
+      </xs:complexType>
+    </xs:element>
+    <xs:element name="DisplayName" type="xs:string"/>
+    <xs:element name="AccountId" type="xs:string"/>
+    <xs:element name="AccountType" type="xs:string"/>
+    <xs:element name="BDCAssociatedEntity">
+      <xs:complexType>
+        <xs:sequence>
+          <xs:element ref="pc:BDCEntity" minOccurs="0" maxOccurs="unbounded"/>
+        </xs:sequence>
+        <xs:attribute ref="pc:EntityNamespace"/>
+        <xs:attribute ref="pc:EntityName"/>
+        <xs:attribute ref="pc:SystemInstanceName"/>
+        <xs:attribute ref="pc:AssociationName"/>
+      </xs:complexType>
+    </xs:element>
+    <xs:attribute name="EntityNamespace" type="xs:string"/>
+    <xs:attribute name="EntityName" type="xs:string"/>
+    <xs:attribute name="SystemInstanceName" type="xs:string"/>
+    <xs:attribute name="AssociationName" type="xs:string"/>
+    <xs:element name="BDCEntity">
+      <xs:complexType>
+        <xs:sequence>
+          <xs:element ref="pc:EntityDisplayName" minOccurs="0"/>
+          <xs:element ref="pc:EntityInstanceReference" minOccurs="0"/>
+          <xs:element ref="pc:EntityId1" minOccurs="0"/>
+          <xs:element ref="pc:EntityId2" minOccurs="0"/>
+          <xs:element ref="pc:EntityId3" minOccurs="0"/>
+          <xs:element ref="pc:EntityId4" minOccurs="0"/>
+          <xs:element ref="pc:EntityId5" minOccurs="0"/>
+        </xs:sequence>
+      </xs:complexType>
+    </xs:element>
+    <xs:element name="EntityDisplayName" type="xs:string"/>
+    <xs:element name="EntityInstanceReference" type="xs:string"/>
+    <xs:element name="EntityId1" type="xs:string"/>
+    <xs:element name="EntityId2" type="xs:string"/>
+    <xs:element name="EntityId3" type="xs:string"/>
+    <xs:element name="EntityId4" type="xs:string"/>
+    <xs:element name="EntityId5" type="xs:string"/>
+    <xs:element name="Terms">
+      <xs:complexType>
+        <xs:sequence>
+          <xs:element ref="pc:TermInfo" minOccurs="0" maxOccurs="unbounded"/>
+        </xs:sequence>
+      </xs:complexType>
+    </xs:element>
+    <xs:element name="TermInfo">
+      <xs:complexType>
+        <xs:sequence>
+          <xs:element ref="pc:TermName" minOccurs="0"/>
+          <xs:element ref="pc:TermId" minOccurs="0"/>
+        </xs:sequence>
+      </xs:complexType>
+    </xs:element>
+    <xs:element name="TermName" type="xs:string"/>
+    <xs:element name="TermId" type="xs:string"/>
+  </xs:schema>
+</ct:contentTypeSchema>
+</file>
+
+<file path=customXml/item2.xml><?xml version="1.0" encoding="utf-8"?>
+<?mso-contentType ?>
+<FormTemplates xmlns="http://schemas.microsoft.com/sharepoint/v3/contenttype/forms">
+  <Display>DocumentLibraryForm</Display>
+  <Edit>DocumentLibraryForm</Edit>
+  <New>DocumentLibraryForm</New>
+</FormTemplates>
+</file>
+
+<file path=customXml/item3.xml><?xml version="1.0" encoding="utf-8"?>
+<p:properties xmlns:p="http://schemas.microsoft.com/office/2006/metadata/properties" xmlns:xsi="http://www.w3.org/2001/XMLSchema-instance" xmlns:pc="http://schemas.microsoft.com/office/infopath/2007/PartnerControls">
+  <documentManagement>
+    <Details xmlns="16399201-8c70-4094-bedf-0e0052933be2" xsi:nil="true"/>
+  </documentManagement>
+</p:properties>
+</file>
+
+<file path=customXml/itemProps1.xml><?xml version="1.0" encoding="utf-8"?>
+<ds:datastoreItem xmlns:ds="http://schemas.openxmlformats.org/officeDocument/2006/customXml" ds:itemID="{CCA2A5F0-976E-419B-B194-D8187AC2B07C}"/>
+</file>
+
+<file path=customXml/itemProps2.xml><?xml version="1.0" encoding="utf-8"?>
+<ds:datastoreItem xmlns:ds="http://schemas.openxmlformats.org/officeDocument/2006/customXml" ds:itemID="{E6AED719-DFF8-49F7-8486-1BF0D85BDF81}"/>
+</file>
+
+<file path=customXml/itemProps3.xml><?xml version="1.0" encoding="utf-8"?>
+<ds:datastoreItem xmlns:ds="http://schemas.openxmlformats.org/officeDocument/2006/customXml" ds:itemID="{681E50BF-078C-4AFE-A768-17FB84612BD3}"/>
 </file>
--- a/revised-ppts/Day 4 PPT.pptx
+++ b/revised-ppts/Day 4 PPT.pptx
@@ -2,34 +2,34 @@
 <file path=ppt/presentation.xml><?xml version="1.0" encoding="utf-8"?>
 <p:presentation xmlns:a="http://schemas.openxmlformats.org/drawingml/2006/main" xmlns:r="http://schemas.openxmlformats.org/officeDocument/2006/relationships" xmlns:p="http://schemas.openxmlformats.org/presentationml/2006/main" firstSlideNum="0" saveSubsetFonts="1">
   <p:sldMasterIdLst>
-    <p:sldMasterId id="2147483690" r:id="rId1"/>
+    <p:sldMasterId id="2147483690" r:id="rId4"/>
   </p:sldMasterIdLst>
   <p:notesMasterIdLst>
-    <p:notesMasterId r:id="rId21"/>
+    <p:notesMasterId r:id="rId24"/>
   </p:notesMasterIdLst>
   <p:handoutMasterIdLst>
-    <p:handoutMasterId r:id="rId22"/>
+    <p:handoutMasterId r:id="rId25"/>
   </p:handoutMasterIdLst>
   <p:sldIdLst>
-    <p:sldId id="256" r:id="rId2"/>
-    <p:sldId id="316" r:id="rId3"/>
-    <p:sldId id="322" r:id="rId4"/>
-    <p:sldId id="265" r:id="rId5"/>
-    <p:sldId id="267" r:id="rId6"/>
+    <p:sldId id="256" r:id="rId5"/>
+    <p:sldId id="316" r:id="rId6"/>
     <p:sldId id="259" r:id="rId7"/>
-    <p:sldId id="321" r:id="rId8"/>
-    <p:sldId id="335" r:id="rId9"/>
-    <p:sldId id="328" r:id="rId10"/>
-    <p:sldId id="329" r:id="rId11"/>
-    <p:sldId id="330" r:id="rId12"/>
-    <p:sldId id="257" r:id="rId13"/>
-    <p:sldId id="324" r:id="rId14"/>
-    <p:sldId id="334" r:id="rId15"/>
-    <p:sldId id="332" r:id="rId16"/>
-    <p:sldId id="333" r:id="rId17"/>
-    <p:sldId id="314" r:id="rId18"/>
-    <p:sldId id="317" r:id="rId19"/>
-    <p:sldId id="258" r:id="rId20"/>
+    <p:sldId id="322" r:id="rId8"/>
+    <p:sldId id="265" r:id="rId9"/>
+    <p:sldId id="267" r:id="rId10"/>
+    <p:sldId id="321" r:id="rId11"/>
+    <p:sldId id="335" r:id="rId12"/>
+    <p:sldId id="328" r:id="rId13"/>
+    <p:sldId id="329" r:id="rId14"/>
+    <p:sldId id="330" r:id="rId15"/>
+    <p:sldId id="257" r:id="rId16"/>
+    <p:sldId id="324" r:id="rId17"/>
+    <p:sldId id="334" r:id="rId18"/>
+    <p:sldId id="332" r:id="rId19"/>
+    <p:sldId id="333" r:id="rId20"/>
+    <p:sldId id="314" r:id="rId21"/>
+    <p:sldId id="317" r:id="rId22"/>
+    <p:sldId id="258" r:id="rId23"/>
   </p:sldIdLst>
   <p:sldSz cx="9144000" cy="6858000" type="screen4x3"/>
   <p:notesSz cx="7010400" cy="9296400"/>
@@ -455,6 +455,190 @@
     </pc:docChg>
   </pc:docChgLst>
   <pc:docChgLst>
+    <pc:chgData name="Cynthia Enciso" userId="7915927f-c5cf-4e1f-876d-e79882ad52fa" providerId="ADAL" clId="{5F15E8E6-40CE-4C1B-B39A-4D4CFEBCE354}"/>
+    <pc:docChg chg="undo custSel addSld delSld modSld sldOrd">
+      <pc:chgData name="Cynthia Enciso" userId="7915927f-c5cf-4e1f-876d-e79882ad52fa" providerId="ADAL" clId="{5F15E8E6-40CE-4C1B-B39A-4D4CFEBCE354}" dt="2022-03-18T15:42:38.862" v="148" actId="47"/>
+      <pc:docMkLst>
+        <pc:docMk/>
+      </pc:docMkLst>
+      <pc:sldChg chg="modSp mod">
+        <pc:chgData name="Cynthia Enciso" userId="7915927f-c5cf-4e1f-876d-e79882ad52fa" providerId="ADAL" clId="{5F15E8E6-40CE-4C1B-B39A-4D4CFEBCE354}" dt="2022-03-15T17:09:53.310" v="17" actId="20577"/>
+        <pc:sldMkLst>
+          <pc:docMk/>
+          <pc:sldMk cId="2393796262" sldId="256"/>
+        </pc:sldMkLst>
+        <pc:spChg chg="mod">
+          <ac:chgData name="Cynthia Enciso" userId="7915927f-c5cf-4e1f-876d-e79882ad52fa" providerId="ADAL" clId="{5F15E8E6-40CE-4C1B-B39A-4D4CFEBCE354}" dt="2022-03-15T17:09:53.310" v="17" actId="20577"/>
+          <ac:spMkLst>
+            <pc:docMk/>
+            <pc:sldMk cId="2393796262" sldId="256"/>
+            <ac:spMk id="2" creationId="{00000000-0000-0000-0000-000000000000}"/>
+          </ac:spMkLst>
+        </pc:spChg>
+      </pc:sldChg>
+      <pc:sldChg chg="ord">
+        <pc:chgData name="Cynthia Enciso" userId="7915927f-c5cf-4e1f-876d-e79882ad52fa" providerId="ADAL" clId="{5F15E8E6-40CE-4C1B-B39A-4D4CFEBCE354}" dt="2022-03-15T17:15:52.965" v="48"/>
+        <pc:sldMkLst>
+          <pc:docMk/>
+          <pc:sldMk cId="2329135321" sldId="259"/>
+        </pc:sldMkLst>
+      </pc:sldChg>
+      <pc:sldChg chg="del">
+        <pc:chgData name="Cynthia Enciso" userId="7915927f-c5cf-4e1f-876d-e79882ad52fa" providerId="ADAL" clId="{5F15E8E6-40CE-4C1B-B39A-4D4CFEBCE354}" dt="2022-03-15T17:15:32.437" v="31" actId="47"/>
+        <pc:sldMkLst>
+          <pc:docMk/>
+          <pc:sldMk cId="4104249248" sldId="260"/>
+        </pc:sldMkLst>
+      </pc:sldChg>
+      <pc:sldChg chg="del">
+        <pc:chgData name="Cynthia Enciso" userId="7915927f-c5cf-4e1f-876d-e79882ad52fa" providerId="ADAL" clId="{5F15E8E6-40CE-4C1B-B39A-4D4CFEBCE354}" dt="2022-03-15T17:15:32.437" v="31" actId="47"/>
+        <pc:sldMkLst>
+          <pc:docMk/>
+          <pc:sldMk cId="1770296439" sldId="261"/>
+        </pc:sldMkLst>
+      </pc:sldChg>
+      <pc:sldChg chg="del">
+        <pc:chgData name="Cynthia Enciso" userId="7915927f-c5cf-4e1f-876d-e79882ad52fa" providerId="ADAL" clId="{5F15E8E6-40CE-4C1B-B39A-4D4CFEBCE354}" dt="2022-03-15T17:15:32.437" v="31" actId="47"/>
+        <pc:sldMkLst>
+          <pc:docMk/>
+          <pc:sldMk cId="1992778243" sldId="262"/>
+        </pc:sldMkLst>
+      </pc:sldChg>
+      <pc:sldChg chg="del">
+        <pc:chgData name="Cynthia Enciso" userId="7915927f-c5cf-4e1f-876d-e79882ad52fa" providerId="ADAL" clId="{5F15E8E6-40CE-4C1B-B39A-4D4CFEBCE354}" dt="2022-03-15T17:15:32.437" v="31" actId="47"/>
+        <pc:sldMkLst>
+          <pc:docMk/>
+          <pc:sldMk cId="3645312431" sldId="268"/>
+        </pc:sldMkLst>
+      </pc:sldChg>
+      <pc:sldChg chg="del">
+        <pc:chgData name="Cynthia Enciso" userId="7915927f-c5cf-4e1f-876d-e79882ad52fa" providerId="ADAL" clId="{5F15E8E6-40CE-4C1B-B39A-4D4CFEBCE354}" dt="2022-03-15T17:15:32.437" v="31" actId="47"/>
+        <pc:sldMkLst>
+          <pc:docMk/>
+          <pc:sldMk cId="2124562098" sldId="270"/>
+        </pc:sldMkLst>
+      </pc:sldChg>
+      <pc:sldChg chg="del">
+        <pc:chgData name="Cynthia Enciso" userId="7915927f-c5cf-4e1f-876d-e79882ad52fa" providerId="ADAL" clId="{5F15E8E6-40CE-4C1B-B39A-4D4CFEBCE354}" dt="2022-03-15T17:15:32.437" v="31" actId="47"/>
+        <pc:sldMkLst>
+          <pc:docMk/>
+          <pc:sldMk cId="221968580" sldId="271"/>
+        </pc:sldMkLst>
+      </pc:sldChg>
+      <pc:sldChg chg="modSp mod">
+        <pc:chgData name="Cynthia Enciso" userId="7915927f-c5cf-4e1f-876d-e79882ad52fa" providerId="ADAL" clId="{5F15E8E6-40CE-4C1B-B39A-4D4CFEBCE354}" dt="2022-03-17T18:23:46.783" v="135" actId="5793"/>
+        <pc:sldMkLst>
+          <pc:docMk/>
+          <pc:sldMk cId="4149792305" sldId="314"/>
+        </pc:sldMkLst>
+        <pc:spChg chg="mod">
+          <ac:chgData name="Cynthia Enciso" userId="7915927f-c5cf-4e1f-876d-e79882ad52fa" providerId="ADAL" clId="{5F15E8E6-40CE-4C1B-B39A-4D4CFEBCE354}" dt="2022-03-17T18:23:46.783" v="135" actId="5793"/>
+          <ac:spMkLst>
+            <pc:docMk/>
+            <pc:sldMk cId="4149792305" sldId="314"/>
+            <ac:spMk id="3" creationId="{00000000-0000-0000-0000-000000000000}"/>
+          </ac:spMkLst>
+        </pc:spChg>
+      </pc:sldChg>
+      <pc:sldChg chg="modSp mod">
+        <pc:chgData name="Cynthia Enciso" userId="7915927f-c5cf-4e1f-876d-e79882ad52fa" providerId="ADAL" clId="{5F15E8E6-40CE-4C1B-B39A-4D4CFEBCE354}" dt="2022-03-15T17:10:00.542" v="30" actId="20577"/>
+        <pc:sldMkLst>
+          <pc:docMk/>
+          <pc:sldMk cId="1150291201" sldId="316"/>
+        </pc:sldMkLst>
+        <pc:spChg chg="mod">
+          <ac:chgData name="Cynthia Enciso" userId="7915927f-c5cf-4e1f-876d-e79882ad52fa" providerId="ADAL" clId="{5F15E8E6-40CE-4C1B-B39A-4D4CFEBCE354}" dt="2022-03-15T17:10:00.542" v="30" actId="20577"/>
+          <ac:spMkLst>
+            <pc:docMk/>
+            <pc:sldMk cId="1150291201" sldId="316"/>
+            <ac:spMk id="6" creationId="{F2A847FA-6B96-482E-A973-942362034578}"/>
+          </ac:spMkLst>
+        </pc:spChg>
+      </pc:sldChg>
+      <pc:sldChg chg="modSp mod">
+        <pc:chgData name="Cynthia Enciso" userId="7915927f-c5cf-4e1f-876d-e79882ad52fa" providerId="ADAL" clId="{5F15E8E6-40CE-4C1B-B39A-4D4CFEBCE354}" dt="2022-03-17T18:23:55.419" v="136" actId="21"/>
+        <pc:sldMkLst>
+          <pc:docMk/>
+          <pc:sldMk cId="1358846612" sldId="317"/>
+        </pc:sldMkLst>
+        <pc:spChg chg="mod">
+          <ac:chgData name="Cynthia Enciso" userId="7915927f-c5cf-4e1f-876d-e79882ad52fa" providerId="ADAL" clId="{5F15E8E6-40CE-4C1B-B39A-4D4CFEBCE354}" dt="2022-03-17T18:23:55.419" v="136" actId="21"/>
+          <ac:spMkLst>
+            <pc:docMk/>
+            <pc:sldMk cId="1358846612" sldId="317"/>
+            <ac:spMk id="6" creationId="{F2A847FA-6B96-482E-A973-942362034578}"/>
+          </ac:spMkLst>
+        </pc:spChg>
+      </pc:sldChg>
+      <pc:sldChg chg="del">
+        <pc:chgData name="Cynthia Enciso" userId="7915927f-c5cf-4e1f-876d-e79882ad52fa" providerId="ADAL" clId="{5F15E8E6-40CE-4C1B-B39A-4D4CFEBCE354}" dt="2022-03-15T17:15:32.437" v="31" actId="47"/>
+        <pc:sldMkLst>
+          <pc:docMk/>
+          <pc:sldMk cId="961374650" sldId="318"/>
+        </pc:sldMkLst>
+      </pc:sldChg>
+      <pc:sldChg chg="del">
+        <pc:chgData name="Cynthia Enciso" userId="7915927f-c5cf-4e1f-876d-e79882ad52fa" providerId="ADAL" clId="{5F15E8E6-40CE-4C1B-B39A-4D4CFEBCE354}" dt="2022-03-15T17:15:32.437" v="31" actId="47"/>
+        <pc:sldMkLst>
+          <pc:docMk/>
+          <pc:sldMk cId="201321265" sldId="319"/>
+        </pc:sldMkLst>
+      </pc:sldChg>
+      <pc:sldChg chg="modSp add del mod">
+        <pc:chgData name="Cynthia Enciso" userId="7915927f-c5cf-4e1f-876d-e79882ad52fa" providerId="ADAL" clId="{5F15E8E6-40CE-4C1B-B39A-4D4CFEBCE354}" dt="2022-03-15T17:15:40.472" v="46" actId="20577"/>
+        <pc:sldMkLst>
+          <pc:docMk/>
+          <pc:sldMk cId="126935119" sldId="322"/>
+        </pc:sldMkLst>
+        <pc:spChg chg="mod">
+          <ac:chgData name="Cynthia Enciso" userId="7915927f-c5cf-4e1f-876d-e79882ad52fa" providerId="ADAL" clId="{5F15E8E6-40CE-4C1B-B39A-4D4CFEBCE354}" dt="2022-03-15T17:15:40.472" v="46" actId="20577"/>
+          <ac:spMkLst>
+            <pc:docMk/>
+            <pc:sldMk cId="126935119" sldId="322"/>
+            <ac:spMk id="5" creationId="{F41A0D8D-9BDF-4B7B-839B-56C7BD2FAAC6}"/>
+          </ac:spMkLst>
+        </pc:spChg>
+      </pc:sldChg>
+      <pc:sldChg chg="del">
+        <pc:chgData name="Cynthia Enciso" userId="7915927f-c5cf-4e1f-876d-e79882ad52fa" providerId="ADAL" clId="{5F15E8E6-40CE-4C1B-B39A-4D4CFEBCE354}" dt="2022-03-15T17:15:32.437" v="31" actId="47"/>
+        <pc:sldMkLst>
+          <pc:docMk/>
+          <pc:sldMk cId="2128686001" sldId="326"/>
+        </pc:sldMkLst>
+      </pc:sldChg>
+      <pc:sldChg chg="modSp mod">
+        <pc:chgData name="Cynthia Enciso" userId="7915927f-c5cf-4e1f-876d-e79882ad52fa" providerId="ADAL" clId="{5F15E8E6-40CE-4C1B-B39A-4D4CFEBCE354}" dt="2022-03-17T21:30:03.883" v="147" actId="20577"/>
+        <pc:sldMkLst>
+          <pc:docMk/>
+          <pc:sldMk cId="914076749" sldId="334"/>
+        </pc:sldMkLst>
+        <pc:graphicFrameChg chg="modGraphic">
+          <ac:chgData name="Cynthia Enciso" userId="7915927f-c5cf-4e1f-876d-e79882ad52fa" providerId="ADAL" clId="{5F15E8E6-40CE-4C1B-B39A-4D4CFEBCE354}" dt="2022-03-17T21:30:03.883" v="147" actId="20577"/>
+          <ac:graphicFrameMkLst>
+            <pc:docMk/>
+            <pc:sldMk cId="914076749" sldId="334"/>
+            <ac:graphicFrameMk id="5" creationId="{48A3EA5A-4C77-426A-9F22-99E6F00A6559}"/>
+          </ac:graphicFrameMkLst>
+        </pc:graphicFrameChg>
+      </pc:sldChg>
+      <pc:sldChg chg="modSp new del mod">
+        <pc:chgData name="Cynthia Enciso" userId="7915927f-c5cf-4e1f-876d-e79882ad52fa" providerId="ADAL" clId="{5F15E8E6-40CE-4C1B-B39A-4D4CFEBCE354}" dt="2022-03-18T15:42:38.862" v="148" actId="47"/>
+        <pc:sldMkLst>
+          <pc:docMk/>
+          <pc:sldMk cId="4246945254" sldId="336"/>
+        </pc:sldMkLst>
+        <pc:spChg chg="mod">
+          <ac:chgData name="Cynthia Enciso" userId="7915927f-c5cf-4e1f-876d-e79882ad52fa" providerId="ADAL" clId="{5F15E8E6-40CE-4C1B-B39A-4D4CFEBCE354}" dt="2022-03-17T18:24:06.803" v="140" actId="20577"/>
+          <ac:spMkLst>
+            <pc:docMk/>
+            <pc:sldMk cId="4246945254" sldId="336"/>
+            <ac:spMk id="4" creationId="{0C4020EE-8219-458F-8441-2B4FAE9B972B}"/>
+          </ac:spMkLst>
+        </pc:spChg>
+      </pc:sldChg>
+    </pc:docChg>
+  </pc:docChgLst>
+  <pc:docChgLst>
     <pc:chgData name="Cynthia Enciso" userId="7915927f-c5cf-4e1f-876d-e79882ad52fa" providerId="ADAL" clId="{8EBCB64B-09BF-4CF6-9831-15728759EE97}"/>
     <pc:docChg chg="custSel modSld sldOrd">
       <pc:chgData name="Cynthia Enciso" userId="7915927f-c5cf-4e1f-876d-e79882ad52fa" providerId="ADAL" clId="{8EBCB64B-09BF-4CF6-9831-15728759EE97}" dt="2022-02-17T20:38:45.867" v="28" actId="5793"/>
@@ -533,75 +717,6 @@
           <pc:docMk/>
           <pc:sldMk cId="2547177766" sldId="332"/>
         </pc:sldMkLst>
-      </pc:sldChg>
-    </pc:docChg>
-  </pc:docChgLst>
-  <pc:docChgLst>
-    <pc:chgData name="Cynthia Enciso" userId="7915927f-c5cf-4e1f-876d-e79882ad52fa" providerId="ADAL" clId="{3C249DBA-54E3-4B8C-995E-9C3F25534765}"/>
-    <pc:docChg chg="delSld">
-      <pc:chgData name="Cynthia Enciso" userId="7915927f-c5cf-4e1f-876d-e79882ad52fa" providerId="ADAL" clId="{3C249DBA-54E3-4B8C-995E-9C3F25534765}" dt="2021-04-08T19:57:05.412" v="0" actId="47"/>
-      <pc:docMkLst>
-        <pc:docMk/>
-      </pc:docMkLst>
-      <pc:sldChg chg="del">
-        <pc:chgData name="Cynthia Enciso" userId="7915927f-c5cf-4e1f-876d-e79882ad52fa" providerId="ADAL" clId="{3C249DBA-54E3-4B8C-995E-9C3F25534765}" dt="2021-04-08T19:57:05.412" v="0" actId="47"/>
-        <pc:sldMkLst>
-          <pc:docMk/>
-          <pc:sldMk cId="1287501265" sldId="264"/>
-        </pc:sldMkLst>
-      </pc:sldChg>
-    </pc:docChg>
-  </pc:docChgLst>
-  <pc:docChgLst>
-    <pc:chgData name="Cynthia Enciso" userId="7915927f-c5cf-4e1f-876d-e79882ad52fa" providerId="ADAL" clId="{089F6BBA-018F-4F16-B1B3-4E6530E625EF}"/>
-    <pc:docChg chg="custSel delSld modSld sldOrd">
-      <pc:chgData name="Cynthia Enciso" userId="7915927f-c5cf-4e1f-876d-e79882ad52fa" providerId="ADAL" clId="{089F6BBA-018F-4F16-B1B3-4E6530E625EF}" dt="2021-05-27T22:15:31.095" v="68" actId="478"/>
-      <pc:docMkLst>
-        <pc:docMk/>
-      </pc:docMkLst>
-      <pc:sldChg chg="ord">
-        <pc:chgData name="Cynthia Enciso" userId="7915927f-c5cf-4e1f-876d-e79882ad52fa" providerId="ADAL" clId="{089F6BBA-018F-4F16-B1B3-4E6530E625EF}" dt="2021-05-27T20:59:44.500" v="66"/>
-        <pc:sldMkLst>
-          <pc:docMk/>
-          <pc:sldMk cId="4104249248" sldId="260"/>
-        </pc:sldMkLst>
-      </pc:sldChg>
-      <pc:sldChg chg="del">
-        <pc:chgData name="Cynthia Enciso" userId="7915927f-c5cf-4e1f-876d-e79882ad52fa" providerId="ADAL" clId="{089F6BBA-018F-4F16-B1B3-4E6530E625EF}" dt="2021-05-27T20:22:56.093" v="2" actId="47"/>
-        <pc:sldMkLst>
-          <pc:docMk/>
-          <pc:sldMk cId="1793348218" sldId="263"/>
-        </pc:sldMkLst>
-      </pc:sldChg>
-      <pc:sldChg chg="addSp delSp modSp mod">
-        <pc:chgData name="Cynthia Enciso" userId="7915927f-c5cf-4e1f-876d-e79882ad52fa" providerId="ADAL" clId="{089F6BBA-018F-4F16-B1B3-4E6530E625EF}" dt="2021-05-27T22:15:31.095" v="68" actId="478"/>
-        <pc:sldMkLst>
-          <pc:docMk/>
-          <pc:sldMk cId="3645312431" sldId="268"/>
-        </pc:sldMkLst>
-        <pc:spChg chg="add del mod">
-          <ac:chgData name="Cynthia Enciso" userId="7915927f-c5cf-4e1f-876d-e79882ad52fa" providerId="ADAL" clId="{089F6BBA-018F-4F16-B1B3-4E6530E625EF}" dt="2021-05-27T22:15:31.095" v="68" actId="478"/>
-          <ac:spMkLst>
-            <pc:docMk/>
-            <pc:sldMk cId="3645312431" sldId="268"/>
-            <ac:spMk id="5" creationId="{23C5B85B-0F50-4610-9AC8-4D956242CC80}"/>
-          </ac:spMkLst>
-        </pc:spChg>
-      </pc:sldChg>
-      <pc:sldChg chg="addSp delSp modSp mod">
-        <pc:chgData name="Cynthia Enciso" userId="7915927f-c5cf-4e1f-876d-e79882ad52fa" providerId="ADAL" clId="{089F6BBA-018F-4F16-B1B3-4E6530E625EF}" dt="2021-05-27T22:15:22.444" v="67" actId="478"/>
-        <pc:sldMkLst>
-          <pc:docMk/>
-          <pc:sldMk cId="4149792305" sldId="314"/>
-        </pc:sldMkLst>
-        <pc:spChg chg="add del mod">
-          <ac:chgData name="Cynthia Enciso" userId="7915927f-c5cf-4e1f-876d-e79882ad52fa" providerId="ADAL" clId="{089F6BBA-018F-4F16-B1B3-4E6530E625EF}" dt="2021-05-27T22:15:22.444" v="67" actId="478"/>
-          <ac:spMkLst>
-            <pc:docMk/>
-            <pc:sldMk cId="4149792305" sldId="314"/>
-            <ac:spMk id="5" creationId="{E24669E0-FE7A-4C61-A646-95CD26AB28E4}"/>
-          </ac:spMkLst>
-        </pc:spChg>
       </pc:sldChg>
     </pc:docChg>
   </pc:docChgLst>
@@ -1738,186 +1853,71 @@
     </pc:docChg>
   </pc:docChgLst>
   <pc:docChgLst>
-    <pc:chgData name="Cynthia Enciso" userId="7915927f-c5cf-4e1f-876d-e79882ad52fa" providerId="ADAL" clId="{5F15E8E6-40CE-4C1B-B39A-4D4CFEBCE354}"/>
-    <pc:docChg chg="undo custSel addSld delSld modSld sldOrd">
-      <pc:chgData name="Cynthia Enciso" userId="7915927f-c5cf-4e1f-876d-e79882ad52fa" providerId="ADAL" clId="{5F15E8E6-40CE-4C1B-B39A-4D4CFEBCE354}" dt="2022-03-18T15:42:38.862" v="148" actId="47"/>
+    <pc:chgData name="Cynthia Enciso" userId="7915927f-c5cf-4e1f-876d-e79882ad52fa" providerId="ADAL" clId="{089F6BBA-018F-4F16-B1B3-4E6530E625EF}"/>
+    <pc:docChg chg="custSel delSld modSld sldOrd">
+      <pc:chgData name="Cynthia Enciso" userId="7915927f-c5cf-4e1f-876d-e79882ad52fa" providerId="ADAL" clId="{089F6BBA-018F-4F16-B1B3-4E6530E625EF}" dt="2021-05-27T22:15:31.095" v="68" actId="478"/>
       <pc:docMkLst>
         <pc:docMk/>
       </pc:docMkLst>
-      <pc:sldChg chg="modSp mod">
-        <pc:chgData name="Cynthia Enciso" userId="7915927f-c5cf-4e1f-876d-e79882ad52fa" providerId="ADAL" clId="{5F15E8E6-40CE-4C1B-B39A-4D4CFEBCE354}" dt="2022-03-15T17:09:53.310" v="17" actId="20577"/>
-        <pc:sldMkLst>
-          <pc:docMk/>
-          <pc:sldMk cId="2393796262" sldId="256"/>
-        </pc:sldMkLst>
-        <pc:spChg chg="mod">
-          <ac:chgData name="Cynthia Enciso" userId="7915927f-c5cf-4e1f-876d-e79882ad52fa" providerId="ADAL" clId="{5F15E8E6-40CE-4C1B-B39A-4D4CFEBCE354}" dt="2022-03-15T17:09:53.310" v="17" actId="20577"/>
-          <ac:spMkLst>
-            <pc:docMk/>
-            <pc:sldMk cId="2393796262" sldId="256"/>
-            <ac:spMk id="2" creationId="{00000000-0000-0000-0000-000000000000}"/>
-          </ac:spMkLst>
-        </pc:spChg>
-      </pc:sldChg>
       <pc:sldChg chg="ord">
-        <pc:chgData name="Cynthia Enciso" userId="7915927f-c5cf-4e1f-876d-e79882ad52fa" providerId="ADAL" clId="{5F15E8E6-40CE-4C1B-B39A-4D4CFEBCE354}" dt="2022-03-15T17:15:52.965" v="48"/>
-        <pc:sldMkLst>
-          <pc:docMk/>
-          <pc:sldMk cId="2329135321" sldId="259"/>
-        </pc:sldMkLst>
-      </pc:sldChg>
-      <pc:sldChg chg="del">
-        <pc:chgData name="Cynthia Enciso" userId="7915927f-c5cf-4e1f-876d-e79882ad52fa" providerId="ADAL" clId="{5F15E8E6-40CE-4C1B-B39A-4D4CFEBCE354}" dt="2022-03-15T17:15:32.437" v="31" actId="47"/>
+        <pc:chgData name="Cynthia Enciso" userId="7915927f-c5cf-4e1f-876d-e79882ad52fa" providerId="ADAL" clId="{089F6BBA-018F-4F16-B1B3-4E6530E625EF}" dt="2021-05-27T20:59:44.500" v="66"/>
         <pc:sldMkLst>
           <pc:docMk/>
           <pc:sldMk cId="4104249248" sldId="260"/>
         </pc:sldMkLst>
       </pc:sldChg>
       <pc:sldChg chg="del">
-        <pc:chgData name="Cynthia Enciso" userId="7915927f-c5cf-4e1f-876d-e79882ad52fa" providerId="ADAL" clId="{5F15E8E6-40CE-4C1B-B39A-4D4CFEBCE354}" dt="2022-03-15T17:15:32.437" v="31" actId="47"/>
+        <pc:chgData name="Cynthia Enciso" userId="7915927f-c5cf-4e1f-876d-e79882ad52fa" providerId="ADAL" clId="{089F6BBA-018F-4F16-B1B3-4E6530E625EF}" dt="2021-05-27T20:22:56.093" v="2" actId="47"/>
         <pc:sldMkLst>
           <pc:docMk/>
-          <pc:sldMk cId="1770296439" sldId="261"/>
+          <pc:sldMk cId="1793348218" sldId="263"/>
         </pc:sldMkLst>
       </pc:sldChg>
-      <pc:sldChg chg="del">
-        <pc:chgData name="Cynthia Enciso" userId="7915927f-c5cf-4e1f-876d-e79882ad52fa" providerId="ADAL" clId="{5F15E8E6-40CE-4C1B-B39A-4D4CFEBCE354}" dt="2022-03-15T17:15:32.437" v="31" actId="47"/>
-        <pc:sldMkLst>
-          <pc:docMk/>
-          <pc:sldMk cId="1992778243" sldId="262"/>
-        </pc:sldMkLst>
-      </pc:sldChg>
-      <pc:sldChg chg="del">
-        <pc:chgData name="Cynthia Enciso" userId="7915927f-c5cf-4e1f-876d-e79882ad52fa" providerId="ADAL" clId="{5F15E8E6-40CE-4C1B-B39A-4D4CFEBCE354}" dt="2022-03-15T17:15:32.437" v="31" actId="47"/>
+      <pc:sldChg chg="addSp delSp modSp mod">
+        <pc:chgData name="Cynthia Enciso" userId="7915927f-c5cf-4e1f-876d-e79882ad52fa" providerId="ADAL" clId="{089F6BBA-018F-4F16-B1B3-4E6530E625EF}" dt="2021-05-27T22:15:31.095" v="68" actId="478"/>
         <pc:sldMkLst>
           <pc:docMk/>
           <pc:sldMk cId="3645312431" sldId="268"/>
         </pc:sldMkLst>
+        <pc:spChg chg="add del mod">
+          <ac:chgData name="Cynthia Enciso" userId="7915927f-c5cf-4e1f-876d-e79882ad52fa" providerId="ADAL" clId="{089F6BBA-018F-4F16-B1B3-4E6530E625EF}" dt="2021-05-27T22:15:31.095" v="68" actId="478"/>
+          <ac:spMkLst>
+            <pc:docMk/>
+            <pc:sldMk cId="3645312431" sldId="268"/>
+            <ac:spMk id="5" creationId="{23C5B85B-0F50-4610-9AC8-4D956242CC80}"/>
+          </ac:spMkLst>
+        </pc:spChg>
       </pc:sldChg>
-      <pc:sldChg chg="del">
-        <pc:chgData name="Cynthia Enciso" userId="7915927f-c5cf-4e1f-876d-e79882ad52fa" providerId="ADAL" clId="{5F15E8E6-40CE-4C1B-B39A-4D4CFEBCE354}" dt="2022-03-15T17:15:32.437" v="31" actId="47"/>
-        <pc:sldMkLst>
-          <pc:docMk/>
-          <pc:sldMk cId="2124562098" sldId="270"/>
-        </pc:sldMkLst>
-      </pc:sldChg>
-      <pc:sldChg chg="del">
-        <pc:chgData name="Cynthia Enciso" userId="7915927f-c5cf-4e1f-876d-e79882ad52fa" providerId="ADAL" clId="{5F15E8E6-40CE-4C1B-B39A-4D4CFEBCE354}" dt="2022-03-15T17:15:32.437" v="31" actId="47"/>
-        <pc:sldMkLst>
-          <pc:docMk/>
-          <pc:sldMk cId="221968580" sldId="271"/>
-        </pc:sldMkLst>
-      </pc:sldChg>
-      <pc:sldChg chg="modSp mod">
-        <pc:chgData name="Cynthia Enciso" userId="7915927f-c5cf-4e1f-876d-e79882ad52fa" providerId="ADAL" clId="{5F15E8E6-40CE-4C1B-B39A-4D4CFEBCE354}" dt="2022-03-17T18:23:46.783" v="135" actId="5793"/>
+      <pc:sldChg chg="addSp delSp modSp mod">
+        <pc:chgData name="Cynthia Enciso" userId="7915927f-c5cf-4e1f-876d-e79882ad52fa" providerId="ADAL" clId="{089F6BBA-018F-4F16-B1B3-4E6530E625EF}" dt="2021-05-27T22:15:22.444" v="67" actId="478"/>
         <pc:sldMkLst>
           <pc:docMk/>
           <pc:sldMk cId="4149792305" sldId="314"/>
         </pc:sldMkLst>
-        <pc:spChg chg="mod">
-          <ac:chgData name="Cynthia Enciso" userId="7915927f-c5cf-4e1f-876d-e79882ad52fa" providerId="ADAL" clId="{5F15E8E6-40CE-4C1B-B39A-4D4CFEBCE354}" dt="2022-03-17T18:23:46.783" v="135" actId="5793"/>
+        <pc:spChg chg="add del mod">
+          <ac:chgData name="Cynthia Enciso" userId="7915927f-c5cf-4e1f-876d-e79882ad52fa" providerId="ADAL" clId="{089F6BBA-018F-4F16-B1B3-4E6530E625EF}" dt="2021-05-27T22:15:22.444" v="67" actId="478"/>
           <ac:spMkLst>
             <pc:docMk/>
             <pc:sldMk cId="4149792305" sldId="314"/>
-            <ac:spMk id="3" creationId="{00000000-0000-0000-0000-000000000000}"/>
+            <ac:spMk id="5" creationId="{E24669E0-FE7A-4C61-A646-95CD26AB28E4}"/>
           </ac:spMkLst>
         </pc:spChg>
       </pc:sldChg>
-      <pc:sldChg chg="modSp mod">
-        <pc:chgData name="Cynthia Enciso" userId="7915927f-c5cf-4e1f-876d-e79882ad52fa" providerId="ADAL" clId="{5F15E8E6-40CE-4C1B-B39A-4D4CFEBCE354}" dt="2022-03-15T17:10:00.542" v="30" actId="20577"/>
+    </pc:docChg>
+  </pc:docChgLst>
+  <pc:docChgLst>
+    <pc:chgData name="Cynthia Enciso" userId="7915927f-c5cf-4e1f-876d-e79882ad52fa" providerId="ADAL" clId="{3C249DBA-54E3-4B8C-995E-9C3F25534765}"/>
+    <pc:docChg chg="delSld">
+      <pc:chgData name="Cynthia Enciso" userId="7915927f-c5cf-4e1f-876d-e79882ad52fa" providerId="ADAL" clId="{3C249DBA-54E3-4B8C-995E-9C3F25534765}" dt="2021-04-08T19:57:05.412" v="0" actId="47"/>
+      <pc:docMkLst>
+        <pc:docMk/>
+      </pc:docMkLst>
+      <pc:sldChg chg="del">
+        <pc:chgData name="Cynthia Enciso" userId="7915927f-c5cf-4e1f-876d-e79882ad52fa" providerId="ADAL" clId="{3C249DBA-54E3-4B8C-995E-9C3F25534765}" dt="2021-04-08T19:57:05.412" v="0" actId="47"/>
         <pc:sldMkLst>
           <pc:docMk/>
-          <pc:sldMk cId="1150291201" sldId="316"/>
+          <pc:sldMk cId="1287501265" sldId="264"/>
         </pc:sldMkLst>
-        <pc:spChg chg="mod">
-          <ac:chgData name="Cynthia Enciso" userId="7915927f-c5cf-4e1f-876d-e79882ad52fa" providerId="ADAL" clId="{5F15E8E6-40CE-4C1B-B39A-4D4CFEBCE354}" dt="2022-03-15T17:10:00.542" v="30" actId="20577"/>
-          <ac:spMkLst>
-            <pc:docMk/>
-            <pc:sldMk cId="1150291201" sldId="316"/>
-            <ac:spMk id="6" creationId="{F2A847FA-6B96-482E-A973-942362034578}"/>
-          </ac:spMkLst>
-        </pc:spChg>
-      </pc:sldChg>
-      <pc:sldChg chg="modSp mod">
-        <pc:chgData name="Cynthia Enciso" userId="7915927f-c5cf-4e1f-876d-e79882ad52fa" providerId="ADAL" clId="{5F15E8E6-40CE-4C1B-B39A-4D4CFEBCE354}" dt="2022-03-17T18:23:55.419" v="136" actId="21"/>
-        <pc:sldMkLst>
-          <pc:docMk/>
-          <pc:sldMk cId="1358846612" sldId="317"/>
-        </pc:sldMkLst>
-        <pc:spChg chg="mod">
-          <ac:chgData name="Cynthia Enciso" userId="7915927f-c5cf-4e1f-876d-e79882ad52fa" providerId="ADAL" clId="{5F15E8E6-40CE-4C1B-B39A-4D4CFEBCE354}" dt="2022-03-17T18:23:55.419" v="136" actId="21"/>
-          <ac:spMkLst>
-            <pc:docMk/>
-            <pc:sldMk cId="1358846612" sldId="317"/>
-            <ac:spMk id="6" creationId="{F2A847FA-6B96-482E-A973-942362034578}"/>
-          </ac:spMkLst>
-        </pc:spChg>
-      </pc:sldChg>
-      <pc:sldChg chg="del">
-        <pc:chgData name="Cynthia Enciso" userId="7915927f-c5cf-4e1f-876d-e79882ad52fa" providerId="ADAL" clId="{5F15E8E6-40CE-4C1B-B39A-4D4CFEBCE354}" dt="2022-03-15T17:15:32.437" v="31" actId="47"/>
-        <pc:sldMkLst>
-          <pc:docMk/>
-          <pc:sldMk cId="961374650" sldId="318"/>
-        </pc:sldMkLst>
-      </pc:sldChg>
-      <pc:sldChg chg="del">
-        <pc:chgData name="Cynthia Enciso" userId="7915927f-c5cf-4e1f-876d-e79882ad52fa" providerId="ADAL" clId="{5F15E8E6-40CE-4C1B-B39A-4D4CFEBCE354}" dt="2022-03-15T17:15:32.437" v="31" actId="47"/>
-        <pc:sldMkLst>
-          <pc:docMk/>
-          <pc:sldMk cId="201321265" sldId="319"/>
-        </pc:sldMkLst>
-      </pc:sldChg>
-      <pc:sldChg chg="modSp add del mod">
-        <pc:chgData name="Cynthia Enciso" userId="7915927f-c5cf-4e1f-876d-e79882ad52fa" providerId="ADAL" clId="{5F15E8E6-40CE-4C1B-B39A-4D4CFEBCE354}" dt="2022-03-15T17:15:40.472" v="46" actId="20577"/>
-        <pc:sldMkLst>
-          <pc:docMk/>
-          <pc:sldMk cId="126935119" sldId="322"/>
-        </pc:sldMkLst>
-        <pc:spChg chg="mod">
-          <ac:chgData name="Cynthia Enciso" userId="7915927f-c5cf-4e1f-876d-e79882ad52fa" providerId="ADAL" clId="{5F15E8E6-40CE-4C1B-B39A-4D4CFEBCE354}" dt="2022-03-15T17:15:40.472" v="46" actId="20577"/>
-          <ac:spMkLst>
-            <pc:docMk/>
-            <pc:sldMk cId="126935119" sldId="322"/>
-            <ac:spMk id="5" creationId="{F41A0D8D-9BDF-4B7B-839B-56C7BD2FAAC6}"/>
-          </ac:spMkLst>
-        </pc:spChg>
-      </pc:sldChg>
-      <pc:sldChg chg="del">
-        <pc:chgData name="Cynthia Enciso" userId="7915927f-c5cf-4e1f-876d-e79882ad52fa" providerId="ADAL" clId="{5F15E8E6-40CE-4C1B-B39A-4D4CFEBCE354}" dt="2022-03-15T17:15:32.437" v="31" actId="47"/>
-        <pc:sldMkLst>
-          <pc:docMk/>
-          <pc:sldMk cId="2128686001" sldId="326"/>
-        </pc:sldMkLst>
-      </pc:sldChg>
-      <pc:sldChg chg="modSp mod">
-        <pc:chgData name="Cynthia Enciso" userId="7915927f-c5cf-4e1f-876d-e79882ad52fa" providerId="ADAL" clId="{5F15E8E6-40CE-4C1B-B39A-4D4CFEBCE354}" dt="2022-03-17T21:30:03.883" v="147" actId="20577"/>
-        <pc:sldMkLst>
-          <pc:docMk/>
-          <pc:sldMk cId="914076749" sldId="334"/>
-        </pc:sldMkLst>
-        <pc:graphicFrameChg chg="modGraphic">
-          <ac:chgData name="Cynthia Enciso" userId="7915927f-c5cf-4e1f-876d-e79882ad52fa" providerId="ADAL" clId="{5F15E8E6-40CE-4C1B-B39A-4D4CFEBCE354}" dt="2022-03-17T21:30:03.883" v="147" actId="20577"/>
-          <ac:graphicFrameMkLst>
-            <pc:docMk/>
-            <pc:sldMk cId="914076749" sldId="334"/>
-            <ac:graphicFrameMk id="5" creationId="{48A3EA5A-4C77-426A-9F22-99E6F00A6559}"/>
-          </ac:graphicFrameMkLst>
-        </pc:graphicFrameChg>
-      </pc:sldChg>
-      <pc:sldChg chg="modSp new del mod">
-        <pc:chgData name="Cynthia Enciso" userId="7915927f-c5cf-4e1f-876d-e79882ad52fa" providerId="ADAL" clId="{5F15E8E6-40CE-4C1B-B39A-4D4CFEBCE354}" dt="2022-03-18T15:42:38.862" v="148" actId="47"/>
-        <pc:sldMkLst>
-          <pc:docMk/>
-          <pc:sldMk cId="4246945254" sldId="336"/>
-        </pc:sldMkLst>
-        <pc:spChg chg="mod">
-          <ac:chgData name="Cynthia Enciso" userId="7915927f-c5cf-4e1f-876d-e79882ad52fa" providerId="ADAL" clId="{5F15E8E6-40CE-4C1B-B39A-4D4CFEBCE354}" dt="2022-03-17T18:24:06.803" v="140" actId="20577"/>
-          <ac:spMkLst>
-            <pc:docMk/>
-            <pc:sldMk cId="4246945254" sldId="336"/>
-            <ac:spMk id="4" creationId="{0C4020EE-8219-458F-8441-2B4FAE9B972B}"/>
-          </ac:spMkLst>
-        </pc:spChg>
       </pc:sldChg>
     </pc:docChg>
   </pc:docChgLst>
@@ -2005,7 +2005,7 @@
           </a:lstStyle>
           <a:p>
             <a:fld id="{CA869C63-99CE-7C40-A7E9-3930C61B23AB}" type="datetimeFigureOut">
-              <a:t>3/18/2022</a:t>
+              <a:t>4/7/2022</a:t>
             </a:fld>
             <a:endParaRPr lang="en-US" dirty="0"/>
           </a:p>
@@ -2170,7 +2170,7 @@
           <a:p>
             <a:fld id="{E3E59D94-626A-4CE8-9932-5221A04BF234}" type="datetimeFigureOut">
               <a:rPr lang="en-US" smtClean="0"/>
-              <a:t>3/18/2022</a:t>
+              <a:t>4/7/2022</a:t>
             </a:fld>
             <a:endParaRPr lang="en-US" dirty="0"/>
           </a:p>
@@ -42397,403 +42397,6 @@
       </p:grpSpPr>
       <p:sp>
         <p:nvSpPr>
-          <p:cNvPr id="2" name="Slide Number Placeholder 1">
-            <a:extLst>
-              <a:ext uri="{FF2B5EF4-FFF2-40B4-BE49-F238E27FC236}">
-                <a16:creationId xmlns:a16="http://schemas.microsoft.com/office/drawing/2014/main" id="{8CBE6953-0E7F-4CFF-BA13-D9B01938FC3F}"/>
-              </a:ext>
-            </a:extLst>
-          </p:cNvPr>
-          <p:cNvSpPr>
-            <a:spLocks noGrp="1"/>
-          </p:cNvSpPr>
-          <p:nvPr>
-            <p:ph type="sldNum" sz="quarter" idx="12"/>
-          </p:nvPr>
-        </p:nvSpPr>
-        <p:spPr/>
-        <p:txBody>
-          <a:bodyPr/>
-          <a:lstStyle/>
-          <a:p>
-            <a:fld id="{F6728BC2-ACA3-447C-A909-F3F49211C066}" type="slidenum">
-              <a:rPr lang="en-US" smtClean="0"/>
-              <a:pPr/>
-              <a:t>2</a:t>
-            </a:fld>
-            <a:endParaRPr lang="en-US" dirty="0"/>
-          </a:p>
-        </p:txBody>
-      </p:sp>
-      <p:sp>
-        <p:nvSpPr>
-          <p:cNvPr id="5" name="Content Placeholder 4">
-            <a:extLst>
-              <a:ext uri="{FF2B5EF4-FFF2-40B4-BE49-F238E27FC236}">
-                <a16:creationId xmlns:a16="http://schemas.microsoft.com/office/drawing/2014/main" id="{F41A0D8D-9BDF-4B7B-839B-56C7BD2FAAC6}"/>
-              </a:ext>
-            </a:extLst>
-          </p:cNvPr>
-          <p:cNvSpPr>
-            <a:spLocks noGrp="1"/>
-          </p:cNvSpPr>
-          <p:nvPr>
-            <p:ph sz="quarter" idx="13"/>
-          </p:nvPr>
-        </p:nvSpPr>
-        <p:spPr>
-          <a:xfrm>
-            <a:off x="158750" y="2709862"/>
-            <a:ext cx="8826500" cy="1438275"/>
-          </a:xfrm>
-        </p:spPr>
-        <p:txBody>
-          <a:bodyPr>
-            <a:normAutofit/>
-          </a:bodyPr>
-          <a:lstStyle/>
-          <a:p>
-            <a:pPr algn="ctr"/>
-            <a:r>
-              <a:rPr lang="en-US" sz="4800" dirty="0"/>
-              <a:t>The Box Model</a:t>
-            </a:r>
-          </a:p>
-        </p:txBody>
-      </p:sp>
-    </p:spTree>
-    <p:extLst>
-      <p:ext uri="{BB962C8B-B14F-4D97-AF65-F5344CB8AC3E}">
-        <p14:creationId xmlns:p14="http://schemas.microsoft.com/office/powerpoint/2010/main" val="126935119"/>
-      </p:ext>
-    </p:extLst>
-  </p:cSld>
-  <p:clrMapOvr>
-    <a:masterClrMapping/>
-  </p:clrMapOvr>
-</p:sld>
-</file>
-
-<file path=ppt/slides/slide4.xml><?xml version="1.0" encoding="utf-8"?>
-<p:sld xmlns:a="http://schemas.openxmlformats.org/drawingml/2006/main" xmlns:r="http://schemas.openxmlformats.org/officeDocument/2006/relationships" xmlns:p="http://schemas.openxmlformats.org/presentationml/2006/main">
-  <p:cSld>
-    <p:spTree>
-      <p:nvGrpSpPr>
-        <p:cNvPr id="1" name=""/>
-        <p:cNvGrpSpPr/>
-        <p:nvPr/>
-      </p:nvGrpSpPr>
-      <p:grpSpPr>
-        <a:xfrm>
-          <a:off x="0" y="0"/>
-          <a:ext cx="0" cy="0"/>
-          <a:chOff x="0" y="0"/>
-          <a:chExt cx="0" cy="0"/>
-        </a:xfrm>
-      </p:grpSpPr>
-      <p:sp>
-        <p:nvSpPr>
-          <p:cNvPr id="2" name="Title 1"/>
-          <p:cNvSpPr>
-            <a:spLocks noGrp="1"/>
-          </p:cNvSpPr>
-          <p:nvPr>
-            <p:ph type="title"/>
-          </p:nvPr>
-        </p:nvSpPr>
-        <p:spPr/>
-        <p:txBody>
-          <a:bodyPr/>
-          <a:lstStyle/>
-          <a:p>
-            <a:r>
-              <a:rPr lang="en-US" dirty="0"/>
-              <a:t>The Box Model</a:t>
-            </a:r>
-          </a:p>
-        </p:txBody>
-      </p:sp>
-      <p:sp>
-        <p:nvSpPr>
-          <p:cNvPr id="3" name="Content Placeholder 2"/>
-          <p:cNvSpPr>
-            <a:spLocks noGrp="1"/>
-          </p:cNvSpPr>
-          <p:nvPr>
-            <p:ph idx="1"/>
-          </p:nvPr>
-        </p:nvSpPr>
-        <p:spPr>
-          <a:xfrm>
-            <a:off x="380010" y="1481446"/>
-            <a:ext cx="8383980" cy="4882266"/>
-          </a:xfrm>
-        </p:spPr>
-        <p:txBody>
-          <a:bodyPr>
-            <a:normAutofit/>
-          </a:bodyPr>
-          <a:lstStyle/>
-          <a:p>
-            <a:r>
-              <a:rPr lang="en-US" dirty="0"/>
-              <a:t>Box Model: every HTML element exists in a “box”.</a:t>
-            </a:r>
-          </a:p>
-          <a:p>
-            <a:pPr lvl="1"/>
-            <a:r>
-              <a:rPr lang="en-US" dirty="0"/>
-              <a:t>Boxes have </a:t>
-            </a:r>
-            <a:r>
-              <a:rPr lang="en-US" b="1" dirty="0"/>
-              <a:t>margins</a:t>
-            </a:r>
-            <a:r>
-              <a:rPr lang="en-US" dirty="0"/>
-              <a:t> that separate them from other boxes</a:t>
-            </a:r>
-          </a:p>
-          <a:p>
-            <a:pPr lvl="1"/>
-            <a:r>
-              <a:rPr lang="en-US" dirty="0"/>
-              <a:t>Boxes have a </a:t>
-            </a:r>
-            <a:r>
-              <a:rPr lang="en-US" b="1" dirty="0"/>
-              <a:t>border</a:t>
-            </a:r>
-            <a:r>
-              <a:rPr lang="en-US" dirty="0"/>
-              <a:t> around their internal contents</a:t>
-            </a:r>
-          </a:p>
-          <a:p>
-            <a:pPr lvl="1"/>
-            <a:r>
-              <a:rPr lang="en-US" dirty="0"/>
-              <a:t>Boxes have a </a:t>
-            </a:r>
-            <a:r>
-              <a:rPr lang="en-US" b="1" dirty="0"/>
-              <a:t>padding</a:t>
-            </a:r>
-            <a:r>
-              <a:rPr lang="en-US" dirty="0"/>
-              <a:t> that separates the content from the border</a:t>
-            </a:r>
-          </a:p>
-          <a:p>
-            <a:r>
-              <a:rPr lang="en-US" dirty="0"/>
-              <a:t>All box measurements can be changed to move content around within boxes</a:t>
-            </a:r>
-          </a:p>
-          <a:p>
-            <a:r>
-              <a:rPr lang="en-US" dirty="0"/>
-              <a:t>&lt;div&gt; and &lt;span&gt; elements allow you to </a:t>
-            </a:r>
-            <a:r>
-              <a:rPr lang="en-US" dirty="0" err="1"/>
-              <a:t>groupor</a:t>
-            </a:r>
-            <a:r>
-              <a:rPr lang="en-US" dirty="0"/>
-              <a:t> contain other elements within their “boxes”</a:t>
-            </a:r>
-          </a:p>
-        </p:txBody>
-      </p:sp>
-      <p:sp>
-        <p:nvSpPr>
-          <p:cNvPr id="4" name="Slide Number Placeholder 3"/>
-          <p:cNvSpPr>
-            <a:spLocks noGrp="1"/>
-          </p:cNvSpPr>
-          <p:nvPr>
-            <p:ph type="sldNum" sz="quarter" idx="12"/>
-          </p:nvPr>
-        </p:nvSpPr>
-        <p:spPr/>
-        <p:txBody>
-          <a:bodyPr/>
-          <a:lstStyle/>
-          <a:p>
-            <a:fld id="{F6728BC2-ACA3-447C-A909-F3F49211C066}" type="slidenum">
-              <a:rPr lang="en-US" smtClean="0"/>
-              <a:pPr/>
-              <a:t>3</a:t>
-            </a:fld>
-            <a:endParaRPr lang="en-US" dirty="0"/>
-          </a:p>
-        </p:txBody>
-      </p:sp>
-    </p:spTree>
-    <p:extLst>
-      <p:ext uri="{BB962C8B-B14F-4D97-AF65-F5344CB8AC3E}">
-        <p14:creationId xmlns:p14="http://schemas.microsoft.com/office/powerpoint/2010/main" val="2429585954"/>
-      </p:ext>
-    </p:extLst>
-  </p:cSld>
-  <p:clrMapOvr>
-    <a:masterClrMapping/>
-  </p:clrMapOvr>
-</p:sld>
-</file>
-
-<file path=ppt/slides/slide5.xml><?xml version="1.0" encoding="utf-8"?>
-<p:sld xmlns:a="http://schemas.openxmlformats.org/drawingml/2006/main" xmlns:r="http://schemas.openxmlformats.org/officeDocument/2006/relationships" xmlns:p="http://schemas.openxmlformats.org/presentationml/2006/main">
-  <p:cSld>
-    <p:spTree>
-      <p:nvGrpSpPr>
-        <p:cNvPr id="1" name=""/>
-        <p:cNvGrpSpPr/>
-        <p:nvPr/>
-      </p:nvGrpSpPr>
-      <p:grpSpPr>
-        <a:xfrm>
-          <a:off x="0" y="0"/>
-          <a:ext cx="0" cy="0"/>
-          <a:chOff x="0" y="0"/>
-          <a:chExt cx="0" cy="0"/>
-        </a:xfrm>
-      </p:grpSpPr>
-      <p:sp>
-        <p:nvSpPr>
-          <p:cNvPr id="2" name="Title 1">
-            <a:extLst>
-              <a:ext uri="{FF2B5EF4-FFF2-40B4-BE49-F238E27FC236}">
-                <a16:creationId xmlns:a16="http://schemas.microsoft.com/office/drawing/2014/main" id="{7A3D8FF8-7D5E-4380-A0FD-6DC2A088377B}"/>
-              </a:ext>
-            </a:extLst>
-          </p:cNvPr>
-          <p:cNvSpPr>
-            <a:spLocks noGrp="1"/>
-          </p:cNvSpPr>
-          <p:nvPr>
-            <p:ph type="title"/>
-          </p:nvPr>
-        </p:nvSpPr>
-        <p:spPr/>
-        <p:txBody>
-          <a:bodyPr/>
-          <a:lstStyle/>
-          <a:p>
-            <a:r>
-              <a:rPr lang="en-US" dirty="0"/>
-              <a:t>The Box Model (</a:t>
-            </a:r>
-            <a:r>
-              <a:rPr lang="en-US" dirty="0" err="1"/>
-              <a:t>cont</a:t>
-            </a:r>
-            <a:r>
-              <a:rPr lang="en-US" dirty="0"/>
-              <a:t>…)</a:t>
-            </a:r>
-          </a:p>
-        </p:txBody>
-      </p:sp>
-      <p:pic>
-        <p:nvPicPr>
-          <p:cNvPr id="6" name="Content Placeholder 5" descr="A close up of a logo&#10;&#10;Description automatically generated">
-            <a:extLst>
-              <a:ext uri="{FF2B5EF4-FFF2-40B4-BE49-F238E27FC236}">
-                <a16:creationId xmlns:a16="http://schemas.microsoft.com/office/drawing/2014/main" id="{1BC3B33E-FCF5-41A4-B8F4-C536FE1CD2D6}"/>
-              </a:ext>
-            </a:extLst>
-          </p:cNvPr>
-          <p:cNvPicPr>
-            <a:picLocks noGrp="1" noChangeAspect="1"/>
-          </p:cNvPicPr>
-          <p:nvPr>
-            <p:ph idx="1"/>
-          </p:nvPr>
-        </p:nvPicPr>
-        <p:blipFill>
-          <a:blip r:embed="rId2">
-            <a:extLst>
-              <a:ext uri="{28A0092B-C50C-407E-A947-70E740481C1C}">
-                <a14:useLocalDpi xmlns:a14="http://schemas.microsoft.com/office/drawing/2010/main" val="0"/>
-              </a:ext>
-            </a:extLst>
-          </a:blip>
-          <a:stretch>
-            <a:fillRect/>
-          </a:stretch>
-        </p:blipFill>
-        <p:spPr>
-          <a:xfrm>
-            <a:off x="1121213" y="1395302"/>
-            <a:ext cx="6901573" cy="4968410"/>
-          </a:xfrm>
-        </p:spPr>
-      </p:pic>
-      <p:sp>
-        <p:nvSpPr>
-          <p:cNvPr id="4" name="Slide Number Placeholder 3">
-            <a:extLst>
-              <a:ext uri="{FF2B5EF4-FFF2-40B4-BE49-F238E27FC236}">
-                <a16:creationId xmlns:a16="http://schemas.microsoft.com/office/drawing/2014/main" id="{5E3CD094-7D22-4372-A9B2-2948ABC45567}"/>
-              </a:ext>
-            </a:extLst>
-          </p:cNvPr>
-          <p:cNvSpPr>
-            <a:spLocks noGrp="1"/>
-          </p:cNvSpPr>
-          <p:nvPr>
-            <p:ph type="sldNum" sz="quarter" idx="12"/>
-          </p:nvPr>
-        </p:nvSpPr>
-        <p:spPr/>
-        <p:txBody>
-          <a:bodyPr/>
-          <a:lstStyle/>
-          <a:p>
-            <a:fld id="{F6728BC2-ACA3-447C-A909-F3F49211C066}" type="slidenum">
-              <a:rPr lang="en-US" smtClean="0"/>
-              <a:pPr/>
-              <a:t>4</a:t>
-            </a:fld>
-            <a:endParaRPr lang="en-US" dirty="0"/>
-          </a:p>
-        </p:txBody>
-      </p:sp>
-    </p:spTree>
-    <p:extLst>
-      <p:ext uri="{BB962C8B-B14F-4D97-AF65-F5344CB8AC3E}">
-        <p14:creationId xmlns:p14="http://schemas.microsoft.com/office/powerpoint/2010/main" val="3022637320"/>
-      </p:ext>
-    </p:extLst>
-  </p:cSld>
-  <p:clrMapOvr>
-    <a:masterClrMapping/>
-  </p:clrMapOvr>
-</p:sld>
-</file>
-
-<file path=ppt/slides/slide6.xml><?xml version="1.0" encoding="utf-8"?>
-<p:sld xmlns:a="http://schemas.openxmlformats.org/drawingml/2006/main" xmlns:r="http://schemas.openxmlformats.org/officeDocument/2006/relationships" xmlns:p="http://schemas.openxmlformats.org/presentationml/2006/main">
-  <p:cSld>
-    <p:spTree>
-      <p:nvGrpSpPr>
-        <p:cNvPr id="1" name=""/>
-        <p:cNvGrpSpPr/>
-        <p:nvPr/>
-      </p:nvGrpSpPr>
-      <p:grpSpPr>
-        <a:xfrm>
-          <a:off x="0" y="0"/>
-          <a:ext cx="0" cy="0"/>
-          <a:chOff x="0" y="0"/>
-          <a:chExt cx="0" cy="0"/>
-        </a:xfrm>
-      </p:grpSpPr>
-      <p:sp>
-        <p:nvSpPr>
           <p:cNvPr id="2" name="Title 1">
             <a:extLst>
               <a:ext uri="{FF2B5EF4-FFF2-40B4-BE49-F238E27FC236}">
@@ -42935,7 +42538,7 @@
             <a:fld id="{F6728BC2-ACA3-447C-A909-F3F49211C066}" type="slidenum">
               <a:rPr lang="en-US" smtClean="0"/>
               <a:pPr/>
-              <a:t>5</a:t>
+              <a:t>2</a:t>
             </a:fld>
             <a:endParaRPr lang="en-US" dirty="0"/>
           </a:p>
@@ -43178,6 +42781,395 @@
     <p:extLst>
       <p:ext uri="{BB962C8B-B14F-4D97-AF65-F5344CB8AC3E}">
         <p14:creationId xmlns:p14="http://schemas.microsoft.com/office/powerpoint/2010/main" val="2329135321"/>
+      </p:ext>
+    </p:extLst>
+  </p:cSld>
+  <p:clrMapOvr>
+    <a:masterClrMapping/>
+  </p:clrMapOvr>
+</p:sld>
+</file>
+
+<file path=ppt/slides/slide4.xml><?xml version="1.0" encoding="utf-8"?>
+<p:sld xmlns:a="http://schemas.openxmlformats.org/drawingml/2006/main" xmlns:r="http://schemas.openxmlformats.org/officeDocument/2006/relationships" xmlns:p="http://schemas.openxmlformats.org/presentationml/2006/main">
+  <p:cSld>
+    <p:spTree>
+      <p:nvGrpSpPr>
+        <p:cNvPr id="1" name=""/>
+        <p:cNvGrpSpPr/>
+        <p:nvPr/>
+      </p:nvGrpSpPr>
+      <p:grpSpPr>
+        <a:xfrm>
+          <a:off x="0" y="0"/>
+          <a:ext cx="0" cy="0"/>
+          <a:chOff x="0" y="0"/>
+          <a:chExt cx="0" cy="0"/>
+        </a:xfrm>
+      </p:grpSpPr>
+      <p:sp>
+        <p:nvSpPr>
+          <p:cNvPr id="2" name="Slide Number Placeholder 1">
+            <a:extLst>
+              <a:ext uri="{FF2B5EF4-FFF2-40B4-BE49-F238E27FC236}">
+                <a16:creationId xmlns:a16="http://schemas.microsoft.com/office/drawing/2014/main" id="{8CBE6953-0E7F-4CFF-BA13-D9B01938FC3F}"/>
+              </a:ext>
+            </a:extLst>
+          </p:cNvPr>
+          <p:cNvSpPr>
+            <a:spLocks noGrp="1"/>
+          </p:cNvSpPr>
+          <p:nvPr>
+            <p:ph type="sldNum" sz="quarter" idx="12"/>
+          </p:nvPr>
+        </p:nvSpPr>
+        <p:spPr/>
+        <p:txBody>
+          <a:bodyPr/>
+          <a:lstStyle/>
+          <a:p>
+            <a:fld id="{F6728BC2-ACA3-447C-A909-F3F49211C066}" type="slidenum">
+              <a:rPr lang="en-US" smtClean="0"/>
+              <a:pPr/>
+              <a:t>3</a:t>
+            </a:fld>
+            <a:endParaRPr lang="en-US" dirty="0"/>
+          </a:p>
+        </p:txBody>
+      </p:sp>
+      <p:sp>
+        <p:nvSpPr>
+          <p:cNvPr id="5" name="Content Placeholder 4">
+            <a:extLst>
+              <a:ext uri="{FF2B5EF4-FFF2-40B4-BE49-F238E27FC236}">
+                <a16:creationId xmlns:a16="http://schemas.microsoft.com/office/drawing/2014/main" id="{F41A0D8D-9BDF-4B7B-839B-56C7BD2FAAC6}"/>
+              </a:ext>
+            </a:extLst>
+          </p:cNvPr>
+          <p:cNvSpPr>
+            <a:spLocks noGrp="1"/>
+          </p:cNvSpPr>
+          <p:nvPr>
+            <p:ph sz="quarter" idx="13"/>
+          </p:nvPr>
+        </p:nvSpPr>
+        <p:spPr>
+          <a:xfrm>
+            <a:off x="158750" y="2709862"/>
+            <a:ext cx="8826500" cy="1438275"/>
+          </a:xfrm>
+        </p:spPr>
+        <p:txBody>
+          <a:bodyPr>
+            <a:normAutofit/>
+          </a:bodyPr>
+          <a:lstStyle/>
+          <a:p>
+            <a:pPr algn="ctr"/>
+            <a:r>
+              <a:rPr lang="en-US" sz="4800" dirty="0"/>
+              <a:t>The Box Model</a:t>
+            </a:r>
+          </a:p>
+        </p:txBody>
+      </p:sp>
+    </p:spTree>
+    <p:extLst>
+      <p:ext uri="{BB962C8B-B14F-4D97-AF65-F5344CB8AC3E}">
+        <p14:creationId xmlns:p14="http://schemas.microsoft.com/office/powerpoint/2010/main" val="126935119"/>
+      </p:ext>
+    </p:extLst>
+  </p:cSld>
+  <p:clrMapOvr>
+    <a:masterClrMapping/>
+  </p:clrMapOvr>
+</p:sld>
+</file>
+
+<file path=ppt/slides/slide5.xml><?xml version="1.0" encoding="utf-8"?>
+<p:sld xmlns:a="http://schemas.openxmlformats.org/drawingml/2006/main" xmlns:r="http://schemas.openxmlformats.org/officeDocument/2006/relationships" xmlns:p="http://schemas.openxmlformats.org/presentationml/2006/main">
+  <p:cSld>
+    <p:spTree>
+      <p:nvGrpSpPr>
+        <p:cNvPr id="1" name=""/>
+        <p:cNvGrpSpPr/>
+        <p:nvPr/>
+      </p:nvGrpSpPr>
+      <p:grpSpPr>
+        <a:xfrm>
+          <a:off x="0" y="0"/>
+          <a:ext cx="0" cy="0"/>
+          <a:chOff x="0" y="0"/>
+          <a:chExt cx="0" cy="0"/>
+        </a:xfrm>
+      </p:grpSpPr>
+      <p:sp>
+        <p:nvSpPr>
+          <p:cNvPr id="2" name="Title 1"/>
+          <p:cNvSpPr>
+            <a:spLocks noGrp="1"/>
+          </p:cNvSpPr>
+          <p:nvPr>
+            <p:ph type="title"/>
+          </p:nvPr>
+        </p:nvSpPr>
+        <p:spPr/>
+        <p:txBody>
+          <a:bodyPr/>
+          <a:lstStyle/>
+          <a:p>
+            <a:r>
+              <a:rPr lang="en-US" dirty="0"/>
+              <a:t>The Box Model</a:t>
+            </a:r>
+          </a:p>
+        </p:txBody>
+      </p:sp>
+      <p:sp>
+        <p:nvSpPr>
+          <p:cNvPr id="3" name="Content Placeholder 2"/>
+          <p:cNvSpPr>
+            <a:spLocks noGrp="1"/>
+          </p:cNvSpPr>
+          <p:nvPr>
+            <p:ph idx="1"/>
+          </p:nvPr>
+        </p:nvSpPr>
+        <p:spPr>
+          <a:xfrm>
+            <a:off x="380010" y="1481446"/>
+            <a:ext cx="8383980" cy="4882266"/>
+          </a:xfrm>
+        </p:spPr>
+        <p:txBody>
+          <a:bodyPr>
+            <a:normAutofit/>
+          </a:bodyPr>
+          <a:lstStyle/>
+          <a:p>
+            <a:r>
+              <a:rPr lang="en-US" dirty="0"/>
+              <a:t>Box Model: every HTML element exists in a “box”.</a:t>
+            </a:r>
+          </a:p>
+          <a:p>
+            <a:pPr lvl="1"/>
+            <a:r>
+              <a:rPr lang="en-US" dirty="0"/>
+              <a:t>Boxes have </a:t>
+            </a:r>
+            <a:r>
+              <a:rPr lang="en-US" b="1" dirty="0"/>
+              <a:t>margins</a:t>
+            </a:r>
+            <a:r>
+              <a:rPr lang="en-US" dirty="0"/>
+              <a:t> that separate them from other boxes</a:t>
+            </a:r>
+          </a:p>
+          <a:p>
+            <a:pPr lvl="1"/>
+            <a:r>
+              <a:rPr lang="en-US" dirty="0"/>
+              <a:t>Boxes have a </a:t>
+            </a:r>
+            <a:r>
+              <a:rPr lang="en-US" b="1" dirty="0"/>
+              <a:t>border</a:t>
+            </a:r>
+            <a:r>
+              <a:rPr lang="en-US" dirty="0"/>
+              <a:t> around their internal contents</a:t>
+            </a:r>
+          </a:p>
+          <a:p>
+            <a:pPr lvl="1"/>
+            <a:r>
+              <a:rPr lang="en-US" dirty="0"/>
+              <a:t>Boxes have a </a:t>
+            </a:r>
+            <a:r>
+              <a:rPr lang="en-US" b="1" dirty="0"/>
+              <a:t>padding</a:t>
+            </a:r>
+            <a:r>
+              <a:rPr lang="en-US" dirty="0"/>
+              <a:t> that separates the content from the border</a:t>
+            </a:r>
+          </a:p>
+          <a:p>
+            <a:r>
+              <a:rPr lang="en-US" dirty="0"/>
+              <a:t>All box measurements can be changed to move content around within boxes</a:t>
+            </a:r>
+          </a:p>
+          <a:p>
+            <a:r>
+              <a:rPr lang="en-US" dirty="0"/>
+              <a:t>&lt;div&gt; and &lt;span&gt; elements allow you to group or contain other elements within their “boxes”</a:t>
+            </a:r>
+          </a:p>
+        </p:txBody>
+      </p:sp>
+      <p:sp>
+        <p:nvSpPr>
+          <p:cNvPr id="4" name="Slide Number Placeholder 3"/>
+          <p:cNvSpPr>
+            <a:spLocks noGrp="1"/>
+          </p:cNvSpPr>
+          <p:nvPr>
+            <p:ph type="sldNum" sz="quarter" idx="12"/>
+          </p:nvPr>
+        </p:nvSpPr>
+        <p:spPr/>
+        <p:txBody>
+          <a:bodyPr/>
+          <a:lstStyle/>
+          <a:p>
+            <a:fld id="{F6728BC2-ACA3-447C-A909-F3F49211C066}" type="slidenum">
+              <a:rPr lang="en-US" smtClean="0"/>
+              <a:pPr/>
+              <a:t>4</a:t>
+            </a:fld>
+            <a:endParaRPr lang="en-US" dirty="0"/>
+          </a:p>
+        </p:txBody>
+      </p:sp>
+    </p:spTree>
+    <p:extLst>
+      <p:ext uri="{BB962C8B-B14F-4D97-AF65-F5344CB8AC3E}">
+        <p14:creationId xmlns:p14="http://schemas.microsoft.com/office/powerpoint/2010/main" val="2429585954"/>
+      </p:ext>
+    </p:extLst>
+  </p:cSld>
+  <p:clrMapOvr>
+    <a:masterClrMapping/>
+  </p:clrMapOvr>
+</p:sld>
+</file>
+
+<file path=ppt/slides/slide6.xml><?xml version="1.0" encoding="utf-8"?>
+<p:sld xmlns:a="http://schemas.openxmlformats.org/drawingml/2006/main" xmlns:r="http://schemas.openxmlformats.org/officeDocument/2006/relationships" xmlns:p="http://schemas.openxmlformats.org/presentationml/2006/main">
+  <p:cSld>
+    <p:spTree>
+      <p:nvGrpSpPr>
+        <p:cNvPr id="1" name=""/>
+        <p:cNvGrpSpPr/>
+        <p:nvPr/>
+      </p:nvGrpSpPr>
+      <p:grpSpPr>
+        <a:xfrm>
+          <a:off x="0" y="0"/>
+          <a:ext cx="0" cy="0"/>
+          <a:chOff x="0" y="0"/>
+          <a:chExt cx="0" cy="0"/>
+        </a:xfrm>
+      </p:grpSpPr>
+      <p:sp>
+        <p:nvSpPr>
+          <p:cNvPr id="2" name="Title 1">
+            <a:extLst>
+              <a:ext uri="{FF2B5EF4-FFF2-40B4-BE49-F238E27FC236}">
+                <a16:creationId xmlns:a16="http://schemas.microsoft.com/office/drawing/2014/main" id="{7A3D8FF8-7D5E-4380-A0FD-6DC2A088377B}"/>
+              </a:ext>
+            </a:extLst>
+          </p:cNvPr>
+          <p:cNvSpPr>
+            <a:spLocks noGrp="1"/>
+          </p:cNvSpPr>
+          <p:nvPr>
+            <p:ph type="title"/>
+          </p:nvPr>
+        </p:nvSpPr>
+        <p:spPr/>
+        <p:txBody>
+          <a:bodyPr/>
+          <a:lstStyle/>
+          <a:p>
+            <a:r>
+              <a:rPr lang="en-US" dirty="0"/>
+              <a:t>The Box Model (</a:t>
+            </a:r>
+            <a:r>
+              <a:rPr lang="en-US" dirty="0" err="1"/>
+              <a:t>cont</a:t>
+            </a:r>
+            <a:r>
+              <a:rPr lang="en-US" dirty="0"/>
+              <a:t>…)</a:t>
+            </a:r>
+          </a:p>
+        </p:txBody>
+      </p:sp>
+      <p:pic>
+        <p:nvPicPr>
+          <p:cNvPr id="6" name="Content Placeholder 5" descr="A close up of a logo&#10;&#10;Description automatically generated">
+            <a:extLst>
+              <a:ext uri="{FF2B5EF4-FFF2-40B4-BE49-F238E27FC236}">
+                <a16:creationId xmlns:a16="http://schemas.microsoft.com/office/drawing/2014/main" id="{1BC3B33E-FCF5-41A4-B8F4-C536FE1CD2D6}"/>
+              </a:ext>
+            </a:extLst>
+          </p:cNvPr>
+          <p:cNvPicPr>
+            <a:picLocks noGrp="1" noChangeAspect="1"/>
+          </p:cNvPicPr>
+          <p:nvPr>
+            <p:ph idx="1"/>
+          </p:nvPr>
+        </p:nvPicPr>
+        <p:blipFill>
+          <a:blip r:embed="rId2">
+            <a:extLst>
+              <a:ext uri="{28A0092B-C50C-407E-A947-70E740481C1C}">
+                <a14:useLocalDpi xmlns:a14="http://schemas.microsoft.com/office/drawing/2010/main" val="0"/>
+              </a:ext>
+            </a:extLst>
+          </a:blip>
+          <a:stretch>
+            <a:fillRect/>
+          </a:stretch>
+        </p:blipFill>
+        <p:spPr>
+          <a:xfrm>
+            <a:off x="1121213" y="1395302"/>
+            <a:ext cx="6901573" cy="4968410"/>
+          </a:xfrm>
+        </p:spPr>
+      </p:pic>
+      <p:sp>
+        <p:nvSpPr>
+          <p:cNvPr id="4" name="Slide Number Placeholder 3">
+            <a:extLst>
+              <a:ext uri="{FF2B5EF4-FFF2-40B4-BE49-F238E27FC236}">
+                <a16:creationId xmlns:a16="http://schemas.microsoft.com/office/drawing/2014/main" id="{5E3CD094-7D22-4372-A9B2-2948ABC45567}"/>
+              </a:ext>
+            </a:extLst>
+          </p:cNvPr>
+          <p:cNvSpPr>
+            <a:spLocks noGrp="1"/>
+          </p:cNvSpPr>
+          <p:nvPr>
+            <p:ph type="sldNum" sz="quarter" idx="12"/>
+          </p:nvPr>
+        </p:nvSpPr>
+        <p:spPr/>
+        <p:txBody>
+          <a:bodyPr/>
+          <a:lstStyle/>
+          <a:p>
+            <a:fld id="{F6728BC2-ACA3-447C-A909-F3F49211C066}" type="slidenum">
+              <a:rPr lang="en-US" smtClean="0"/>
+              <a:pPr/>
+              <a:t>5</a:t>
+            </a:fld>
+            <a:endParaRPr lang="en-US" dirty="0"/>
+          </a:p>
+        </p:txBody>
+      </p:sp>
+    </p:spTree>
+    <p:extLst>
+      <p:ext uri="{BB962C8B-B14F-4D97-AF65-F5344CB8AC3E}">
+        <p14:creationId xmlns:p14="http://schemas.microsoft.com/office/powerpoint/2010/main" val="3022637320"/>
       </p:ext>
     </p:extLst>
   </p:cSld>
@@ -43721,7 +43713,7 @@
           <p:nvPr>
             <p:extLst>
               <p:ext uri="{D42A27DB-BD31-4B8C-83A1-F6EECF244321}">
-                <p14:modId xmlns:p14="http://schemas.microsoft.com/office/powerpoint/2010/main" val="4262361762"/>
+                <p14:modId xmlns:p14="http://schemas.microsoft.com/office/powerpoint/2010/main" val="2424835979"/>
               </p:ext>
             </p:extLst>
           </p:nvPr>
@@ -45034,6 +45026,23 @@
 </file>
 
 <file path=customXml/item1.xml><?xml version="1.0" encoding="utf-8"?>
+<p:properties xmlns:p="http://schemas.microsoft.com/office/2006/metadata/properties" xmlns:xsi="http://www.w3.org/2001/XMLSchema-instance" xmlns:pc="http://schemas.microsoft.com/office/infopath/2007/PartnerControls">
+  <documentManagement>
+    <Details xmlns="16399201-8c70-4094-bedf-0e0052933be2" xsi:nil="true"/>
+  </documentManagement>
+</p:properties>
+</file>
+
+<file path=customXml/item2.xml><?xml version="1.0" encoding="utf-8"?>
+<?mso-contentType ?>
+<FormTemplates xmlns="http://schemas.microsoft.com/sharepoint/v3/contenttype/forms">
+  <Display>DocumentLibraryForm</Display>
+  <Edit>DocumentLibraryForm</Edit>
+  <New>DocumentLibraryForm</New>
+</FormTemplates>
+</file>
+
+<file path=customXml/item3.xml><?xml version="1.0" encoding="utf-8"?>
 <ct:contentTypeSchema xmlns:ct="http://schemas.microsoft.com/office/2006/metadata/contentType" xmlns:ma="http://schemas.microsoft.com/office/2006/metadata/properties/metaAttributes" ct:_="" ma:_="" ma:contentTypeName="Document" ma:contentTypeID="0x0101008BD2F010722D7D4D902378845F41F1B2" ma:contentTypeVersion="13" ma:contentTypeDescription="Create a new document." ma:contentTypeScope="" ma:versionID="b68d56871977609000cd171c9412956f">
   <xsd:schema xmlns:xsd="http://www.w3.org/2001/XMLSchema" xmlns:xs="http://www.w3.org/2001/XMLSchema" xmlns:p="http://schemas.microsoft.com/office/2006/metadata/properties" xmlns:ns2="16399201-8c70-4094-bedf-0e0052933be2" xmlns:ns3="c1d1d668-1a17-41cc-8e51-02c957e8f86c" targetNamespace="http://schemas.microsoft.com/office/2006/metadata/properties" ma:root="true" ma:fieldsID="8d4e77ac156dfa649f0a05adbe1f888e" ns2:_="" ns3:_="">
     <xsd:import namespace="16399201-8c70-4094-bedf-0e0052933be2"/>
@@ -45258,31 +45267,39 @@
 </ct:contentTypeSchema>
 </file>
 
-<file path=customXml/item2.xml><?xml version="1.0" encoding="utf-8"?>
-<?mso-contentType ?>
-<FormTemplates xmlns="http://schemas.microsoft.com/sharepoint/v3/contenttype/forms">
-  <Display>DocumentLibraryForm</Display>
-  <Edit>DocumentLibraryForm</Edit>
-  <New>DocumentLibraryForm</New>
-</FormTemplates>
-</file>
-
-<file path=customXml/item3.xml><?xml version="1.0" encoding="utf-8"?>
-<p:properties xmlns:p="http://schemas.microsoft.com/office/2006/metadata/properties" xmlns:xsi="http://www.w3.org/2001/XMLSchema-instance" xmlns:pc="http://schemas.microsoft.com/office/infopath/2007/PartnerControls">
-  <documentManagement>
-    <Details xmlns="16399201-8c70-4094-bedf-0e0052933be2" xsi:nil="true"/>
-  </documentManagement>
-</p:properties>
-</file>
-
 <file path=customXml/itemProps1.xml><?xml version="1.0" encoding="utf-8"?>
-<ds:datastoreItem xmlns:ds="http://schemas.openxmlformats.org/officeDocument/2006/customXml" ds:itemID="{CCA2A5F0-976E-419B-B194-D8187AC2B07C}"/>
+<ds:datastoreItem xmlns:ds="http://schemas.openxmlformats.org/officeDocument/2006/customXml" ds:itemID="{681E50BF-078C-4AFE-A768-17FB84612BD3}">
+  <ds:schemaRefs>
+    <ds:schemaRef ds:uri="http://schemas.microsoft.com/office/2006/metadata/properties"/>
+    <ds:schemaRef ds:uri="http://schemas.microsoft.com/office/infopath/2007/PartnerControls"/>
+    <ds:schemaRef ds:uri="16399201-8c70-4094-bedf-0e0052933be2"/>
+  </ds:schemaRefs>
+</ds:datastoreItem>
 </file>
 
 <file path=customXml/itemProps2.xml><?xml version="1.0" encoding="utf-8"?>
-<ds:datastoreItem xmlns:ds="http://schemas.openxmlformats.org/officeDocument/2006/customXml" ds:itemID="{E6AED719-DFF8-49F7-8486-1BF0D85BDF81}"/>
+<ds:datastoreItem xmlns:ds="http://schemas.openxmlformats.org/officeDocument/2006/customXml" ds:itemID="{E6AED719-DFF8-49F7-8486-1BF0D85BDF81}">
+  <ds:schemaRefs>
+    <ds:schemaRef ds:uri="http://schemas.microsoft.com/sharepoint/v3/contenttype/forms"/>
+  </ds:schemaRefs>
+</ds:datastoreItem>
 </file>
 
 <file path=customXml/itemProps3.xml><?xml version="1.0" encoding="utf-8"?>
-<ds:datastoreItem xmlns:ds="http://schemas.openxmlformats.org/officeDocument/2006/customXml" ds:itemID="{681E50BF-078C-4AFE-A768-17FB84612BD3}"/>
+<ds:datastoreItem xmlns:ds="http://schemas.openxmlformats.org/officeDocument/2006/customXml" ds:itemID="{CCA2A5F0-976E-419B-B194-D8187AC2B07C}">
+  <ds:schemaRefs>
+    <ds:schemaRef ds:uri="http://schemas.microsoft.com/office/2006/metadata/contentType"/>
+    <ds:schemaRef ds:uri="http://schemas.microsoft.com/office/2006/metadata/properties/metaAttributes"/>
+    <ds:schemaRef ds:uri="http://www.w3.org/2001/XMLSchema"/>
+    <ds:schemaRef ds:uri="http://schemas.microsoft.com/office/2006/metadata/properties"/>
+    <ds:schemaRef ds:uri="16399201-8c70-4094-bedf-0e0052933be2"/>
+    <ds:schemaRef ds:uri="c1d1d668-1a17-41cc-8e51-02c957e8f86c"/>
+    <ds:schemaRef ds:uri="http://schemas.microsoft.com/office/2006/documentManagement/types"/>
+    <ds:schemaRef ds:uri="http://schemas.microsoft.com/office/infopath/2007/PartnerControls"/>
+    <ds:schemaRef ds:uri="http://schemas.openxmlformats.org/package/2006/metadata/core-properties"/>
+    <ds:schemaRef ds:uri="http://purl.org/dc/elements/1.1/"/>
+    <ds:schemaRef ds:uri="http://purl.org/dc/terms/"/>
+    <ds:schemaRef ds:uri="http://schemas.microsoft.com/internal/obd"/>
+  </ds:schemaRefs>
+</ds:datastoreItem>
 </file>